--- a/University Assignment Management System v0.1.pptx
+++ b/University Assignment Management System v0.1.pptx
@@ -4,6 +4,9 @@
   <p:sldMasterIdLst>
     <p:sldMasterId id="2147483648" r:id="rId1"/>
   </p:sldMasterIdLst>
+  <p:notesMasterIdLst>
+    <p:notesMasterId r:id="rId16"/>
+  </p:notesMasterIdLst>
   <p:sldIdLst>
     <p:sldId id="256" r:id="rId2"/>
     <p:sldId id="257" r:id="rId3"/>
@@ -12,12 +15,13 @@
     <p:sldId id="260" r:id="rId6"/>
     <p:sldId id="261" r:id="rId7"/>
     <p:sldId id="262" r:id="rId8"/>
-    <p:sldId id="263" r:id="rId9"/>
-    <p:sldId id="264" r:id="rId10"/>
-    <p:sldId id="265" r:id="rId11"/>
-    <p:sldId id="266" r:id="rId12"/>
-    <p:sldId id="268" r:id="rId13"/>
-    <p:sldId id="267" r:id="rId14"/>
+    <p:sldId id="269" r:id="rId9"/>
+    <p:sldId id="270" r:id="rId10"/>
+    <p:sldId id="263" r:id="rId11"/>
+    <p:sldId id="264" r:id="rId12"/>
+    <p:sldId id="265" r:id="rId13"/>
+    <p:sldId id="266" r:id="rId14"/>
+    <p:sldId id="268" r:id="rId15"/>
   </p:sldIdLst>
   <p:sldSz cx="12192000" cy="6858000"/>
   <p:notesSz cx="6858000" cy="9144000"/>
@@ -116,7 +120,366 @@
       </a:defRPr>
     </a:lvl9pPr>
   </p:defaultTextStyle>
+  <p:extLst>
+    <p:ext uri="{EFAFB233-063F-42B5-8137-9DF3F51BA10A}">
+      <p15:sldGuideLst xmlns:p15="http://schemas.microsoft.com/office/powerpoint/2012/main"/>
+    </p:ext>
+  </p:extLst>
 </p:presentation>
+</file>
+
+<file path=ppt/revisionInfo.xml><?xml version="1.0" encoding="utf-8"?>
+<p1510:revInfo xmlns:a="http://schemas.openxmlformats.org/drawingml/2006/main" xmlns:r="http://schemas.openxmlformats.org/officeDocument/2006/relationships" xmlns:p1510="http://schemas.microsoft.com/office/powerpoint/2015/10/main"/>
+</file>
+
+<file path=ppt/notesMasters/notesMaster1.xml><?xml version="1.0" encoding="utf-8"?>
+<p:notesMaster xmlns:a="http://schemas.openxmlformats.org/drawingml/2006/main" xmlns:r="http://schemas.openxmlformats.org/officeDocument/2006/relationships" xmlns:p="http://schemas.openxmlformats.org/presentationml/2006/main">
+  <p:cSld>
+    <p:bg>
+      <p:bgRef idx="1001">
+        <a:schemeClr val="bg1"/>
+      </p:bgRef>
+    </p:bg>
+    <p:spTree>
+      <p:nvGrpSpPr>
+        <p:cNvPr id="1" name=""/>
+        <p:cNvGrpSpPr/>
+        <p:nvPr/>
+      </p:nvGrpSpPr>
+      <p:grpSpPr>
+        <a:xfrm>
+          <a:off x="0" y="0"/>
+          <a:ext cx="0" cy="0"/>
+          <a:chOff x="0" y="0"/>
+          <a:chExt cx="0" cy="0"/>
+        </a:xfrm>
+      </p:grpSpPr>
+      <p:sp>
+        <p:nvSpPr>
+          <p:cNvPr id="2" name="Header Placeholder 1"/>
+          <p:cNvSpPr>
+            <a:spLocks noGrp="1"/>
+          </p:cNvSpPr>
+          <p:nvPr>
+            <p:ph type="hdr" sz="quarter"/>
+          </p:nvPr>
+        </p:nvSpPr>
+        <p:spPr>
+          <a:xfrm>
+            <a:off x="0" y="0"/>
+            <a:ext cx="2971800" cy="458788"/>
+          </a:xfrm>
+          <a:prstGeom prst="rect">
+            <a:avLst/>
+          </a:prstGeom>
+        </p:spPr>
+        <p:txBody>
+          <a:bodyPr vert="horz" lIns="91440" tIns="45720" rIns="91440" bIns="45720" rtlCol="0"/>
+          <a:lstStyle>
+            <a:lvl1pPr algn="l">
+              <a:defRPr sz="1200"/>
+            </a:lvl1pPr>
+          </a:lstStyle>
+          <a:p>
+            <a:endParaRPr lang="en-IN"/>
+          </a:p>
+        </p:txBody>
+      </p:sp>
+      <p:sp>
+        <p:nvSpPr>
+          <p:cNvPr id="3" name="Date Placeholder 2"/>
+          <p:cNvSpPr>
+            <a:spLocks noGrp="1"/>
+          </p:cNvSpPr>
+          <p:nvPr>
+            <p:ph type="dt" idx="1"/>
+          </p:nvPr>
+        </p:nvSpPr>
+        <p:spPr>
+          <a:xfrm>
+            <a:off x="3884613" y="0"/>
+            <a:ext cx="2971800" cy="458788"/>
+          </a:xfrm>
+          <a:prstGeom prst="rect">
+            <a:avLst/>
+          </a:prstGeom>
+        </p:spPr>
+        <p:txBody>
+          <a:bodyPr vert="horz" lIns="91440" tIns="45720" rIns="91440" bIns="45720" rtlCol="0"/>
+          <a:lstStyle>
+            <a:lvl1pPr algn="r">
+              <a:defRPr sz="1200"/>
+            </a:lvl1pPr>
+          </a:lstStyle>
+          <a:p>
+            <a:fld id="{2DC5FA00-9766-4411-A49E-012E332B8655}" type="datetimeFigureOut">
+              <a:rPr lang="en-IN" smtClean="0"/>
+              <a:t>29-11-2017</a:t>
+            </a:fld>
+            <a:endParaRPr lang="en-IN"/>
+          </a:p>
+        </p:txBody>
+      </p:sp>
+      <p:sp>
+        <p:nvSpPr>
+          <p:cNvPr id="4" name="Slide Image Placeholder 3"/>
+          <p:cNvSpPr>
+            <a:spLocks noGrp="1" noRot="1" noChangeAspect="1"/>
+          </p:cNvSpPr>
+          <p:nvPr>
+            <p:ph type="sldImg" idx="2"/>
+          </p:nvPr>
+        </p:nvSpPr>
+        <p:spPr>
+          <a:xfrm>
+            <a:off x="685800" y="1143000"/>
+            <a:ext cx="5486400" cy="3086100"/>
+          </a:xfrm>
+          <a:prstGeom prst="rect">
+            <a:avLst/>
+          </a:prstGeom>
+          <a:noFill/>
+          <a:ln w="12700">
+            <a:solidFill>
+              <a:prstClr val="black"/>
+            </a:solidFill>
+          </a:ln>
+        </p:spPr>
+        <p:txBody>
+          <a:bodyPr vert="horz" lIns="91440" tIns="45720" rIns="91440" bIns="45720" rtlCol="0" anchor="ctr"/>
+          <a:lstStyle/>
+          <a:p>
+            <a:endParaRPr lang="en-IN"/>
+          </a:p>
+        </p:txBody>
+      </p:sp>
+      <p:sp>
+        <p:nvSpPr>
+          <p:cNvPr id="5" name="Notes Placeholder 4"/>
+          <p:cNvSpPr>
+            <a:spLocks noGrp="1"/>
+          </p:cNvSpPr>
+          <p:nvPr>
+            <p:ph type="body" sz="quarter" idx="3"/>
+          </p:nvPr>
+        </p:nvSpPr>
+        <p:spPr>
+          <a:xfrm>
+            <a:off x="685800" y="4400550"/>
+            <a:ext cx="5486400" cy="3600450"/>
+          </a:xfrm>
+          <a:prstGeom prst="rect">
+            <a:avLst/>
+          </a:prstGeom>
+        </p:spPr>
+        <p:txBody>
+          <a:bodyPr vert="horz" lIns="91440" tIns="45720" rIns="91440" bIns="45720" rtlCol="0"/>
+          <a:lstStyle/>
+          <a:p>
+            <a:pPr lvl="0"/>
+            <a:r>
+              <a:rPr lang="en-US"/>
+              <a:t>Edit Master text styles</a:t>
+            </a:r>
+          </a:p>
+          <a:p>
+            <a:pPr lvl="1"/>
+            <a:r>
+              <a:rPr lang="en-US"/>
+              <a:t>Second level</a:t>
+            </a:r>
+          </a:p>
+          <a:p>
+            <a:pPr lvl="2"/>
+            <a:r>
+              <a:rPr lang="en-US"/>
+              <a:t>Third level</a:t>
+            </a:r>
+          </a:p>
+          <a:p>
+            <a:pPr lvl="3"/>
+            <a:r>
+              <a:rPr lang="en-US"/>
+              <a:t>Fourth level</a:t>
+            </a:r>
+          </a:p>
+          <a:p>
+            <a:pPr lvl="4"/>
+            <a:r>
+              <a:rPr lang="en-US"/>
+              <a:t>Fifth level</a:t>
+            </a:r>
+            <a:endParaRPr lang="en-IN"/>
+          </a:p>
+        </p:txBody>
+      </p:sp>
+      <p:sp>
+        <p:nvSpPr>
+          <p:cNvPr id="6" name="Footer Placeholder 5"/>
+          <p:cNvSpPr>
+            <a:spLocks noGrp="1"/>
+          </p:cNvSpPr>
+          <p:nvPr>
+            <p:ph type="ftr" sz="quarter" idx="4"/>
+          </p:nvPr>
+        </p:nvSpPr>
+        <p:spPr>
+          <a:xfrm>
+            <a:off x="0" y="8685213"/>
+            <a:ext cx="2971800" cy="458787"/>
+          </a:xfrm>
+          <a:prstGeom prst="rect">
+            <a:avLst/>
+          </a:prstGeom>
+        </p:spPr>
+        <p:txBody>
+          <a:bodyPr vert="horz" lIns="91440" tIns="45720" rIns="91440" bIns="45720" rtlCol="0" anchor="b"/>
+          <a:lstStyle>
+            <a:lvl1pPr algn="l">
+              <a:defRPr sz="1200"/>
+            </a:lvl1pPr>
+          </a:lstStyle>
+          <a:p>
+            <a:endParaRPr lang="en-IN"/>
+          </a:p>
+        </p:txBody>
+      </p:sp>
+      <p:sp>
+        <p:nvSpPr>
+          <p:cNvPr id="7" name="Slide Number Placeholder 6"/>
+          <p:cNvSpPr>
+            <a:spLocks noGrp="1"/>
+          </p:cNvSpPr>
+          <p:nvPr>
+            <p:ph type="sldNum" sz="quarter" idx="5"/>
+          </p:nvPr>
+        </p:nvSpPr>
+        <p:spPr>
+          <a:xfrm>
+            <a:off x="3884613" y="8685213"/>
+            <a:ext cx="2971800" cy="458787"/>
+          </a:xfrm>
+          <a:prstGeom prst="rect">
+            <a:avLst/>
+          </a:prstGeom>
+        </p:spPr>
+        <p:txBody>
+          <a:bodyPr vert="horz" lIns="91440" tIns="45720" rIns="91440" bIns="45720" rtlCol="0" anchor="b"/>
+          <a:lstStyle>
+            <a:lvl1pPr algn="r">
+              <a:defRPr sz="1200"/>
+            </a:lvl1pPr>
+          </a:lstStyle>
+          <a:p>
+            <a:fld id="{189A8BF3-5A26-44B5-A3E2-7C81542FB6EF}" type="slidenum">
+              <a:rPr lang="en-IN" smtClean="0"/>
+              <a:t>‹#›</a:t>
+            </a:fld>
+            <a:endParaRPr lang="en-IN"/>
+          </a:p>
+        </p:txBody>
+      </p:sp>
+    </p:spTree>
+    <p:extLst>
+      <p:ext uri="{BB962C8B-B14F-4D97-AF65-F5344CB8AC3E}">
+        <p14:creationId xmlns:p14="http://schemas.microsoft.com/office/powerpoint/2010/main" val="3712435216"/>
+      </p:ext>
+    </p:extLst>
+  </p:cSld>
+  <p:clrMap bg1="lt1" tx1="dk1" bg2="lt2" tx2="dk2" accent1="accent1" accent2="accent2" accent3="accent3" accent4="accent4" accent5="accent5" accent6="accent6" hlink="hlink" folHlink="folHlink"/>
+  <p:notesStyle>
+    <a:lvl1pPr marL="0" algn="l" defTabSz="914400" rtl="0" eaLnBrk="1" latinLnBrk="0" hangingPunct="1">
+      <a:defRPr sz="1200" kern="1200">
+        <a:solidFill>
+          <a:schemeClr val="tx1"/>
+        </a:solidFill>
+        <a:latin typeface="+mn-lt"/>
+        <a:ea typeface="+mn-ea"/>
+        <a:cs typeface="+mn-cs"/>
+      </a:defRPr>
+    </a:lvl1pPr>
+    <a:lvl2pPr marL="457200" algn="l" defTabSz="914400" rtl="0" eaLnBrk="1" latinLnBrk="0" hangingPunct="1">
+      <a:defRPr sz="1200" kern="1200">
+        <a:solidFill>
+          <a:schemeClr val="tx1"/>
+        </a:solidFill>
+        <a:latin typeface="+mn-lt"/>
+        <a:ea typeface="+mn-ea"/>
+        <a:cs typeface="+mn-cs"/>
+      </a:defRPr>
+    </a:lvl2pPr>
+    <a:lvl3pPr marL="914400" algn="l" defTabSz="914400" rtl="0" eaLnBrk="1" latinLnBrk="0" hangingPunct="1">
+      <a:defRPr sz="1200" kern="1200">
+        <a:solidFill>
+          <a:schemeClr val="tx1"/>
+        </a:solidFill>
+        <a:latin typeface="+mn-lt"/>
+        <a:ea typeface="+mn-ea"/>
+        <a:cs typeface="+mn-cs"/>
+      </a:defRPr>
+    </a:lvl3pPr>
+    <a:lvl4pPr marL="1371600" algn="l" defTabSz="914400" rtl="0" eaLnBrk="1" latinLnBrk="0" hangingPunct="1">
+      <a:defRPr sz="1200" kern="1200">
+        <a:solidFill>
+          <a:schemeClr val="tx1"/>
+        </a:solidFill>
+        <a:latin typeface="+mn-lt"/>
+        <a:ea typeface="+mn-ea"/>
+        <a:cs typeface="+mn-cs"/>
+      </a:defRPr>
+    </a:lvl4pPr>
+    <a:lvl5pPr marL="1828800" algn="l" defTabSz="914400" rtl="0" eaLnBrk="1" latinLnBrk="0" hangingPunct="1">
+      <a:defRPr sz="1200" kern="1200">
+        <a:solidFill>
+          <a:schemeClr val="tx1"/>
+        </a:solidFill>
+        <a:latin typeface="+mn-lt"/>
+        <a:ea typeface="+mn-ea"/>
+        <a:cs typeface="+mn-cs"/>
+      </a:defRPr>
+    </a:lvl5pPr>
+    <a:lvl6pPr marL="2286000" algn="l" defTabSz="914400" rtl="0" eaLnBrk="1" latinLnBrk="0" hangingPunct="1">
+      <a:defRPr sz="1200" kern="1200">
+        <a:solidFill>
+          <a:schemeClr val="tx1"/>
+        </a:solidFill>
+        <a:latin typeface="+mn-lt"/>
+        <a:ea typeface="+mn-ea"/>
+        <a:cs typeface="+mn-cs"/>
+      </a:defRPr>
+    </a:lvl6pPr>
+    <a:lvl7pPr marL="2743200" algn="l" defTabSz="914400" rtl="0" eaLnBrk="1" latinLnBrk="0" hangingPunct="1">
+      <a:defRPr sz="1200" kern="1200">
+        <a:solidFill>
+          <a:schemeClr val="tx1"/>
+        </a:solidFill>
+        <a:latin typeface="+mn-lt"/>
+        <a:ea typeface="+mn-ea"/>
+        <a:cs typeface="+mn-cs"/>
+      </a:defRPr>
+    </a:lvl7pPr>
+    <a:lvl8pPr marL="3200400" algn="l" defTabSz="914400" rtl="0" eaLnBrk="1" latinLnBrk="0" hangingPunct="1">
+      <a:defRPr sz="1200" kern="1200">
+        <a:solidFill>
+          <a:schemeClr val="tx1"/>
+        </a:solidFill>
+        <a:latin typeface="+mn-lt"/>
+        <a:ea typeface="+mn-ea"/>
+        <a:cs typeface="+mn-cs"/>
+      </a:defRPr>
+    </a:lvl8pPr>
+    <a:lvl9pPr marL="3657600" algn="l" defTabSz="914400" rtl="0" eaLnBrk="1" latinLnBrk="0" hangingPunct="1">
+      <a:defRPr sz="1200" kern="1200">
+        <a:solidFill>
+          <a:schemeClr val="tx1"/>
+        </a:solidFill>
+        <a:latin typeface="+mn-lt"/>
+        <a:ea typeface="+mn-ea"/>
+        <a:cs typeface="+mn-cs"/>
+      </a:defRPr>
+    </a:lvl9pPr>
+  </p:notesStyle>
+</p:notesMaster>
 </file>
 
 <file path=ppt/slideLayouts/slideLayout1.xml><?xml version="1.0" encoding="utf-8"?>
@@ -266,7 +629,7 @@
           <a:bodyPr/>
           <a:lstStyle/>
           <a:p>
-            <a:fld id="{43904144-0B50-4474-8683-59C150F695EF}" type="datetimeFigureOut">
+            <a:fld id="{8B6D9EFB-C124-4524-8DD5-13EB61B1DE8F}" type="datetime1">
               <a:rPr lang="en-IN" smtClean="0"/>
               <a:t>29-11-2017</a:t>
             </a:fld>
@@ -466,7 +829,7 @@
           <a:bodyPr/>
           <a:lstStyle/>
           <a:p>
-            <a:fld id="{43904144-0B50-4474-8683-59C150F695EF}" type="datetimeFigureOut">
+            <a:fld id="{B3198B43-97E5-4F98-93A2-19F437A993FD}" type="datetime1">
               <a:rPr lang="en-IN" smtClean="0"/>
               <a:t>29-11-2017</a:t>
             </a:fld>
@@ -676,7 +1039,7 @@
           <a:bodyPr/>
           <a:lstStyle/>
           <a:p>
-            <a:fld id="{43904144-0B50-4474-8683-59C150F695EF}" type="datetimeFigureOut">
+            <a:fld id="{80C87E66-276C-415C-8D18-AA4616C858C3}" type="datetime1">
               <a:rPr lang="en-IN" smtClean="0"/>
               <a:t>29-11-2017</a:t>
             </a:fld>
@@ -876,7 +1239,7 @@
           <a:bodyPr/>
           <a:lstStyle/>
           <a:p>
-            <a:fld id="{43904144-0B50-4474-8683-59C150F695EF}" type="datetimeFigureOut">
+            <a:fld id="{0AC64464-60EB-4F07-B579-E14943264165}" type="datetime1">
               <a:rPr lang="en-IN" smtClean="0"/>
               <a:t>29-11-2017</a:t>
             </a:fld>
@@ -1152,7 +1515,7 @@
           <a:bodyPr/>
           <a:lstStyle/>
           <a:p>
-            <a:fld id="{43904144-0B50-4474-8683-59C150F695EF}" type="datetimeFigureOut">
+            <a:fld id="{97003B44-5640-41AB-888A-E28C124C89F1}" type="datetime1">
               <a:rPr lang="en-IN" smtClean="0"/>
               <a:t>29-11-2017</a:t>
             </a:fld>
@@ -1420,7 +1783,7 @@
           <a:bodyPr/>
           <a:lstStyle/>
           <a:p>
-            <a:fld id="{43904144-0B50-4474-8683-59C150F695EF}" type="datetimeFigureOut">
+            <a:fld id="{92189F82-4B11-4190-A566-C73740E5D217}" type="datetime1">
               <a:rPr lang="en-IN" smtClean="0"/>
               <a:t>29-11-2017</a:t>
             </a:fld>
@@ -1835,7 +2198,7 @@
           <a:bodyPr/>
           <a:lstStyle/>
           <a:p>
-            <a:fld id="{43904144-0B50-4474-8683-59C150F695EF}" type="datetimeFigureOut">
+            <a:fld id="{5B7301E4-A7E2-4807-B12D-91B685D6B68B}" type="datetime1">
               <a:rPr lang="en-IN" smtClean="0"/>
               <a:t>29-11-2017</a:t>
             </a:fld>
@@ -1977,7 +2340,7 @@
           <a:bodyPr/>
           <a:lstStyle/>
           <a:p>
-            <a:fld id="{43904144-0B50-4474-8683-59C150F695EF}" type="datetimeFigureOut">
+            <a:fld id="{99B459F7-BB8D-40FD-8D37-453DE3D25245}" type="datetime1">
               <a:rPr lang="en-IN" smtClean="0"/>
               <a:t>29-11-2017</a:t>
             </a:fld>
@@ -2090,7 +2453,7 @@
           <a:bodyPr/>
           <a:lstStyle/>
           <a:p>
-            <a:fld id="{43904144-0B50-4474-8683-59C150F695EF}" type="datetimeFigureOut">
+            <a:fld id="{DD29AF8B-E5C4-4490-A1F8-1BFAD1203215}" type="datetime1">
               <a:rPr lang="en-IN" smtClean="0"/>
               <a:t>29-11-2017</a:t>
             </a:fld>
@@ -2403,7 +2766,7 @@
           <a:bodyPr/>
           <a:lstStyle/>
           <a:p>
-            <a:fld id="{43904144-0B50-4474-8683-59C150F695EF}" type="datetimeFigureOut">
+            <a:fld id="{3E4038FA-F8ED-4F52-BE53-62AA78318E8C}" type="datetime1">
               <a:rPr lang="en-IN" smtClean="0"/>
               <a:t>29-11-2017</a:t>
             </a:fld>
@@ -2692,7 +3055,7 @@
           <a:bodyPr/>
           <a:lstStyle/>
           <a:p>
-            <a:fld id="{43904144-0B50-4474-8683-59C150F695EF}" type="datetimeFigureOut">
+            <a:fld id="{18925468-9EE7-4B66-AC6E-E90A3132E80F}" type="datetime1">
               <a:rPr lang="en-IN" smtClean="0"/>
               <a:t>29-11-2017</a:t>
             </a:fld>
@@ -2935,7 +3298,7 @@
             </a:lvl1pPr>
           </a:lstStyle>
           <a:p>
-            <a:fld id="{43904144-0B50-4474-8683-59C150F695EF}" type="datetimeFigureOut">
+            <a:fld id="{6F79B255-1611-4488-9DCF-A182C0911316}" type="datetime1">
               <a:rPr lang="en-IN" smtClean="0"/>
               <a:t>29-11-2017</a:t>
             </a:fld>
@@ -3054,6 +3417,7 @@
     <p:sldLayoutId id="2147483658" r:id="rId10"/>
     <p:sldLayoutId id="2147483659" r:id="rId11"/>
   </p:sldLayoutIdLst>
+  <p:hf hdr="0" ftr="0" dt="0"/>
   <p:txStyles>
     <p:titleStyle>
       <a:lvl1pPr algn="l" defTabSz="914400" rtl="0" eaLnBrk="1" latinLnBrk="0" hangingPunct="1">
@@ -3404,7 +3768,294 @@
           <a:bodyPr/>
           <a:lstStyle/>
           <a:p>
-            <a:endParaRPr lang="en-IN" dirty="0"/>
+            <a:r>
+              <a:rPr lang="en-IN" i="1" dirty="0">
+                <a:solidFill>
+                  <a:schemeClr val="bg1">
+                    <a:lumMod val="50000"/>
+                  </a:schemeClr>
+                </a:solidFill>
+              </a:rPr>
+              <a:t>Assignments in school or college are made for the sole purpose of checking students’ knowledge at regular intervals. UAMS makes it easy to manage this online .</a:t>
+            </a:r>
+          </a:p>
+        </p:txBody>
+      </p:sp>
+      <p:sp>
+        <p:nvSpPr>
+          <p:cNvPr id="4" name="Subtitle 2">
+            <a:extLst>
+              <a:ext uri="{FF2B5EF4-FFF2-40B4-BE49-F238E27FC236}">
+                <a16:creationId xmlns:a16="http://schemas.microsoft.com/office/drawing/2014/main" id="{188EC587-E36C-44DC-AB2C-EE4738491A76}"/>
+              </a:ext>
+            </a:extLst>
+          </p:cNvPr>
+          <p:cNvSpPr txBox="1">
+            <a:spLocks/>
+          </p:cNvSpPr>
+          <p:nvPr/>
+        </p:nvSpPr>
+        <p:spPr>
+          <a:xfrm>
+            <a:off x="8641223" y="5685640"/>
+            <a:ext cx="4737085" cy="857774"/>
+          </a:xfrm>
+          <a:prstGeom prst="rect">
+            <a:avLst/>
+          </a:prstGeom>
+        </p:spPr>
+        <p:txBody>
+          <a:bodyPr vert="horz" lIns="91440" tIns="45720" rIns="91440" bIns="45720" rtlCol="0">
+            <a:normAutofit/>
+          </a:bodyPr>
+          <a:lstStyle>
+            <a:lvl1pPr marL="0" indent="0" algn="ctr" defTabSz="914400" rtl="0" eaLnBrk="1" latinLnBrk="0" hangingPunct="1">
+              <a:lnSpc>
+                <a:spcPct val="90000"/>
+              </a:lnSpc>
+              <a:spcBef>
+                <a:spcPts val="1000"/>
+              </a:spcBef>
+              <a:buFont typeface="Arial" panose="020B0604020202020204" pitchFamily="34" charset="0"/>
+              <a:buNone/>
+              <a:defRPr sz="2400" kern="1200">
+                <a:solidFill>
+                  <a:schemeClr val="tx1"/>
+                </a:solidFill>
+                <a:latin typeface="+mn-lt"/>
+                <a:ea typeface="+mn-ea"/>
+                <a:cs typeface="+mn-cs"/>
+              </a:defRPr>
+            </a:lvl1pPr>
+            <a:lvl2pPr marL="457200" indent="0" algn="ctr" defTabSz="914400" rtl="0" eaLnBrk="1" latinLnBrk="0" hangingPunct="1">
+              <a:lnSpc>
+                <a:spcPct val="90000"/>
+              </a:lnSpc>
+              <a:spcBef>
+                <a:spcPts val="500"/>
+              </a:spcBef>
+              <a:buFont typeface="Arial" panose="020B0604020202020204" pitchFamily="34" charset="0"/>
+              <a:buNone/>
+              <a:defRPr sz="2000" kern="1200">
+                <a:solidFill>
+                  <a:schemeClr val="tx1"/>
+                </a:solidFill>
+                <a:latin typeface="+mn-lt"/>
+                <a:ea typeface="+mn-ea"/>
+                <a:cs typeface="+mn-cs"/>
+              </a:defRPr>
+            </a:lvl2pPr>
+            <a:lvl3pPr marL="914400" indent="0" algn="ctr" defTabSz="914400" rtl="0" eaLnBrk="1" latinLnBrk="0" hangingPunct="1">
+              <a:lnSpc>
+                <a:spcPct val="90000"/>
+              </a:lnSpc>
+              <a:spcBef>
+                <a:spcPts val="500"/>
+              </a:spcBef>
+              <a:buFont typeface="Arial" panose="020B0604020202020204" pitchFamily="34" charset="0"/>
+              <a:buNone/>
+              <a:defRPr sz="1800" kern="1200">
+                <a:solidFill>
+                  <a:schemeClr val="tx1"/>
+                </a:solidFill>
+                <a:latin typeface="+mn-lt"/>
+                <a:ea typeface="+mn-ea"/>
+                <a:cs typeface="+mn-cs"/>
+              </a:defRPr>
+            </a:lvl3pPr>
+            <a:lvl4pPr marL="1371600" indent="0" algn="ctr" defTabSz="914400" rtl="0" eaLnBrk="1" latinLnBrk="0" hangingPunct="1">
+              <a:lnSpc>
+                <a:spcPct val="90000"/>
+              </a:lnSpc>
+              <a:spcBef>
+                <a:spcPts val="500"/>
+              </a:spcBef>
+              <a:buFont typeface="Arial" panose="020B0604020202020204" pitchFamily="34" charset="0"/>
+              <a:buNone/>
+              <a:defRPr sz="1600" kern="1200">
+                <a:solidFill>
+                  <a:schemeClr val="tx1"/>
+                </a:solidFill>
+                <a:latin typeface="+mn-lt"/>
+                <a:ea typeface="+mn-ea"/>
+                <a:cs typeface="+mn-cs"/>
+              </a:defRPr>
+            </a:lvl4pPr>
+            <a:lvl5pPr marL="1828800" indent="0" algn="ctr" defTabSz="914400" rtl="0" eaLnBrk="1" latinLnBrk="0" hangingPunct="1">
+              <a:lnSpc>
+                <a:spcPct val="90000"/>
+              </a:lnSpc>
+              <a:spcBef>
+                <a:spcPts val="500"/>
+              </a:spcBef>
+              <a:buFont typeface="Arial" panose="020B0604020202020204" pitchFamily="34" charset="0"/>
+              <a:buNone/>
+              <a:defRPr sz="1600" kern="1200">
+                <a:solidFill>
+                  <a:schemeClr val="tx1"/>
+                </a:solidFill>
+                <a:latin typeface="+mn-lt"/>
+                <a:ea typeface="+mn-ea"/>
+                <a:cs typeface="+mn-cs"/>
+              </a:defRPr>
+            </a:lvl5pPr>
+            <a:lvl6pPr marL="2286000" indent="0" algn="ctr" defTabSz="914400" rtl="0" eaLnBrk="1" latinLnBrk="0" hangingPunct="1">
+              <a:lnSpc>
+                <a:spcPct val="90000"/>
+              </a:lnSpc>
+              <a:spcBef>
+                <a:spcPts val="500"/>
+              </a:spcBef>
+              <a:buFont typeface="Arial" panose="020B0604020202020204" pitchFamily="34" charset="0"/>
+              <a:buNone/>
+              <a:defRPr sz="1600" kern="1200">
+                <a:solidFill>
+                  <a:schemeClr val="tx1"/>
+                </a:solidFill>
+                <a:latin typeface="+mn-lt"/>
+                <a:ea typeface="+mn-ea"/>
+                <a:cs typeface="+mn-cs"/>
+              </a:defRPr>
+            </a:lvl6pPr>
+            <a:lvl7pPr marL="2743200" indent="0" algn="ctr" defTabSz="914400" rtl="0" eaLnBrk="1" latinLnBrk="0" hangingPunct="1">
+              <a:lnSpc>
+                <a:spcPct val="90000"/>
+              </a:lnSpc>
+              <a:spcBef>
+                <a:spcPts val="500"/>
+              </a:spcBef>
+              <a:buFont typeface="Arial" panose="020B0604020202020204" pitchFamily="34" charset="0"/>
+              <a:buNone/>
+              <a:defRPr sz="1600" kern="1200">
+                <a:solidFill>
+                  <a:schemeClr val="tx1"/>
+                </a:solidFill>
+                <a:latin typeface="+mn-lt"/>
+                <a:ea typeface="+mn-ea"/>
+                <a:cs typeface="+mn-cs"/>
+              </a:defRPr>
+            </a:lvl7pPr>
+            <a:lvl8pPr marL="3200400" indent="0" algn="ctr" defTabSz="914400" rtl="0" eaLnBrk="1" latinLnBrk="0" hangingPunct="1">
+              <a:lnSpc>
+                <a:spcPct val="90000"/>
+              </a:lnSpc>
+              <a:spcBef>
+                <a:spcPts val="500"/>
+              </a:spcBef>
+              <a:buFont typeface="Arial" panose="020B0604020202020204" pitchFamily="34" charset="0"/>
+              <a:buNone/>
+              <a:defRPr sz="1600" kern="1200">
+                <a:solidFill>
+                  <a:schemeClr val="tx1"/>
+                </a:solidFill>
+                <a:latin typeface="+mn-lt"/>
+                <a:ea typeface="+mn-ea"/>
+                <a:cs typeface="+mn-cs"/>
+              </a:defRPr>
+            </a:lvl8pPr>
+            <a:lvl9pPr marL="3657600" indent="0" algn="ctr" defTabSz="914400" rtl="0" eaLnBrk="1" latinLnBrk="0" hangingPunct="1">
+              <a:lnSpc>
+                <a:spcPct val="90000"/>
+              </a:lnSpc>
+              <a:spcBef>
+                <a:spcPts val="500"/>
+              </a:spcBef>
+              <a:buFont typeface="Arial" panose="020B0604020202020204" pitchFamily="34" charset="0"/>
+              <a:buNone/>
+              <a:defRPr sz="1600" kern="1200">
+                <a:solidFill>
+                  <a:schemeClr val="tx1"/>
+                </a:solidFill>
+                <a:latin typeface="+mn-lt"/>
+                <a:ea typeface="+mn-ea"/>
+                <a:cs typeface="+mn-cs"/>
+              </a:defRPr>
+            </a:lvl9pPr>
+          </a:lstStyle>
+          <a:p>
+            <a:r>
+              <a:rPr lang="en-IN" sz="1000" i="1" dirty="0">
+                <a:solidFill>
+                  <a:schemeClr val="bg1">
+                    <a:lumMod val="50000"/>
+                  </a:schemeClr>
+                </a:solidFill>
+              </a:rPr>
+              <a:t>Author : Narendranath Panda</a:t>
+            </a:r>
+          </a:p>
+          <a:p>
+            <a:r>
+              <a:rPr lang="en-US" sz="1000" i="1" dirty="0">
+                <a:solidFill>
+                  <a:schemeClr val="bg1">
+                    <a:lumMod val="50000"/>
+                  </a:schemeClr>
+                </a:solidFill>
+              </a:rPr>
+              <a:t>Version :v</a:t>
+            </a:r>
+            <a:r>
+              <a:rPr lang="en-IN" sz="1000" i="1" dirty="0">
+                <a:solidFill>
+                  <a:schemeClr val="bg1">
+                    <a:lumMod val="50000"/>
+                  </a:schemeClr>
+                </a:solidFill>
+              </a:rPr>
+              <a:t>0.1</a:t>
+            </a:r>
+          </a:p>
+          <a:p>
+            <a:r>
+              <a:rPr lang="en-US" sz="1000" i="1" dirty="0">
+                <a:solidFill>
+                  <a:schemeClr val="bg1">
+                    <a:lumMod val="50000"/>
+                  </a:schemeClr>
+                </a:solidFill>
+              </a:rPr>
+              <a:t>D</a:t>
+            </a:r>
+            <a:r>
+              <a:rPr lang="en-IN" sz="1000" i="1" dirty="0">
+                <a:solidFill>
+                  <a:schemeClr val="bg1">
+                    <a:lumMod val="50000"/>
+                  </a:schemeClr>
+                </a:solidFill>
+              </a:rPr>
+              <a:t>ate: 29/11/2017</a:t>
+            </a:r>
+          </a:p>
+        </p:txBody>
+      </p:sp>
+      <p:sp>
+        <p:nvSpPr>
+          <p:cNvPr id="6" name="Slide Number Placeholder 5">
+            <a:extLst>
+              <a:ext uri="{FF2B5EF4-FFF2-40B4-BE49-F238E27FC236}">
+                <a16:creationId xmlns:a16="http://schemas.microsoft.com/office/drawing/2014/main" id="{A5EE6E6D-FEE6-4B97-8878-73CAA810BCFF}"/>
+              </a:ext>
+            </a:extLst>
+          </p:cNvPr>
+          <p:cNvSpPr>
+            <a:spLocks noGrp="1"/>
+          </p:cNvSpPr>
+          <p:nvPr>
+            <p:ph type="sldNum" sz="quarter" idx="12"/>
+          </p:nvPr>
+        </p:nvSpPr>
+        <p:spPr/>
+        <p:txBody>
+          <a:bodyPr/>
+          <a:lstStyle/>
+          <a:p>
+            <a:fld id="{F1BA8BE5-F97D-4D2A-8B41-D976DF280E9E}" type="slidenum">
+              <a:rPr lang="en-IN" smtClean="0"/>
+              <a:t>1</a:t>
+            </a:fld>
+            <a:endParaRPr lang="en-IN"/>
           </a:p>
         </p:txBody>
       </p:sp>
@@ -3473,8 +4124,10 @@
                     <a:lumMod val="50000"/>
                   </a:schemeClr>
                 </a:solidFill>
+                <a:latin typeface="Arial" panose="020B0604020202020204" pitchFamily="34" charset="0"/>
+                <a:cs typeface="Arial" panose="020B0604020202020204" pitchFamily="34" charset="0"/>
               </a:rPr>
-              <a:t>The Reporting</a:t>
+              <a:t>The Survey</a:t>
             </a:r>
             <a:endParaRPr lang="en-IN" dirty="0">
               <a:solidFill>
@@ -3482,6 +4135,8 @@
                   <a:lumMod val="50000"/>
                 </a:schemeClr>
               </a:solidFill>
+              <a:latin typeface="Arial" panose="020B0604020202020204" pitchFamily="34" charset="0"/>
+              <a:cs typeface="Arial" panose="020B0604020202020204" pitchFamily="34" charset="0"/>
             </a:endParaRPr>
           </a:p>
         </p:txBody>
@@ -4272,6 +4927,5525 @@
                 </a:lvl9pPr>
               </a:lstStyle>
               <a:p>
+                <a:pPr marL="0" marR="0" lvl="0" indent="0" algn="ctr" defTabSz="914400" eaLnBrk="1" fontAlgn="auto" latinLnBrk="0" hangingPunct="1">
+                  <a:lnSpc>
+                    <a:spcPct val="100000"/>
+                  </a:lnSpc>
+                  <a:spcBef>
+                    <a:spcPts val="0"/>
+                  </a:spcBef>
+                  <a:spcAft>
+                    <a:spcPts val="0"/>
+                  </a:spcAft>
+                  <a:buClrTx/>
+                  <a:buSzTx/>
+                  <a:buFontTx/>
+                  <a:buNone/>
+                  <a:tabLst/>
+                  <a:defRPr/>
+                </a:pPr>
+                <a:r>
+                  <a:rPr lang="en-IN" sz="1200" b="1" i="0" dirty="0">
+                    <a:solidFill>
+                      <a:schemeClr val="bg1">
+                        <a:lumMod val="50000"/>
+                      </a:schemeClr>
+                    </a:solidFill>
+                    <a:effectLst/>
+                    <a:latin typeface="Arial" panose="020B0604020202020204" pitchFamily="34" charset="0"/>
+                    <a:cs typeface="Arial" panose="020B0604020202020204" pitchFamily="34" charset="0"/>
+                  </a:rPr>
+                  <a:t>Course</a:t>
+                </a:r>
+              </a:p>
+            </p:txBody>
+          </p:sp>
+          <p:sp>
+            <p:nvSpPr>
+              <p:cNvPr id="72" name="Rectangle 71">
+                <a:extLst>
+                  <a:ext uri="{FF2B5EF4-FFF2-40B4-BE49-F238E27FC236}">
+                    <a16:creationId xmlns:a16="http://schemas.microsoft.com/office/drawing/2014/main" id="{936687D8-65B2-4A16-AEB2-4B7CC96FD57E}"/>
+                  </a:ext>
+                </a:extLst>
+              </p:cNvPr>
+              <p:cNvSpPr/>
+              <p:nvPr/>
+            </p:nvSpPr>
+            <p:spPr>
+              <a:xfrm>
+                <a:off x="1573963" y="1041861"/>
+                <a:ext cx="1261094" cy="341491"/>
+              </a:xfrm>
+              <a:prstGeom prst="rect">
+                <a:avLst/>
+              </a:prstGeom>
+              <a:ln/>
+            </p:spPr>
+            <p:style>
+              <a:lnRef idx="2">
+                <a:schemeClr val="accent3"/>
+              </a:lnRef>
+              <a:fillRef idx="1">
+                <a:schemeClr val="lt1"/>
+              </a:fillRef>
+              <a:effectRef idx="0">
+                <a:schemeClr val="accent3"/>
+              </a:effectRef>
+              <a:fontRef idx="minor">
+                <a:schemeClr val="dk1"/>
+              </a:fontRef>
+            </p:style>
+            <p:txBody>
+              <a:bodyPr rtlCol="0" anchor="ctr"/>
+              <a:lstStyle>
+                <a:lvl1pPr marL="0" indent="0">
+                  <a:defRPr sz="1100">
+                    <a:solidFill>
+                      <a:schemeClr val="dk1"/>
+                    </a:solidFill>
+                    <a:latin typeface="+mn-lt"/>
+                    <a:ea typeface="+mn-ea"/>
+                    <a:cs typeface="+mn-cs"/>
+                  </a:defRPr>
+                </a:lvl1pPr>
+                <a:lvl2pPr marL="457200" indent="0">
+                  <a:defRPr sz="1100">
+                    <a:solidFill>
+                      <a:schemeClr val="dk1"/>
+                    </a:solidFill>
+                    <a:latin typeface="+mn-lt"/>
+                    <a:ea typeface="+mn-ea"/>
+                    <a:cs typeface="+mn-cs"/>
+                  </a:defRPr>
+                </a:lvl2pPr>
+                <a:lvl3pPr marL="914400" indent="0">
+                  <a:defRPr sz="1100">
+                    <a:solidFill>
+                      <a:schemeClr val="dk1"/>
+                    </a:solidFill>
+                    <a:latin typeface="+mn-lt"/>
+                    <a:ea typeface="+mn-ea"/>
+                    <a:cs typeface="+mn-cs"/>
+                  </a:defRPr>
+                </a:lvl3pPr>
+                <a:lvl4pPr marL="1371600" indent="0">
+                  <a:defRPr sz="1100">
+                    <a:solidFill>
+                      <a:schemeClr val="dk1"/>
+                    </a:solidFill>
+                    <a:latin typeface="+mn-lt"/>
+                    <a:ea typeface="+mn-ea"/>
+                    <a:cs typeface="+mn-cs"/>
+                  </a:defRPr>
+                </a:lvl4pPr>
+                <a:lvl5pPr marL="1828800" indent="0">
+                  <a:defRPr sz="1100">
+                    <a:solidFill>
+                      <a:schemeClr val="dk1"/>
+                    </a:solidFill>
+                    <a:latin typeface="+mn-lt"/>
+                    <a:ea typeface="+mn-ea"/>
+                    <a:cs typeface="+mn-cs"/>
+                  </a:defRPr>
+                </a:lvl5pPr>
+                <a:lvl6pPr marL="2286000" indent="0">
+                  <a:defRPr sz="1100">
+                    <a:solidFill>
+                      <a:schemeClr val="dk1"/>
+                    </a:solidFill>
+                    <a:latin typeface="+mn-lt"/>
+                    <a:ea typeface="+mn-ea"/>
+                    <a:cs typeface="+mn-cs"/>
+                  </a:defRPr>
+                </a:lvl6pPr>
+                <a:lvl7pPr marL="2743200" indent="0">
+                  <a:defRPr sz="1100">
+                    <a:solidFill>
+                      <a:schemeClr val="dk1"/>
+                    </a:solidFill>
+                    <a:latin typeface="+mn-lt"/>
+                    <a:ea typeface="+mn-ea"/>
+                    <a:cs typeface="+mn-cs"/>
+                  </a:defRPr>
+                </a:lvl7pPr>
+                <a:lvl8pPr marL="3200400" indent="0">
+                  <a:defRPr sz="1100">
+                    <a:solidFill>
+                      <a:schemeClr val="dk1"/>
+                    </a:solidFill>
+                    <a:latin typeface="+mn-lt"/>
+                    <a:ea typeface="+mn-ea"/>
+                    <a:cs typeface="+mn-cs"/>
+                  </a:defRPr>
+                </a:lvl8pPr>
+                <a:lvl9pPr marL="3657600" indent="0">
+                  <a:defRPr sz="1100">
+                    <a:solidFill>
+                      <a:schemeClr val="dk1"/>
+                    </a:solidFill>
+                    <a:latin typeface="+mn-lt"/>
+                    <a:ea typeface="+mn-ea"/>
+                    <a:cs typeface="+mn-cs"/>
+                  </a:defRPr>
+                </a:lvl9pPr>
+              </a:lstStyle>
+              <a:p>
+                <a:pPr algn="ctr"/>
+                <a:r>
+                  <a:rPr lang="en-IN" sz="1200" b="1" dirty="0">
+                    <a:solidFill>
+                      <a:schemeClr val="bg1">
+                        <a:lumMod val="50000"/>
+                      </a:schemeClr>
+                    </a:solidFill>
+                    <a:latin typeface="Arial" panose="020B0604020202020204" pitchFamily="34" charset="0"/>
+                    <a:cs typeface="Arial" panose="020B0604020202020204" pitchFamily="34" charset="0"/>
+                  </a:rPr>
+                  <a:t>Time Table </a:t>
+                </a:r>
+              </a:p>
+            </p:txBody>
+          </p:sp>
+          <p:sp>
+            <p:nvSpPr>
+              <p:cNvPr id="73" name="Rectangle 72">
+                <a:extLst>
+                  <a:ext uri="{FF2B5EF4-FFF2-40B4-BE49-F238E27FC236}">
+                    <a16:creationId xmlns:a16="http://schemas.microsoft.com/office/drawing/2014/main" id="{C8914D21-1715-45EE-8DBB-AF36F9E7BFBA}"/>
+                  </a:ext>
+                </a:extLst>
+              </p:cNvPr>
+              <p:cNvSpPr/>
+              <p:nvPr/>
+            </p:nvSpPr>
+            <p:spPr>
+              <a:xfrm>
+                <a:off x="1562183" y="0"/>
+                <a:ext cx="1261094" cy="338826"/>
+              </a:xfrm>
+              <a:prstGeom prst="rect">
+                <a:avLst/>
+              </a:prstGeom>
+              <a:ln/>
+            </p:spPr>
+            <p:style>
+              <a:lnRef idx="2">
+                <a:schemeClr val="accent3"/>
+              </a:lnRef>
+              <a:fillRef idx="1">
+                <a:schemeClr val="lt1"/>
+              </a:fillRef>
+              <a:effectRef idx="0">
+                <a:schemeClr val="accent3"/>
+              </a:effectRef>
+              <a:fontRef idx="minor">
+                <a:schemeClr val="dk1"/>
+              </a:fontRef>
+            </p:style>
+            <p:txBody>
+              <a:bodyPr rtlCol="0" anchor="ctr"/>
+              <a:lstStyle>
+                <a:lvl1pPr marL="0" indent="0">
+                  <a:defRPr sz="1100">
+                    <a:solidFill>
+                      <a:schemeClr val="dk1"/>
+                    </a:solidFill>
+                    <a:latin typeface="+mn-lt"/>
+                    <a:ea typeface="+mn-ea"/>
+                    <a:cs typeface="+mn-cs"/>
+                  </a:defRPr>
+                </a:lvl1pPr>
+                <a:lvl2pPr marL="457200" indent="0">
+                  <a:defRPr sz="1100">
+                    <a:solidFill>
+                      <a:schemeClr val="dk1"/>
+                    </a:solidFill>
+                    <a:latin typeface="+mn-lt"/>
+                    <a:ea typeface="+mn-ea"/>
+                    <a:cs typeface="+mn-cs"/>
+                  </a:defRPr>
+                </a:lvl2pPr>
+                <a:lvl3pPr marL="914400" indent="0">
+                  <a:defRPr sz="1100">
+                    <a:solidFill>
+                      <a:schemeClr val="dk1"/>
+                    </a:solidFill>
+                    <a:latin typeface="+mn-lt"/>
+                    <a:ea typeface="+mn-ea"/>
+                    <a:cs typeface="+mn-cs"/>
+                  </a:defRPr>
+                </a:lvl3pPr>
+                <a:lvl4pPr marL="1371600" indent="0">
+                  <a:defRPr sz="1100">
+                    <a:solidFill>
+                      <a:schemeClr val="dk1"/>
+                    </a:solidFill>
+                    <a:latin typeface="+mn-lt"/>
+                    <a:ea typeface="+mn-ea"/>
+                    <a:cs typeface="+mn-cs"/>
+                  </a:defRPr>
+                </a:lvl4pPr>
+                <a:lvl5pPr marL="1828800" indent="0">
+                  <a:defRPr sz="1100">
+                    <a:solidFill>
+                      <a:schemeClr val="dk1"/>
+                    </a:solidFill>
+                    <a:latin typeface="+mn-lt"/>
+                    <a:ea typeface="+mn-ea"/>
+                    <a:cs typeface="+mn-cs"/>
+                  </a:defRPr>
+                </a:lvl5pPr>
+                <a:lvl6pPr marL="2286000" indent="0">
+                  <a:defRPr sz="1100">
+                    <a:solidFill>
+                      <a:schemeClr val="dk1"/>
+                    </a:solidFill>
+                    <a:latin typeface="+mn-lt"/>
+                    <a:ea typeface="+mn-ea"/>
+                    <a:cs typeface="+mn-cs"/>
+                  </a:defRPr>
+                </a:lvl6pPr>
+                <a:lvl7pPr marL="2743200" indent="0">
+                  <a:defRPr sz="1100">
+                    <a:solidFill>
+                      <a:schemeClr val="dk1"/>
+                    </a:solidFill>
+                    <a:latin typeface="+mn-lt"/>
+                    <a:ea typeface="+mn-ea"/>
+                    <a:cs typeface="+mn-cs"/>
+                  </a:defRPr>
+                </a:lvl7pPr>
+                <a:lvl8pPr marL="3200400" indent="0">
+                  <a:defRPr sz="1100">
+                    <a:solidFill>
+                      <a:schemeClr val="dk1"/>
+                    </a:solidFill>
+                    <a:latin typeface="+mn-lt"/>
+                    <a:ea typeface="+mn-ea"/>
+                    <a:cs typeface="+mn-cs"/>
+                  </a:defRPr>
+                </a:lvl8pPr>
+                <a:lvl9pPr marL="3657600" indent="0">
+                  <a:defRPr sz="1100">
+                    <a:solidFill>
+                      <a:schemeClr val="dk1"/>
+                    </a:solidFill>
+                    <a:latin typeface="+mn-lt"/>
+                    <a:ea typeface="+mn-ea"/>
+                    <a:cs typeface="+mn-cs"/>
+                  </a:defRPr>
+                </a:lvl9pPr>
+              </a:lstStyle>
+              <a:p>
+                <a:pPr algn="ctr"/>
+                <a:r>
+                  <a:rPr lang="en-IN" sz="1200" b="1" dirty="0">
+                    <a:solidFill>
+                      <a:schemeClr val="bg1">
+                        <a:lumMod val="50000"/>
+                      </a:schemeClr>
+                    </a:solidFill>
+                    <a:latin typeface="Arial" panose="020B0604020202020204" pitchFamily="34" charset="0"/>
+                    <a:cs typeface="Arial" panose="020B0604020202020204" pitchFamily="34" charset="0"/>
+                  </a:rPr>
+                  <a:t>Discussion </a:t>
+                </a:r>
+              </a:p>
+            </p:txBody>
+          </p:sp>
+          <p:sp>
+            <p:nvSpPr>
+              <p:cNvPr id="74" name="Rectangle 73">
+                <a:extLst>
+                  <a:ext uri="{FF2B5EF4-FFF2-40B4-BE49-F238E27FC236}">
+                    <a16:creationId xmlns:a16="http://schemas.microsoft.com/office/drawing/2014/main" id="{CC04223C-A62B-4B87-95BA-92505FBB934A}"/>
+                  </a:ext>
+                </a:extLst>
+              </p:cNvPr>
+              <p:cNvSpPr/>
+              <p:nvPr/>
+            </p:nvSpPr>
+            <p:spPr>
+              <a:xfrm>
+                <a:off x="1573015" y="2606651"/>
+                <a:ext cx="1262990" cy="338826"/>
+              </a:xfrm>
+              <a:prstGeom prst="rect">
+                <a:avLst/>
+              </a:prstGeom>
+              <a:solidFill>
+                <a:schemeClr val="accent1">
+                  <a:lumMod val="75000"/>
+                </a:schemeClr>
+              </a:solidFill>
+              <a:ln/>
+              <a:effectLst>
+                <a:reflection blurRad="6350" stA="50000" endA="300" endPos="55000" dir="5400000" sy="-100000" algn="bl" rotWithShape="0"/>
+              </a:effectLst>
+            </p:spPr>
+            <p:style>
+              <a:lnRef idx="2">
+                <a:schemeClr val="accent3"/>
+              </a:lnRef>
+              <a:fillRef idx="1">
+                <a:schemeClr val="lt1"/>
+              </a:fillRef>
+              <a:effectRef idx="0">
+                <a:schemeClr val="accent3"/>
+              </a:effectRef>
+              <a:fontRef idx="minor">
+                <a:schemeClr val="dk1"/>
+              </a:fontRef>
+            </p:style>
+            <p:txBody>
+              <a:bodyPr rtlCol="0" anchor="ctr"/>
+              <a:lstStyle>
+                <a:lvl1pPr marL="0" indent="0">
+                  <a:defRPr sz="1100">
+                    <a:solidFill>
+                      <a:schemeClr val="dk1"/>
+                    </a:solidFill>
+                    <a:latin typeface="+mn-lt"/>
+                    <a:ea typeface="+mn-ea"/>
+                    <a:cs typeface="+mn-cs"/>
+                  </a:defRPr>
+                </a:lvl1pPr>
+                <a:lvl2pPr marL="457200" indent="0">
+                  <a:defRPr sz="1100">
+                    <a:solidFill>
+                      <a:schemeClr val="dk1"/>
+                    </a:solidFill>
+                    <a:latin typeface="+mn-lt"/>
+                    <a:ea typeface="+mn-ea"/>
+                    <a:cs typeface="+mn-cs"/>
+                  </a:defRPr>
+                </a:lvl2pPr>
+                <a:lvl3pPr marL="914400" indent="0">
+                  <a:defRPr sz="1100">
+                    <a:solidFill>
+                      <a:schemeClr val="dk1"/>
+                    </a:solidFill>
+                    <a:latin typeface="+mn-lt"/>
+                    <a:ea typeface="+mn-ea"/>
+                    <a:cs typeface="+mn-cs"/>
+                  </a:defRPr>
+                </a:lvl3pPr>
+                <a:lvl4pPr marL="1371600" indent="0">
+                  <a:defRPr sz="1100">
+                    <a:solidFill>
+                      <a:schemeClr val="dk1"/>
+                    </a:solidFill>
+                    <a:latin typeface="+mn-lt"/>
+                    <a:ea typeface="+mn-ea"/>
+                    <a:cs typeface="+mn-cs"/>
+                  </a:defRPr>
+                </a:lvl4pPr>
+                <a:lvl5pPr marL="1828800" indent="0">
+                  <a:defRPr sz="1100">
+                    <a:solidFill>
+                      <a:schemeClr val="dk1"/>
+                    </a:solidFill>
+                    <a:latin typeface="+mn-lt"/>
+                    <a:ea typeface="+mn-ea"/>
+                    <a:cs typeface="+mn-cs"/>
+                  </a:defRPr>
+                </a:lvl5pPr>
+                <a:lvl6pPr marL="2286000" indent="0">
+                  <a:defRPr sz="1100">
+                    <a:solidFill>
+                      <a:schemeClr val="dk1"/>
+                    </a:solidFill>
+                    <a:latin typeface="+mn-lt"/>
+                    <a:ea typeface="+mn-ea"/>
+                    <a:cs typeface="+mn-cs"/>
+                  </a:defRPr>
+                </a:lvl6pPr>
+                <a:lvl7pPr marL="2743200" indent="0">
+                  <a:defRPr sz="1100">
+                    <a:solidFill>
+                      <a:schemeClr val="dk1"/>
+                    </a:solidFill>
+                    <a:latin typeface="+mn-lt"/>
+                    <a:ea typeface="+mn-ea"/>
+                    <a:cs typeface="+mn-cs"/>
+                  </a:defRPr>
+                </a:lvl7pPr>
+                <a:lvl8pPr marL="3200400" indent="0">
+                  <a:defRPr sz="1100">
+                    <a:solidFill>
+                      <a:schemeClr val="dk1"/>
+                    </a:solidFill>
+                    <a:latin typeface="+mn-lt"/>
+                    <a:ea typeface="+mn-ea"/>
+                    <a:cs typeface="+mn-cs"/>
+                  </a:defRPr>
+                </a:lvl8pPr>
+                <a:lvl9pPr marL="3657600" indent="0">
+                  <a:defRPr sz="1100">
+                    <a:solidFill>
+                      <a:schemeClr val="dk1"/>
+                    </a:solidFill>
+                    <a:latin typeface="+mn-lt"/>
+                    <a:ea typeface="+mn-ea"/>
+                    <a:cs typeface="+mn-cs"/>
+                  </a:defRPr>
+                </a:lvl9pPr>
+              </a:lstStyle>
+              <a:p>
+                <a:pPr algn="ctr"/>
+                <a:r>
+                  <a:rPr lang="en-IN" sz="1200" b="1" dirty="0">
+                    <a:solidFill>
+                      <a:schemeClr val="bg1">
+                        <a:lumMod val="65000"/>
+                      </a:schemeClr>
+                    </a:solidFill>
+                    <a:latin typeface="Arial" panose="020B0604020202020204" pitchFamily="34" charset="0"/>
+                    <a:cs typeface="Arial" panose="020B0604020202020204" pitchFamily="34" charset="0"/>
+                  </a:rPr>
+                  <a:t>Survey </a:t>
+                </a:r>
+              </a:p>
+            </p:txBody>
+          </p:sp>
+          <p:sp>
+            <p:nvSpPr>
+              <p:cNvPr id="75" name="Rectangle 74">
+                <a:extLst>
+                  <a:ext uri="{FF2B5EF4-FFF2-40B4-BE49-F238E27FC236}">
+                    <a16:creationId xmlns:a16="http://schemas.microsoft.com/office/drawing/2014/main" id="{2C63DF2E-2627-4362-8CE0-1B78E47EC455}"/>
+                  </a:ext>
+                </a:extLst>
+              </p:cNvPr>
+              <p:cNvSpPr/>
+              <p:nvPr/>
+            </p:nvSpPr>
+            <p:spPr>
+              <a:xfrm>
+                <a:off x="1573647" y="3650733"/>
+                <a:ext cx="1262990" cy="341491"/>
+              </a:xfrm>
+              <a:prstGeom prst="rect">
+                <a:avLst/>
+              </a:prstGeom>
+              <a:ln/>
+            </p:spPr>
+            <p:style>
+              <a:lnRef idx="2">
+                <a:schemeClr val="accent3"/>
+              </a:lnRef>
+              <a:fillRef idx="1">
+                <a:schemeClr val="lt1"/>
+              </a:fillRef>
+              <a:effectRef idx="0">
+                <a:schemeClr val="accent3"/>
+              </a:effectRef>
+              <a:fontRef idx="minor">
+                <a:schemeClr val="dk1"/>
+              </a:fontRef>
+            </p:style>
+            <p:txBody>
+              <a:bodyPr rtlCol="0" anchor="ctr"/>
+              <a:lstStyle>
+                <a:lvl1pPr marL="0" indent="0">
+                  <a:defRPr sz="1100">
+                    <a:solidFill>
+                      <a:schemeClr val="dk1"/>
+                    </a:solidFill>
+                    <a:latin typeface="+mn-lt"/>
+                    <a:ea typeface="+mn-ea"/>
+                    <a:cs typeface="+mn-cs"/>
+                  </a:defRPr>
+                </a:lvl1pPr>
+                <a:lvl2pPr marL="457200" indent="0">
+                  <a:defRPr sz="1100">
+                    <a:solidFill>
+                      <a:schemeClr val="dk1"/>
+                    </a:solidFill>
+                    <a:latin typeface="+mn-lt"/>
+                    <a:ea typeface="+mn-ea"/>
+                    <a:cs typeface="+mn-cs"/>
+                  </a:defRPr>
+                </a:lvl2pPr>
+                <a:lvl3pPr marL="914400" indent="0">
+                  <a:defRPr sz="1100">
+                    <a:solidFill>
+                      <a:schemeClr val="dk1"/>
+                    </a:solidFill>
+                    <a:latin typeface="+mn-lt"/>
+                    <a:ea typeface="+mn-ea"/>
+                    <a:cs typeface="+mn-cs"/>
+                  </a:defRPr>
+                </a:lvl3pPr>
+                <a:lvl4pPr marL="1371600" indent="0">
+                  <a:defRPr sz="1100">
+                    <a:solidFill>
+                      <a:schemeClr val="dk1"/>
+                    </a:solidFill>
+                    <a:latin typeface="+mn-lt"/>
+                    <a:ea typeface="+mn-ea"/>
+                    <a:cs typeface="+mn-cs"/>
+                  </a:defRPr>
+                </a:lvl4pPr>
+                <a:lvl5pPr marL="1828800" indent="0">
+                  <a:defRPr sz="1100">
+                    <a:solidFill>
+                      <a:schemeClr val="dk1"/>
+                    </a:solidFill>
+                    <a:latin typeface="+mn-lt"/>
+                    <a:ea typeface="+mn-ea"/>
+                    <a:cs typeface="+mn-cs"/>
+                  </a:defRPr>
+                </a:lvl5pPr>
+                <a:lvl6pPr marL="2286000" indent="0">
+                  <a:defRPr sz="1100">
+                    <a:solidFill>
+                      <a:schemeClr val="dk1"/>
+                    </a:solidFill>
+                    <a:latin typeface="+mn-lt"/>
+                    <a:ea typeface="+mn-ea"/>
+                    <a:cs typeface="+mn-cs"/>
+                  </a:defRPr>
+                </a:lvl6pPr>
+                <a:lvl7pPr marL="2743200" indent="0">
+                  <a:defRPr sz="1100">
+                    <a:solidFill>
+                      <a:schemeClr val="dk1"/>
+                    </a:solidFill>
+                    <a:latin typeface="+mn-lt"/>
+                    <a:ea typeface="+mn-ea"/>
+                    <a:cs typeface="+mn-cs"/>
+                  </a:defRPr>
+                </a:lvl7pPr>
+                <a:lvl8pPr marL="3200400" indent="0">
+                  <a:defRPr sz="1100">
+                    <a:solidFill>
+                      <a:schemeClr val="dk1"/>
+                    </a:solidFill>
+                    <a:latin typeface="+mn-lt"/>
+                    <a:ea typeface="+mn-ea"/>
+                    <a:cs typeface="+mn-cs"/>
+                  </a:defRPr>
+                </a:lvl8pPr>
+                <a:lvl9pPr marL="3657600" indent="0">
+                  <a:defRPr sz="1100">
+                    <a:solidFill>
+                      <a:schemeClr val="dk1"/>
+                    </a:solidFill>
+                    <a:latin typeface="+mn-lt"/>
+                    <a:ea typeface="+mn-ea"/>
+                    <a:cs typeface="+mn-cs"/>
+                  </a:defRPr>
+                </a:lvl9pPr>
+              </a:lstStyle>
+              <a:p>
+                <a:pPr algn="ctr"/>
+                <a:r>
+                  <a:rPr lang="en-IN" sz="1200" b="1">
+                    <a:solidFill>
+                      <a:schemeClr val="bg1">
+                        <a:lumMod val="50000"/>
+                      </a:schemeClr>
+                    </a:solidFill>
+                    <a:effectLst/>
+                    <a:latin typeface="Arial" panose="020B0604020202020204" pitchFamily="34" charset="0"/>
+                    <a:cs typeface="Arial" panose="020B0604020202020204" pitchFamily="34" charset="0"/>
+                  </a:rPr>
+                  <a:t>Reporting </a:t>
+                </a:r>
+                <a:endParaRPr lang="en-IN" sz="1200" b="1">
+                  <a:solidFill>
+                    <a:schemeClr val="bg1">
+                      <a:lumMod val="50000"/>
+                    </a:schemeClr>
+                  </a:solidFill>
+                  <a:latin typeface="Arial" panose="020B0604020202020204" pitchFamily="34" charset="0"/>
+                  <a:cs typeface="Arial" panose="020B0604020202020204" pitchFamily="34" charset="0"/>
+                </a:endParaRPr>
+              </a:p>
+            </p:txBody>
+          </p:sp>
+          <p:sp>
+            <p:nvSpPr>
+              <p:cNvPr id="76" name="Rectangle 75">
+                <a:extLst>
+                  <a:ext uri="{FF2B5EF4-FFF2-40B4-BE49-F238E27FC236}">
+                    <a16:creationId xmlns:a16="http://schemas.microsoft.com/office/drawing/2014/main" id="{34B54227-8392-431F-AEF2-B9A8A9C8627D}"/>
+                  </a:ext>
+                </a:extLst>
+              </p:cNvPr>
+              <p:cNvSpPr/>
+              <p:nvPr/>
+            </p:nvSpPr>
+            <p:spPr>
+              <a:xfrm>
+                <a:off x="1573647" y="521153"/>
+                <a:ext cx="1262990" cy="338826"/>
+              </a:xfrm>
+              <a:prstGeom prst="rect">
+                <a:avLst/>
+              </a:prstGeom>
+              <a:ln/>
+            </p:spPr>
+            <p:style>
+              <a:lnRef idx="2">
+                <a:schemeClr val="accent3"/>
+              </a:lnRef>
+              <a:fillRef idx="1">
+                <a:schemeClr val="lt1"/>
+              </a:fillRef>
+              <a:effectRef idx="0">
+                <a:schemeClr val="accent3"/>
+              </a:effectRef>
+              <a:fontRef idx="minor">
+                <a:schemeClr val="dk1"/>
+              </a:fontRef>
+            </p:style>
+            <p:txBody>
+              <a:bodyPr rtlCol="0" anchor="ctr"/>
+              <a:lstStyle>
+                <a:lvl1pPr marL="0" indent="0">
+                  <a:defRPr sz="1100">
+                    <a:solidFill>
+                      <a:schemeClr val="dk1"/>
+                    </a:solidFill>
+                    <a:latin typeface="+mn-lt"/>
+                    <a:ea typeface="+mn-ea"/>
+                    <a:cs typeface="+mn-cs"/>
+                  </a:defRPr>
+                </a:lvl1pPr>
+                <a:lvl2pPr marL="457200" indent="0">
+                  <a:defRPr sz="1100">
+                    <a:solidFill>
+                      <a:schemeClr val="dk1"/>
+                    </a:solidFill>
+                    <a:latin typeface="+mn-lt"/>
+                    <a:ea typeface="+mn-ea"/>
+                    <a:cs typeface="+mn-cs"/>
+                  </a:defRPr>
+                </a:lvl2pPr>
+                <a:lvl3pPr marL="914400" indent="0">
+                  <a:defRPr sz="1100">
+                    <a:solidFill>
+                      <a:schemeClr val="dk1"/>
+                    </a:solidFill>
+                    <a:latin typeface="+mn-lt"/>
+                    <a:ea typeface="+mn-ea"/>
+                    <a:cs typeface="+mn-cs"/>
+                  </a:defRPr>
+                </a:lvl3pPr>
+                <a:lvl4pPr marL="1371600" indent="0">
+                  <a:defRPr sz="1100">
+                    <a:solidFill>
+                      <a:schemeClr val="dk1"/>
+                    </a:solidFill>
+                    <a:latin typeface="+mn-lt"/>
+                    <a:ea typeface="+mn-ea"/>
+                    <a:cs typeface="+mn-cs"/>
+                  </a:defRPr>
+                </a:lvl4pPr>
+                <a:lvl5pPr marL="1828800" indent="0">
+                  <a:defRPr sz="1100">
+                    <a:solidFill>
+                      <a:schemeClr val="dk1"/>
+                    </a:solidFill>
+                    <a:latin typeface="+mn-lt"/>
+                    <a:ea typeface="+mn-ea"/>
+                    <a:cs typeface="+mn-cs"/>
+                  </a:defRPr>
+                </a:lvl5pPr>
+                <a:lvl6pPr marL="2286000" indent="0">
+                  <a:defRPr sz="1100">
+                    <a:solidFill>
+                      <a:schemeClr val="dk1"/>
+                    </a:solidFill>
+                    <a:latin typeface="+mn-lt"/>
+                    <a:ea typeface="+mn-ea"/>
+                    <a:cs typeface="+mn-cs"/>
+                  </a:defRPr>
+                </a:lvl6pPr>
+                <a:lvl7pPr marL="2743200" indent="0">
+                  <a:defRPr sz="1100">
+                    <a:solidFill>
+                      <a:schemeClr val="dk1"/>
+                    </a:solidFill>
+                    <a:latin typeface="+mn-lt"/>
+                    <a:ea typeface="+mn-ea"/>
+                    <a:cs typeface="+mn-cs"/>
+                  </a:defRPr>
+                </a:lvl7pPr>
+                <a:lvl8pPr marL="3200400" indent="0">
+                  <a:defRPr sz="1100">
+                    <a:solidFill>
+                      <a:schemeClr val="dk1"/>
+                    </a:solidFill>
+                    <a:latin typeface="+mn-lt"/>
+                    <a:ea typeface="+mn-ea"/>
+                    <a:cs typeface="+mn-cs"/>
+                  </a:defRPr>
+                </a:lvl8pPr>
+                <a:lvl9pPr marL="3657600" indent="0">
+                  <a:defRPr sz="1100">
+                    <a:solidFill>
+                      <a:schemeClr val="dk1"/>
+                    </a:solidFill>
+                    <a:latin typeface="+mn-lt"/>
+                    <a:ea typeface="+mn-ea"/>
+                    <a:cs typeface="+mn-cs"/>
+                  </a:defRPr>
+                </a:lvl9pPr>
+              </a:lstStyle>
+              <a:p>
+                <a:pPr algn="ctr"/>
+                <a:r>
+                  <a:rPr lang="en-IN" sz="1200" b="1" dirty="0">
+                    <a:solidFill>
+                      <a:schemeClr val="bg1">
+                        <a:lumMod val="50000"/>
+                      </a:schemeClr>
+                    </a:solidFill>
+                    <a:latin typeface="Arial" panose="020B0604020202020204" pitchFamily="34" charset="0"/>
+                    <a:cs typeface="Arial" panose="020B0604020202020204" pitchFamily="34" charset="0"/>
+                  </a:rPr>
+                  <a:t>Dashboard </a:t>
+                </a:r>
+              </a:p>
+            </p:txBody>
+          </p:sp>
+        </p:grpSp>
+        <p:cxnSp>
+          <p:nvCxnSpPr>
+            <p:cNvPr id="53" name="Connector: Elbow 52">
+              <a:extLst>
+                <a:ext uri="{FF2B5EF4-FFF2-40B4-BE49-F238E27FC236}">
+                  <a16:creationId xmlns:a16="http://schemas.microsoft.com/office/drawing/2014/main" id="{D80D9606-FE33-4C01-80AE-E650413FF026}"/>
+                </a:ext>
+              </a:extLst>
+            </p:cNvPr>
+            <p:cNvCxnSpPr>
+              <a:stCxn id="50" idx="0"/>
+              <a:endCxn id="73" idx="1"/>
+            </p:cNvCxnSpPr>
+            <p:nvPr/>
+          </p:nvCxnSpPr>
+          <p:spPr>
+            <a:xfrm rot="5400000" flipH="1" flipV="1">
+              <a:off x="267722" y="532238"/>
+              <a:ext cx="1657286" cy="931636"/>
+            </a:xfrm>
+            <a:prstGeom prst="bentConnector2">
+              <a:avLst/>
+            </a:prstGeom>
+            <a:ln>
+              <a:headEnd type="triangle"/>
+              <a:tailEnd type="triangle"/>
+            </a:ln>
+          </p:spPr>
+          <p:style>
+            <a:lnRef idx="2">
+              <a:schemeClr val="accent3"/>
+            </a:lnRef>
+            <a:fillRef idx="1">
+              <a:schemeClr val="lt1"/>
+            </a:fillRef>
+            <a:effectRef idx="0">
+              <a:schemeClr val="accent3"/>
+            </a:effectRef>
+            <a:fontRef idx="minor">
+              <a:schemeClr val="dk1"/>
+            </a:fontRef>
+          </p:style>
+        </p:cxnSp>
+        <p:cxnSp>
+          <p:nvCxnSpPr>
+            <p:cNvPr id="54" name="Connector: Elbow 53">
+              <a:extLst>
+                <a:ext uri="{FF2B5EF4-FFF2-40B4-BE49-F238E27FC236}">
+                  <a16:creationId xmlns:a16="http://schemas.microsoft.com/office/drawing/2014/main" id="{B6940EB5-D8C3-43C1-B01B-1F163D58F810}"/>
+                </a:ext>
+              </a:extLst>
+            </p:cNvPr>
+            <p:cNvCxnSpPr>
+              <a:stCxn id="50" idx="0"/>
+              <a:endCxn id="76" idx="1"/>
+            </p:cNvCxnSpPr>
+            <p:nvPr/>
+          </p:nvCxnSpPr>
+          <p:spPr>
+            <a:xfrm rot="5400000" flipH="1" flipV="1">
+              <a:off x="534031" y="787083"/>
+              <a:ext cx="1136133" cy="943100"/>
+            </a:xfrm>
+            <a:prstGeom prst="bentConnector2">
+              <a:avLst/>
+            </a:prstGeom>
+            <a:ln>
+              <a:headEnd type="triangle"/>
+              <a:tailEnd type="triangle"/>
+            </a:ln>
+          </p:spPr>
+          <p:style>
+            <a:lnRef idx="2">
+              <a:schemeClr val="accent3"/>
+            </a:lnRef>
+            <a:fillRef idx="1">
+              <a:schemeClr val="lt1"/>
+            </a:fillRef>
+            <a:effectRef idx="0">
+              <a:schemeClr val="accent3"/>
+            </a:effectRef>
+            <a:fontRef idx="minor">
+              <a:schemeClr val="dk1"/>
+            </a:fontRef>
+          </p:style>
+        </p:cxnSp>
+        <p:cxnSp>
+          <p:nvCxnSpPr>
+            <p:cNvPr id="55" name="Connector: Elbow 54">
+              <a:extLst>
+                <a:ext uri="{FF2B5EF4-FFF2-40B4-BE49-F238E27FC236}">
+                  <a16:creationId xmlns:a16="http://schemas.microsoft.com/office/drawing/2014/main" id="{E981F733-D4BF-4DA0-AD7B-83670032B0ED}"/>
+                </a:ext>
+              </a:extLst>
+            </p:cNvPr>
+            <p:cNvCxnSpPr>
+              <a:stCxn id="50" idx="0"/>
+              <a:endCxn id="70" idx="1"/>
+            </p:cNvCxnSpPr>
+            <p:nvPr/>
+          </p:nvCxnSpPr>
+          <p:spPr>
+            <a:xfrm rot="5400000" flipH="1" flipV="1">
+              <a:off x="1055439" y="1309755"/>
+              <a:ext cx="92052" cy="941836"/>
+            </a:xfrm>
+            <a:prstGeom prst="bentConnector2">
+              <a:avLst/>
+            </a:prstGeom>
+            <a:ln>
+              <a:headEnd type="triangle"/>
+              <a:tailEnd type="triangle"/>
+            </a:ln>
+          </p:spPr>
+          <p:style>
+            <a:lnRef idx="2">
+              <a:schemeClr val="accent3"/>
+            </a:lnRef>
+            <a:fillRef idx="1">
+              <a:schemeClr val="lt1"/>
+            </a:fillRef>
+            <a:effectRef idx="0">
+              <a:schemeClr val="accent3"/>
+            </a:effectRef>
+            <a:fontRef idx="minor">
+              <a:schemeClr val="dk1"/>
+            </a:fontRef>
+          </p:style>
+        </p:cxnSp>
+        <p:cxnSp>
+          <p:nvCxnSpPr>
+            <p:cNvPr id="56" name="Connector: Elbow 55">
+              <a:extLst>
+                <a:ext uri="{FF2B5EF4-FFF2-40B4-BE49-F238E27FC236}">
+                  <a16:creationId xmlns:a16="http://schemas.microsoft.com/office/drawing/2014/main" id="{F28D3B21-E58B-42E1-A6D2-B52FDDDDF037}"/>
+                </a:ext>
+              </a:extLst>
+            </p:cNvPr>
+            <p:cNvCxnSpPr>
+              <a:stCxn id="50" idx="0"/>
+              <a:endCxn id="72" idx="1"/>
+            </p:cNvCxnSpPr>
+            <p:nvPr/>
+          </p:nvCxnSpPr>
+          <p:spPr>
+            <a:xfrm rot="5400000" flipH="1" flipV="1">
+              <a:off x="795209" y="1047945"/>
+              <a:ext cx="614092" cy="943416"/>
+            </a:xfrm>
+            <a:prstGeom prst="bentConnector2">
+              <a:avLst/>
+            </a:prstGeom>
+            <a:ln>
+              <a:headEnd type="triangle"/>
+              <a:tailEnd type="triangle"/>
+            </a:ln>
+          </p:spPr>
+          <p:style>
+            <a:lnRef idx="2">
+              <a:schemeClr val="accent3"/>
+            </a:lnRef>
+            <a:fillRef idx="1">
+              <a:schemeClr val="lt1"/>
+            </a:fillRef>
+            <a:effectRef idx="0">
+              <a:schemeClr val="accent3"/>
+            </a:effectRef>
+            <a:fontRef idx="minor">
+              <a:schemeClr val="dk1"/>
+            </a:fontRef>
+          </p:style>
+        </p:cxnSp>
+        <p:cxnSp>
+          <p:nvCxnSpPr>
+            <p:cNvPr id="57" name="Connector: Elbow 56">
+              <a:extLst>
+                <a:ext uri="{FF2B5EF4-FFF2-40B4-BE49-F238E27FC236}">
+                  <a16:creationId xmlns:a16="http://schemas.microsoft.com/office/drawing/2014/main" id="{4D385664-7BA7-499D-9005-D85E790206A6}"/>
+                </a:ext>
+              </a:extLst>
+            </p:cNvPr>
+            <p:cNvCxnSpPr>
+              <a:stCxn id="50" idx="2"/>
+              <a:endCxn id="75" idx="1"/>
+            </p:cNvCxnSpPr>
+            <p:nvPr/>
+          </p:nvCxnSpPr>
+          <p:spPr>
+            <a:xfrm rot="16200000" flipH="1">
+              <a:off x="274120" y="2521952"/>
+              <a:ext cx="1655954" cy="943100"/>
+            </a:xfrm>
+            <a:prstGeom prst="bentConnector2">
+              <a:avLst/>
+            </a:prstGeom>
+            <a:ln>
+              <a:headEnd type="triangle"/>
+              <a:tailEnd type="triangle"/>
+            </a:ln>
+          </p:spPr>
+          <p:style>
+            <a:lnRef idx="2">
+              <a:schemeClr val="accent3"/>
+            </a:lnRef>
+            <a:fillRef idx="1">
+              <a:schemeClr val="lt1"/>
+            </a:fillRef>
+            <a:effectRef idx="0">
+              <a:schemeClr val="accent3"/>
+            </a:effectRef>
+            <a:fontRef idx="minor">
+              <a:schemeClr val="dk1"/>
+            </a:fontRef>
+          </p:style>
+        </p:cxnSp>
+        <p:cxnSp>
+          <p:nvCxnSpPr>
+            <p:cNvPr id="58" name="Connector: Elbow 57">
+              <a:extLst>
+                <a:ext uri="{FF2B5EF4-FFF2-40B4-BE49-F238E27FC236}">
+                  <a16:creationId xmlns:a16="http://schemas.microsoft.com/office/drawing/2014/main" id="{7E4C0040-A2C7-4C0E-8DB5-9E7DFECDBCD5}"/>
+                </a:ext>
+              </a:extLst>
+            </p:cNvPr>
+            <p:cNvCxnSpPr>
+              <a:stCxn id="75" idx="3"/>
+              <a:endCxn id="51" idx="2"/>
+            </p:cNvCxnSpPr>
+            <p:nvPr/>
+          </p:nvCxnSpPr>
+          <p:spPr>
+            <a:xfrm flipV="1">
+              <a:off x="2836637" y="2166858"/>
+              <a:ext cx="959036" cy="1654621"/>
+            </a:xfrm>
+            <a:prstGeom prst="bentConnector2">
+              <a:avLst/>
+            </a:prstGeom>
+            <a:ln>
+              <a:headEnd type="triangle"/>
+              <a:tailEnd type="triangle"/>
+            </a:ln>
+          </p:spPr>
+          <p:style>
+            <a:lnRef idx="2">
+              <a:schemeClr val="accent3"/>
+            </a:lnRef>
+            <a:fillRef idx="1">
+              <a:schemeClr val="lt1"/>
+            </a:fillRef>
+            <a:effectRef idx="0">
+              <a:schemeClr val="accent3"/>
+            </a:effectRef>
+            <a:fontRef idx="minor">
+              <a:schemeClr val="dk1"/>
+            </a:fontRef>
+          </p:style>
+        </p:cxnSp>
+        <p:cxnSp>
+          <p:nvCxnSpPr>
+            <p:cNvPr id="59" name="Connector: Elbow 58">
+              <a:extLst>
+                <a:ext uri="{FF2B5EF4-FFF2-40B4-BE49-F238E27FC236}">
+                  <a16:creationId xmlns:a16="http://schemas.microsoft.com/office/drawing/2014/main" id="{32E22F79-3072-45DD-AE1F-1604CC86F4F2}"/>
+                </a:ext>
+              </a:extLst>
+            </p:cNvPr>
+            <p:cNvCxnSpPr>
+              <a:stCxn id="71" idx="3"/>
+              <a:endCxn id="51" idx="2"/>
+            </p:cNvCxnSpPr>
+            <p:nvPr/>
+          </p:nvCxnSpPr>
+          <p:spPr>
+            <a:xfrm flipV="1">
+              <a:off x="2836321" y="2166858"/>
+              <a:ext cx="959352" cy="1131247"/>
+            </a:xfrm>
+            <a:prstGeom prst="bentConnector2">
+              <a:avLst/>
+            </a:prstGeom>
+            <a:ln>
+              <a:headEnd type="triangle"/>
+              <a:tailEnd type="triangle"/>
+            </a:ln>
+          </p:spPr>
+          <p:style>
+            <a:lnRef idx="2">
+              <a:schemeClr val="accent3"/>
+            </a:lnRef>
+            <a:fillRef idx="1">
+              <a:schemeClr val="lt1"/>
+            </a:fillRef>
+            <a:effectRef idx="0">
+              <a:schemeClr val="accent3"/>
+            </a:effectRef>
+            <a:fontRef idx="minor">
+              <a:schemeClr val="dk1"/>
+            </a:fontRef>
+          </p:style>
+        </p:cxnSp>
+        <p:cxnSp>
+          <p:nvCxnSpPr>
+            <p:cNvPr id="60" name="Connector: Elbow 59">
+              <a:extLst>
+                <a:ext uri="{FF2B5EF4-FFF2-40B4-BE49-F238E27FC236}">
+                  <a16:creationId xmlns:a16="http://schemas.microsoft.com/office/drawing/2014/main" id="{441CC395-613A-4B46-9818-8CEBC9B01204}"/>
+                </a:ext>
+              </a:extLst>
+            </p:cNvPr>
+            <p:cNvCxnSpPr>
+              <a:stCxn id="50" idx="2"/>
+              <a:endCxn id="71" idx="1"/>
+            </p:cNvCxnSpPr>
+            <p:nvPr/>
+          </p:nvCxnSpPr>
+          <p:spPr>
+            <a:xfrm rot="16200000" flipH="1">
+              <a:off x="535649" y="2260423"/>
+              <a:ext cx="1132580" cy="942784"/>
+            </a:xfrm>
+            <a:prstGeom prst="bentConnector2">
+              <a:avLst/>
+            </a:prstGeom>
+            <a:ln>
+              <a:headEnd type="triangle"/>
+              <a:tailEnd type="triangle"/>
+            </a:ln>
+          </p:spPr>
+          <p:style>
+            <a:lnRef idx="2">
+              <a:schemeClr val="accent3"/>
+            </a:lnRef>
+            <a:fillRef idx="1">
+              <a:schemeClr val="lt1"/>
+            </a:fillRef>
+            <a:effectRef idx="0">
+              <a:schemeClr val="accent3"/>
+            </a:effectRef>
+            <a:fontRef idx="minor">
+              <a:schemeClr val="dk1"/>
+            </a:fontRef>
+          </p:style>
+        </p:cxnSp>
+        <p:cxnSp>
+          <p:nvCxnSpPr>
+            <p:cNvPr id="61" name="Connector: Elbow 60">
+              <a:extLst>
+                <a:ext uri="{FF2B5EF4-FFF2-40B4-BE49-F238E27FC236}">
+                  <a16:creationId xmlns:a16="http://schemas.microsoft.com/office/drawing/2014/main" id="{11361A69-6F6A-41CE-AC4C-F1DF3F3A0E00}"/>
+                </a:ext>
+              </a:extLst>
+            </p:cNvPr>
+            <p:cNvCxnSpPr>
+              <a:stCxn id="50" idx="2"/>
+              <a:endCxn id="74" idx="1"/>
+            </p:cNvCxnSpPr>
+            <p:nvPr/>
+          </p:nvCxnSpPr>
+          <p:spPr>
+            <a:xfrm rot="16200000" flipH="1">
+              <a:off x="796512" y="1999560"/>
+              <a:ext cx="610539" cy="942468"/>
+            </a:xfrm>
+            <a:prstGeom prst="bentConnector2">
+              <a:avLst/>
+            </a:prstGeom>
+            <a:ln>
+              <a:headEnd type="triangle"/>
+              <a:tailEnd type="triangle"/>
+            </a:ln>
+          </p:spPr>
+          <p:style>
+            <a:lnRef idx="2">
+              <a:schemeClr val="accent3"/>
+            </a:lnRef>
+            <a:fillRef idx="1">
+              <a:schemeClr val="lt1"/>
+            </a:fillRef>
+            <a:effectRef idx="0">
+              <a:schemeClr val="accent3"/>
+            </a:effectRef>
+            <a:fontRef idx="minor">
+              <a:schemeClr val="dk1"/>
+            </a:fontRef>
+          </p:style>
+        </p:cxnSp>
+        <p:cxnSp>
+          <p:nvCxnSpPr>
+            <p:cNvPr id="62" name="Connector: Elbow 61">
+              <a:extLst>
+                <a:ext uri="{FF2B5EF4-FFF2-40B4-BE49-F238E27FC236}">
+                  <a16:creationId xmlns:a16="http://schemas.microsoft.com/office/drawing/2014/main" id="{AD3227BD-C802-4F8D-83BB-E6207B2FCFA7}"/>
+                </a:ext>
+              </a:extLst>
+            </p:cNvPr>
+            <p:cNvCxnSpPr>
+              <a:stCxn id="74" idx="3"/>
+              <a:endCxn id="51" idx="2"/>
+            </p:cNvCxnSpPr>
+            <p:nvPr/>
+          </p:nvCxnSpPr>
+          <p:spPr>
+            <a:xfrm flipV="1">
+              <a:off x="2836005" y="2166858"/>
+              <a:ext cx="959668" cy="609206"/>
+            </a:xfrm>
+            <a:prstGeom prst="bentConnector2">
+              <a:avLst/>
+            </a:prstGeom>
+            <a:ln>
+              <a:headEnd type="triangle"/>
+              <a:tailEnd type="triangle"/>
+            </a:ln>
+          </p:spPr>
+          <p:style>
+            <a:lnRef idx="2">
+              <a:schemeClr val="accent3"/>
+            </a:lnRef>
+            <a:fillRef idx="1">
+              <a:schemeClr val="lt1"/>
+            </a:fillRef>
+            <a:effectRef idx="0">
+              <a:schemeClr val="accent3"/>
+            </a:effectRef>
+            <a:fontRef idx="minor">
+              <a:schemeClr val="dk1"/>
+            </a:fontRef>
+          </p:style>
+        </p:cxnSp>
+        <p:cxnSp>
+          <p:nvCxnSpPr>
+            <p:cNvPr id="63" name="Connector: Elbow 62">
+              <a:extLst>
+                <a:ext uri="{FF2B5EF4-FFF2-40B4-BE49-F238E27FC236}">
+                  <a16:creationId xmlns:a16="http://schemas.microsoft.com/office/drawing/2014/main" id="{E5382936-3AAF-46AB-8756-4497C09555FA}"/>
+                </a:ext>
+              </a:extLst>
+            </p:cNvPr>
+            <p:cNvCxnSpPr>
+              <a:stCxn id="50" idx="2"/>
+              <a:endCxn id="69" idx="1"/>
+            </p:cNvCxnSpPr>
+            <p:nvPr/>
+          </p:nvCxnSpPr>
+          <p:spPr>
+            <a:xfrm rot="16200000" flipH="1">
+              <a:off x="1056708" y="1739364"/>
+              <a:ext cx="89831" cy="942152"/>
+            </a:xfrm>
+            <a:prstGeom prst="bentConnector2">
+              <a:avLst/>
+            </a:prstGeom>
+            <a:ln>
+              <a:headEnd type="triangle"/>
+              <a:tailEnd type="triangle"/>
+            </a:ln>
+          </p:spPr>
+          <p:style>
+            <a:lnRef idx="2">
+              <a:schemeClr val="accent3"/>
+            </a:lnRef>
+            <a:fillRef idx="1">
+              <a:schemeClr val="lt1"/>
+            </a:fillRef>
+            <a:effectRef idx="0">
+              <a:schemeClr val="accent3"/>
+            </a:effectRef>
+            <a:fontRef idx="minor">
+              <a:schemeClr val="dk1"/>
+            </a:fontRef>
+          </p:style>
+        </p:cxnSp>
+        <p:cxnSp>
+          <p:nvCxnSpPr>
+            <p:cNvPr id="64" name="Connector: Elbow 63">
+              <a:extLst>
+                <a:ext uri="{FF2B5EF4-FFF2-40B4-BE49-F238E27FC236}">
+                  <a16:creationId xmlns:a16="http://schemas.microsoft.com/office/drawing/2014/main" id="{4CBEF122-6DF9-4B9C-953D-516E0D4AD7CC}"/>
+                </a:ext>
+              </a:extLst>
+            </p:cNvPr>
+            <p:cNvCxnSpPr>
+              <a:stCxn id="69" idx="3"/>
+              <a:endCxn id="51" idx="2"/>
+            </p:cNvCxnSpPr>
+            <p:nvPr/>
+          </p:nvCxnSpPr>
+          <p:spPr>
+            <a:xfrm flipV="1">
+              <a:off x="2835689" y="2166858"/>
+              <a:ext cx="959984" cy="88498"/>
+            </a:xfrm>
+            <a:prstGeom prst="bentConnector2">
+              <a:avLst/>
+            </a:prstGeom>
+            <a:ln>
+              <a:headEnd type="triangle"/>
+              <a:tailEnd type="triangle"/>
+            </a:ln>
+          </p:spPr>
+          <p:style>
+            <a:lnRef idx="2">
+              <a:schemeClr val="accent3"/>
+            </a:lnRef>
+            <a:fillRef idx="1">
+              <a:schemeClr val="lt1"/>
+            </a:fillRef>
+            <a:effectRef idx="0">
+              <a:schemeClr val="accent3"/>
+            </a:effectRef>
+            <a:fontRef idx="minor">
+              <a:schemeClr val="dk1"/>
+            </a:fontRef>
+          </p:style>
+        </p:cxnSp>
+        <p:cxnSp>
+          <p:nvCxnSpPr>
+            <p:cNvPr id="65" name="Connector: Elbow 64">
+              <a:extLst>
+                <a:ext uri="{FF2B5EF4-FFF2-40B4-BE49-F238E27FC236}">
+                  <a16:creationId xmlns:a16="http://schemas.microsoft.com/office/drawing/2014/main" id="{8A2E5AD7-9885-4D42-9EA8-A2E07A539127}"/>
+                </a:ext>
+              </a:extLst>
+            </p:cNvPr>
+            <p:cNvCxnSpPr>
+              <a:stCxn id="73" idx="3"/>
+              <a:endCxn id="51" idx="0"/>
+            </p:cNvCxnSpPr>
+            <p:nvPr/>
+          </p:nvCxnSpPr>
+          <p:spPr>
+            <a:xfrm>
+              <a:off x="2823277" y="169413"/>
+              <a:ext cx="972396" cy="1655954"/>
+            </a:xfrm>
+            <a:prstGeom prst="bentConnector2">
+              <a:avLst/>
+            </a:prstGeom>
+            <a:ln>
+              <a:headEnd type="triangle"/>
+              <a:tailEnd type="triangle"/>
+            </a:ln>
+          </p:spPr>
+          <p:style>
+            <a:lnRef idx="2">
+              <a:schemeClr val="accent3"/>
+            </a:lnRef>
+            <a:fillRef idx="1">
+              <a:schemeClr val="lt1"/>
+            </a:fillRef>
+            <a:effectRef idx="0">
+              <a:schemeClr val="accent3"/>
+            </a:effectRef>
+            <a:fontRef idx="minor">
+              <a:schemeClr val="dk1"/>
+            </a:fontRef>
+          </p:style>
+        </p:cxnSp>
+        <p:cxnSp>
+          <p:nvCxnSpPr>
+            <p:cNvPr id="66" name="Connector: Elbow 65">
+              <a:extLst>
+                <a:ext uri="{FF2B5EF4-FFF2-40B4-BE49-F238E27FC236}">
+                  <a16:creationId xmlns:a16="http://schemas.microsoft.com/office/drawing/2014/main" id="{3D3BC6DC-88AD-43D2-85F1-376139E99E04}"/>
+                </a:ext>
+              </a:extLst>
+            </p:cNvPr>
+            <p:cNvCxnSpPr>
+              <a:stCxn id="76" idx="3"/>
+              <a:endCxn id="51" idx="0"/>
+            </p:cNvCxnSpPr>
+            <p:nvPr/>
+          </p:nvCxnSpPr>
+          <p:spPr>
+            <a:xfrm>
+              <a:off x="2836637" y="690566"/>
+              <a:ext cx="959036" cy="1134801"/>
+            </a:xfrm>
+            <a:prstGeom prst="bentConnector2">
+              <a:avLst/>
+            </a:prstGeom>
+            <a:ln>
+              <a:headEnd type="triangle"/>
+              <a:tailEnd type="triangle"/>
+            </a:ln>
+          </p:spPr>
+          <p:style>
+            <a:lnRef idx="2">
+              <a:schemeClr val="accent3"/>
+            </a:lnRef>
+            <a:fillRef idx="1">
+              <a:schemeClr val="lt1"/>
+            </a:fillRef>
+            <a:effectRef idx="0">
+              <a:schemeClr val="accent3"/>
+            </a:effectRef>
+            <a:fontRef idx="minor">
+              <a:schemeClr val="dk1"/>
+            </a:fontRef>
+          </p:style>
+        </p:cxnSp>
+        <p:cxnSp>
+          <p:nvCxnSpPr>
+            <p:cNvPr id="67" name="Connector: Elbow 66">
+              <a:extLst>
+                <a:ext uri="{FF2B5EF4-FFF2-40B4-BE49-F238E27FC236}">
+                  <a16:creationId xmlns:a16="http://schemas.microsoft.com/office/drawing/2014/main" id="{75785E4D-C2E7-4CB0-B491-A002B9DA7417}"/>
+                </a:ext>
+              </a:extLst>
+            </p:cNvPr>
+            <p:cNvCxnSpPr>
+              <a:stCxn id="72" idx="3"/>
+              <a:endCxn id="51" idx="0"/>
+            </p:cNvCxnSpPr>
+            <p:nvPr/>
+          </p:nvCxnSpPr>
+          <p:spPr>
+            <a:xfrm>
+              <a:off x="2835057" y="1212607"/>
+              <a:ext cx="960616" cy="612760"/>
+            </a:xfrm>
+            <a:prstGeom prst="bentConnector2">
+              <a:avLst/>
+            </a:prstGeom>
+            <a:ln>
+              <a:headEnd type="triangle"/>
+              <a:tailEnd type="triangle"/>
+            </a:ln>
+          </p:spPr>
+          <p:style>
+            <a:lnRef idx="2">
+              <a:schemeClr val="accent3"/>
+            </a:lnRef>
+            <a:fillRef idx="1">
+              <a:schemeClr val="lt1"/>
+            </a:fillRef>
+            <a:effectRef idx="0">
+              <a:schemeClr val="accent3"/>
+            </a:effectRef>
+            <a:fontRef idx="minor">
+              <a:schemeClr val="dk1"/>
+            </a:fontRef>
+          </p:style>
+        </p:cxnSp>
+        <p:cxnSp>
+          <p:nvCxnSpPr>
+            <p:cNvPr id="68" name="Connector: Elbow 67">
+              <a:extLst>
+                <a:ext uri="{FF2B5EF4-FFF2-40B4-BE49-F238E27FC236}">
+                  <a16:creationId xmlns:a16="http://schemas.microsoft.com/office/drawing/2014/main" id="{552A46AE-01CD-479E-8217-D6EEB8E1F66E}"/>
+                </a:ext>
+              </a:extLst>
+            </p:cNvPr>
+            <p:cNvCxnSpPr>
+              <a:stCxn id="70" idx="3"/>
+              <a:endCxn id="51" idx="0"/>
+            </p:cNvCxnSpPr>
+            <p:nvPr/>
+          </p:nvCxnSpPr>
+          <p:spPr>
+            <a:xfrm>
+              <a:off x="2835373" y="1734647"/>
+              <a:ext cx="960300" cy="90720"/>
+            </a:xfrm>
+            <a:prstGeom prst="bentConnector2">
+              <a:avLst/>
+            </a:prstGeom>
+            <a:ln>
+              <a:headEnd type="triangle"/>
+              <a:tailEnd type="triangle"/>
+            </a:ln>
+          </p:spPr>
+          <p:style>
+            <a:lnRef idx="2">
+              <a:schemeClr val="accent3"/>
+            </a:lnRef>
+            <a:fillRef idx="1">
+              <a:schemeClr val="lt1"/>
+            </a:fillRef>
+            <a:effectRef idx="0">
+              <a:schemeClr val="accent3"/>
+            </a:effectRef>
+            <a:fontRef idx="minor">
+              <a:schemeClr val="dk1"/>
+            </a:fontRef>
+          </p:style>
+        </p:cxnSp>
+      </p:grpSp>
+      <p:graphicFrame>
+        <p:nvGraphicFramePr>
+          <p:cNvPr id="3" name="Table 2">
+            <a:extLst>
+              <a:ext uri="{FF2B5EF4-FFF2-40B4-BE49-F238E27FC236}">
+                <a16:creationId xmlns:a16="http://schemas.microsoft.com/office/drawing/2014/main" id="{EFF96AF7-F6A0-4A3D-93D7-59F66583B74D}"/>
+              </a:ext>
+            </a:extLst>
+          </p:cNvPr>
+          <p:cNvGraphicFramePr>
+            <a:graphicFrameLocks noGrp="1"/>
+          </p:cNvGraphicFramePr>
+          <p:nvPr>
+            <p:extLst>
+              <p:ext uri="{D42A27DB-BD31-4B8C-83A1-F6EECF244321}">
+                <p14:modId xmlns:p14="http://schemas.microsoft.com/office/powerpoint/2010/main" val="343537343"/>
+              </p:ext>
+            </p:extLst>
+          </p:nvPr>
+        </p:nvGraphicFramePr>
+        <p:xfrm>
+          <a:off x="6857494" y="1287202"/>
+          <a:ext cx="4056583" cy="3821693"/>
+        </p:xfrm>
+        <a:graphic>
+          <a:graphicData uri="http://schemas.openxmlformats.org/drawingml/2006/table">
+            <a:tbl>
+              <a:tblPr firstRow="1" bandRow="1">
+                <a:effectLst>
+                  <a:outerShdw blurRad="50800" dist="38100" dir="2700000" algn="tl" rotWithShape="0">
+                    <a:schemeClr val="accent1">
+                      <a:lumMod val="50000"/>
+                      <a:alpha val="40000"/>
+                    </a:schemeClr>
+                  </a:outerShdw>
+                </a:effectLst>
+                <a:tableStyleId>{5C22544A-7EE6-4342-B048-85BDC9FD1C3A}</a:tableStyleId>
+              </a:tblPr>
+              <a:tblGrid>
+                <a:gridCol w="4056583">
+                  <a:extLst>
+                    <a:ext uri="{9D8B030D-6E8A-4147-A177-3AD203B41FA5}">
+                      <a16:colId xmlns:a16="http://schemas.microsoft.com/office/drawing/2014/main" val="4231490580"/>
+                    </a:ext>
+                  </a:extLst>
+                </a:gridCol>
+              </a:tblGrid>
+              <a:tr h="3821693">
+                <a:tc>
+                  <a:txBody>
+                    <a:bodyPr/>
+                    <a:lstStyle/>
+                    <a:p>
+                      <a:r>
+                        <a:rPr lang="en-US" dirty="0">
+                          <a:solidFill>
+                            <a:schemeClr val="bg1">
+                              <a:lumMod val="50000"/>
+                            </a:schemeClr>
+                          </a:solidFill>
+                        </a:rPr>
+                        <a:t>Survey</a:t>
+                      </a:r>
+                      <a:r>
+                        <a:rPr lang="en-IN" dirty="0">
+                          <a:solidFill>
+                            <a:schemeClr val="bg1">
+                              <a:lumMod val="50000"/>
+                            </a:schemeClr>
+                          </a:solidFill>
+                        </a:rPr>
+                        <a:t> :</a:t>
+                      </a:r>
+                    </a:p>
+                    <a:p>
+                      <a:pPr marL="742950" marR="0" lvl="1" indent="-285750" algn="l" defTabSz="914400" rtl="0" eaLnBrk="1" fontAlgn="auto" latinLnBrk="0" hangingPunct="1">
+                        <a:lnSpc>
+                          <a:spcPct val="250000"/>
+                        </a:lnSpc>
+                        <a:spcBef>
+                          <a:spcPts val="0"/>
+                        </a:spcBef>
+                        <a:spcAft>
+                          <a:spcPts val="0"/>
+                        </a:spcAft>
+                        <a:buClrTx/>
+                        <a:buSzTx/>
+                        <a:buFont typeface="Arial" panose="020B0604020202020204" pitchFamily="34" charset="0"/>
+                        <a:buChar char="•"/>
+                        <a:tabLst/>
+                        <a:defRPr/>
+                      </a:pPr>
+                      <a:r>
+                        <a:rPr lang="en-IN" sz="1100" dirty="0">
+                          <a:solidFill>
+                            <a:schemeClr val="bg1">
+                              <a:lumMod val="50000"/>
+                            </a:schemeClr>
+                          </a:solidFill>
+                        </a:rPr>
+                        <a:t>Share and Collect</a:t>
+                      </a:r>
+                    </a:p>
+                    <a:p>
+                      <a:pPr marL="742950" marR="0" lvl="1" indent="-285750" algn="l" defTabSz="914400" rtl="0" eaLnBrk="1" fontAlgn="auto" latinLnBrk="0" hangingPunct="1">
+                        <a:lnSpc>
+                          <a:spcPct val="250000"/>
+                        </a:lnSpc>
+                        <a:spcBef>
+                          <a:spcPts val="0"/>
+                        </a:spcBef>
+                        <a:spcAft>
+                          <a:spcPts val="0"/>
+                        </a:spcAft>
+                        <a:buClrTx/>
+                        <a:buSzTx/>
+                        <a:buFont typeface="Arial" panose="020B0604020202020204" pitchFamily="34" charset="0"/>
+                        <a:buChar char="•"/>
+                        <a:tabLst/>
+                        <a:defRPr/>
+                      </a:pPr>
+                      <a:r>
+                        <a:rPr lang="en-IN" sz="1100" dirty="0">
+                          <a:solidFill>
+                            <a:schemeClr val="bg1">
+                              <a:lumMod val="50000"/>
+                            </a:schemeClr>
+                          </a:solidFill>
+                        </a:rPr>
+                        <a:t>Analyse</a:t>
+                      </a:r>
+                    </a:p>
+                    <a:p>
+                      <a:pPr marL="742950" marR="0" lvl="1" indent="-285750" algn="l" defTabSz="914400" rtl="0" eaLnBrk="1" fontAlgn="auto" latinLnBrk="0" hangingPunct="1">
+                        <a:lnSpc>
+                          <a:spcPct val="250000"/>
+                        </a:lnSpc>
+                        <a:spcBef>
+                          <a:spcPts val="0"/>
+                        </a:spcBef>
+                        <a:spcAft>
+                          <a:spcPts val="0"/>
+                        </a:spcAft>
+                        <a:buClrTx/>
+                        <a:buSzTx/>
+                        <a:buFont typeface="Arial" panose="020B0604020202020204" pitchFamily="34" charset="0"/>
+                        <a:buChar char="•"/>
+                        <a:tabLst/>
+                        <a:defRPr/>
+                      </a:pPr>
+                      <a:r>
+                        <a:rPr lang="en-IN" sz="1100" dirty="0">
+                          <a:solidFill>
+                            <a:schemeClr val="bg1">
+                              <a:lumMod val="50000"/>
+                            </a:schemeClr>
+                          </a:solidFill>
+                        </a:rPr>
+                        <a:t>Simple and Intuitive</a:t>
+                      </a:r>
+                    </a:p>
+                    <a:p>
+                      <a:pPr marL="742950" marR="0" lvl="1" indent="-285750" algn="l" defTabSz="914400" rtl="0" eaLnBrk="1" fontAlgn="auto" latinLnBrk="0" hangingPunct="1">
+                        <a:lnSpc>
+                          <a:spcPct val="250000"/>
+                        </a:lnSpc>
+                        <a:spcBef>
+                          <a:spcPts val="0"/>
+                        </a:spcBef>
+                        <a:spcAft>
+                          <a:spcPts val="0"/>
+                        </a:spcAft>
+                        <a:buClrTx/>
+                        <a:buSzTx/>
+                        <a:buFont typeface="Arial" panose="020B0604020202020204" pitchFamily="34" charset="0"/>
+                        <a:buChar char="•"/>
+                        <a:tabLst/>
+                        <a:defRPr/>
+                      </a:pPr>
+                      <a:endParaRPr lang="en-IN" sz="1100" dirty="0">
+                        <a:solidFill>
+                          <a:schemeClr val="bg1">
+                            <a:lumMod val="50000"/>
+                          </a:schemeClr>
+                        </a:solidFill>
+                      </a:endParaRPr>
+                    </a:p>
+                    <a:p>
+                      <a:pPr marL="742950" marR="0" lvl="1" indent="-285750" algn="l" defTabSz="914400" rtl="0" eaLnBrk="1" fontAlgn="auto" latinLnBrk="0" hangingPunct="1">
+                        <a:lnSpc>
+                          <a:spcPct val="250000"/>
+                        </a:lnSpc>
+                        <a:spcBef>
+                          <a:spcPts val="0"/>
+                        </a:spcBef>
+                        <a:spcAft>
+                          <a:spcPts val="0"/>
+                        </a:spcAft>
+                        <a:buClrTx/>
+                        <a:buSzTx/>
+                        <a:buFont typeface="Arial" panose="020B0604020202020204" pitchFamily="34" charset="0"/>
+                        <a:buChar char="•"/>
+                        <a:tabLst/>
+                        <a:defRPr/>
+                      </a:pPr>
+                      <a:endParaRPr lang="en-IN" sz="1100" dirty="0">
+                        <a:solidFill>
+                          <a:schemeClr val="bg1">
+                            <a:lumMod val="50000"/>
+                          </a:schemeClr>
+                        </a:solidFill>
+                      </a:endParaRPr>
+                    </a:p>
+                    <a:p>
+                      <a:pPr marL="742950" marR="0" lvl="1" indent="-285750" algn="l" defTabSz="914400" rtl="0" eaLnBrk="1" fontAlgn="auto" latinLnBrk="0" hangingPunct="1">
+                        <a:lnSpc>
+                          <a:spcPct val="250000"/>
+                        </a:lnSpc>
+                        <a:spcBef>
+                          <a:spcPts val="0"/>
+                        </a:spcBef>
+                        <a:spcAft>
+                          <a:spcPts val="0"/>
+                        </a:spcAft>
+                        <a:buClrTx/>
+                        <a:buSzTx/>
+                        <a:buFont typeface="Arial" panose="020B0604020202020204" pitchFamily="34" charset="0"/>
+                        <a:buChar char="•"/>
+                        <a:tabLst/>
+                        <a:defRPr/>
+                      </a:pPr>
+                      <a:endParaRPr lang="en-IN" sz="1100" dirty="0">
+                        <a:solidFill>
+                          <a:schemeClr val="bg1">
+                            <a:lumMod val="50000"/>
+                          </a:schemeClr>
+                        </a:solidFill>
+                      </a:endParaRPr>
+                    </a:p>
+                    <a:p>
+                      <a:pPr marL="742950" marR="0" lvl="1" indent="-285750" algn="l" defTabSz="914400" rtl="0" eaLnBrk="1" fontAlgn="auto" latinLnBrk="0" hangingPunct="1">
+                        <a:lnSpc>
+                          <a:spcPct val="250000"/>
+                        </a:lnSpc>
+                        <a:spcBef>
+                          <a:spcPts val="0"/>
+                        </a:spcBef>
+                        <a:spcAft>
+                          <a:spcPts val="0"/>
+                        </a:spcAft>
+                        <a:buClrTx/>
+                        <a:buSzTx/>
+                        <a:buFont typeface="Arial" panose="020B0604020202020204" pitchFamily="34" charset="0"/>
+                        <a:buChar char="•"/>
+                        <a:tabLst/>
+                        <a:defRPr/>
+                      </a:pPr>
+                      <a:endParaRPr lang="en-IN" dirty="0">
+                        <a:solidFill>
+                          <a:schemeClr val="bg1">
+                            <a:lumMod val="50000"/>
+                          </a:schemeClr>
+                        </a:solidFill>
+                      </a:endParaRPr>
+                    </a:p>
+                  </a:txBody>
+                  <a:tcPr>
+                    <a:lnL w="12700" cap="flat" cmpd="sng" algn="ctr">
+                      <a:solidFill>
+                        <a:schemeClr val="tx1"/>
+                      </a:solidFill>
+                      <a:prstDash val="solid"/>
+                      <a:round/>
+                      <a:headEnd type="none" w="med" len="med"/>
+                      <a:tailEnd type="none" w="med" len="med"/>
+                    </a:lnL>
+                    <a:lnR w="12700" cap="flat" cmpd="sng" algn="ctr">
+                      <a:solidFill>
+                        <a:schemeClr val="tx1"/>
+                      </a:solidFill>
+                      <a:prstDash val="solid"/>
+                      <a:round/>
+                      <a:headEnd type="none" w="med" len="med"/>
+                      <a:tailEnd type="none" w="med" len="med"/>
+                    </a:lnR>
+                    <a:lnT w="12700" cap="flat" cmpd="sng" algn="ctr">
+                      <a:solidFill>
+                        <a:schemeClr val="tx1"/>
+                      </a:solidFill>
+                      <a:prstDash val="solid"/>
+                      <a:round/>
+                      <a:headEnd type="none" w="med" len="med"/>
+                      <a:tailEnd type="none" w="med" len="med"/>
+                    </a:lnT>
+                    <a:lnB w="12700" cap="flat" cmpd="sng" algn="ctr">
+                      <a:solidFill>
+                        <a:schemeClr val="tx1"/>
+                      </a:solidFill>
+                      <a:prstDash val="solid"/>
+                      <a:round/>
+                      <a:headEnd type="none" w="med" len="med"/>
+                      <a:tailEnd type="none" w="med" len="med"/>
+                    </a:lnB>
+                    <a:solidFill>
+                      <a:schemeClr val="bg1"/>
+                    </a:solidFill>
+                  </a:tcPr>
+                </a:tc>
+                <a:extLst>
+                  <a:ext uri="{0D108BD9-81ED-4DB2-BD59-A6C34878D82A}">
+                    <a16:rowId xmlns:a16="http://schemas.microsoft.com/office/drawing/2014/main" val="2843414293"/>
+                  </a:ext>
+                </a:extLst>
+              </a:tr>
+            </a:tbl>
+          </a:graphicData>
+        </a:graphic>
+      </p:graphicFrame>
+      <p:sp>
+        <p:nvSpPr>
+          <p:cNvPr id="5" name="Slide Number Placeholder 4">
+            <a:extLst>
+              <a:ext uri="{FF2B5EF4-FFF2-40B4-BE49-F238E27FC236}">
+                <a16:creationId xmlns:a16="http://schemas.microsoft.com/office/drawing/2014/main" id="{2C775F7A-73FD-4DD8-91DD-474A63927FD4}"/>
+              </a:ext>
+            </a:extLst>
+          </p:cNvPr>
+          <p:cNvSpPr>
+            <a:spLocks noGrp="1"/>
+          </p:cNvSpPr>
+          <p:nvPr>
+            <p:ph type="sldNum" sz="quarter" idx="12"/>
+          </p:nvPr>
+        </p:nvSpPr>
+        <p:spPr/>
+        <p:txBody>
+          <a:bodyPr/>
+          <a:lstStyle/>
+          <a:p>
+            <a:fld id="{F1BA8BE5-F97D-4D2A-8B41-D976DF280E9E}" type="slidenum">
+              <a:rPr lang="en-IN" smtClean="0"/>
+              <a:t>10</a:t>
+            </a:fld>
+            <a:endParaRPr lang="en-IN"/>
+          </a:p>
+        </p:txBody>
+      </p:sp>
+    </p:spTree>
+    <p:extLst>
+      <p:ext uri="{BB962C8B-B14F-4D97-AF65-F5344CB8AC3E}">
+        <p14:creationId xmlns:p14="http://schemas.microsoft.com/office/powerpoint/2010/main" val="1132445227"/>
+      </p:ext>
+    </p:extLst>
+  </p:cSld>
+  <p:clrMapOvr>
+    <a:masterClrMapping/>
+  </p:clrMapOvr>
+</p:sld>
+</file>
+
+<file path=ppt/slides/slide11.xml><?xml version="1.0" encoding="utf-8"?>
+<p:sld xmlns:a="http://schemas.openxmlformats.org/drawingml/2006/main" xmlns:r="http://schemas.openxmlformats.org/officeDocument/2006/relationships" xmlns:p="http://schemas.openxmlformats.org/presentationml/2006/main">
+  <p:cSld>
+    <p:spTree>
+      <p:nvGrpSpPr>
+        <p:cNvPr id="1" name=""/>
+        <p:cNvGrpSpPr/>
+        <p:nvPr/>
+      </p:nvGrpSpPr>
+      <p:grpSpPr>
+        <a:xfrm>
+          <a:off x="0" y="0"/>
+          <a:ext cx="0" cy="0"/>
+          <a:chOff x="0" y="0"/>
+          <a:chExt cx="0" cy="0"/>
+        </a:xfrm>
+      </p:grpSpPr>
+      <p:sp>
+        <p:nvSpPr>
+          <p:cNvPr id="2" name="Title 1">
+            <a:extLst>
+              <a:ext uri="{FF2B5EF4-FFF2-40B4-BE49-F238E27FC236}">
+                <a16:creationId xmlns:a16="http://schemas.microsoft.com/office/drawing/2014/main" id="{CFA6665A-2B2F-4278-BB93-4515155B6F60}"/>
+              </a:ext>
+            </a:extLst>
+          </p:cNvPr>
+          <p:cNvSpPr>
+            <a:spLocks noGrp="1"/>
+          </p:cNvSpPr>
+          <p:nvPr>
+            <p:ph type="title"/>
+          </p:nvPr>
+        </p:nvSpPr>
+        <p:spPr>
+          <a:xfrm>
+            <a:off x="838200" y="365125"/>
+            <a:ext cx="5831048" cy="735043"/>
+          </a:xfrm>
+        </p:spPr>
+        <p:txBody>
+          <a:bodyPr>
+            <a:normAutofit/>
+          </a:bodyPr>
+          <a:lstStyle/>
+          <a:p>
+            <a:r>
+              <a:rPr lang="en-US" dirty="0">
+                <a:solidFill>
+                  <a:schemeClr val="bg1">
+                    <a:lumMod val="50000"/>
+                  </a:schemeClr>
+                </a:solidFill>
+                <a:latin typeface="Arial" panose="020B0604020202020204" pitchFamily="34" charset="0"/>
+                <a:cs typeface="Arial" panose="020B0604020202020204" pitchFamily="34" charset="0"/>
+              </a:rPr>
+              <a:t>The Course Portal</a:t>
+            </a:r>
+            <a:endParaRPr lang="en-IN" dirty="0">
+              <a:solidFill>
+                <a:schemeClr val="bg1">
+                  <a:lumMod val="50000"/>
+                </a:schemeClr>
+              </a:solidFill>
+              <a:latin typeface="Arial" panose="020B0604020202020204" pitchFamily="34" charset="0"/>
+              <a:cs typeface="Arial" panose="020B0604020202020204" pitchFamily="34" charset="0"/>
+            </a:endParaRPr>
+          </a:p>
+        </p:txBody>
+      </p:sp>
+      <p:grpSp>
+        <p:nvGrpSpPr>
+          <p:cNvPr id="49" name="Group 48">
+            <a:extLst>
+              <a:ext uri="{FF2B5EF4-FFF2-40B4-BE49-F238E27FC236}">
+                <a16:creationId xmlns:a16="http://schemas.microsoft.com/office/drawing/2014/main" id="{F2A64027-DC77-40C7-AD55-18FCA4C76321}"/>
+              </a:ext>
+            </a:extLst>
+          </p:cNvPr>
+          <p:cNvGrpSpPr/>
+          <p:nvPr/>
+        </p:nvGrpSpPr>
+        <p:grpSpPr>
+          <a:xfrm>
+            <a:off x="283539" y="1397074"/>
+            <a:ext cx="5379426" cy="3778933"/>
+            <a:chOff x="0" y="0"/>
+            <a:chExt cx="4427168" cy="3992224"/>
+          </a:xfrm>
+        </p:grpSpPr>
+        <p:sp>
+          <p:nvSpPr>
+            <p:cNvPr id="50" name="Rectangle 49">
+              <a:extLst>
+                <a:ext uri="{FF2B5EF4-FFF2-40B4-BE49-F238E27FC236}">
+                  <a16:creationId xmlns:a16="http://schemas.microsoft.com/office/drawing/2014/main" id="{91A2E16A-F7D4-43A9-8528-8FCA94950D2E}"/>
+                </a:ext>
+              </a:extLst>
+            </p:cNvPr>
+            <p:cNvSpPr/>
+            <p:nvPr/>
+          </p:nvSpPr>
+          <p:spPr>
+            <a:xfrm>
+              <a:off x="0" y="1826699"/>
+              <a:ext cx="1261094" cy="338826"/>
+            </a:xfrm>
+            <a:prstGeom prst="rect">
+              <a:avLst/>
+            </a:prstGeom>
+            <a:ln/>
+          </p:spPr>
+          <p:style>
+            <a:lnRef idx="2">
+              <a:schemeClr val="accent3"/>
+            </a:lnRef>
+            <a:fillRef idx="1">
+              <a:schemeClr val="lt1"/>
+            </a:fillRef>
+            <a:effectRef idx="0">
+              <a:schemeClr val="accent3"/>
+            </a:effectRef>
+            <a:fontRef idx="minor">
+              <a:schemeClr val="dk1"/>
+            </a:fontRef>
+          </p:style>
+          <p:txBody>
+            <a:bodyPr rtlCol="0" anchor="ctr"/>
+            <a:lstStyle>
+              <a:lvl1pPr marL="0" indent="0">
+                <a:defRPr sz="1100">
+                  <a:solidFill>
+                    <a:schemeClr val="dk1"/>
+                  </a:solidFill>
+                  <a:latin typeface="+mn-lt"/>
+                  <a:ea typeface="+mn-ea"/>
+                  <a:cs typeface="+mn-cs"/>
+                </a:defRPr>
+              </a:lvl1pPr>
+              <a:lvl2pPr marL="457200" indent="0">
+                <a:defRPr sz="1100">
+                  <a:solidFill>
+                    <a:schemeClr val="dk1"/>
+                  </a:solidFill>
+                  <a:latin typeface="+mn-lt"/>
+                  <a:ea typeface="+mn-ea"/>
+                  <a:cs typeface="+mn-cs"/>
+                </a:defRPr>
+              </a:lvl2pPr>
+              <a:lvl3pPr marL="914400" indent="0">
+                <a:defRPr sz="1100">
+                  <a:solidFill>
+                    <a:schemeClr val="dk1"/>
+                  </a:solidFill>
+                  <a:latin typeface="+mn-lt"/>
+                  <a:ea typeface="+mn-ea"/>
+                  <a:cs typeface="+mn-cs"/>
+                </a:defRPr>
+              </a:lvl3pPr>
+              <a:lvl4pPr marL="1371600" indent="0">
+                <a:defRPr sz="1100">
+                  <a:solidFill>
+                    <a:schemeClr val="dk1"/>
+                  </a:solidFill>
+                  <a:latin typeface="+mn-lt"/>
+                  <a:ea typeface="+mn-ea"/>
+                  <a:cs typeface="+mn-cs"/>
+                </a:defRPr>
+              </a:lvl4pPr>
+              <a:lvl5pPr marL="1828800" indent="0">
+                <a:defRPr sz="1100">
+                  <a:solidFill>
+                    <a:schemeClr val="dk1"/>
+                  </a:solidFill>
+                  <a:latin typeface="+mn-lt"/>
+                  <a:ea typeface="+mn-ea"/>
+                  <a:cs typeface="+mn-cs"/>
+                </a:defRPr>
+              </a:lvl5pPr>
+              <a:lvl6pPr marL="2286000" indent="0">
+                <a:defRPr sz="1100">
+                  <a:solidFill>
+                    <a:schemeClr val="dk1"/>
+                  </a:solidFill>
+                  <a:latin typeface="+mn-lt"/>
+                  <a:ea typeface="+mn-ea"/>
+                  <a:cs typeface="+mn-cs"/>
+                </a:defRPr>
+              </a:lvl6pPr>
+              <a:lvl7pPr marL="2743200" indent="0">
+                <a:defRPr sz="1100">
+                  <a:solidFill>
+                    <a:schemeClr val="dk1"/>
+                  </a:solidFill>
+                  <a:latin typeface="+mn-lt"/>
+                  <a:ea typeface="+mn-ea"/>
+                  <a:cs typeface="+mn-cs"/>
+                </a:defRPr>
+              </a:lvl7pPr>
+              <a:lvl8pPr marL="3200400" indent="0">
+                <a:defRPr sz="1100">
+                  <a:solidFill>
+                    <a:schemeClr val="dk1"/>
+                  </a:solidFill>
+                  <a:latin typeface="+mn-lt"/>
+                  <a:ea typeface="+mn-ea"/>
+                  <a:cs typeface="+mn-cs"/>
+                </a:defRPr>
+              </a:lvl8pPr>
+              <a:lvl9pPr marL="3657600" indent="0">
+                <a:defRPr sz="1100">
+                  <a:solidFill>
+                    <a:schemeClr val="dk1"/>
+                  </a:solidFill>
+                  <a:latin typeface="+mn-lt"/>
+                  <a:ea typeface="+mn-ea"/>
+                  <a:cs typeface="+mn-cs"/>
+                </a:defRPr>
+              </a:lvl9pPr>
+            </a:lstStyle>
+            <a:p>
+              <a:pPr algn="ctr"/>
+              <a:r>
+                <a:rPr lang="en-IN" sz="1200" b="1" dirty="0">
+                  <a:solidFill>
+                    <a:schemeClr val="bg1">
+                      <a:lumMod val="50000"/>
+                    </a:schemeClr>
+                  </a:solidFill>
+                  <a:latin typeface="Arial" panose="020B0604020202020204" pitchFamily="34" charset="0"/>
+                  <a:cs typeface="Arial" panose="020B0604020202020204" pitchFamily="34" charset="0"/>
+                </a:rPr>
+                <a:t>Student</a:t>
+              </a:r>
+            </a:p>
+          </p:txBody>
+        </p:sp>
+        <p:sp>
+          <p:nvSpPr>
+            <p:cNvPr id="51" name="Rectangle 50">
+              <a:extLst>
+                <a:ext uri="{FF2B5EF4-FFF2-40B4-BE49-F238E27FC236}">
+                  <a16:creationId xmlns:a16="http://schemas.microsoft.com/office/drawing/2014/main" id="{78799CAB-64A8-44B5-AA28-3463CACADBBC}"/>
+                </a:ext>
+              </a:extLst>
+            </p:cNvPr>
+            <p:cNvSpPr/>
+            <p:nvPr/>
+          </p:nvSpPr>
+          <p:spPr>
+            <a:xfrm>
+              <a:off x="3164178" y="1825367"/>
+              <a:ext cx="1262990" cy="341491"/>
+            </a:xfrm>
+            <a:prstGeom prst="rect">
+              <a:avLst/>
+            </a:prstGeom>
+            <a:ln/>
+          </p:spPr>
+          <p:style>
+            <a:lnRef idx="2">
+              <a:schemeClr val="accent3"/>
+            </a:lnRef>
+            <a:fillRef idx="1">
+              <a:schemeClr val="lt1"/>
+            </a:fillRef>
+            <a:effectRef idx="0">
+              <a:schemeClr val="accent3"/>
+            </a:effectRef>
+            <a:fontRef idx="minor">
+              <a:schemeClr val="dk1"/>
+            </a:fontRef>
+          </p:style>
+          <p:txBody>
+            <a:bodyPr rtlCol="0" anchor="ctr"/>
+            <a:lstStyle>
+              <a:lvl1pPr marL="0" indent="0">
+                <a:defRPr sz="1100">
+                  <a:solidFill>
+                    <a:schemeClr val="dk1"/>
+                  </a:solidFill>
+                  <a:latin typeface="+mn-lt"/>
+                  <a:ea typeface="+mn-ea"/>
+                  <a:cs typeface="+mn-cs"/>
+                </a:defRPr>
+              </a:lvl1pPr>
+              <a:lvl2pPr marL="457200" indent="0">
+                <a:defRPr sz="1100">
+                  <a:solidFill>
+                    <a:schemeClr val="dk1"/>
+                  </a:solidFill>
+                  <a:latin typeface="+mn-lt"/>
+                  <a:ea typeface="+mn-ea"/>
+                  <a:cs typeface="+mn-cs"/>
+                </a:defRPr>
+              </a:lvl2pPr>
+              <a:lvl3pPr marL="914400" indent="0">
+                <a:defRPr sz="1100">
+                  <a:solidFill>
+                    <a:schemeClr val="dk1"/>
+                  </a:solidFill>
+                  <a:latin typeface="+mn-lt"/>
+                  <a:ea typeface="+mn-ea"/>
+                  <a:cs typeface="+mn-cs"/>
+                </a:defRPr>
+              </a:lvl3pPr>
+              <a:lvl4pPr marL="1371600" indent="0">
+                <a:defRPr sz="1100">
+                  <a:solidFill>
+                    <a:schemeClr val="dk1"/>
+                  </a:solidFill>
+                  <a:latin typeface="+mn-lt"/>
+                  <a:ea typeface="+mn-ea"/>
+                  <a:cs typeface="+mn-cs"/>
+                </a:defRPr>
+              </a:lvl4pPr>
+              <a:lvl5pPr marL="1828800" indent="0">
+                <a:defRPr sz="1100">
+                  <a:solidFill>
+                    <a:schemeClr val="dk1"/>
+                  </a:solidFill>
+                  <a:latin typeface="+mn-lt"/>
+                  <a:ea typeface="+mn-ea"/>
+                  <a:cs typeface="+mn-cs"/>
+                </a:defRPr>
+              </a:lvl5pPr>
+              <a:lvl6pPr marL="2286000" indent="0">
+                <a:defRPr sz="1100">
+                  <a:solidFill>
+                    <a:schemeClr val="dk1"/>
+                  </a:solidFill>
+                  <a:latin typeface="+mn-lt"/>
+                  <a:ea typeface="+mn-ea"/>
+                  <a:cs typeface="+mn-cs"/>
+                </a:defRPr>
+              </a:lvl6pPr>
+              <a:lvl7pPr marL="2743200" indent="0">
+                <a:defRPr sz="1100">
+                  <a:solidFill>
+                    <a:schemeClr val="dk1"/>
+                  </a:solidFill>
+                  <a:latin typeface="+mn-lt"/>
+                  <a:ea typeface="+mn-ea"/>
+                  <a:cs typeface="+mn-cs"/>
+                </a:defRPr>
+              </a:lvl7pPr>
+              <a:lvl8pPr marL="3200400" indent="0">
+                <a:defRPr sz="1100">
+                  <a:solidFill>
+                    <a:schemeClr val="dk1"/>
+                  </a:solidFill>
+                  <a:latin typeface="+mn-lt"/>
+                  <a:ea typeface="+mn-ea"/>
+                  <a:cs typeface="+mn-cs"/>
+                </a:defRPr>
+              </a:lvl8pPr>
+              <a:lvl9pPr marL="3657600" indent="0">
+                <a:defRPr sz="1100">
+                  <a:solidFill>
+                    <a:schemeClr val="dk1"/>
+                  </a:solidFill>
+                  <a:latin typeface="+mn-lt"/>
+                  <a:ea typeface="+mn-ea"/>
+                  <a:cs typeface="+mn-cs"/>
+                </a:defRPr>
+              </a:lvl9pPr>
+            </a:lstStyle>
+            <a:p>
+              <a:pPr algn="ctr"/>
+              <a:r>
+                <a:rPr lang="en-IN" sz="1200" b="1" dirty="0">
+                  <a:solidFill>
+                    <a:schemeClr val="bg1">
+                      <a:lumMod val="50000"/>
+                    </a:schemeClr>
+                  </a:solidFill>
+                  <a:latin typeface="Arial" panose="020B0604020202020204" pitchFamily="34" charset="0"/>
+                  <a:cs typeface="Arial" panose="020B0604020202020204" pitchFamily="34" charset="0"/>
+                </a:rPr>
+                <a:t> </a:t>
+              </a:r>
+            </a:p>
+            <a:p>
+              <a:pPr algn="ctr"/>
+              <a:r>
+                <a:rPr lang="en-IN" sz="1200" b="1" dirty="0">
+                  <a:solidFill>
+                    <a:schemeClr val="bg1">
+                      <a:lumMod val="50000"/>
+                    </a:schemeClr>
+                  </a:solidFill>
+                  <a:latin typeface="Arial" panose="020B0604020202020204" pitchFamily="34" charset="0"/>
+                  <a:cs typeface="Arial" panose="020B0604020202020204" pitchFamily="34" charset="0"/>
+                </a:rPr>
+                <a:t>Faculty</a:t>
+              </a:r>
+            </a:p>
+            <a:p>
+              <a:pPr algn="ctr"/>
+              <a:endParaRPr lang="en-IN" sz="1200" b="1" dirty="0">
+                <a:solidFill>
+                  <a:schemeClr val="bg1">
+                    <a:lumMod val="50000"/>
+                  </a:schemeClr>
+                </a:solidFill>
+                <a:latin typeface="Arial" panose="020B0604020202020204" pitchFamily="34" charset="0"/>
+                <a:cs typeface="Arial" panose="020B0604020202020204" pitchFamily="34" charset="0"/>
+              </a:endParaRPr>
+            </a:p>
+          </p:txBody>
+        </p:sp>
+        <p:grpSp>
+          <p:nvGrpSpPr>
+            <p:cNvPr id="52" name="Group 51">
+              <a:extLst>
+                <a:ext uri="{FF2B5EF4-FFF2-40B4-BE49-F238E27FC236}">
+                  <a16:creationId xmlns:a16="http://schemas.microsoft.com/office/drawing/2014/main" id="{500EA021-9CBD-44E4-A8AE-3E547B70116A}"/>
+                </a:ext>
+              </a:extLst>
+            </p:cNvPr>
+            <p:cNvGrpSpPr/>
+            <p:nvPr/>
+          </p:nvGrpSpPr>
+          <p:grpSpPr>
+            <a:xfrm>
+              <a:off x="1562183" y="0"/>
+              <a:ext cx="1274454" cy="3992224"/>
+              <a:chOff x="1562183" y="0"/>
+              <a:chExt cx="1274454" cy="3992224"/>
+            </a:xfrm>
+          </p:grpSpPr>
+          <p:sp>
+            <p:nvSpPr>
+              <p:cNvPr id="69" name="Rectangle 68">
+                <a:extLst>
+                  <a:ext uri="{FF2B5EF4-FFF2-40B4-BE49-F238E27FC236}">
+                    <a16:creationId xmlns:a16="http://schemas.microsoft.com/office/drawing/2014/main" id="{A8911DC3-DB57-4C22-A21D-3AB43BB58F11}"/>
+                  </a:ext>
+                </a:extLst>
+              </p:cNvPr>
+              <p:cNvSpPr/>
+              <p:nvPr/>
+            </p:nvSpPr>
+            <p:spPr>
+              <a:xfrm>
+                <a:off x="1572699" y="2085942"/>
+                <a:ext cx="1262990" cy="338827"/>
+              </a:xfrm>
+              <a:prstGeom prst="rect">
+                <a:avLst/>
+              </a:prstGeom>
+              <a:ln/>
+            </p:spPr>
+            <p:style>
+              <a:lnRef idx="2">
+                <a:schemeClr val="accent3"/>
+              </a:lnRef>
+              <a:fillRef idx="1">
+                <a:schemeClr val="lt1"/>
+              </a:fillRef>
+              <a:effectRef idx="0">
+                <a:schemeClr val="accent3"/>
+              </a:effectRef>
+              <a:fontRef idx="minor">
+                <a:schemeClr val="dk1"/>
+              </a:fontRef>
+            </p:style>
+            <p:txBody>
+              <a:bodyPr rtlCol="0" anchor="ctr"/>
+              <a:lstStyle>
+                <a:lvl1pPr marL="0" indent="0">
+                  <a:defRPr sz="1100">
+                    <a:solidFill>
+                      <a:schemeClr val="dk1"/>
+                    </a:solidFill>
+                    <a:latin typeface="+mn-lt"/>
+                    <a:ea typeface="+mn-ea"/>
+                    <a:cs typeface="+mn-cs"/>
+                  </a:defRPr>
+                </a:lvl1pPr>
+                <a:lvl2pPr marL="457200" indent="0">
+                  <a:defRPr sz="1100">
+                    <a:solidFill>
+                      <a:schemeClr val="dk1"/>
+                    </a:solidFill>
+                    <a:latin typeface="+mn-lt"/>
+                    <a:ea typeface="+mn-ea"/>
+                    <a:cs typeface="+mn-cs"/>
+                  </a:defRPr>
+                </a:lvl2pPr>
+                <a:lvl3pPr marL="914400" indent="0">
+                  <a:defRPr sz="1100">
+                    <a:solidFill>
+                      <a:schemeClr val="dk1"/>
+                    </a:solidFill>
+                    <a:latin typeface="+mn-lt"/>
+                    <a:ea typeface="+mn-ea"/>
+                    <a:cs typeface="+mn-cs"/>
+                  </a:defRPr>
+                </a:lvl3pPr>
+                <a:lvl4pPr marL="1371600" indent="0">
+                  <a:defRPr sz="1100">
+                    <a:solidFill>
+                      <a:schemeClr val="dk1"/>
+                    </a:solidFill>
+                    <a:latin typeface="+mn-lt"/>
+                    <a:ea typeface="+mn-ea"/>
+                    <a:cs typeface="+mn-cs"/>
+                  </a:defRPr>
+                </a:lvl4pPr>
+                <a:lvl5pPr marL="1828800" indent="0">
+                  <a:defRPr sz="1100">
+                    <a:solidFill>
+                      <a:schemeClr val="dk1"/>
+                    </a:solidFill>
+                    <a:latin typeface="+mn-lt"/>
+                    <a:ea typeface="+mn-ea"/>
+                    <a:cs typeface="+mn-cs"/>
+                  </a:defRPr>
+                </a:lvl5pPr>
+                <a:lvl6pPr marL="2286000" indent="0">
+                  <a:defRPr sz="1100">
+                    <a:solidFill>
+                      <a:schemeClr val="dk1"/>
+                    </a:solidFill>
+                    <a:latin typeface="+mn-lt"/>
+                    <a:ea typeface="+mn-ea"/>
+                    <a:cs typeface="+mn-cs"/>
+                  </a:defRPr>
+                </a:lvl6pPr>
+                <a:lvl7pPr marL="2743200" indent="0">
+                  <a:defRPr sz="1100">
+                    <a:solidFill>
+                      <a:schemeClr val="dk1"/>
+                    </a:solidFill>
+                    <a:latin typeface="+mn-lt"/>
+                    <a:ea typeface="+mn-ea"/>
+                    <a:cs typeface="+mn-cs"/>
+                  </a:defRPr>
+                </a:lvl7pPr>
+                <a:lvl8pPr marL="3200400" indent="0">
+                  <a:defRPr sz="1100">
+                    <a:solidFill>
+                      <a:schemeClr val="dk1"/>
+                    </a:solidFill>
+                    <a:latin typeface="+mn-lt"/>
+                    <a:ea typeface="+mn-ea"/>
+                    <a:cs typeface="+mn-cs"/>
+                  </a:defRPr>
+                </a:lvl8pPr>
+                <a:lvl9pPr marL="3657600" indent="0">
+                  <a:defRPr sz="1100">
+                    <a:solidFill>
+                      <a:schemeClr val="dk1"/>
+                    </a:solidFill>
+                    <a:latin typeface="+mn-lt"/>
+                    <a:ea typeface="+mn-ea"/>
+                    <a:cs typeface="+mn-cs"/>
+                  </a:defRPr>
+                </a:lvl9pPr>
+              </a:lstStyle>
+              <a:p>
+                <a:pPr algn="ctr"/>
+                <a:r>
+                  <a:rPr lang="en-IN" sz="1200" b="1" dirty="0">
+                    <a:solidFill>
+                      <a:schemeClr val="bg1">
+                        <a:lumMod val="50000"/>
+                      </a:schemeClr>
+                    </a:solidFill>
+                    <a:latin typeface="Arial" panose="020B0604020202020204" pitchFamily="34" charset="0"/>
+                    <a:cs typeface="Arial" panose="020B0604020202020204" pitchFamily="34" charset="0"/>
+                  </a:rPr>
+                  <a:t>Assignments </a:t>
+                </a:r>
+              </a:p>
+            </p:txBody>
+          </p:sp>
+          <p:sp>
+            <p:nvSpPr>
+              <p:cNvPr id="70" name="Rectangle 69">
+                <a:extLst>
+                  <a:ext uri="{FF2B5EF4-FFF2-40B4-BE49-F238E27FC236}">
+                    <a16:creationId xmlns:a16="http://schemas.microsoft.com/office/drawing/2014/main" id="{DCEFA302-70F2-4BA4-BD30-EAEC4925E455}"/>
+                  </a:ext>
+                </a:extLst>
+              </p:cNvPr>
+              <p:cNvSpPr/>
+              <p:nvPr/>
+            </p:nvSpPr>
+            <p:spPr>
+              <a:xfrm>
+                <a:off x="1572383" y="1565234"/>
+                <a:ext cx="1262990" cy="338826"/>
+              </a:xfrm>
+              <a:prstGeom prst="rect">
+                <a:avLst/>
+              </a:prstGeom>
+              <a:ln/>
+            </p:spPr>
+            <p:style>
+              <a:lnRef idx="2">
+                <a:schemeClr val="accent3"/>
+              </a:lnRef>
+              <a:fillRef idx="1">
+                <a:schemeClr val="lt1"/>
+              </a:fillRef>
+              <a:effectRef idx="0">
+                <a:schemeClr val="accent3"/>
+              </a:effectRef>
+              <a:fontRef idx="minor">
+                <a:schemeClr val="dk1"/>
+              </a:fontRef>
+            </p:style>
+            <p:txBody>
+              <a:bodyPr rtlCol="0" anchor="ctr"/>
+              <a:lstStyle>
+                <a:lvl1pPr marL="0" indent="0">
+                  <a:defRPr sz="1100">
+                    <a:solidFill>
+                      <a:schemeClr val="dk1"/>
+                    </a:solidFill>
+                    <a:latin typeface="+mn-lt"/>
+                    <a:ea typeface="+mn-ea"/>
+                    <a:cs typeface="+mn-cs"/>
+                  </a:defRPr>
+                </a:lvl1pPr>
+                <a:lvl2pPr marL="457200" indent="0">
+                  <a:defRPr sz="1100">
+                    <a:solidFill>
+                      <a:schemeClr val="dk1"/>
+                    </a:solidFill>
+                    <a:latin typeface="+mn-lt"/>
+                    <a:ea typeface="+mn-ea"/>
+                    <a:cs typeface="+mn-cs"/>
+                  </a:defRPr>
+                </a:lvl2pPr>
+                <a:lvl3pPr marL="914400" indent="0">
+                  <a:defRPr sz="1100">
+                    <a:solidFill>
+                      <a:schemeClr val="dk1"/>
+                    </a:solidFill>
+                    <a:latin typeface="+mn-lt"/>
+                    <a:ea typeface="+mn-ea"/>
+                    <a:cs typeface="+mn-cs"/>
+                  </a:defRPr>
+                </a:lvl3pPr>
+                <a:lvl4pPr marL="1371600" indent="0">
+                  <a:defRPr sz="1100">
+                    <a:solidFill>
+                      <a:schemeClr val="dk1"/>
+                    </a:solidFill>
+                    <a:latin typeface="+mn-lt"/>
+                    <a:ea typeface="+mn-ea"/>
+                    <a:cs typeface="+mn-cs"/>
+                  </a:defRPr>
+                </a:lvl4pPr>
+                <a:lvl5pPr marL="1828800" indent="0">
+                  <a:defRPr sz="1100">
+                    <a:solidFill>
+                      <a:schemeClr val="dk1"/>
+                    </a:solidFill>
+                    <a:latin typeface="+mn-lt"/>
+                    <a:ea typeface="+mn-ea"/>
+                    <a:cs typeface="+mn-cs"/>
+                  </a:defRPr>
+                </a:lvl5pPr>
+                <a:lvl6pPr marL="2286000" indent="0">
+                  <a:defRPr sz="1100">
+                    <a:solidFill>
+                      <a:schemeClr val="dk1"/>
+                    </a:solidFill>
+                    <a:latin typeface="+mn-lt"/>
+                    <a:ea typeface="+mn-ea"/>
+                    <a:cs typeface="+mn-cs"/>
+                  </a:defRPr>
+                </a:lvl6pPr>
+                <a:lvl7pPr marL="2743200" indent="0">
+                  <a:defRPr sz="1100">
+                    <a:solidFill>
+                      <a:schemeClr val="dk1"/>
+                    </a:solidFill>
+                    <a:latin typeface="+mn-lt"/>
+                    <a:ea typeface="+mn-ea"/>
+                    <a:cs typeface="+mn-cs"/>
+                  </a:defRPr>
+                </a:lvl7pPr>
+                <a:lvl8pPr marL="3200400" indent="0">
+                  <a:defRPr sz="1100">
+                    <a:solidFill>
+                      <a:schemeClr val="dk1"/>
+                    </a:solidFill>
+                    <a:latin typeface="+mn-lt"/>
+                    <a:ea typeface="+mn-ea"/>
+                    <a:cs typeface="+mn-cs"/>
+                  </a:defRPr>
+                </a:lvl8pPr>
+                <a:lvl9pPr marL="3657600" indent="0">
+                  <a:defRPr sz="1100">
+                    <a:solidFill>
+                      <a:schemeClr val="dk1"/>
+                    </a:solidFill>
+                    <a:latin typeface="+mn-lt"/>
+                    <a:ea typeface="+mn-ea"/>
+                    <a:cs typeface="+mn-cs"/>
+                  </a:defRPr>
+                </a:lvl9pPr>
+              </a:lstStyle>
+              <a:p>
+                <a:pPr algn="ctr"/>
+                <a:r>
+                  <a:rPr lang="en-IN" sz="1200" b="1" dirty="0">
+                    <a:solidFill>
+                      <a:schemeClr val="bg1">
+                        <a:lumMod val="50000"/>
+                      </a:schemeClr>
+                    </a:solidFill>
+                    <a:latin typeface="Arial" panose="020B0604020202020204" pitchFamily="34" charset="0"/>
+                    <a:cs typeface="Arial" panose="020B0604020202020204" pitchFamily="34" charset="0"/>
+                  </a:rPr>
+                  <a:t>Exam </a:t>
+                </a:r>
+              </a:p>
+            </p:txBody>
+          </p:sp>
+          <p:sp>
+            <p:nvSpPr>
+              <p:cNvPr id="71" name="Rectangle 70">
+                <a:extLst>
+                  <a:ext uri="{FF2B5EF4-FFF2-40B4-BE49-F238E27FC236}">
+                    <a16:creationId xmlns:a16="http://schemas.microsoft.com/office/drawing/2014/main" id="{0391A1B6-8B35-4FD3-8551-32DA4B111F50}"/>
+                  </a:ext>
+                </a:extLst>
+              </p:cNvPr>
+              <p:cNvSpPr/>
+              <p:nvPr/>
+            </p:nvSpPr>
+            <p:spPr>
+              <a:xfrm>
+                <a:off x="1573331" y="3127359"/>
+                <a:ext cx="1262990" cy="341491"/>
+              </a:xfrm>
+              <a:prstGeom prst="rect">
+                <a:avLst/>
+              </a:prstGeom>
+              <a:solidFill>
+                <a:schemeClr val="accent1">
+                  <a:lumMod val="75000"/>
+                </a:schemeClr>
+              </a:solidFill>
+              <a:ln/>
+              <a:effectLst>
+                <a:reflection blurRad="6350" stA="50000" endA="300" endPos="55000" dir="5400000" sy="-100000" algn="bl" rotWithShape="0"/>
+              </a:effectLst>
+            </p:spPr>
+            <p:style>
+              <a:lnRef idx="2">
+                <a:schemeClr val="accent3"/>
+              </a:lnRef>
+              <a:fillRef idx="1">
+                <a:schemeClr val="lt1"/>
+              </a:fillRef>
+              <a:effectRef idx="0">
+                <a:schemeClr val="accent3"/>
+              </a:effectRef>
+              <a:fontRef idx="minor">
+                <a:schemeClr val="dk1"/>
+              </a:fontRef>
+            </p:style>
+            <p:txBody>
+              <a:bodyPr rtlCol="0" anchor="ctr"/>
+              <a:lstStyle>
+                <a:lvl1pPr marL="0" indent="0">
+                  <a:defRPr sz="1100">
+                    <a:solidFill>
+                      <a:schemeClr val="dk1"/>
+                    </a:solidFill>
+                    <a:latin typeface="+mn-lt"/>
+                    <a:ea typeface="+mn-ea"/>
+                    <a:cs typeface="+mn-cs"/>
+                  </a:defRPr>
+                </a:lvl1pPr>
+                <a:lvl2pPr marL="457200" indent="0">
+                  <a:defRPr sz="1100">
+                    <a:solidFill>
+                      <a:schemeClr val="dk1"/>
+                    </a:solidFill>
+                    <a:latin typeface="+mn-lt"/>
+                    <a:ea typeface="+mn-ea"/>
+                    <a:cs typeface="+mn-cs"/>
+                  </a:defRPr>
+                </a:lvl2pPr>
+                <a:lvl3pPr marL="914400" indent="0">
+                  <a:defRPr sz="1100">
+                    <a:solidFill>
+                      <a:schemeClr val="dk1"/>
+                    </a:solidFill>
+                    <a:latin typeface="+mn-lt"/>
+                    <a:ea typeface="+mn-ea"/>
+                    <a:cs typeface="+mn-cs"/>
+                  </a:defRPr>
+                </a:lvl3pPr>
+                <a:lvl4pPr marL="1371600" indent="0">
+                  <a:defRPr sz="1100">
+                    <a:solidFill>
+                      <a:schemeClr val="dk1"/>
+                    </a:solidFill>
+                    <a:latin typeface="+mn-lt"/>
+                    <a:ea typeface="+mn-ea"/>
+                    <a:cs typeface="+mn-cs"/>
+                  </a:defRPr>
+                </a:lvl4pPr>
+                <a:lvl5pPr marL="1828800" indent="0">
+                  <a:defRPr sz="1100">
+                    <a:solidFill>
+                      <a:schemeClr val="dk1"/>
+                    </a:solidFill>
+                    <a:latin typeface="+mn-lt"/>
+                    <a:ea typeface="+mn-ea"/>
+                    <a:cs typeface="+mn-cs"/>
+                  </a:defRPr>
+                </a:lvl5pPr>
+                <a:lvl6pPr marL="2286000" indent="0">
+                  <a:defRPr sz="1100">
+                    <a:solidFill>
+                      <a:schemeClr val="dk1"/>
+                    </a:solidFill>
+                    <a:latin typeface="+mn-lt"/>
+                    <a:ea typeface="+mn-ea"/>
+                    <a:cs typeface="+mn-cs"/>
+                  </a:defRPr>
+                </a:lvl6pPr>
+                <a:lvl7pPr marL="2743200" indent="0">
+                  <a:defRPr sz="1100">
+                    <a:solidFill>
+                      <a:schemeClr val="dk1"/>
+                    </a:solidFill>
+                    <a:latin typeface="+mn-lt"/>
+                    <a:ea typeface="+mn-ea"/>
+                    <a:cs typeface="+mn-cs"/>
+                  </a:defRPr>
+                </a:lvl7pPr>
+                <a:lvl8pPr marL="3200400" indent="0">
+                  <a:defRPr sz="1100">
+                    <a:solidFill>
+                      <a:schemeClr val="dk1"/>
+                    </a:solidFill>
+                    <a:latin typeface="+mn-lt"/>
+                    <a:ea typeface="+mn-ea"/>
+                    <a:cs typeface="+mn-cs"/>
+                  </a:defRPr>
+                </a:lvl8pPr>
+                <a:lvl9pPr marL="3657600" indent="0">
+                  <a:defRPr sz="1100">
+                    <a:solidFill>
+                      <a:schemeClr val="dk1"/>
+                    </a:solidFill>
+                    <a:latin typeface="+mn-lt"/>
+                    <a:ea typeface="+mn-ea"/>
+                    <a:cs typeface="+mn-cs"/>
+                  </a:defRPr>
+                </a:lvl9pPr>
+              </a:lstStyle>
+              <a:p>
+                <a:pPr algn="ctr"/>
+                <a:r>
+                  <a:rPr lang="en-IN" sz="1200" b="1" dirty="0">
+                    <a:solidFill>
+                      <a:schemeClr val="bg1">
+                        <a:lumMod val="65000"/>
+                      </a:schemeClr>
+                    </a:solidFill>
+                    <a:latin typeface="Arial" panose="020B0604020202020204" pitchFamily="34" charset="0"/>
+                    <a:cs typeface="Arial" panose="020B0604020202020204" pitchFamily="34" charset="0"/>
+                  </a:rPr>
+                  <a:t>Course</a:t>
+                </a:r>
+              </a:p>
+            </p:txBody>
+          </p:sp>
+          <p:sp>
+            <p:nvSpPr>
+              <p:cNvPr id="72" name="Rectangle 71">
+                <a:extLst>
+                  <a:ext uri="{FF2B5EF4-FFF2-40B4-BE49-F238E27FC236}">
+                    <a16:creationId xmlns:a16="http://schemas.microsoft.com/office/drawing/2014/main" id="{936687D8-65B2-4A16-AEB2-4B7CC96FD57E}"/>
+                  </a:ext>
+                </a:extLst>
+              </p:cNvPr>
+              <p:cNvSpPr/>
+              <p:nvPr/>
+            </p:nvSpPr>
+            <p:spPr>
+              <a:xfrm>
+                <a:off x="1573963" y="1041861"/>
+                <a:ext cx="1261094" cy="341491"/>
+              </a:xfrm>
+              <a:prstGeom prst="rect">
+                <a:avLst/>
+              </a:prstGeom>
+              <a:ln/>
+            </p:spPr>
+            <p:style>
+              <a:lnRef idx="2">
+                <a:schemeClr val="accent3"/>
+              </a:lnRef>
+              <a:fillRef idx="1">
+                <a:schemeClr val="lt1"/>
+              </a:fillRef>
+              <a:effectRef idx="0">
+                <a:schemeClr val="accent3"/>
+              </a:effectRef>
+              <a:fontRef idx="minor">
+                <a:schemeClr val="dk1"/>
+              </a:fontRef>
+            </p:style>
+            <p:txBody>
+              <a:bodyPr rtlCol="0" anchor="ctr"/>
+              <a:lstStyle>
+                <a:lvl1pPr marL="0" indent="0">
+                  <a:defRPr sz="1100">
+                    <a:solidFill>
+                      <a:schemeClr val="dk1"/>
+                    </a:solidFill>
+                    <a:latin typeface="+mn-lt"/>
+                    <a:ea typeface="+mn-ea"/>
+                    <a:cs typeface="+mn-cs"/>
+                  </a:defRPr>
+                </a:lvl1pPr>
+                <a:lvl2pPr marL="457200" indent="0">
+                  <a:defRPr sz="1100">
+                    <a:solidFill>
+                      <a:schemeClr val="dk1"/>
+                    </a:solidFill>
+                    <a:latin typeface="+mn-lt"/>
+                    <a:ea typeface="+mn-ea"/>
+                    <a:cs typeface="+mn-cs"/>
+                  </a:defRPr>
+                </a:lvl2pPr>
+                <a:lvl3pPr marL="914400" indent="0">
+                  <a:defRPr sz="1100">
+                    <a:solidFill>
+                      <a:schemeClr val="dk1"/>
+                    </a:solidFill>
+                    <a:latin typeface="+mn-lt"/>
+                    <a:ea typeface="+mn-ea"/>
+                    <a:cs typeface="+mn-cs"/>
+                  </a:defRPr>
+                </a:lvl3pPr>
+                <a:lvl4pPr marL="1371600" indent="0">
+                  <a:defRPr sz="1100">
+                    <a:solidFill>
+                      <a:schemeClr val="dk1"/>
+                    </a:solidFill>
+                    <a:latin typeface="+mn-lt"/>
+                    <a:ea typeface="+mn-ea"/>
+                    <a:cs typeface="+mn-cs"/>
+                  </a:defRPr>
+                </a:lvl4pPr>
+                <a:lvl5pPr marL="1828800" indent="0">
+                  <a:defRPr sz="1100">
+                    <a:solidFill>
+                      <a:schemeClr val="dk1"/>
+                    </a:solidFill>
+                    <a:latin typeface="+mn-lt"/>
+                    <a:ea typeface="+mn-ea"/>
+                    <a:cs typeface="+mn-cs"/>
+                  </a:defRPr>
+                </a:lvl5pPr>
+                <a:lvl6pPr marL="2286000" indent="0">
+                  <a:defRPr sz="1100">
+                    <a:solidFill>
+                      <a:schemeClr val="dk1"/>
+                    </a:solidFill>
+                    <a:latin typeface="+mn-lt"/>
+                    <a:ea typeface="+mn-ea"/>
+                    <a:cs typeface="+mn-cs"/>
+                  </a:defRPr>
+                </a:lvl6pPr>
+                <a:lvl7pPr marL="2743200" indent="0">
+                  <a:defRPr sz="1100">
+                    <a:solidFill>
+                      <a:schemeClr val="dk1"/>
+                    </a:solidFill>
+                    <a:latin typeface="+mn-lt"/>
+                    <a:ea typeface="+mn-ea"/>
+                    <a:cs typeface="+mn-cs"/>
+                  </a:defRPr>
+                </a:lvl7pPr>
+                <a:lvl8pPr marL="3200400" indent="0">
+                  <a:defRPr sz="1100">
+                    <a:solidFill>
+                      <a:schemeClr val="dk1"/>
+                    </a:solidFill>
+                    <a:latin typeface="+mn-lt"/>
+                    <a:ea typeface="+mn-ea"/>
+                    <a:cs typeface="+mn-cs"/>
+                  </a:defRPr>
+                </a:lvl8pPr>
+                <a:lvl9pPr marL="3657600" indent="0">
+                  <a:defRPr sz="1100">
+                    <a:solidFill>
+                      <a:schemeClr val="dk1"/>
+                    </a:solidFill>
+                    <a:latin typeface="+mn-lt"/>
+                    <a:ea typeface="+mn-ea"/>
+                    <a:cs typeface="+mn-cs"/>
+                  </a:defRPr>
+                </a:lvl9pPr>
+              </a:lstStyle>
+              <a:p>
+                <a:pPr algn="ctr"/>
+                <a:r>
+                  <a:rPr lang="en-IN" sz="1200" b="1" dirty="0">
+                    <a:solidFill>
+                      <a:schemeClr val="bg1">
+                        <a:lumMod val="50000"/>
+                      </a:schemeClr>
+                    </a:solidFill>
+                    <a:latin typeface="Arial" panose="020B0604020202020204" pitchFamily="34" charset="0"/>
+                    <a:cs typeface="Arial" panose="020B0604020202020204" pitchFamily="34" charset="0"/>
+                  </a:rPr>
+                  <a:t>Time Table </a:t>
+                </a:r>
+              </a:p>
+            </p:txBody>
+          </p:sp>
+          <p:sp>
+            <p:nvSpPr>
+              <p:cNvPr id="73" name="Rectangle 72">
+                <a:extLst>
+                  <a:ext uri="{FF2B5EF4-FFF2-40B4-BE49-F238E27FC236}">
+                    <a16:creationId xmlns:a16="http://schemas.microsoft.com/office/drawing/2014/main" id="{C8914D21-1715-45EE-8DBB-AF36F9E7BFBA}"/>
+                  </a:ext>
+                </a:extLst>
+              </p:cNvPr>
+              <p:cNvSpPr/>
+              <p:nvPr/>
+            </p:nvSpPr>
+            <p:spPr>
+              <a:xfrm>
+                <a:off x="1562183" y="0"/>
+                <a:ext cx="1261094" cy="338826"/>
+              </a:xfrm>
+              <a:prstGeom prst="rect">
+                <a:avLst/>
+              </a:prstGeom>
+              <a:ln/>
+            </p:spPr>
+            <p:style>
+              <a:lnRef idx="2">
+                <a:schemeClr val="accent3"/>
+              </a:lnRef>
+              <a:fillRef idx="1">
+                <a:schemeClr val="lt1"/>
+              </a:fillRef>
+              <a:effectRef idx="0">
+                <a:schemeClr val="accent3"/>
+              </a:effectRef>
+              <a:fontRef idx="minor">
+                <a:schemeClr val="dk1"/>
+              </a:fontRef>
+            </p:style>
+            <p:txBody>
+              <a:bodyPr rtlCol="0" anchor="ctr"/>
+              <a:lstStyle>
+                <a:lvl1pPr marL="0" indent="0">
+                  <a:defRPr sz="1100">
+                    <a:solidFill>
+                      <a:schemeClr val="dk1"/>
+                    </a:solidFill>
+                    <a:latin typeface="+mn-lt"/>
+                    <a:ea typeface="+mn-ea"/>
+                    <a:cs typeface="+mn-cs"/>
+                  </a:defRPr>
+                </a:lvl1pPr>
+                <a:lvl2pPr marL="457200" indent="0">
+                  <a:defRPr sz="1100">
+                    <a:solidFill>
+                      <a:schemeClr val="dk1"/>
+                    </a:solidFill>
+                    <a:latin typeface="+mn-lt"/>
+                    <a:ea typeface="+mn-ea"/>
+                    <a:cs typeface="+mn-cs"/>
+                  </a:defRPr>
+                </a:lvl2pPr>
+                <a:lvl3pPr marL="914400" indent="0">
+                  <a:defRPr sz="1100">
+                    <a:solidFill>
+                      <a:schemeClr val="dk1"/>
+                    </a:solidFill>
+                    <a:latin typeface="+mn-lt"/>
+                    <a:ea typeface="+mn-ea"/>
+                    <a:cs typeface="+mn-cs"/>
+                  </a:defRPr>
+                </a:lvl3pPr>
+                <a:lvl4pPr marL="1371600" indent="0">
+                  <a:defRPr sz="1100">
+                    <a:solidFill>
+                      <a:schemeClr val="dk1"/>
+                    </a:solidFill>
+                    <a:latin typeface="+mn-lt"/>
+                    <a:ea typeface="+mn-ea"/>
+                    <a:cs typeface="+mn-cs"/>
+                  </a:defRPr>
+                </a:lvl4pPr>
+                <a:lvl5pPr marL="1828800" indent="0">
+                  <a:defRPr sz="1100">
+                    <a:solidFill>
+                      <a:schemeClr val="dk1"/>
+                    </a:solidFill>
+                    <a:latin typeface="+mn-lt"/>
+                    <a:ea typeface="+mn-ea"/>
+                    <a:cs typeface="+mn-cs"/>
+                  </a:defRPr>
+                </a:lvl5pPr>
+                <a:lvl6pPr marL="2286000" indent="0">
+                  <a:defRPr sz="1100">
+                    <a:solidFill>
+                      <a:schemeClr val="dk1"/>
+                    </a:solidFill>
+                    <a:latin typeface="+mn-lt"/>
+                    <a:ea typeface="+mn-ea"/>
+                    <a:cs typeface="+mn-cs"/>
+                  </a:defRPr>
+                </a:lvl6pPr>
+                <a:lvl7pPr marL="2743200" indent="0">
+                  <a:defRPr sz="1100">
+                    <a:solidFill>
+                      <a:schemeClr val="dk1"/>
+                    </a:solidFill>
+                    <a:latin typeface="+mn-lt"/>
+                    <a:ea typeface="+mn-ea"/>
+                    <a:cs typeface="+mn-cs"/>
+                  </a:defRPr>
+                </a:lvl7pPr>
+                <a:lvl8pPr marL="3200400" indent="0">
+                  <a:defRPr sz="1100">
+                    <a:solidFill>
+                      <a:schemeClr val="dk1"/>
+                    </a:solidFill>
+                    <a:latin typeface="+mn-lt"/>
+                    <a:ea typeface="+mn-ea"/>
+                    <a:cs typeface="+mn-cs"/>
+                  </a:defRPr>
+                </a:lvl8pPr>
+                <a:lvl9pPr marL="3657600" indent="0">
+                  <a:defRPr sz="1100">
+                    <a:solidFill>
+                      <a:schemeClr val="dk1"/>
+                    </a:solidFill>
+                    <a:latin typeface="+mn-lt"/>
+                    <a:ea typeface="+mn-ea"/>
+                    <a:cs typeface="+mn-cs"/>
+                  </a:defRPr>
+                </a:lvl9pPr>
+              </a:lstStyle>
+              <a:p>
+                <a:pPr algn="ctr"/>
+                <a:r>
+                  <a:rPr lang="en-IN" sz="1200" b="1" dirty="0">
+                    <a:solidFill>
+                      <a:schemeClr val="bg1">
+                        <a:lumMod val="50000"/>
+                      </a:schemeClr>
+                    </a:solidFill>
+                    <a:latin typeface="Arial" panose="020B0604020202020204" pitchFamily="34" charset="0"/>
+                    <a:cs typeface="Arial" panose="020B0604020202020204" pitchFamily="34" charset="0"/>
+                  </a:rPr>
+                  <a:t>Discussion </a:t>
+                </a:r>
+              </a:p>
+            </p:txBody>
+          </p:sp>
+          <p:sp>
+            <p:nvSpPr>
+              <p:cNvPr id="74" name="Rectangle 73">
+                <a:extLst>
+                  <a:ext uri="{FF2B5EF4-FFF2-40B4-BE49-F238E27FC236}">
+                    <a16:creationId xmlns:a16="http://schemas.microsoft.com/office/drawing/2014/main" id="{CC04223C-A62B-4B87-95BA-92505FBB934A}"/>
+                  </a:ext>
+                </a:extLst>
+              </p:cNvPr>
+              <p:cNvSpPr/>
+              <p:nvPr/>
+            </p:nvSpPr>
+            <p:spPr>
+              <a:xfrm>
+                <a:off x="1573015" y="2606651"/>
+                <a:ext cx="1262990" cy="338826"/>
+              </a:xfrm>
+              <a:prstGeom prst="rect">
+                <a:avLst/>
+              </a:prstGeom>
+              <a:ln/>
+            </p:spPr>
+            <p:style>
+              <a:lnRef idx="2">
+                <a:schemeClr val="accent3"/>
+              </a:lnRef>
+              <a:fillRef idx="1">
+                <a:schemeClr val="lt1"/>
+              </a:fillRef>
+              <a:effectRef idx="0">
+                <a:schemeClr val="accent3"/>
+              </a:effectRef>
+              <a:fontRef idx="minor">
+                <a:schemeClr val="dk1"/>
+              </a:fontRef>
+            </p:style>
+            <p:txBody>
+              <a:bodyPr rtlCol="0" anchor="ctr"/>
+              <a:lstStyle>
+                <a:lvl1pPr marL="0" indent="0">
+                  <a:defRPr sz="1100">
+                    <a:solidFill>
+                      <a:schemeClr val="dk1"/>
+                    </a:solidFill>
+                    <a:latin typeface="+mn-lt"/>
+                    <a:ea typeface="+mn-ea"/>
+                    <a:cs typeface="+mn-cs"/>
+                  </a:defRPr>
+                </a:lvl1pPr>
+                <a:lvl2pPr marL="457200" indent="0">
+                  <a:defRPr sz="1100">
+                    <a:solidFill>
+                      <a:schemeClr val="dk1"/>
+                    </a:solidFill>
+                    <a:latin typeface="+mn-lt"/>
+                    <a:ea typeface="+mn-ea"/>
+                    <a:cs typeface="+mn-cs"/>
+                  </a:defRPr>
+                </a:lvl2pPr>
+                <a:lvl3pPr marL="914400" indent="0">
+                  <a:defRPr sz="1100">
+                    <a:solidFill>
+                      <a:schemeClr val="dk1"/>
+                    </a:solidFill>
+                    <a:latin typeface="+mn-lt"/>
+                    <a:ea typeface="+mn-ea"/>
+                    <a:cs typeface="+mn-cs"/>
+                  </a:defRPr>
+                </a:lvl3pPr>
+                <a:lvl4pPr marL="1371600" indent="0">
+                  <a:defRPr sz="1100">
+                    <a:solidFill>
+                      <a:schemeClr val="dk1"/>
+                    </a:solidFill>
+                    <a:latin typeface="+mn-lt"/>
+                    <a:ea typeface="+mn-ea"/>
+                    <a:cs typeface="+mn-cs"/>
+                  </a:defRPr>
+                </a:lvl4pPr>
+                <a:lvl5pPr marL="1828800" indent="0">
+                  <a:defRPr sz="1100">
+                    <a:solidFill>
+                      <a:schemeClr val="dk1"/>
+                    </a:solidFill>
+                    <a:latin typeface="+mn-lt"/>
+                    <a:ea typeface="+mn-ea"/>
+                    <a:cs typeface="+mn-cs"/>
+                  </a:defRPr>
+                </a:lvl5pPr>
+                <a:lvl6pPr marL="2286000" indent="0">
+                  <a:defRPr sz="1100">
+                    <a:solidFill>
+                      <a:schemeClr val="dk1"/>
+                    </a:solidFill>
+                    <a:latin typeface="+mn-lt"/>
+                    <a:ea typeface="+mn-ea"/>
+                    <a:cs typeface="+mn-cs"/>
+                  </a:defRPr>
+                </a:lvl6pPr>
+                <a:lvl7pPr marL="2743200" indent="0">
+                  <a:defRPr sz="1100">
+                    <a:solidFill>
+                      <a:schemeClr val="dk1"/>
+                    </a:solidFill>
+                    <a:latin typeface="+mn-lt"/>
+                    <a:ea typeface="+mn-ea"/>
+                    <a:cs typeface="+mn-cs"/>
+                  </a:defRPr>
+                </a:lvl7pPr>
+                <a:lvl8pPr marL="3200400" indent="0">
+                  <a:defRPr sz="1100">
+                    <a:solidFill>
+                      <a:schemeClr val="dk1"/>
+                    </a:solidFill>
+                    <a:latin typeface="+mn-lt"/>
+                    <a:ea typeface="+mn-ea"/>
+                    <a:cs typeface="+mn-cs"/>
+                  </a:defRPr>
+                </a:lvl8pPr>
+                <a:lvl9pPr marL="3657600" indent="0">
+                  <a:defRPr sz="1100">
+                    <a:solidFill>
+                      <a:schemeClr val="dk1"/>
+                    </a:solidFill>
+                    <a:latin typeface="+mn-lt"/>
+                    <a:ea typeface="+mn-ea"/>
+                    <a:cs typeface="+mn-cs"/>
+                  </a:defRPr>
+                </a:lvl9pPr>
+              </a:lstStyle>
+              <a:p>
+                <a:pPr algn="ctr"/>
+                <a:r>
+                  <a:rPr lang="en-IN" sz="1200" b="1" dirty="0">
+                    <a:solidFill>
+                      <a:schemeClr val="bg1">
+                        <a:lumMod val="50000"/>
+                      </a:schemeClr>
+                    </a:solidFill>
+                    <a:latin typeface="Arial" panose="020B0604020202020204" pitchFamily="34" charset="0"/>
+                    <a:cs typeface="Arial" panose="020B0604020202020204" pitchFamily="34" charset="0"/>
+                  </a:rPr>
+                  <a:t>Survey </a:t>
+                </a:r>
+              </a:p>
+            </p:txBody>
+          </p:sp>
+          <p:sp>
+            <p:nvSpPr>
+              <p:cNvPr id="75" name="Rectangle 74">
+                <a:extLst>
+                  <a:ext uri="{FF2B5EF4-FFF2-40B4-BE49-F238E27FC236}">
+                    <a16:creationId xmlns:a16="http://schemas.microsoft.com/office/drawing/2014/main" id="{2C63DF2E-2627-4362-8CE0-1B78E47EC455}"/>
+                  </a:ext>
+                </a:extLst>
+              </p:cNvPr>
+              <p:cNvSpPr/>
+              <p:nvPr/>
+            </p:nvSpPr>
+            <p:spPr>
+              <a:xfrm>
+                <a:off x="1573647" y="3650733"/>
+                <a:ext cx="1262990" cy="341491"/>
+              </a:xfrm>
+              <a:prstGeom prst="rect">
+                <a:avLst/>
+              </a:prstGeom>
+              <a:ln/>
+            </p:spPr>
+            <p:style>
+              <a:lnRef idx="2">
+                <a:schemeClr val="accent3"/>
+              </a:lnRef>
+              <a:fillRef idx="1">
+                <a:schemeClr val="lt1"/>
+              </a:fillRef>
+              <a:effectRef idx="0">
+                <a:schemeClr val="accent3"/>
+              </a:effectRef>
+              <a:fontRef idx="minor">
+                <a:schemeClr val="dk1"/>
+              </a:fontRef>
+            </p:style>
+            <p:txBody>
+              <a:bodyPr rtlCol="0" anchor="ctr"/>
+              <a:lstStyle>
+                <a:lvl1pPr marL="0" indent="0">
+                  <a:defRPr sz="1100">
+                    <a:solidFill>
+                      <a:schemeClr val="dk1"/>
+                    </a:solidFill>
+                    <a:latin typeface="+mn-lt"/>
+                    <a:ea typeface="+mn-ea"/>
+                    <a:cs typeface="+mn-cs"/>
+                  </a:defRPr>
+                </a:lvl1pPr>
+                <a:lvl2pPr marL="457200" indent="0">
+                  <a:defRPr sz="1100">
+                    <a:solidFill>
+                      <a:schemeClr val="dk1"/>
+                    </a:solidFill>
+                    <a:latin typeface="+mn-lt"/>
+                    <a:ea typeface="+mn-ea"/>
+                    <a:cs typeface="+mn-cs"/>
+                  </a:defRPr>
+                </a:lvl2pPr>
+                <a:lvl3pPr marL="914400" indent="0">
+                  <a:defRPr sz="1100">
+                    <a:solidFill>
+                      <a:schemeClr val="dk1"/>
+                    </a:solidFill>
+                    <a:latin typeface="+mn-lt"/>
+                    <a:ea typeface="+mn-ea"/>
+                    <a:cs typeface="+mn-cs"/>
+                  </a:defRPr>
+                </a:lvl3pPr>
+                <a:lvl4pPr marL="1371600" indent="0">
+                  <a:defRPr sz="1100">
+                    <a:solidFill>
+                      <a:schemeClr val="dk1"/>
+                    </a:solidFill>
+                    <a:latin typeface="+mn-lt"/>
+                    <a:ea typeface="+mn-ea"/>
+                    <a:cs typeface="+mn-cs"/>
+                  </a:defRPr>
+                </a:lvl4pPr>
+                <a:lvl5pPr marL="1828800" indent="0">
+                  <a:defRPr sz="1100">
+                    <a:solidFill>
+                      <a:schemeClr val="dk1"/>
+                    </a:solidFill>
+                    <a:latin typeface="+mn-lt"/>
+                    <a:ea typeface="+mn-ea"/>
+                    <a:cs typeface="+mn-cs"/>
+                  </a:defRPr>
+                </a:lvl5pPr>
+                <a:lvl6pPr marL="2286000" indent="0">
+                  <a:defRPr sz="1100">
+                    <a:solidFill>
+                      <a:schemeClr val="dk1"/>
+                    </a:solidFill>
+                    <a:latin typeface="+mn-lt"/>
+                    <a:ea typeface="+mn-ea"/>
+                    <a:cs typeface="+mn-cs"/>
+                  </a:defRPr>
+                </a:lvl6pPr>
+                <a:lvl7pPr marL="2743200" indent="0">
+                  <a:defRPr sz="1100">
+                    <a:solidFill>
+                      <a:schemeClr val="dk1"/>
+                    </a:solidFill>
+                    <a:latin typeface="+mn-lt"/>
+                    <a:ea typeface="+mn-ea"/>
+                    <a:cs typeface="+mn-cs"/>
+                  </a:defRPr>
+                </a:lvl7pPr>
+                <a:lvl8pPr marL="3200400" indent="0">
+                  <a:defRPr sz="1100">
+                    <a:solidFill>
+                      <a:schemeClr val="dk1"/>
+                    </a:solidFill>
+                    <a:latin typeface="+mn-lt"/>
+                    <a:ea typeface="+mn-ea"/>
+                    <a:cs typeface="+mn-cs"/>
+                  </a:defRPr>
+                </a:lvl8pPr>
+                <a:lvl9pPr marL="3657600" indent="0">
+                  <a:defRPr sz="1100">
+                    <a:solidFill>
+                      <a:schemeClr val="dk1"/>
+                    </a:solidFill>
+                    <a:latin typeface="+mn-lt"/>
+                    <a:ea typeface="+mn-ea"/>
+                    <a:cs typeface="+mn-cs"/>
+                  </a:defRPr>
+                </a:lvl9pPr>
+              </a:lstStyle>
+              <a:p>
+                <a:pPr algn="ctr"/>
+                <a:r>
+                  <a:rPr lang="en-IN" sz="1200" b="1">
+                    <a:solidFill>
+                      <a:schemeClr val="bg1">
+                        <a:lumMod val="50000"/>
+                      </a:schemeClr>
+                    </a:solidFill>
+                    <a:effectLst/>
+                    <a:latin typeface="Arial" panose="020B0604020202020204" pitchFamily="34" charset="0"/>
+                    <a:cs typeface="Arial" panose="020B0604020202020204" pitchFamily="34" charset="0"/>
+                  </a:rPr>
+                  <a:t>Reporting </a:t>
+                </a:r>
+                <a:endParaRPr lang="en-IN" sz="1200" b="1">
+                  <a:solidFill>
+                    <a:schemeClr val="bg1">
+                      <a:lumMod val="50000"/>
+                    </a:schemeClr>
+                  </a:solidFill>
+                  <a:latin typeface="Arial" panose="020B0604020202020204" pitchFamily="34" charset="0"/>
+                  <a:cs typeface="Arial" panose="020B0604020202020204" pitchFamily="34" charset="0"/>
+                </a:endParaRPr>
+              </a:p>
+            </p:txBody>
+          </p:sp>
+          <p:sp>
+            <p:nvSpPr>
+              <p:cNvPr id="76" name="Rectangle 75">
+                <a:extLst>
+                  <a:ext uri="{FF2B5EF4-FFF2-40B4-BE49-F238E27FC236}">
+                    <a16:creationId xmlns:a16="http://schemas.microsoft.com/office/drawing/2014/main" id="{34B54227-8392-431F-AEF2-B9A8A9C8627D}"/>
+                  </a:ext>
+                </a:extLst>
+              </p:cNvPr>
+              <p:cNvSpPr/>
+              <p:nvPr/>
+            </p:nvSpPr>
+            <p:spPr>
+              <a:xfrm>
+                <a:off x="1573647" y="521153"/>
+                <a:ext cx="1262990" cy="338826"/>
+              </a:xfrm>
+              <a:prstGeom prst="rect">
+                <a:avLst/>
+              </a:prstGeom>
+              <a:ln/>
+            </p:spPr>
+            <p:style>
+              <a:lnRef idx="2">
+                <a:schemeClr val="accent3"/>
+              </a:lnRef>
+              <a:fillRef idx="1">
+                <a:schemeClr val="lt1"/>
+              </a:fillRef>
+              <a:effectRef idx="0">
+                <a:schemeClr val="accent3"/>
+              </a:effectRef>
+              <a:fontRef idx="minor">
+                <a:schemeClr val="dk1"/>
+              </a:fontRef>
+            </p:style>
+            <p:txBody>
+              <a:bodyPr rtlCol="0" anchor="ctr"/>
+              <a:lstStyle>
+                <a:lvl1pPr marL="0" indent="0">
+                  <a:defRPr sz="1100">
+                    <a:solidFill>
+                      <a:schemeClr val="dk1"/>
+                    </a:solidFill>
+                    <a:latin typeface="+mn-lt"/>
+                    <a:ea typeface="+mn-ea"/>
+                    <a:cs typeface="+mn-cs"/>
+                  </a:defRPr>
+                </a:lvl1pPr>
+                <a:lvl2pPr marL="457200" indent="0">
+                  <a:defRPr sz="1100">
+                    <a:solidFill>
+                      <a:schemeClr val="dk1"/>
+                    </a:solidFill>
+                    <a:latin typeface="+mn-lt"/>
+                    <a:ea typeface="+mn-ea"/>
+                    <a:cs typeface="+mn-cs"/>
+                  </a:defRPr>
+                </a:lvl2pPr>
+                <a:lvl3pPr marL="914400" indent="0">
+                  <a:defRPr sz="1100">
+                    <a:solidFill>
+                      <a:schemeClr val="dk1"/>
+                    </a:solidFill>
+                    <a:latin typeface="+mn-lt"/>
+                    <a:ea typeface="+mn-ea"/>
+                    <a:cs typeface="+mn-cs"/>
+                  </a:defRPr>
+                </a:lvl3pPr>
+                <a:lvl4pPr marL="1371600" indent="0">
+                  <a:defRPr sz="1100">
+                    <a:solidFill>
+                      <a:schemeClr val="dk1"/>
+                    </a:solidFill>
+                    <a:latin typeface="+mn-lt"/>
+                    <a:ea typeface="+mn-ea"/>
+                    <a:cs typeface="+mn-cs"/>
+                  </a:defRPr>
+                </a:lvl4pPr>
+                <a:lvl5pPr marL="1828800" indent="0">
+                  <a:defRPr sz="1100">
+                    <a:solidFill>
+                      <a:schemeClr val="dk1"/>
+                    </a:solidFill>
+                    <a:latin typeface="+mn-lt"/>
+                    <a:ea typeface="+mn-ea"/>
+                    <a:cs typeface="+mn-cs"/>
+                  </a:defRPr>
+                </a:lvl5pPr>
+                <a:lvl6pPr marL="2286000" indent="0">
+                  <a:defRPr sz="1100">
+                    <a:solidFill>
+                      <a:schemeClr val="dk1"/>
+                    </a:solidFill>
+                    <a:latin typeface="+mn-lt"/>
+                    <a:ea typeface="+mn-ea"/>
+                    <a:cs typeface="+mn-cs"/>
+                  </a:defRPr>
+                </a:lvl6pPr>
+                <a:lvl7pPr marL="2743200" indent="0">
+                  <a:defRPr sz="1100">
+                    <a:solidFill>
+                      <a:schemeClr val="dk1"/>
+                    </a:solidFill>
+                    <a:latin typeface="+mn-lt"/>
+                    <a:ea typeface="+mn-ea"/>
+                    <a:cs typeface="+mn-cs"/>
+                  </a:defRPr>
+                </a:lvl7pPr>
+                <a:lvl8pPr marL="3200400" indent="0">
+                  <a:defRPr sz="1100">
+                    <a:solidFill>
+                      <a:schemeClr val="dk1"/>
+                    </a:solidFill>
+                    <a:latin typeface="+mn-lt"/>
+                    <a:ea typeface="+mn-ea"/>
+                    <a:cs typeface="+mn-cs"/>
+                  </a:defRPr>
+                </a:lvl8pPr>
+                <a:lvl9pPr marL="3657600" indent="0">
+                  <a:defRPr sz="1100">
+                    <a:solidFill>
+                      <a:schemeClr val="dk1"/>
+                    </a:solidFill>
+                    <a:latin typeface="+mn-lt"/>
+                    <a:ea typeface="+mn-ea"/>
+                    <a:cs typeface="+mn-cs"/>
+                  </a:defRPr>
+                </a:lvl9pPr>
+              </a:lstStyle>
+              <a:p>
+                <a:pPr algn="ctr"/>
+                <a:r>
+                  <a:rPr lang="en-IN" sz="1200" b="1" dirty="0">
+                    <a:solidFill>
+                      <a:schemeClr val="bg1">
+                        <a:lumMod val="50000"/>
+                      </a:schemeClr>
+                    </a:solidFill>
+                    <a:latin typeface="Arial" panose="020B0604020202020204" pitchFamily="34" charset="0"/>
+                    <a:cs typeface="Arial" panose="020B0604020202020204" pitchFamily="34" charset="0"/>
+                  </a:rPr>
+                  <a:t>Dashboard </a:t>
+                </a:r>
+              </a:p>
+            </p:txBody>
+          </p:sp>
+        </p:grpSp>
+        <p:cxnSp>
+          <p:nvCxnSpPr>
+            <p:cNvPr id="53" name="Connector: Elbow 52">
+              <a:extLst>
+                <a:ext uri="{FF2B5EF4-FFF2-40B4-BE49-F238E27FC236}">
+                  <a16:creationId xmlns:a16="http://schemas.microsoft.com/office/drawing/2014/main" id="{D80D9606-FE33-4C01-80AE-E650413FF026}"/>
+                </a:ext>
+              </a:extLst>
+            </p:cNvPr>
+            <p:cNvCxnSpPr>
+              <a:stCxn id="50" idx="0"/>
+              <a:endCxn id="73" idx="1"/>
+            </p:cNvCxnSpPr>
+            <p:nvPr/>
+          </p:nvCxnSpPr>
+          <p:spPr>
+            <a:xfrm rot="5400000" flipH="1" flipV="1">
+              <a:off x="267722" y="532238"/>
+              <a:ext cx="1657286" cy="931636"/>
+            </a:xfrm>
+            <a:prstGeom prst="bentConnector2">
+              <a:avLst/>
+            </a:prstGeom>
+            <a:ln>
+              <a:headEnd type="triangle"/>
+              <a:tailEnd type="triangle"/>
+            </a:ln>
+          </p:spPr>
+          <p:style>
+            <a:lnRef idx="2">
+              <a:schemeClr val="accent3"/>
+            </a:lnRef>
+            <a:fillRef idx="1">
+              <a:schemeClr val="lt1"/>
+            </a:fillRef>
+            <a:effectRef idx="0">
+              <a:schemeClr val="accent3"/>
+            </a:effectRef>
+            <a:fontRef idx="minor">
+              <a:schemeClr val="dk1"/>
+            </a:fontRef>
+          </p:style>
+        </p:cxnSp>
+        <p:cxnSp>
+          <p:nvCxnSpPr>
+            <p:cNvPr id="54" name="Connector: Elbow 53">
+              <a:extLst>
+                <a:ext uri="{FF2B5EF4-FFF2-40B4-BE49-F238E27FC236}">
+                  <a16:creationId xmlns:a16="http://schemas.microsoft.com/office/drawing/2014/main" id="{B6940EB5-D8C3-43C1-B01B-1F163D58F810}"/>
+                </a:ext>
+              </a:extLst>
+            </p:cNvPr>
+            <p:cNvCxnSpPr>
+              <a:stCxn id="50" idx="0"/>
+              <a:endCxn id="76" idx="1"/>
+            </p:cNvCxnSpPr>
+            <p:nvPr/>
+          </p:nvCxnSpPr>
+          <p:spPr>
+            <a:xfrm rot="5400000" flipH="1" flipV="1">
+              <a:off x="534031" y="787083"/>
+              <a:ext cx="1136133" cy="943100"/>
+            </a:xfrm>
+            <a:prstGeom prst="bentConnector2">
+              <a:avLst/>
+            </a:prstGeom>
+            <a:ln>
+              <a:headEnd type="triangle"/>
+              <a:tailEnd type="triangle"/>
+            </a:ln>
+          </p:spPr>
+          <p:style>
+            <a:lnRef idx="2">
+              <a:schemeClr val="accent3"/>
+            </a:lnRef>
+            <a:fillRef idx="1">
+              <a:schemeClr val="lt1"/>
+            </a:fillRef>
+            <a:effectRef idx="0">
+              <a:schemeClr val="accent3"/>
+            </a:effectRef>
+            <a:fontRef idx="minor">
+              <a:schemeClr val="dk1"/>
+            </a:fontRef>
+          </p:style>
+        </p:cxnSp>
+        <p:cxnSp>
+          <p:nvCxnSpPr>
+            <p:cNvPr id="55" name="Connector: Elbow 54">
+              <a:extLst>
+                <a:ext uri="{FF2B5EF4-FFF2-40B4-BE49-F238E27FC236}">
+                  <a16:creationId xmlns:a16="http://schemas.microsoft.com/office/drawing/2014/main" id="{E981F733-D4BF-4DA0-AD7B-83670032B0ED}"/>
+                </a:ext>
+              </a:extLst>
+            </p:cNvPr>
+            <p:cNvCxnSpPr>
+              <a:stCxn id="50" idx="0"/>
+              <a:endCxn id="70" idx="1"/>
+            </p:cNvCxnSpPr>
+            <p:nvPr/>
+          </p:nvCxnSpPr>
+          <p:spPr>
+            <a:xfrm rot="5400000" flipH="1" flipV="1">
+              <a:off x="1055439" y="1309755"/>
+              <a:ext cx="92052" cy="941836"/>
+            </a:xfrm>
+            <a:prstGeom prst="bentConnector2">
+              <a:avLst/>
+            </a:prstGeom>
+            <a:ln>
+              <a:headEnd type="triangle"/>
+              <a:tailEnd type="triangle"/>
+            </a:ln>
+          </p:spPr>
+          <p:style>
+            <a:lnRef idx="2">
+              <a:schemeClr val="accent3"/>
+            </a:lnRef>
+            <a:fillRef idx="1">
+              <a:schemeClr val="lt1"/>
+            </a:fillRef>
+            <a:effectRef idx="0">
+              <a:schemeClr val="accent3"/>
+            </a:effectRef>
+            <a:fontRef idx="minor">
+              <a:schemeClr val="dk1"/>
+            </a:fontRef>
+          </p:style>
+        </p:cxnSp>
+        <p:cxnSp>
+          <p:nvCxnSpPr>
+            <p:cNvPr id="56" name="Connector: Elbow 55">
+              <a:extLst>
+                <a:ext uri="{FF2B5EF4-FFF2-40B4-BE49-F238E27FC236}">
+                  <a16:creationId xmlns:a16="http://schemas.microsoft.com/office/drawing/2014/main" id="{F28D3B21-E58B-42E1-A6D2-B52FDDDDF037}"/>
+                </a:ext>
+              </a:extLst>
+            </p:cNvPr>
+            <p:cNvCxnSpPr>
+              <a:stCxn id="50" idx="0"/>
+              <a:endCxn id="72" idx="1"/>
+            </p:cNvCxnSpPr>
+            <p:nvPr/>
+          </p:nvCxnSpPr>
+          <p:spPr>
+            <a:xfrm rot="5400000" flipH="1" flipV="1">
+              <a:off x="795209" y="1047945"/>
+              <a:ext cx="614092" cy="943416"/>
+            </a:xfrm>
+            <a:prstGeom prst="bentConnector2">
+              <a:avLst/>
+            </a:prstGeom>
+            <a:ln>
+              <a:headEnd type="triangle"/>
+              <a:tailEnd type="triangle"/>
+            </a:ln>
+          </p:spPr>
+          <p:style>
+            <a:lnRef idx="2">
+              <a:schemeClr val="accent3"/>
+            </a:lnRef>
+            <a:fillRef idx="1">
+              <a:schemeClr val="lt1"/>
+            </a:fillRef>
+            <a:effectRef idx="0">
+              <a:schemeClr val="accent3"/>
+            </a:effectRef>
+            <a:fontRef idx="minor">
+              <a:schemeClr val="dk1"/>
+            </a:fontRef>
+          </p:style>
+        </p:cxnSp>
+        <p:cxnSp>
+          <p:nvCxnSpPr>
+            <p:cNvPr id="57" name="Connector: Elbow 56">
+              <a:extLst>
+                <a:ext uri="{FF2B5EF4-FFF2-40B4-BE49-F238E27FC236}">
+                  <a16:creationId xmlns:a16="http://schemas.microsoft.com/office/drawing/2014/main" id="{4D385664-7BA7-499D-9005-D85E790206A6}"/>
+                </a:ext>
+              </a:extLst>
+            </p:cNvPr>
+            <p:cNvCxnSpPr>
+              <a:stCxn id="50" idx="2"/>
+              <a:endCxn id="75" idx="1"/>
+            </p:cNvCxnSpPr>
+            <p:nvPr/>
+          </p:nvCxnSpPr>
+          <p:spPr>
+            <a:xfrm rot="16200000" flipH="1">
+              <a:off x="274120" y="2521952"/>
+              <a:ext cx="1655954" cy="943100"/>
+            </a:xfrm>
+            <a:prstGeom prst="bentConnector2">
+              <a:avLst/>
+            </a:prstGeom>
+            <a:ln>
+              <a:headEnd type="triangle"/>
+              <a:tailEnd type="triangle"/>
+            </a:ln>
+          </p:spPr>
+          <p:style>
+            <a:lnRef idx="2">
+              <a:schemeClr val="accent3"/>
+            </a:lnRef>
+            <a:fillRef idx="1">
+              <a:schemeClr val="lt1"/>
+            </a:fillRef>
+            <a:effectRef idx="0">
+              <a:schemeClr val="accent3"/>
+            </a:effectRef>
+            <a:fontRef idx="minor">
+              <a:schemeClr val="dk1"/>
+            </a:fontRef>
+          </p:style>
+        </p:cxnSp>
+        <p:cxnSp>
+          <p:nvCxnSpPr>
+            <p:cNvPr id="58" name="Connector: Elbow 57">
+              <a:extLst>
+                <a:ext uri="{FF2B5EF4-FFF2-40B4-BE49-F238E27FC236}">
+                  <a16:creationId xmlns:a16="http://schemas.microsoft.com/office/drawing/2014/main" id="{7E4C0040-A2C7-4C0E-8DB5-9E7DFECDBCD5}"/>
+                </a:ext>
+              </a:extLst>
+            </p:cNvPr>
+            <p:cNvCxnSpPr>
+              <a:stCxn id="75" idx="3"/>
+              <a:endCxn id="51" idx="2"/>
+            </p:cNvCxnSpPr>
+            <p:nvPr/>
+          </p:nvCxnSpPr>
+          <p:spPr>
+            <a:xfrm flipV="1">
+              <a:off x="2836637" y="2166858"/>
+              <a:ext cx="959036" cy="1654621"/>
+            </a:xfrm>
+            <a:prstGeom prst="bentConnector2">
+              <a:avLst/>
+            </a:prstGeom>
+            <a:ln>
+              <a:headEnd type="triangle"/>
+              <a:tailEnd type="triangle"/>
+            </a:ln>
+          </p:spPr>
+          <p:style>
+            <a:lnRef idx="2">
+              <a:schemeClr val="accent3"/>
+            </a:lnRef>
+            <a:fillRef idx="1">
+              <a:schemeClr val="lt1"/>
+            </a:fillRef>
+            <a:effectRef idx="0">
+              <a:schemeClr val="accent3"/>
+            </a:effectRef>
+            <a:fontRef idx="minor">
+              <a:schemeClr val="dk1"/>
+            </a:fontRef>
+          </p:style>
+        </p:cxnSp>
+        <p:cxnSp>
+          <p:nvCxnSpPr>
+            <p:cNvPr id="59" name="Connector: Elbow 58">
+              <a:extLst>
+                <a:ext uri="{FF2B5EF4-FFF2-40B4-BE49-F238E27FC236}">
+                  <a16:creationId xmlns:a16="http://schemas.microsoft.com/office/drawing/2014/main" id="{32E22F79-3072-45DD-AE1F-1604CC86F4F2}"/>
+                </a:ext>
+              </a:extLst>
+            </p:cNvPr>
+            <p:cNvCxnSpPr>
+              <a:stCxn id="71" idx="3"/>
+              <a:endCxn id="51" idx="2"/>
+            </p:cNvCxnSpPr>
+            <p:nvPr/>
+          </p:nvCxnSpPr>
+          <p:spPr>
+            <a:xfrm flipV="1">
+              <a:off x="2836321" y="2166858"/>
+              <a:ext cx="959352" cy="1131247"/>
+            </a:xfrm>
+            <a:prstGeom prst="bentConnector2">
+              <a:avLst/>
+            </a:prstGeom>
+            <a:ln>
+              <a:headEnd type="triangle"/>
+              <a:tailEnd type="triangle"/>
+            </a:ln>
+          </p:spPr>
+          <p:style>
+            <a:lnRef idx="2">
+              <a:schemeClr val="accent3"/>
+            </a:lnRef>
+            <a:fillRef idx="1">
+              <a:schemeClr val="lt1"/>
+            </a:fillRef>
+            <a:effectRef idx="0">
+              <a:schemeClr val="accent3"/>
+            </a:effectRef>
+            <a:fontRef idx="minor">
+              <a:schemeClr val="dk1"/>
+            </a:fontRef>
+          </p:style>
+        </p:cxnSp>
+        <p:cxnSp>
+          <p:nvCxnSpPr>
+            <p:cNvPr id="60" name="Connector: Elbow 59">
+              <a:extLst>
+                <a:ext uri="{FF2B5EF4-FFF2-40B4-BE49-F238E27FC236}">
+                  <a16:creationId xmlns:a16="http://schemas.microsoft.com/office/drawing/2014/main" id="{441CC395-613A-4B46-9818-8CEBC9B01204}"/>
+                </a:ext>
+              </a:extLst>
+            </p:cNvPr>
+            <p:cNvCxnSpPr>
+              <a:stCxn id="50" idx="2"/>
+              <a:endCxn id="71" idx="1"/>
+            </p:cNvCxnSpPr>
+            <p:nvPr/>
+          </p:nvCxnSpPr>
+          <p:spPr>
+            <a:xfrm rot="16200000" flipH="1">
+              <a:off x="535649" y="2260423"/>
+              <a:ext cx="1132580" cy="942784"/>
+            </a:xfrm>
+            <a:prstGeom prst="bentConnector2">
+              <a:avLst/>
+            </a:prstGeom>
+            <a:ln>
+              <a:headEnd type="triangle"/>
+              <a:tailEnd type="triangle"/>
+            </a:ln>
+          </p:spPr>
+          <p:style>
+            <a:lnRef idx="2">
+              <a:schemeClr val="accent3"/>
+            </a:lnRef>
+            <a:fillRef idx="1">
+              <a:schemeClr val="lt1"/>
+            </a:fillRef>
+            <a:effectRef idx="0">
+              <a:schemeClr val="accent3"/>
+            </a:effectRef>
+            <a:fontRef idx="minor">
+              <a:schemeClr val="dk1"/>
+            </a:fontRef>
+          </p:style>
+        </p:cxnSp>
+        <p:cxnSp>
+          <p:nvCxnSpPr>
+            <p:cNvPr id="61" name="Connector: Elbow 60">
+              <a:extLst>
+                <a:ext uri="{FF2B5EF4-FFF2-40B4-BE49-F238E27FC236}">
+                  <a16:creationId xmlns:a16="http://schemas.microsoft.com/office/drawing/2014/main" id="{11361A69-6F6A-41CE-AC4C-F1DF3F3A0E00}"/>
+                </a:ext>
+              </a:extLst>
+            </p:cNvPr>
+            <p:cNvCxnSpPr>
+              <a:stCxn id="50" idx="2"/>
+              <a:endCxn id="74" idx="1"/>
+            </p:cNvCxnSpPr>
+            <p:nvPr/>
+          </p:nvCxnSpPr>
+          <p:spPr>
+            <a:xfrm rot="16200000" flipH="1">
+              <a:off x="796512" y="1999560"/>
+              <a:ext cx="610539" cy="942468"/>
+            </a:xfrm>
+            <a:prstGeom prst="bentConnector2">
+              <a:avLst/>
+            </a:prstGeom>
+            <a:ln>
+              <a:headEnd type="triangle"/>
+              <a:tailEnd type="triangle"/>
+            </a:ln>
+          </p:spPr>
+          <p:style>
+            <a:lnRef idx="2">
+              <a:schemeClr val="accent3"/>
+            </a:lnRef>
+            <a:fillRef idx="1">
+              <a:schemeClr val="lt1"/>
+            </a:fillRef>
+            <a:effectRef idx="0">
+              <a:schemeClr val="accent3"/>
+            </a:effectRef>
+            <a:fontRef idx="minor">
+              <a:schemeClr val="dk1"/>
+            </a:fontRef>
+          </p:style>
+        </p:cxnSp>
+        <p:cxnSp>
+          <p:nvCxnSpPr>
+            <p:cNvPr id="62" name="Connector: Elbow 61">
+              <a:extLst>
+                <a:ext uri="{FF2B5EF4-FFF2-40B4-BE49-F238E27FC236}">
+                  <a16:creationId xmlns:a16="http://schemas.microsoft.com/office/drawing/2014/main" id="{AD3227BD-C802-4F8D-83BB-E6207B2FCFA7}"/>
+                </a:ext>
+              </a:extLst>
+            </p:cNvPr>
+            <p:cNvCxnSpPr>
+              <a:stCxn id="74" idx="3"/>
+              <a:endCxn id="51" idx="2"/>
+            </p:cNvCxnSpPr>
+            <p:nvPr/>
+          </p:nvCxnSpPr>
+          <p:spPr>
+            <a:xfrm flipV="1">
+              <a:off x="2836005" y="2166858"/>
+              <a:ext cx="959668" cy="609206"/>
+            </a:xfrm>
+            <a:prstGeom prst="bentConnector2">
+              <a:avLst/>
+            </a:prstGeom>
+            <a:ln>
+              <a:headEnd type="triangle"/>
+              <a:tailEnd type="triangle"/>
+            </a:ln>
+          </p:spPr>
+          <p:style>
+            <a:lnRef idx="2">
+              <a:schemeClr val="accent3"/>
+            </a:lnRef>
+            <a:fillRef idx="1">
+              <a:schemeClr val="lt1"/>
+            </a:fillRef>
+            <a:effectRef idx="0">
+              <a:schemeClr val="accent3"/>
+            </a:effectRef>
+            <a:fontRef idx="minor">
+              <a:schemeClr val="dk1"/>
+            </a:fontRef>
+          </p:style>
+        </p:cxnSp>
+        <p:cxnSp>
+          <p:nvCxnSpPr>
+            <p:cNvPr id="63" name="Connector: Elbow 62">
+              <a:extLst>
+                <a:ext uri="{FF2B5EF4-FFF2-40B4-BE49-F238E27FC236}">
+                  <a16:creationId xmlns:a16="http://schemas.microsoft.com/office/drawing/2014/main" id="{E5382936-3AAF-46AB-8756-4497C09555FA}"/>
+                </a:ext>
+              </a:extLst>
+            </p:cNvPr>
+            <p:cNvCxnSpPr>
+              <a:stCxn id="50" idx="2"/>
+              <a:endCxn id="69" idx="1"/>
+            </p:cNvCxnSpPr>
+            <p:nvPr/>
+          </p:nvCxnSpPr>
+          <p:spPr>
+            <a:xfrm rot="16200000" flipH="1">
+              <a:off x="1056708" y="1739364"/>
+              <a:ext cx="89831" cy="942152"/>
+            </a:xfrm>
+            <a:prstGeom prst="bentConnector2">
+              <a:avLst/>
+            </a:prstGeom>
+            <a:ln>
+              <a:headEnd type="triangle"/>
+              <a:tailEnd type="triangle"/>
+            </a:ln>
+          </p:spPr>
+          <p:style>
+            <a:lnRef idx="2">
+              <a:schemeClr val="accent3"/>
+            </a:lnRef>
+            <a:fillRef idx="1">
+              <a:schemeClr val="lt1"/>
+            </a:fillRef>
+            <a:effectRef idx="0">
+              <a:schemeClr val="accent3"/>
+            </a:effectRef>
+            <a:fontRef idx="minor">
+              <a:schemeClr val="dk1"/>
+            </a:fontRef>
+          </p:style>
+        </p:cxnSp>
+        <p:cxnSp>
+          <p:nvCxnSpPr>
+            <p:cNvPr id="64" name="Connector: Elbow 63">
+              <a:extLst>
+                <a:ext uri="{FF2B5EF4-FFF2-40B4-BE49-F238E27FC236}">
+                  <a16:creationId xmlns:a16="http://schemas.microsoft.com/office/drawing/2014/main" id="{4CBEF122-6DF9-4B9C-953D-516E0D4AD7CC}"/>
+                </a:ext>
+              </a:extLst>
+            </p:cNvPr>
+            <p:cNvCxnSpPr>
+              <a:stCxn id="69" idx="3"/>
+              <a:endCxn id="51" idx="2"/>
+            </p:cNvCxnSpPr>
+            <p:nvPr/>
+          </p:nvCxnSpPr>
+          <p:spPr>
+            <a:xfrm flipV="1">
+              <a:off x="2835689" y="2166858"/>
+              <a:ext cx="959984" cy="88498"/>
+            </a:xfrm>
+            <a:prstGeom prst="bentConnector2">
+              <a:avLst/>
+            </a:prstGeom>
+            <a:ln>
+              <a:headEnd type="triangle"/>
+              <a:tailEnd type="triangle"/>
+            </a:ln>
+          </p:spPr>
+          <p:style>
+            <a:lnRef idx="2">
+              <a:schemeClr val="accent3"/>
+            </a:lnRef>
+            <a:fillRef idx="1">
+              <a:schemeClr val="lt1"/>
+            </a:fillRef>
+            <a:effectRef idx="0">
+              <a:schemeClr val="accent3"/>
+            </a:effectRef>
+            <a:fontRef idx="minor">
+              <a:schemeClr val="dk1"/>
+            </a:fontRef>
+          </p:style>
+        </p:cxnSp>
+        <p:cxnSp>
+          <p:nvCxnSpPr>
+            <p:cNvPr id="65" name="Connector: Elbow 64">
+              <a:extLst>
+                <a:ext uri="{FF2B5EF4-FFF2-40B4-BE49-F238E27FC236}">
+                  <a16:creationId xmlns:a16="http://schemas.microsoft.com/office/drawing/2014/main" id="{8A2E5AD7-9885-4D42-9EA8-A2E07A539127}"/>
+                </a:ext>
+              </a:extLst>
+            </p:cNvPr>
+            <p:cNvCxnSpPr>
+              <a:stCxn id="73" idx="3"/>
+              <a:endCxn id="51" idx="0"/>
+            </p:cNvCxnSpPr>
+            <p:nvPr/>
+          </p:nvCxnSpPr>
+          <p:spPr>
+            <a:xfrm>
+              <a:off x="2823277" y="169413"/>
+              <a:ext cx="972396" cy="1655954"/>
+            </a:xfrm>
+            <a:prstGeom prst="bentConnector2">
+              <a:avLst/>
+            </a:prstGeom>
+            <a:ln>
+              <a:headEnd type="triangle"/>
+              <a:tailEnd type="triangle"/>
+            </a:ln>
+          </p:spPr>
+          <p:style>
+            <a:lnRef idx="2">
+              <a:schemeClr val="accent3"/>
+            </a:lnRef>
+            <a:fillRef idx="1">
+              <a:schemeClr val="lt1"/>
+            </a:fillRef>
+            <a:effectRef idx="0">
+              <a:schemeClr val="accent3"/>
+            </a:effectRef>
+            <a:fontRef idx="minor">
+              <a:schemeClr val="dk1"/>
+            </a:fontRef>
+          </p:style>
+        </p:cxnSp>
+        <p:cxnSp>
+          <p:nvCxnSpPr>
+            <p:cNvPr id="66" name="Connector: Elbow 65">
+              <a:extLst>
+                <a:ext uri="{FF2B5EF4-FFF2-40B4-BE49-F238E27FC236}">
+                  <a16:creationId xmlns:a16="http://schemas.microsoft.com/office/drawing/2014/main" id="{3D3BC6DC-88AD-43D2-85F1-376139E99E04}"/>
+                </a:ext>
+              </a:extLst>
+            </p:cNvPr>
+            <p:cNvCxnSpPr>
+              <a:stCxn id="76" idx="3"/>
+              <a:endCxn id="51" idx="0"/>
+            </p:cNvCxnSpPr>
+            <p:nvPr/>
+          </p:nvCxnSpPr>
+          <p:spPr>
+            <a:xfrm>
+              <a:off x="2836637" y="690566"/>
+              <a:ext cx="959036" cy="1134801"/>
+            </a:xfrm>
+            <a:prstGeom prst="bentConnector2">
+              <a:avLst/>
+            </a:prstGeom>
+            <a:ln>
+              <a:headEnd type="triangle"/>
+              <a:tailEnd type="triangle"/>
+            </a:ln>
+          </p:spPr>
+          <p:style>
+            <a:lnRef idx="2">
+              <a:schemeClr val="accent3"/>
+            </a:lnRef>
+            <a:fillRef idx="1">
+              <a:schemeClr val="lt1"/>
+            </a:fillRef>
+            <a:effectRef idx="0">
+              <a:schemeClr val="accent3"/>
+            </a:effectRef>
+            <a:fontRef idx="minor">
+              <a:schemeClr val="dk1"/>
+            </a:fontRef>
+          </p:style>
+        </p:cxnSp>
+        <p:cxnSp>
+          <p:nvCxnSpPr>
+            <p:cNvPr id="67" name="Connector: Elbow 66">
+              <a:extLst>
+                <a:ext uri="{FF2B5EF4-FFF2-40B4-BE49-F238E27FC236}">
+                  <a16:creationId xmlns:a16="http://schemas.microsoft.com/office/drawing/2014/main" id="{75785E4D-C2E7-4CB0-B491-A002B9DA7417}"/>
+                </a:ext>
+              </a:extLst>
+            </p:cNvPr>
+            <p:cNvCxnSpPr>
+              <a:stCxn id="72" idx="3"/>
+              <a:endCxn id="51" idx="0"/>
+            </p:cNvCxnSpPr>
+            <p:nvPr/>
+          </p:nvCxnSpPr>
+          <p:spPr>
+            <a:xfrm>
+              <a:off x="2835057" y="1212607"/>
+              <a:ext cx="960616" cy="612760"/>
+            </a:xfrm>
+            <a:prstGeom prst="bentConnector2">
+              <a:avLst/>
+            </a:prstGeom>
+            <a:ln>
+              <a:headEnd type="triangle"/>
+              <a:tailEnd type="triangle"/>
+            </a:ln>
+          </p:spPr>
+          <p:style>
+            <a:lnRef idx="2">
+              <a:schemeClr val="accent3"/>
+            </a:lnRef>
+            <a:fillRef idx="1">
+              <a:schemeClr val="lt1"/>
+            </a:fillRef>
+            <a:effectRef idx="0">
+              <a:schemeClr val="accent3"/>
+            </a:effectRef>
+            <a:fontRef idx="minor">
+              <a:schemeClr val="dk1"/>
+            </a:fontRef>
+          </p:style>
+        </p:cxnSp>
+        <p:cxnSp>
+          <p:nvCxnSpPr>
+            <p:cNvPr id="68" name="Connector: Elbow 67">
+              <a:extLst>
+                <a:ext uri="{FF2B5EF4-FFF2-40B4-BE49-F238E27FC236}">
+                  <a16:creationId xmlns:a16="http://schemas.microsoft.com/office/drawing/2014/main" id="{552A46AE-01CD-479E-8217-D6EEB8E1F66E}"/>
+                </a:ext>
+              </a:extLst>
+            </p:cNvPr>
+            <p:cNvCxnSpPr>
+              <a:stCxn id="70" idx="3"/>
+              <a:endCxn id="51" idx="0"/>
+            </p:cNvCxnSpPr>
+            <p:nvPr/>
+          </p:nvCxnSpPr>
+          <p:spPr>
+            <a:xfrm>
+              <a:off x="2835373" y="1734647"/>
+              <a:ext cx="960300" cy="90720"/>
+            </a:xfrm>
+            <a:prstGeom prst="bentConnector2">
+              <a:avLst/>
+            </a:prstGeom>
+            <a:ln>
+              <a:headEnd type="triangle"/>
+              <a:tailEnd type="triangle"/>
+            </a:ln>
+          </p:spPr>
+          <p:style>
+            <a:lnRef idx="2">
+              <a:schemeClr val="accent3"/>
+            </a:lnRef>
+            <a:fillRef idx="1">
+              <a:schemeClr val="lt1"/>
+            </a:fillRef>
+            <a:effectRef idx="0">
+              <a:schemeClr val="accent3"/>
+            </a:effectRef>
+            <a:fontRef idx="minor">
+              <a:schemeClr val="dk1"/>
+            </a:fontRef>
+          </p:style>
+        </p:cxnSp>
+      </p:grpSp>
+      <p:graphicFrame>
+        <p:nvGraphicFramePr>
+          <p:cNvPr id="3" name="Table 2">
+            <a:extLst>
+              <a:ext uri="{FF2B5EF4-FFF2-40B4-BE49-F238E27FC236}">
+                <a16:creationId xmlns:a16="http://schemas.microsoft.com/office/drawing/2014/main" id="{EFF96AF7-F6A0-4A3D-93D7-59F66583B74D}"/>
+              </a:ext>
+            </a:extLst>
+          </p:cNvPr>
+          <p:cNvGraphicFramePr>
+            <a:graphicFrameLocks noGrp="1"/>
+          </p:cNvGraphicFramePr>
+          <p:nvPr>
+            <p:extLst>
+              <p:ext uri="{D42A27DB-BD31-4B8C-83A1-F6EECF244321}">
+                <p14:modId xmlns:p14="http://schemas.microsoft.com/office/powerpoint/2010/main" val="2449354240"/>
+              </p:ext>
+            </p:extLst>
+          </p:nvPr>
+        </p:nvGraphicFramePr>
+        <p:xfrm>
+          <a:off x="6186376" y="689103"/>
+          <a:ext cx="3981081" cy="5550535"/>
+        </p:xfrm>
+        <a:graphic>
+          <a:graphicData uri="http://schemas.openxmlformats.org/drawingml/2006/table">
+            <a:tbl>
+              <a:tblPr firstRow="1" bandRow="1">
+                <a:effectLst>
+                  <a:outerShdw blurRad="50800" dist="38100" dir="2700000" algn="tl" rotWithShape="0">
+                    <a:schemeClr val="accent1">
+                      <a:lumMod val="50000"/>
+                      <a:alpha val="40000"/>
+                    </a:schemeClr>
+                  </a:outerShdw>
+                </a:effectLst>
+                <a:tableStyleId>{5C22544A-7EE6-4342-B048-85BDC9FD1C3A}</a:tableStyleId>
+              </a:tblPr>
+              <a:tblGrid>
+                <a:gridCol w="3981081">
+                  <a:extLst>
+                    <a:ext uri="{9D8B030D-6E8A-4147-A177-3AD203B41FA5}">
+                      <a16:colId xmlns:a16="http://schemas.microsoft.com/office/drawing/2014/main" val="4231490580"/>
+                    </a:ext>
+                  </a:extLst>
+                </a:gridCol>
+              </a:tblGrid>
+              <a:tr h="5174802">
+                <a:tc>
+                  <a:txBody>
+                    <a:bodyPr/>
+                    <a:lstStyle/>
+                    <a:p>
+                      <a:r>
+                        <a:rPr lang="en-US" dirty="0">
+                          <a:solidFill>
+                            <a:schemeClr val="bg1">
+                              <a:lumMod val="50000"/>
+                            </a:schemeClr>
+                          </a:solidFill>
+                        </a:rPr>
+                        <a:t>Courses</a:t>
+                      </a:r>
+                      <a:r>
+                        <a:rPr lang="en-IN" dirty="0">
+                          <a:solidFill>
+                            <a:schemeClr val="bg1">
+                              <a:lumMod val="50000"/>
+                            </a:schemeClr>
+                          </a:solidFill>
+                        </a:rPr>
+                        <a:t> Portal:</a:t>
+                      </a:r>
+                    </a:p>
+                    <a:p>
+                      <a:pPr marL="742950" marR="0" lvl="1" indent="-285750" algn="l" defTabSz="914400" rtl="0" eaLnBrk="1" fontAlgn="auto" latinLnBrk="0" hangingPunct="1">
+                        <a:lnSpc>
+                          <a:spcPct val="250000"/>
+                        </a:lnSpc>
+                        <a:spcBef>
+                          <a:spcPts val="0"/>
+                        </a:spcBef>
+                        <a:spcAft>
+                          <a:spcPts val="0"/>
+                        </a:spcAft>
+                        <a:buClrTx/>
+                        <a:buSzTx/>
+                        <a:buFont typeface="Arial" panose="020B0604020202020204" pitchFamily="34" charset="0"/>
+                        <a:buChar char="•"/>
+                        <a:tabLst/>
+                        <a:defRPr/>
+                      </a:pPr>
+                      <a:r>
+                        <a:rPr lang="en-IN" sz="1100" dirty="0">
+                          <a:solidFill>
+                            <a:schemeClr val="bg1">
+                              <a:lumMod val="50000"/>
+                            </a:schemeClr>
+                          </a:solidFill>
+                        </a:rPr>
+                        <a:t>Curriculum</a:t>
+                      </a:r>
+                    </a:p>
+                    <a:p>
+                      <a:pPr marL="742950" marR="0" lvl="1" indent="-285750" algn="l" defTabSz="914400" rtl="0" eaLnBrk="1" fontAlgn="auto" latinLnBrk="0" hangingPunct="1">
+                        <a:lnSpc>
+                          <a:spcPct val="250000"/>
+                        </a:lnSpc>
+                        <a:spcBef>
+                          <a:spcPts val="0"/>
+                        </a:spcBef>
+                        <a:spcAft>
+                          <a:spcPts val="0"/>
+                        </a:spcAft>
+                        <a:buClrTx/>
+                        <a:buSzTx/>
+                        <a:buFont typeface="Arial" panose="020B0604020202020204" pitchFamily="34" charset="0"/>
+                        <a:buChar char="•"/>
+                        <a:tabLst/>
+                        <a:defRPr/>
+                      </a:pPr>
+                      <a:r>
+                        <a:rPr lang="en-IN" sz="1100" dirty="0">
+                          <a:solidFill>
+                            <a:schemeClr val="bg1">
+                              <a:lumMod val="50000"/>
+                            </a:schemeClr>
+                          </a:solidFill>
+                        </a:rPr>
+                        <a:t>Lesson Plan</a:t>
+                      </a:r>
+                    </a:p>
+                    <a:p>
+                      <a:pPr marL="742950" marR="0" lvl="1" indent="-285750" algn="l" defTabSz="914400" rtl="0" eaLnBrk="1" fontAlgn="auto" latinLnBrk="0" hangingPunct="1">
+                        <a:lnSpc>
+                          <a:spcPct val="250000"/>
+                        </a:lnSpc>
+                        <a:spcBef>
+                          <a:spcPts val="0"/>
+                        </a:spcBef>
+                        <a:spcAft>
+                          <a:spcPts val="0"/>
+                        </a:spcAft>
+                        <a:buClrTx/>
+                        <a:buSzTx/>
+                        <a:buFont typeface="Arial" panose="020B0604020202020204" pitchFamily="34" charset="0"/>
+                        <a:buChar char="•"/>
+                        <a:tabLst/>
+                        <a:defRPr/>
+                      </a:pPr>
+                      <a:r>
+                        <a:rPr lang="en-IN" sz="1100" dirty="0">
+                          <a:solidFill>
+                            <a:schemeClr val="bg1">
+                              <a:lumMod val="50000"/>
+                            </a:schemeClr>
+                          </a:solidFill>
+                        </a:rPr>
+                        <a:t>Course Hierarchy</a:t>
+                      </a:r>
+                    </a:p>
+                    <a:p>
+                      <a:pPr marL="742950" marR="0" lvl="1" indent="-285750" algn="l" defTabSz="914400" rtl="0" eaLnBrk="1" fontAlgn="auto" latinLnBrk="0" hangingPunct="1">
+                        <a:lnSpc>
+                          <a:spcPct val="250000"/>
+                        </a:lnSpc>
+                        <a:spcBef>
+                          <a:spcPts val="0"/>
+                        </a:spcBef>
+                        <a:spcAft>
+                          <a:spcPts val="0"/>
+                        </a:spcAft>
+                        <a:buClrTx/>
+                        <a:buSzTx/>
+                        <a:buFont typeface="Arial" panose="020B0604020202020204" pitchFamily="34" charset="0"/>
+                        <a:buChar char="•"/>
+                        <a:tabLst/>
+                        <a:defRPr/>
+                      </a:pPr>
+                      <a:r>
+                        <a:rPr lang="en-IN" sz="1100" dirty="0">
+                          <a:solidFill>
+                            <a:schemeClr val="bg1">
+                              <a:lumMod val="50000"/>
+                            </a:schemeClr>
+                          </a:solidFill>
+                        </a:rPr>
+                        <a:t>Time Table</a:t>
+                      </a:r>
+                    </a:p>
+                    <a:p>
+                      <a:pPr marL="742950" marR="0" lvl="1" indent="-285750" algn="l" defTabSz="914400" rtl="0" eaLnBrk="1" fontAlgn="auto" latinLnBrk="0" hangingPunct="1">
+                        <a:lnSpc>
+                          <a:spcPct val="250000"/>
+                        </a:lnSpc>
+                        <a:spcBef>
+                          <a:spcPts val="0"/>
+                        </a:spcBef>
+                        <a:spcAft>
+                          <a:spcPts val="0"/>
+                        </a:spcAft>
+                        <a:buClrTx/>
+                        <a:buSzTx/>
+                        <a:buFont typeface="Arial" panose="020B0604020202020204" pitchFamily="34" charset="0"/>
+                        <a:buChar char="•"/>
+                        <a:tabLst/>
+                        <a:defRPr/>
+                      </a:pPr>
+                      <a:r>
+                        <a:rPr lang="en-IN" sz="1100" dirty="0">
+                          <a:solidFill>
+                            <a:schemeClr val="bg1">
+                              <a:lumMod val="50000"/>
+                            </a:schemeClr>
+                          </a:solidFill>
+                        </a:rPr>
+                        <a:t>Transcript</a:t>
+                      </a:r>
+                    </a:p>
+                    <a:p>
+                      <a:pPr marL="742950" marR="0" lvl="1" indent="-285750" algn="l" defTabSz="914400" rtl="0" eaLnBrk="1" fontAlgn="auto" latinLnBrk="0" hangingPunct="1">
+                        <a:lnSpc>
+                          <a:spcPct val="250000"/>
+                        </a:lnSpc>
+                        <a:spcBef>
+                          <a:spcPts val="0"/>
+                        </a:spcBef>
+                        <a:spcAft>
+                          <a:spcPts val="0"/>
+                        </a:spcAft>
+                        <a:buClrTx/>
+                        <a:buSzTx/>
+                        <a:buFont typeface="Arial" panose="020B0604020202020204" pitchFamily="34" charset="0"/>
+                        <a:buChar char="•"/>
+                        <a:tabLst/>
+                        <a:defRPr/>
+                      </a:pPr>
+                      <a:r>
+                        <a:rPr lang="en-IN" sz="1100" dirty="0">
+                          <a:solidFill>
+                            <a:schemeClr val="bg1">
+                              <a:lumMod val="50000"/>
+                            </a:schemeClr>
+                          </a:solidFill>
+                        </a:rPr>
+                        <a:t>Report Card</a:t>
+                      </a:r>
+                    </a:p>
+                    <a:p>
+                      <a:pPr marL="742950" marR="0" lvl="1" indent="-285750" algn="l" defTabSz="914400" rtl="0" eaLnBrk="1" fontAlgn="auto" latinLnBrk="0" hangingPunct="1">
+                        <a:lnSpc>
+                          <a:spcPct val="250000"/>
+                        </a:lnSpc>
+                        <a:spcBef>
+                          <a:spcPts val="0"/>
+                        </a:spcBef>
+                        <a:spcAft>
+                          <a:spcPts val="0"/>
+                        </a:spcAft>
+                        <a:buClrTx/>
+                        <a:buSzTx/>
+                        <a:buFont typeface="Arial" panose="020B0604020202020204" pitchFamily="34" charset="0"/>
+                        <a:buChar char="•"/>
+                        <a:tabLst/>
+                        <a:defRPr/>
+                      </a:pPr>
+                      <a:r>
+                        <a:rPr lang="en-IN" sz="1100" dirty="0">
+                          <a:solidFill>
+                            <a:schemeClr val="bg1">
+                              <a:lumMod val="50000"/>
+                            </a:schemeClr>
+                          </a:solidFill>
+                        </a:rPr>
+                        <a:t>Online Enrolment</a:t>
+                      </a:r>
+                    </a:p>
+                    <a:p>
+                      <a:pPr marL="742950" marR="0" lvl="1" indent="-285750" algn="l" defTabSz="914400" rtl="0" eaLnBrk="1" fontAlgn="auto" latinLnBrk="0" hangingPunct="1">
+                        <a:lnSpc>
+                          <a:spcPct val="250000"/>
+                        </a:lnSpc>
+                        <a:spcBef>
+                          <a:spcPts val="0"/>
+                        </a:spcBef>
+                        <a:spcAft>
+                          <a:spcPts val="0"/>
+                        </a:spcAft>
+                        <a:buClrTx/>
+                        <a:buSzTx/>
+                        <a:buFont typeface="Arial" panose="020B0604020202020204" pitchFamily="34" charset="0"/>
+                        <a:buChar char="•"/>
+                        <a:tabLst/>
+                        <a:defRPr/>
+                      </a:pPr>
+                      <a:r>
+                        <a:rPr lang="en-IN" sz="1100" dirty="0">
+                          <a:solidFill>
+                            <a:schemeClr val="bg1">
+                              <a:lumMod val="50000"/>
+                            </a:schemeClr>
+                          </a:solidFill>
+                        </a:rPr>
+                        <a:t>Planned Admissions</a:t>
+                      </a:r>
+                    </a:p>
+                    <a:p>
+                      <a:pPr marL="742950" marR="0" lvl="1" indent="-285750" algn="l" defTabSz="914400" rtl="0" eaLnBrk="1" fontAlgn="auto" latinLnBrk="0" hangingPunct="1">
+                        <a:lnSpc>
+                          <a:spcPct val="250000"/>
+                        </a:lnSpc>
+                        <a:spcBef>
+                          <a:spcPts val="0"/>
+                        </a:spcBef>
+                        <a:spcAft>
+                          <a:spcPts val="0"/>
+                        </a:spcAft>
+                        <a:buClrTx/>
+                        <a:buSzTx/>
+                        <a:buFont typeface="Arial" panose="020B0604020202020204" pitchFamily="34" charset="0"/>
+                        <a:buChar char="•"/>
+                        <a:tabLst/>
+                        <a:defRPr/>
+                      </a:pPr>
+                      <a:r>
+                        <a:rPr lang="en-IN" sz="1100" dirty="0">
+                          <a:solidFill>
+                            <a:schemeClr val="bg1">
+                              <a:lumMod val="50000"/>
+                            </a:schemeClr>
+                          </a:solidFill>
+                        </a:rPr>
+                        <a:t>Seats Management</a:t>
+                      </a:r>
+                    </a:p>
+                    <a:p>
+                      <a:pPr marL="742950" marR="0" lvl="1" indent="-285750" algn="l" defTabSz="914400" rtl="0" eaLnBrk="1" fontAlgn="auto" latinLnBrk="0" hangingPunct="1">
+                        <a:lnSpc>
+                          <a:spcPct val="250000"/>
+                        </a:lnSpc>
+                        <a:spcBef>
+                          <a:spcPts val="0"/>
+                        </a:spcBef>
+                        <a:spcAft>
+                          <a:spcPts val="0"/>
+                        </a:spcAft>
+                        <a:buClrTx/>
+                        <a:buSzTx/>
+                        <a:buFont typeface="Arial" panose="020B0604020202020204" pitchFamily="34" charset="0"/>
+                        <a:buChar char="•"/>
+                        <a:tabLst/>
+                        <a:defRPr/>
+                      </a:pPr>
+                      <a:r>
+                        <a:rPr lang="en-IN" sz="1100" dirty="0">
+                          <a:solidFill>
+                            <a:schemeClr val="bg1">
+                              <a:lumMod val="50000"/>
+                            </a:schemeClr>
+                          </a:solidFill>
+                        </a:rPr>
+                        <a:t>Integrated Communication</a:t>
+                      </a:r>
+                    </a:p>
+                    <a:p>
+                      <a:pPr marL="742950" marR="0" lvl="1" indent="-285750" algn="l" defTabSz="914400" rtl="0" eaLnBrk="1" fontAlgn="auto" latinLnBrk="0" hangingPunct="1">
+                        <a:lnSpc>
+                          <a:spcPct val="250000"/>
+                        </a:lnSpc>
+                        <a:spcBef>
+                          <a:spcPts val="0"/>
+                        </a:spcBef>
+                        <a:spcAft>
+                          <a:spcPts val="0"/>
+                        </a:spcAft>
+                        <a:buClrTx/>
+                        <a:buSzTx/>
+                        <a:buFont typeface="Arial" panose="020B0604020202020204" pitchFamily="34" charset="0"/>
+                        <a:buChar char="•"/>
+                        <a:tabLst/>
+                        <a:defRPr/>
+                      </a:pPr>
+                      <a:r>
+                        <a:rPr lang="en-IN" sz="1100" dirty="0">
+                          <a:solidFill>
+                            <a:schemeClr val="bg1">
+                              <a:lumMod val="50000"/>
+                            </a:schemeClr>
+                          </a:solidFill>
+                        </a:rPr>
+                        <a:t>Document Management</a:t>
+                      </a:r>
+                    </a:p>
+                    <a:p>
+                      <a:pPr marL="742950" marR="0" lvl="1" indent="-285750" algn="l" defTabSz="914400" rtl="0" eaLnBrk="1" fontAlgn="auto" latinLnBrk="0" hangingPunct="1">
+                        <a:lnSpc>
+                          <a:spcPct val="250000"/>
+                        </a:lnSpc>
+                        <a:spcBef>
+                          <a:spcPts val="0"/>
+                        </a:spcBef>
+                        <a:spcAft>
+                          <a:spcPts val="0"/>
+                        </a:spcAft>
+                        <a:buClrTx/>
+                        <a:buSzTx/>
+                        <a:buFont typeface="Arial" panose="020B0604020202020204" pitchFamily="34" charset="0"/>
+                        <a:buChar char="•"/>
+                        <a:tabLst/>
+                        <a:defRPr/>
+                      </a:pPr>
+                      <a:endParaRPr lang="en-IN" dirty="0">
+                        <a:solidFill>
+                          <a:schemeClr val="bg1">
+                            <a:lumMod val="50000"/>
+                          </a:schemeClr>
+                        </a:solidFill>
+                      </a:endParaRPr>
+                    </a:p>
+                  </a:txBody>
+                  <a:tcPr>
+                    <a:lnL w="12700" cap="flat" cmpd="sng" algn="ctr">
+                      <a:solidFill>
+                        <a:schemeClr val="tx1"/>
+                      </a:solidFill>
+                      <a:prstDash val="solid"/>
+                      <a:round/>
+                      <a:headEnd type="none" w="med" len="med"/>
+                      <a:tailEnd type="none" w="med" len="med"/>
+                    </a:lnL>
+                    <a:lnR w="12700" cap="flat" cmpd="sng" algn="ctr">
+                      <a:solidFill>
+                        <a:schemeClr val="tx1"/>
+                      </a:solidFill>
+                      <a:prstDash val="solid"/>
+                      <a:round/>
+                      <a:headEnd type="none" w="med" len="med"/>
+                      <a:tailEnd type="none" w="med" len="med"/>
+                    </a:lnR>
+                    <a:lnT w="12700" cap="flat" cmpd="sng" algn="ctr">
+                      <a:solidFill>
+                        <a:schemeClr val="tx1"/>
+                      </a:solidFill>
+                      <a:prstDash val="solid"/>
+                      <a:round/>
+                      <a:headEnd type="none" w="med" len="med"/>
+                      <a:tailEnd type="none" w="med" len="med"/>
+                    </a:lnT>
+                    <a:lnB w="12700" cap="flat" cmpd="sng" algn="ctr">
+                      <a:solidFill>
+                        <a:schemeClr val="tx1"/>
+                      </a:solidFill>
+                      <a:prstDash val="solid"/>
+                      <a:round/>
+                      <a:headEnd type="none" w="med" len="med"/>
+                      <a:tailEnd type="none" w="med" len="med"/>
+                    </a:lnB>
+                    <a:solidFill>
+                      <a:schemeClr val="bg1"/>
+                    </a:solidFill>
+                  </a:tcPr>
+                </a:tc>
+                <a:extLst>
+                  <a:ext uri="{0D108BD9-81ED-4DB2-BD59-A6C34878D82A}">
+                    <a16:rowId xmlns:a16="http://schemas.microsoft.com/office/drawing/2014/main" val="2843414293"/>
+                  </a:ext>
+                </a:extLst>
+              </a:tr>
+            </a:tbl>
+          </a:graphicData>
+        </a:graphic>
+      </p:graphicFrame>
+      <p:sp>
+        <p:nvSpPr>
+          <p:cNvPr id="5" name="Slide Number Placeholder 4">
+            <a:extLst>
+              <a:ext uri="{FF2B5EF4-FFF2-40B4-BE49-F238E27FC236}">
+                <a16:creationId xmlns:a16="http://schemas.microsoft.com/office/drawing/2014/main" id="{8BE26068-FFBA-4988-83A3-6E273A48FC17}"/>
+              </a:ext>
+            </a:extLst>
+          </p:cNvPr>
+          <p:cNvSpPr>
+            <a:spLocks noGrp="1"/>
+          </p:cNvSpPr>
+          <p:nvPr>
+            <p:ph type="sldNum" sz="quarter" idx="12"/>
+          </p:nvPr>
+        </p:nvSpPr>
+        <p:spPr/>
+        <p:txBody>
+          <a:bodyPr/>
+          <a:lstStyle/>
+          <a:p>
+            <a:fld id="{F1BA8BE5-F97D-4D2A-8B41-D976DF280E9E}" type="slidenum">
+              <a:rPr lang="en-IN" smtClean="0"/>
+              <a:t>11</a:t>
+            </a:fld>
+            <a:endParaRPr lang="en-IN"/>
+          </a:p>
+        </p:txBody>
+      </p:sp>
+    </p:spTree>
+    <p:extLst>
+      <p:ext uri="{BB962C8B-B14F-4D97-AF65-F5344CB8AC3E}">
+        <p14:creationId xmlns:p14="http://schemas.microsoft.com/office/powerpoint/2010/main" val="4217637077"/>
+      </p:ext>
+    </p:extLst>
+  </p:cSld>
+  <p:clrMapOvr>
+    <a:masterClrMapping/>
+  </p:clrMapOvr>
+</p:sld>
+</file>
+
+<file path=ppt/slides/slide12.xml><?xml version="1.0" encoding="utf-8"?>
+<p:sld xmlns:a="http://schemas.openxmlformats.org/drawingml/2006/main" xmlns:r="http://schemas.openxmlformats.org/officeDocument/2006/relationships" xmlns:p="http://schemas.openxmlformats.org/presentationml/2006/main">
+  <p:cSld>
+    <p:spTree>
+      <p:nvGrpSpPr>
+        <p:cNvPr id="1" name=""/>
+        <p:cNvGrpSpPr/>
+        <p:nvPr/>
+      </p:nvGrpSpPr>
+      <p:grpSpPr>
+        <a:xfrm>
+          <a:off x="0" y="0"/>
+          <a:ext cx="0" cy="0"/>
+          <a:chOff x="0" y="0"/>
+          <a:chExt cx="0" cy="0"/>
+        </a:xfrm>
+      </p:grpSpPr>
+      <p:sp>
+        <p:nvSpPr>
+          <p:cNvPr id="2" name="Title 1">
+            <a:extLst>
+              <a:ext uri="{FF2B5EF4-FFF2-40B4-BE49-F238E27FC236}">
+                <a16:creationId xmlns:a16="http://schemas.microsoft.com/office/drawing/2014/main" id="{CFA6665A-2B2F-4278-BB93-4515155B6F60}"/>
+              </a:ext>
+            </a:extLst>
+          </p:cNvPr>
+          <p:cNvSpPr>
+            <a:spLocks noGrp="1"/>
+          </p:cNvSpPr>
+          <p:nvPr>
+            <p:ph type="title"/>
+          </p:nvPr>
+        </p:nvSpPr>
+        <p:spPr>
+          <a:xfrm>
+            <a:off x="838200" y="365125"/>
+            <a:ext cx="5831048" cy="735043"/>
+          </a:xfrm>
+        </p:spPr>
+        <p:txBody>
+          <a:bodyPr>
+            <a:normAutofit/>
+          </a:bodyPr>
+          <a:lstStyle/>
+          <a:p>
+            <a:r>
+              <a:rPr lang="en-US" dirty="0">
+                <a:solidFill>
+                  <a:schemeClr val="bg1">
+                    <a:lumMod val="50000"/>
+                  </a:schemeClr>
+                </a:solidFill>
+                <a:latin typeface="Arial" panose="020B0604020202020204" pitchFamily="34" charset="0"/>
+                <a:cs typeface="Arial" panose="020B0604020202020204" pitchFamily="34" charset="0"/>
+              </a:rPr>
+              <a:t>The Reporting</a:t>
+            </a:r>
+            <a:endParaRPr lang="en-IN" dirty="0">
+              <a:solidFill>
+                <a:schemeClr val="bg1">
+                  <a:lumMod val="50000"/>
+                </a:schemeClr>
+              </a:solidFill>
+              <a:latin typeface="Arial" panose="020B0604020202020204" pitchFamily="34" charset="0"/>
+              <a:cs typeface="Arial" panose="020B0604020202020204" pitchFamily="34" charset="0"/>
+            </a:endParaRPr>
+          </a:p>
+        </p:txBody>
+      </p:sp>
+      <p:grpSp>
+        <p:nvGrpSpPr>
+          <p:cNvPr id="49" name="Group 48">
+            <a:extLst>
+              <a:ext uri="{FF2B5EF4-FFF2-40B4-BE49-F238E27FC236}">
+                <a16:creationId xmlns:a16="http://schemas.microsoft.com/office/drawing/2014/main" id="{F2A64027-DC77-40C7-AD55-18FCA4C76321}"/>
+              </a:ext>
+            </a:extLst>
+          </p:cNvPr>
+          <p:cNvGrpSpPr/>
+          <p:nvPr/>
+        </p:nvGrpSpPr>
+        <p:grpSpPr>
+          <a:xfrm>
+            <a:off x="283539" y="1397074"/>
+            <a:ext cx="5379426" cy="3778933"/>
+            <a:chOff x="0" y="0"/>
+            <a:chExt cx="4427168" cy="3992224"/>
+          </a:xfrm>
+        </p:grpSpPr>
+        <p:sp>
+          <p:nvSpPr>
+            <p:cNvPr id="50" name="Rectangle 49">
+              <a:extLst>
+                <a:ext uri="{FF2B5EF4-FFF2-40B4-BE49-F238E27FC236}">
+                  <a16:creationId xmlns:a16="http://schemas.microsoft.com/office/drawing/2014/main" id="{91A2E16A-F7D4-43A9-8528-8FCA94950D2E}"/>
+                </a:ext>
+              </a:extLst>
+            </p:cNvPr>
+            <p:cNvSpPr/>
+            <p:nvPr/>
+          </p:nvSpPr>
+          <p:spPr>
+            <a:xfrm>
+              <a:off x="0" y="1826699"/>
+              <a:ext cx="1261094" cy="338826"/>
+            </a:xfrm>
+            <a:prstGeom prst="rect">
+              <a:avLst/>
+            </a:prstGeom>
+            <a:ln/>
+          </p:spPr>
+          <p:style>
+            <a:lnRef idx="2">
+              <a:schemeClr val="accent3"/>
+            </a:lnRef>
+            <a:fillRef idx="1">
+              <a:schemeClr val="lt1"/>
+            </a:fillRef>
+            <a:effectRef idx="0">
+              <a:schemeClr val="accent3"/>
+            </a:effectRef>
+            <a:fontRef idx="minor">
+              <a:schemeClr val="dk1"/>
+            </a:fontRef>
+          </p:style>
+          <p:txBody>
+            <a:bodyPr rtlCol="0" anchor="ctr"/>
+            <a:lstStyle>
+              <a:lvl1pPr marL="0" indent="0">
+                <a:defRPr sz="1100">
+                  <a:solidFill>
+                    <a:schemeClr val="dk1"/>
+                  </a:solidFill>
+                  <a:latin typeface="+mn-lt"/>
+                  <a:ea typeface="+mn-ea"/>
+                  <a:cs typeface="+mn-cs"/>
+                </a:defRPr>
+              </a:lvl1pPr>
+              <a:lvl2pPr marL="457200" indent="0">
+                <a:defRPr sz="1100">
+                  <a:solidFill>
+                    <a:schemeClr val="dk1"/>
+                  </a:solidFill>
+                  <a:latin typeface="+mn-lt"/>
+                  <a:ea typeface="+mn-ea"/>
+                  <a:cs typeface="+mn-cs"/>
+                </a:defRPr>
+              </a:lvl2pPr>
+              <a:lvl3pPr marL="914400" indent="0">
+                <a:defRPr sz="1100">
+                  <a:solidFill>
+                    <a:schemeClr val="dk1"/>
+                  </a:solidFill>
+                  <a:latin typeface="+mn-lt"/>
+                  <a:ea typeface="+mn-ea"/>
+                  <a:cs typeface="+mn-cs"/>
+                </a:defRPr>
+              </a:lvl3pPr>
+              <a:lvl4pPr marL="1371600" indent="0">
+                <a:defRPr sz="1100">
+                  <a:solidFill>
+                    <a:schemeClr val="dk1"/>
+                  </a:solidFill>
+                  <a:latin typeface="+mn-lt"/>
+                  <a:ea typeface="+mn-ea"/>
+                  <a:cs typeface="+mn-cs"/>
+                </a:defRPr>
+              </a:lvl4pPr>
+              <a:lvl5pPr marL="1828800" indent="0">
+                <a:defRPr sz="1100">
+                  <a:solidFill>
+                    <a:schemeClr val="dk1"/>
+                  </a:solidFill>
+                  <a:latin typeface="+mn-lt"/>
+                  <a:ea typeface="+mn-ea"/>
+                  <a:cs typeface="+mn-cs"/>
+                </a:defRPr>
+              </a:lvl5pPr>
+              <a:lvl6pPr marL="2286000" indent="0">
+                <a:defRPr sz="1100">
+                  <a:solidFill>
+                    <a:schemeClr val="dk1"/>
+                  </a:solidFill>
+                  <a:latin typeface="+mn-lt"/>
+                  <a:ea typeface="+mn-ea"/>
+                  <a:cs typeface="+mn-cs"/>
+                </a:defRPr>
+              </a:lvl6pPr>
+              <a:lvl7pPr marL="2743200" indent="0">
+                <a:defRPr sz="1100">
+                  <a:solidFill>
+                    <a:schemeClr val="dk1"/>
+                  </a:solidFill>
+                  <a:latin typeface="+mn-lt"/>
+                  <a:ea typeface="+mn-ea"/>
+                  <a:cs typeface="+mn-cs"/>
+                </a:defRPr>
+              </a:lvl7pPr>
+              <a:lvl8pPr marL="3200400" indent="0">
+                <a:defRPr sz="1100">
+                  <a:solidFill>
+                    <a:schemeClr val="dk1"/>
+                  </a:solidFill>
+                  <a:latin typeface="+mn-lt"/>
+                  <a:ea typeface="+mn-ea"/>
+                  <a:cs typeface="+mn-cs"/>
+                </a:defRPr>
+              </a:lvl8pPr>
+              <a:lvl9pPr marL="3657600" indent="0">
+                <a:defRPr sz="1100">
+                  <a:solidFill>
+                    <a:schemeClr val="dk1"/>
+                  </a:solidFill>
+                  <a:latin typeface="+mn-lt"/>
+                  <a:ea typeface="+mn-ea"/>
+                  <a:cs typeface="+mn-cs"/>
+                </a:defRPr>
+              </a:lvl9pPr>
+            </a:lstStyle>
+            <a:p>
+              <a:pPr algn="ctr"/>
+              <a:r>
+                <a:rPr lang="en-IN" sz="1200" b="1" dirty="0">
+                  <a:solidFill>
+                    <a:schemeClr val="bg1">
+                      <a:lumMod val="50000"/>
+                    </a:schemeClr>
+                  </a:solidFill>
+                  <a:latin typeface="Arial" panose="020B0604020202020204" pitchFamily="34" charset="0"/>
+                  <a:cs typeface="Arial" panose="020B0604020202020204" pitchFamily="34" charset="0"/>
+                </a:rPr>
+                <a:t>Student</a:t>
+              </a:r>
+            </a:p>
+          </p:txBody>
+        </p:sp>
+        <p:sp>
+          <p:nvSpPr>
+            <p:cNvPr id="51" name="Rectangle 50">
+              <a:extLst>
+                <a:ext uri="{FF2B5EF4-FFF2-40B4-BE49-F238E27FC236}">
+                  <a16:creationId xmlns:a16="http://schemas.microsoft.com/office/drawing/2014/main" id="{78799CAB-64A8-44B5-AA28-3463CACADBBC}"/>
+                </a:ext>
+              </a:extLst>
+            </p:cNvPr>
+            <p:cNvSpPr/>
+            <p:nvPr/>
+          </p:nvSpPr>
+          <p:spPr>
+            <a:xfrm>
+              <a:off x="3164178" y="1825367"/>
+              <a:ext cx="1262990" cy="341491"/>
+            </a:xfrm>
+            <a:prstGeom prst="rect">
+              <a:avLst/>
+            </a:prstGeom>
+            <a:ln/>
+          </p:spPr>
+          <p:style>
+            <a:lnRef idx="2">
+              <a:schemeClr val="accent3"/>
+            </a:lnRef>
+            <a:fillRef idx="1">
+              <a:schemeClr val="lt1"/>
+            </a:fillRef>
+            <a:effectRef idx="0">
+              <a:schemeClr val="accent3"/>
+            </a:effectRef>
+            <a:fontRef idx="minor">
+              <a:schemeClr val="dk1"/>
+            </a:fontRef>
+          </p:style>
+          <p:txBody>
+            <a:bodyPr rtlCol="0" anchor="ctr"/>
+            <a:lstStyle>
+              <a:lvl1pPr marL="0" indent="0">
+                <a:defRPr sz="1100">
+                  <a:solidFill>
+                    <a:schemeClr val="dk1"/>
+                  </a:solidFill>
+                  <a:latin typeface="+mn-lt"/>
+                  <a:ea typeface="+mn-ea"/>
+                  <a:cs typeface="+mn-cs"/>
+                </a:defRPr>
+              </a:lvl1pPr>
+              <a:lvl2pPr marL="457200" indent="0">
+                <a:defRPr sz="1100">
+                  <a:solidFill>
+                    <a:schemeClr val="dk1"/>
+                  </a:solidFill>
+                  <a:latin typeface="+mn-lt"/>
+                  <a:ea typeface="+mn-ea"/>
+                  <a:cs typeface="+mn-cs"/>
+                </a:defRPr>
+              </a:lvl2pPr>
+              <a:lvl3pPr marL="914400" indent="0">
+                <a:defRPr sz="1100">
+                  <a:solidFill>
+                    <a:schemeClr val="dk1"/>
+                  </a:solidFill>
+                  <a:latin typeface="+mn-lt"/>
+                  <a:ea typeface="+mn-ea"/>
+                  <a:cs typeface="+mn-cs"/>
+                </a:defRPr>
+              </a:lvl3pPr>
+              <a:lvl4pPr marL="1371600" indent="0">
+                <a:defRPr sz="1100">
+                  <a:solidFill>
+                    <a:schemeClr val="dk1"/>
+                  </a:solidFill>
+                  <a:latin typeface="+mn-lt"/>
+                  <a:ea typeface="+mn-ea"/>
+                  <a:cs typeface="+mn-cs"/>
+                </a:defRPr>
+              </a:lvl4pPr>
+              <a:lvl5pPr marL="1828800" indent="0">
+                <a:defRPr sz="1100">
+                  <a:solidFill>
+                    <a:schemeClr val="dk1"/>
+                  </a:solidFill>
+                  <a:latin typeface="+mn-lt"/>
+                  <a:ea typeface="+mn-ea"/>
+                  <a:cs typeface="+mn-cs"/>
+                </a:defRPr>
+              </a:lvl5pPr>
+              <a:lvl6pPr marL="2286000" indent="0">
+                <a:defRPr sz="1100">
+                  <a:solidFill>
+                    <a:schemeClr val="dk1"/>
+                  </a:solidFill>
+                  <a:latin typeface="+mn-lt"/>
+                  <a:ea typeface="+mn-ea"/>
+                  <a:cs typeface="+mn-cs"/>
+                </a:defRPr>
+              </a:lvl6pPr>
+              <a:lvl7pPr marL="2743200" indent="0">
+                <a:defRPr sz="1100">
+                  <a:solidFill>
+                    <a:schemeClr val="dk1"/>
+                  </a:solidFill>
+                  <a:latin typeface="+mn-lt"/>
+                  <a:ea typeface="+mn-ea"/>
+                  <a:cs typeface="+mn-cs"/>
+                </a:defRPr>
+              </a:lvl7pPr>
+              <a:lvl8pPr marL="3200400" indent="0">
+                <a:defRPr sz="1100">
+                  <a:solidFill>
+                    <a:schemeClr val="dk1"/>
+                  </a:solidFill>
+                  <a:latin typeface="+mn-lt"/>
+                  <a:ea typeface="+mn-ea"/>
+                  <a:cs typeface="+mn-cs"/>
+                </a:defRPr>
+              </a:lvl8pPr>
+              <a:lvl9pPr marL="3657600" indent="0">
+                <a:defRPr sz="1100">
+                  <a:solidFill>
+                    <a:schemeClr val="dk1"/>
+                  </a:solidFill>
+                  <a:latin typeface="+mn-lt"/>
+                  <a:ea typeface="+mn-ea"/>
+                  <a:cs typeface="+mn-cs"/>
+                </a:defRPr>
+              </a:lvl9pPr>
+            </a:lstStyle>
+            <a:p>
+              <a:pPr algn="ctr"/>
+              <a:r>
+                <a:rPr lang="en-IN" sz="1200" b="1" dirty="0">
+                  <a:solidFill>
+                    <a:schemeClr val="bg1">
+                      <a:lumMod val="50000"/>
+                    </a:schemeClr>
+                  </a:solidFill>
+                  <a:latin typeface="Arial" panose="020B0604020202020204" pitchFamily="34" charset="0"/>
+                  <a:cs typeface="Arial" panose="020B0604020202020204" pitchFamily="34" charset="0"/>
+                </a:rPr>
+                <a:t> </a:t>
+              </a:r>
+            </a:p>
+            <a:p>
+              <a:pPr algn="ctr"/>
+              <a:r>
+                <a:rPr lang="en-IN" sz="1200" b="1" dirty="0">
+                  <a:solidFill>
+                    <a:schemeClr val="bg1">
+                      <a:lumMod val="50000"/>
+                    </a:schemeClr>
+                  </a:solidFill>
+                  <a:latin typeface="Arial" panose="020B0604020202020204" pitchFamily="34" charset="0"/>
+                  <a:cs typeface="Arial" panose="020B0604020202020204" pitchFamily="34" charset="0"/>
+                </a:rPr>
+                <a:t>Faculty</a:t>
+              </a:r>
+            </a:p>
+            <a:p>
+              <a:pPr algn="ctr"/>
+              <a:endParaRPr lang="en-IN" sz="1200" b="1" dirty="0">
+                <a:solidFill>
+                  <a:schemeClr val="bg1">
+                    <a:lumMod val="50000"/>
+                  </a:schemeClr>
+                </a:solidFill>
+                <a:latin typeface="Arial" panose="020B0604020202020204" pitchFamily="34" charset="0"/>
+                <a:cs typeface="Arial" panose="020B0604020202020204" pitchFamily="34" charset="0"/>
+              </a:endParaRPr>
+            </a:p>
+          </p:txBody>
+        </p:sp>
+        <p:grpSp>
+          <p:nvGrpSpPr>
+            <p:cNvPr id="52" name="Group 51">
+              <a:extLst>
+                <a:ext uri="{FF2B5EF4-FFF2-40B4-BE49-F238E27FC236}">
+                  <a16:creationId xmlns:a16="http://schemas.microsoft.com/office/drawing/2014/main" id="{500EA021-9CBD-44E4-A8AE-3E547B70116A}"/>
+                </a:ext>
+              </a:extLst>
+            </p:cNvPr>
+            <p:cNvGrpSpPr/>
+            <p:nvPr/>
+          </p:nvGrpSpPr>
+          <p:grpSpPr>
+            <a:xfrm>
+              <a:off x="1562183" y="0"/>
+              <a:ext cx="1274454" cy="3992224"/>
+              <a:chOff x="1562183" y="0"/>
+              <a:chExt cx="1274454" cy="3992224"/>
+            </a:xfrm>
+          </p:grpSpPr>
+          <p:sp>
+            <p:nvSpPr>
+              <p:cNvPr id="69" name="Rectangle 68">
+                <a:extLst>
+                  <a:ext uri="{FF2B5EF4-FFF2-40B4-BE49-F238E27FC236}">
+                    <a16:creationId xmlns:a16="http://schemas.microsoft.com/office/drawing/2014/main" id="{A8911DC3-DB57-4C22-A21D-3AB43BB58F11}"/>
+                  </a:ext>
+                </a:extLst>
+              </p:cNvPr>
+              <p:cNvSpPr/>
+              <p:nvPr/>
+            </p:nvSpPr>
+            <p:spPr>
+              <a:xfrm>
+                <a:off x="1572699" y="2085942"/>
+                <a:ext cx="1262990" cy="338827"/>
+              </a:xfrm>
+              <a:prstGeom prst="rect">
+                <a:avLst/>
+              </a:prstGeom>
+              <a:ln/>
+            </p:spPr>
+            <p:style>
+              <a:lnRef idx="2">
+                <a:schemeClr val="accent3"/>
+              </a:lnRef>
+              <a:fillRef idx="1">
+                <a:schemeClr val="lt1"/>
+              </a:fillRef>
+              <a:effectRef idx="0">
+                <a:schemeClr val="accent3"/>
+              </a:effectRef>
+              <a:fontRef idx="minor">
+                <a:schemeClr val="dk1"/>
+              </a:fontRef>
+            </p:style>
+            <p:txBody>
+              <a:bodyPr rtlCol="0" anchor="ctr"/>
+              <a:lstStyle>
+                <a:lvl1pPr marL="0" indent="0">
+                  <a:defRPr sz="1100">
+                    <a:solidFill>
+                      <a:schemeClr val="dk1"/>
+                    </a:solidFill>
+                    <a:latin typeface="+mn-lt"/>
+                    <a:ea typeface="+mn-ea"/>
+                    <a:cs typeface="+mn-cs"/>
+                  </a:defRPr>
+                </a:lvl1pPr>
+                <a:lvl2pPr marL="457200" indent="0">
+                  <a:defRPr sz="1100">
+                    <a:solidFill>
+                      <a:schemeClr val="dk1"/>
+                    </a:solidFill>
+                    <a:latin typeface="+mn-lt"/>
+                    <a:ea typeface="+mn-ea"/>
+                    <a:cs typeface="+mn-cs"/>
+                  </a:defRPr>
+                </a:lvl2pPr>
+                <a:lvl3pPr marL="914400" indent="0">
+                  <a:defRPr sz="1100">
+                    <a:solidFill>
+                      <a:schemeClr val="dk1"/>
+                    </a:solidFill>
+                    <a:latin typeface="+mn-lt"/>
+                    <a:ea typeface="+mn-ea"/>
+                    <a:cs typeface="+mn-cs"/>
+                  </a:defRPr>
+                </a:lvl3pPr>
+                <a:lvl4pPr marL="1371600" indent="0">
+                  <a:defRPr sz="1100">
+                    <a:solidFill>
+                      <a:schemeClr val="dk1"/>
+                    </a:solidFill>
+                    <a:latin typeface="+mn-lt"/>
+                    <a:ea typeface="+mn-ea"/>
+                    <a:cs typeface="+mn-cs"/>
+                  </a:defRPr>
+                </a:lvl4pPr>
+                <a:lvl5pPr marL="1828800" indent="0">
+                  <a:defRPr sz="1100">
+                    <a:solidFill>
+                      <a:schemeClr val="dk1"/>
+                    </a:solidFill>
+                    <a:latin typeface="+mn-lt"/>
+                    <a:ea typeface="+mn-ea"/>
+                    <a:cs typeface="+mn-cs"/>
+                  </a:defRPr>
+                </a:lvl5pPr>
+                <a:lvl6pPr marL="2286000" indent="0">
+                  <a:defRPr sz="1100">
+                    <a:solidFill>
+                      <a:schemeClr val="dk1"/>
+                    </a:solidFill>
+                    <a:latin typeface="+mn-lt"/>
+                    <a:ea typeface="+mn-ea"/>
+                    <a:cs typeface="+mn-cs"/>
+                  </a:defRPr>
+                </a:lvl6pPr>
+                <a:lvl7pPr marL="2743200" indent="0">
+                  <a:defRPr sz="1100">
+                    <a:solidFill>
+                      <a:schemeClr val="dk1"/>
+                    </a:solidFill>
+                    <a:latin typeface="+mn-lt"/>
+                    <a:ea typeface="+mn-ea"/>
+                    <a:cs typeface="+mn-cs"/>
+                  </a:defRPr>
+                </a:lvl7pPr>
+                <a:lvl8pPr marL="3200400" indent="0">
+                  <a:defRPr sz="1100">
+                    <a:solidFill>
+                      <a:schemeClr val="dk1"/>
+                    </a:solidFill>
+                    <a:latin typeface="+mn-lt"/>
+                    <a:ea typeface="+mn-ea"/>
+                    <a:cs typeface="+mn-cs"/>
+                  </a:defRPr>
+                </a:lvl8pPr>
+                <a:lvl9pPr marL="3657600" indent="0">
+                  <a:defRPr sz="1100">
+                    <a:solidFill>
+                      <a:schemeClr val="dk1"/>
+                    </a:solidFill>
+                    <a:latin typeface="+mn-lt"/>
+                    <a:ea typeface="+mn-ea"/>
+                    <a:cs typeface="+mn-cs"/>
+                  </a:defRPr>
+                </a:lvl9pPr>
+              </a:lstStyle>
+              <a:p>
+                <a:pPr algn="ctr"/>
+                <a:r>
+                  <a:rPr lang="en-IN" sz="1200" b="1" dirty="0">
+                    <a:solidFill>
+                      <a:schemeClr val="bg1">
+                        <a:lumMod val="50000"/>
+                      </a:schemeClr>
+                    </a:solidFill>
+                    <a:latin typeface="Arial" panose="020B0604020202020204" pitchFamily="34" charset="0"/>
+                    <a:cs typeface="Arial" panose="020B0604020202020204" pitchFamily="34" charset="0"/>
+                  </a:rPr>
+                  <a:t>Assignments </a:t>
+                </a:r>
+              </a:p>
+            </p:txBody>
+          </p:sp>
+          <p:sp>
+            <p:nvSpPr>
+              <p:cNvPr id="70" name="Rectangle 69">
+                <a:extLst>
+                  <a:ext uri="{FF2B5EF4-FFF2-40B4-BE49-F238E27FC236}">
+                    <a16:creationId xmlns:a16="http://schemas.microsoft.com/office/drawing/2014/main" id="{DCEFA302-70F2-4BA4-BD30-EAEC4925E455}"/>
+                  </a:ext>
+                </a:extLst>
+              </p:cNvPr>
+              <p:cNvSpPr/>
+              <p:nvPr/>
+            </p:nvSpPr>
+            <p:spPr>
+              <a:xfrm>
+                <a:off x="1572383" y="1565234"/>
+                <a:ext cx="1262990" cy="338826"/>
+              </a:xfrm>
+              <a:prstGeom prst="rect">
+                <a:avLst/>
+              </a:prstGeom>
+              <a:ln/>
+            </p:spPr>
+            <p:style>
+              <a:lnRef idx="2">
+                <a:schemeClr val="accent3"/>
+              </a:lnRef>
+              <a:fillRef idx="1">
+                <a:schemeClr val="lt1"/>
+              </a:fillRef>
+              <a:effectRef idx="0">
+                <a:schemeClr val="accent3"/>
+              </a:effectRef>
+              <a:fontRef idx="minor">
+                <a:schemeClr val="dk1"/>
+              </a:fontRef>
+            </p:style>
+            <p:txBody>
+              <a:bodyPr rtlCol="0" anchor="ctr"/>
+              <a:lstStyle>
+                <a:lvl1pPr marL="0" indent="0">
+                  <a:defRPr sz="1100">
+                    <a:solidFill>
+                      <a:schemeClr val="dk1"/>
+                    </a:solidFill>
+                    <a:latin typeface="+mn-lt"/>
+                    <a:ea typeface="+mn-ea"/>
+                    <a:cs typeface="+mn-cs"/>
+                  </a:defRPr>
+                </a:lvl1pPr>
+                <a:lvl2pPr marL="457200" indent="0">
+                  <a:defRPr sz="1100">
+                    <a:solidFill>
+                      <a:schemeClr val="dk1"/>
+                    </a:solidFill>
+                    <a:latin typeface="+mn-lt"/>
+                    <a:ea typeface="+mn-ea"/>
+                    <a:cs typeface="+mn-cs"/>
+                  </a:defRPr>
+                </a:lvl2pPr>
+                <a:lvl3pPr marL="914400" indent="0">
+                  <a:defRPr sz="1100">
+                    <a:solidFill>
+                      <a:schemeClr val="dk1"/>
+                    </a:solidFill>
+                    <a:latin typeface="+mn-lt"/>
+                    <a:ea typeface="+mn-ea"/>
+                    <a:cs typeface="+mn-cs"/>
+                  </a:defRPr>
+                </a:lvl3pPr>
+                <a:lvl4pPr marL="1371600" indent="0">
+                  <a:defRPr sz="1100">
+                    <a:solidFill>
+                      <a:schemeClr val="dk1"/>
+                    </a:solidFill>
+                    <a:latin typeface="+mn-lt"/>
+                    <a:ea typeface="+mn-ea"/>
+                    <a:cs typeface="+mn-cs"/>
+                  </a:defRPr>
+                </a:lvl4pPr>
+                <a:lvl5pPr marL="1828800" indent="0">
+                  <a:defRPr sz="1100">
+                    <a:solidFill>
+                      <a:schemeClr val="dk1"/>
+                    </a:solidFill>
+                    <a:latin typeface="+mn-lt"/>
+                    <a:ea typeface="+mn-ea"/>
+                    <a:cs typeface="+mn-cs"/>
+                  </a:defRPr>
+                </a:lvl5pPr>
+                <a:lvl6pPr marL="2286000" indent="0">
+                  <a:defRPr sz="1100">
+                    <a:solidFill>
+                      <a:schemeClr val="dk1"/>
+                    </a:solidFill>
+                    <a:latin typeface="+mn-lt"/>
+                    <a:ea typeface="+mn-ea"/>
+                    <a:cs typeface="+mn-cs"/>
+                  </a:defRPr>
+                </a:lvl6pPr>
+                <a:lvl7pPr marL="2743200" indent="0">
+                  <a:defRPr sz="1100">
+                    <a:solidFill>
+                      <a:schemeClr val="dk1"/>
+                    </a:solidFill>
+                    <a:latin typeface="+mn-lt"/>
+                    <a:ea typeface="+mn-ea"/>
+                    <a:cs typeface="+mn-cs"/>
+                  </a:defRPr>
+                </a:lvl7pPr>
+                <a:lvl8pPr marL="3200400" indent="0">
+                  <a:defRPr sz="1100">
+                    <a:solidFill>
+                      <a:schemeClr val="dk1"/>
+                    </a:solidFill>
+                    <a:latin typeface="+mn-lt"/>
+                    <a:ea typeface="+mn-ea"/>
+                    <a:cs typeface="+mn-cs"/>
+                  </a:defRPr>
+                </a:lvl8pPr>
+                <a:lvl9pPr marL="3657600" indent="0">
+                  <a:defRPr sz="1100">
+                    <a:solidFill>
+                      <a:schemeClr val="dk1"/>
+                    </a:solidFill>
+                    <a:latin typeface="+mn-lt"/>
+                    <a:ea typeface="+mn-ea"/>
+                    <a:cs typeface="+mn-cs"/>
+                  </a:defRPr>
+                </a:lvl9pPr>
+              </a:lstStyle>
+              <a:p>
+                <a:pPr algn="ctr"/>
+                <a:r>
+                  <a:rPr lang="en-IN" sz="1200" b="1" dirty="0">
+                    <a:solidFill>
+                      <a:schemeClr val="bg1">
+                        <a:lumMod val="50000"/>
+                      </a:schemeClr>
+                    </a:solidFill>
+                    <a:latin typeface="Arial" panose="020B0604020202020204" pitchFamily="34" charset="0"/>
+                    <a:cs typeface="Arial" panose="020B0604020202020204" pitchFamily="34" charset="0"/>
+                  </a:rPr>
+                  <a:t>Exam </a:t>
+                </a:r>
+              </a:p>
+            </p:txBody>
+          </p:sp>
+          <p:sp>
+            <p:nvSpPr>
+              <p:cNvPr id="71" name="Rectangle 70">
+                <a:extLst>
+                  <a:ext uri="{FF2B5EF4-FFF2-40B4-BE49-F238E27FC236}">
+                    <a16:creationId xmlns:a16="http://schemas.microsoft.com/office/drawing/2014/main" id="{0391A1B6-8B35-4FD3-8551-32DA4B111F50}"/>
+                  </a:ext>
+                </a:extLst>
+              </p:cNvPr>
+              <p:cNvSpPr/>
+              <p:nvPr/>
+            </p:nvSpPr>
+            <p:spPr>
+              <a:xfrm>
+                <a:off x="1573331" y="3127359"/>
+                <a:ext cx="1262990" cy="341491"/>
+              </a:xfrm>
+              <a:prstGeom prst="rect">
+                <a:avLst/>
+              </a:prstGeom>
+              <a:ln/>
+            </p:spPr>
+            <p:style>
+              <a:lnRef idx="2">
+                <a:schemeClr val="accent3"/>
+              </a:lnRef>
+              <a:fillRef idx="1">
+                <a:schemeClr val="lt1"/>
+              </a:fillRef>
+              <a:effectRef idx="0">
+                <a:schemeClr val="accent3"/>
+              </a:effectRef>
+              <a:fontRef idx="minor">
+                <a:schemeClr val="dk1"/>
+              </a:fontRef>
+            </p:style>
+            <p:txBody>
+              <a:bodyPr rtlCol="0" anchor="ctr"/>
+              <a:lstStyle>
+                <a:lvl1pPr marL="0" indent="0">
+                  <a:defRPr sz="1100">
+                    <a:solidFill>
+                      <a:schemeClr val="dk1"/>
+                    </a:solidFill>
+                    <a:latin typeface="+mn-lt"/>
+                    <a:ea typeface="+mn-ea"/>
+                    <a:cs typeface="+mn-cs"/>
+                  </a:defRPr>
+                </a:lvl1pPr>
+                <a:lvl2pPr marL="457200" indent="0">
+                  <a:defRPr sz="1100">
+                    <a:solidFill>
+                      <a:schemeClr val="dk1"/>
+                    </a:solidFill>
+                    <a:latin typeface="+mn-lt"/>
+                    <a:ea typeface="+mn-ea"/>
+                    <a:cs typeface="+mn-cs"/>
+                  </a:defRPr>
+                </a:lvl2pPr>
+                <a:lvl3pPr marL="914400" indent="0">
+                  <a:defRPr sz="1100">
+                    <a:solidFill>
+                      <a:schemeClr val="dk1"/>
+                    </a:solidFill>
+                    <a:latin typeface="+mn-lt"/>
+                    <a:ea typeface="+mn-ea"/>
+                    <a:cs typeface="+mn-cs"/>
+                  </a:defRPr>
+                </a:lvl3pPr>
+                <a:lvl4pPr marL="1371600" indent="0">
+                  <a:defRPr sz="1100">
+                    <a:solidFill>
+                      <a:schemeClr val="dk1"/>
+                    </a:solidFill>
+                    <a:latin typeface="+mn-lt"/>
+                    <a:ea typeface="+mn-ea"/>
+                    <a:cs typeface="+mn-cs"/>
+                  </a:defRPr>
+                </a:lvl4pPr>
+                <a:lvl5pPr marL="1828800" indent="0">
+                  <a:defRPr sz="1100">
+                    <a:solidFill>
+                      <a:schemeClr val="dk1"/>
+                    </a:solidFill>
+                    <a:latin typeface="+mn-lt"/>
+                    <a:ea typeface="+mn-ea"/>
+                    <a:cs typeface="+mn-cs"/>
+                  </a:defRPr>
+                </a:lvl5pPr>
+                <a:lvl6pPr marL="2286000" indent="0">
+                  <a:defRPr sz="1100">
+                    <a:solidFill>
+                      <a:schemeClr val="dk1"/>
+                    </a:solidFill>
+                    <a:latin typeface="+mn-lt"/>
+                    <a:ea typeface="+mn-ea"/>
+                    <a:cs typeface="+mn-cs"/>
+                  </a:defRPr>
+                </a:lvl6pPr>
+                <a:lvl7pPr marL="2743200" indent="0">
+                  <a:defRPr sz="1100">
+                    <a:solidFill>
+                      <a:schemeClr val="dk1"/>
+                    </a:solidFill>
+                    <a:latin typeface="+mn-lt"/>
+                    <a:ea typeface="+mn-ea"/>
+                    <a:cs typeface="+mn-cs"/>
+                  </a:defRPr>
+                </a:lvl7pPr>
+                <a:lvl8pPr marL="3200400" indent="0">
+                  <a:defRPr sz="1100">
+                    <a:solidFill>
+                      <a:schemeClr val="dk1"/>
+                    </a:solidFill>
+                    <a:latin typeface="+mn-lt"/>
+                    <a:ea typeface="+mn-ea"/>
+                    <a:cs typeface="+mn-cs"/>
+                  </a:defRPr>
+                </a:lvl8pPr>
+                <a:lvl9pPr marL="3657600" indent="0">
+                  <a:defRPr sz="1100">
+                    <a:solidFill>
+                      <a:schemeClr val="dk1"/>
+                    </a:solidFill>
+                    <a:latin typeface="+mn-lt"/>
+                    <a:ea typeface="+mn-ea"/>
+                    <a:cs typeface="+mn-cs"/>
+                  </a:defRPr>
+                </a:lvl9pPr>
+              </a:lstStyle>
+              <a:p>
                 <a:pPr algn="ctr"/>
                 <a:r>
                   <a:rPr lang="en-IN" sz="1200" b="1" dirty="0">
@@ -5743,7 +11917,7 @@
         </p:nvGraphicFramePr>
         <p:xfrm>
           <a:off x="6857494" y="1287202"/>
-          <a:ext cx="4056583" cy="3874135"/>
+          <a:ext cx="4056583" cy="3985260"/>
         </p:xfrm>
         <a:graphic>
           <a:graphicData uri="http://schemas.openxmlformats.org/drawingml/2006/table">
@@ -6105,6 +12279,35 @@
           </a:graphicData>
         </a:graphic>
       </p:graphicFrame>
+      <p:sp>
+        <p:nvSpPr>
+          <p:cNvPr id="5" name="Slide Number Placeholder 4">
+            <a:extLst>
+              <a:ext uri="{FF2B5EF4-FFF2-40B4-BE49-F238E27FC236}">
+                <a16:creationId xmlns:a16="http://schemas.microsoft.com/office/drawing/2014/main" id="{9CA522AC-F69A-47E8-8DF8-2B81040190FC}"/>
+              </a:ext>
+            </a:extLst>
+          </p:cNvPr>
+          <p:cNvSpPr>
+            <a:spLocks noGrp="1"/>
+          </p:cNvSpPr>
+          <p:nvPr>
+            <p:ph type="sldNum" sz="quarter" idx="12"/>
+          </p:nvPr>
+        </p:nvSpPr>
+        <p:spPr/>
+        <p:txBody>
+          <a:bodyPr/>
+          <a:lstStyle/>
+          <a:p>
+            <a:fld id="{F1BA8BE5-F97D-4D2A-8B41-D976DF280E9E}" type="slidenum">
+              <a:rPr lang="en-IN" smtClean="0"/>
+              <a:t>12</a:t>
+            </a:fld>
+            <a:endParaRPr lang="en-IN"/>
+          </a:p>
+        </p:txBody>
+      </p:sp>
     </p:spTree>
     <p:extLst>
       <p:ext uri="{BB962C8B-B14F-4D97-AF65-F5344CB8AC3E}">
@@ -6118,7 +12321,7 @@
 </p:sld>
 </file>
 
-<file path=ppt/slides/slide11.xml><?xml version="1.0" encoding="utf-8"?>
+<file path=ppt/slides/slide13.xml><?xml version="1.0" encoding="utf-8"?>
 <p:sld xmlns:a="http://schemas.openxmlformats.org/drawingml/2006/main" xmlns:r="http://schemas.openxmlformats.org/officeDocument/2006/relationships" xmlns:p="http://schemas.openxmlformats.org/presentationml/2006/main">
   <p:cSld>
     <p:spTree>
@@ -6157,10 +12360,26 @@
           <a:lstStyle/>
           <a:p>
             <a:r>
-              <a:rPr lang="en-US" dirty="0"/>
+              <a:rPr lang="en-US" dirty="0">
+                <a:solidFill>
+                  <a:schemeClr val="bg1">
+                    <a:lumMod val="50000"/>
+                  </a:schemeClr>
+                </a:solidFill>
+                <a:latin typeface="Arial" panose="020B0604020202020204" pitchFamily="34" charset="0"/>
+                <a:cs typeface="Arial" panose="020B0604020202020204" pitchFamily="34" charset="0"/>
+              </a:rPr>
               <a:t>Infrastructure &amp; Development  </a:t>
             </a:r>
-            <a:endParaRPr lang="en-IN" dirty="0"/>
+            <a:endParaRPr lang="en-IN" dirty="0">
+              <a:solidFill>
+                <a:schemeClr val="bg1">
+                  <a:lumMod val="50000"/>
+                </a:schemeClr>
+              </a:solidFill>
+              <a:latin typeface="Arial" panose="020B0604020202020204" pitchFamily="34" charset="0"/>
+              <a:cs typeface="Arial" panose="020B0604020202020204" pitchFamily="34" charset="0"/>
+            </a:endParaRPr>
           </a:p>
         </p:txBody>
       </p:sp>
@@ -6188,45 +12407,28 @@
         </p:spPr>
         <p:txBody>
           <a:bodyPr>
-            <a:normAutofit fontScale="85000" lnSpcReduction="20000"/>
+            <a:normAutofit/>
           </a:bodyPr>
           <a:lstStyle/>
           <a:p>
-            <a:pPr lvl="1">
+            <a:pPr marL="0" indent="0">
               <a:lnSpc>
                 <a:spcPct val="110000"/>
               </a:lnSpc>
+              <a:buNone/>
             </a:pPr>
             <a:r>
-              <a:rPr lang="en-US" sz="2100" dirty="0" err="1"/>
-              <a:t>DevOp</a:t>
+              <a:rPr lang="en-US" sz="2400" dirty="0">
+                <a:solidFill>
+                  <a:schemeClr val="bg1">
+                    <a:lumMod val="50000"/>
+                  </a:schemeClr>
+                </a:solidFill>
+                <a:latin typeface="Arial" panose="020B0604020202020204" pitchFamily="34" charset="0"/>
+                <a:cs typeface="Arial" panose="020B0604020202020204" pitchFamily="34" charset="0"/>
+              </a:rPr>
+              <a:t>Project Model </a:t>
             </a:r>
-            <a:r>
-              <a:rPr lang="en-US" sz="2100" dirty="0"/>
-              <a:t> Mode </a:t>
-            </a:r>
-          </a:p>
-          <a:p>
-            <a:pPr lvl="2"/>
-            <a:r>
-              <a:rPr lang="en-IN" sz="2100" dirty="0"/>
-              <a:t>DevOps (a clipped compound of "development" and "operations") is a software engineering practice that aims at unifying software development (Dev) and software operation (Ops). </a:t>
-            </a:r>
-          </a:p>
-          <a:p>
-            <a:pPr lvl="2"/>
-            <a:r>
-              <a:rPr lang="en-IN" sz="2100" dirty="0"/>
-              <a:t>The main characteristic of the DevOps movement is to strongly advocate automation and monitoring at all steps of software construction, from integration, testing, releasing to deployment and infrastructure management. </a:t>
-            </a:r>
-          </a:p>
-          <a:p>
-            <a:pPr lvl="2"/>
-            <a:r>
-              <a:rPr lang="en-IN" sz="2100" dirty="0"/>
-              <a:t>DevOps aims at shorter development cycles, increased deployment frequency, more dependable releases, in close alignment with business objectives.</a:t>
-            </a:r>
-            <a:endParaRPr lang="en-US" sz="2100" dirty="0"/>
           </a:p>
           <a:p>
             <a:pPr lvl="1">
@@ -6235,28 +12437,140 @@
               </a:lnSpc>
             </a:pPr>
             <a:r>
-              <a:rPr lang="en-US" sz="2100" dirty="0"/>
+              <a:rPr lang="en-US" sz="1400" b="1" dirty="0" err="1">
+                <a:solidFill>
+                  <a:schemeClr val="bg1">
+                    <a:lumMod val="50000"/>
+                  </a:schemeClr>
+                </a:solidFill>
+                <a:latin typeface="Arial" panose="020B0604020202020204" pitchFamily="34" charset="0"/>
+                <a:cs typeface="Arial" panose="020B0604020202020204" pitchFamily="34" charset="0"/>
+              </a:rPr>
+              <a:t>DevOp</a:t>
+            </a:r>
+            <a:r>
+              <a:rPr lang="en-US" sz="1400" b="1" dirty="0">
+                <a:solidFill>
+                  <a:schemeClr val="bg1">
+                    <a:lumMod val="50000"/>
+                  </a:schemeClr>
+                </a:solidFill>
+                <a:latin typeface="Arial" panose="020B0604020202020204" pitchFamily="34" charset="0"/>
+                <a:cs typeface="Arial" panose="020B0604020202020204" pitchFamily="34" charset="0"/>
+              </a:rPr>
+              <a:t> Mode </a:t>
+            </a:r>
+          </a:p>
+          <a:p>
+            <a:pPr lvl="2"/>
+            <a:r>
+              <a:rPr lang="en-IN" sz="1200" dirty="0">
+                <a:solidFill>
+                  <a:schemeClr val="bg1">
+                    <a:lumMod val="50000"/>
+                  </a:schemeClr>
+                </a:solidFill>
+                <a:latin typeface="Arial" panose="020B0604020202020204" pitchFamily="34" charset="0"/>
+                <a:cs typeface="Arial" panose="020B0604020202020204" pitchFamily="34" charset="0"/>
+              </a:rPr>
+              <a:t>DevOps (a clipped compound of "development" and "operations") is a software engineering practice that aims at unifying software development (Dev) and software operation (Ops). </a:t>
+            </a:r>
+          </a:p>
+          <a:p>
+            <a:pPr lvl="2"/>
+            <a:r>
+              <a:rPr lang="en-IN" sz="1200" dirty="0">
+                <a:solidFill>
+                  <a:schemeClr val="bg1">
+                    <a:lumMod val="50000"/>
+                  </a:schemeClr>
+                </a:solidFill>
+                <a:latin typeface="Arial" panose="020B0604020202020204" pitchFamily="34" charset="0"/>
+                <a:cs typeface="Arial" panose="020B0604020202020204" pitchFamily="34" charset="0"/>
+              </a:rPr>
+              <a:t>The main characteristic of the DevOps movement is to strongly advocate automation and monitoring at all steps of software construction, from integration, testing, releasing to deployment and infrastructure management. </a:t>
+            </a:r>
+          </a:p>
+          <a:p>
+            <a:pPr lvl="2"/>
+            <a:r>
+              <a:rPr lang="en-IN" sz="1200" dirty="0">
+                <a:solidFill>
+                  <a:schemeClr val="bg1">
+                    <a:lumMod val="50000"/>
+                  </a:schemeClr>
+                </a:solidFill>
+                <a:latin typeface="Arial" panose="020B0604020202020204" pitchFamily="34" charset="0"/>
+                <a:cs typeface="Arial" panose="020B0604020202020204" pitchFamily="34" charset="0"/>
+              </a:rPr>
+              <a:t>DevOps aims at shorter development cycles, increased deployment frequency, more dependable releases, in close alignment with business objectives.</a:t>
+            </a:r>
+            <a:endParaRPr lang="en-US" sz="1200" dirty="0">
+              <a:solidFill>
+                <a:schemeClr val="bg1">
+                  <a:lumMod val="50000"/>
+                </a:schemeClr>
+              </a:solidFill>
+              <a:latin typeface="Arial" panose="020B0604020202020204" pitchFamily="34" charset="0"/>
+              <a:cs typeface="Arial" panose="020B0604020202020204" pitchFamily="34" charset="0"/>
+            </a:endParaRPr>
+          </a:p>
+          <a:p>
+            <a:pPr lvl="1">
+              <a:lnSpc>
+                <a:spcPct val="110000"/>
+              </a:lnSpc>
+            </a:pPr>
+            <a:r>
+              <a:rPr lang="en-US" sz="1400" b="1" dirty="0">
+                <a:solidFill>
+                  <a:schemeClr val="bg1">
+                    <a:lumMod val="50000"/>
+                  </a:schemeClr>
+                </a:solidFill>
+                <a:latin typeface="Arial" panose="020B0604020202020204" pitchFamily="34" charset="0"/>
+                <a:cs typeface="Arial" panose="020B0604020202020204" pitchFamily="34" charset="0"/>
+              </a:rPr>
               <a:t>Containerized Infrastructure </a:t>
             </a:r>
           </a:p>
           <a:p>
             <a:pPr lvl="2"/>
             <a:r>
-              <a:rPr lang="en-US" dirty="0"/>
-              <a:t> </a:t>
+              <a:rPr lang="en-US" sz="1200" dirty="0">
+                <a:solidFill>
+                  <a:schemeClr val="bg1">
+                    <a:lumMod val="50000"/>
+                  </a:schemeClr>
+                </a:solidFill>
+                <a:latin typeface="Arial" panose="020B0604020202020204" pitchFamily="34" charset="0"/>
+                <a:cs typeface="Arial" panose="020B0604020202020204" pitchFamily="34" charset="0"/>
+              </a:rPr>
+              <a:t> Docker containers running on Google Kubernetes Engine orchestrated by </a:t>
             </a:r>
             <a:r>
-              <a:rPr lang="en-US" sz="2100" dirty="0"/>
-              <a:t>Docker containers running on Google Kubernetes Engine orchestrated by </a:t>
-            </a:r>
-            <a:r>
-              <a:rPr lang="en-US" sz="2100" dirty="0">
+              <a:rPr lang="en-US" sz="1200" dirty="0">
+                <a:solidFill>
+                  <a:schemeClr val="bg1">
+                    <a:lumMod val="50000"/>
+                  </a:schemeClr>
+                </a:solidFill>
+                <a:latin typeface="Arial" panose="020B0604020202020204" pitchFamily="34" charset="0"/>
+                <a:cs typeface="Arial" panose="020B0604020202020204" pitchFamily="34" charset="0"/>
                 <a:hlinkClick r:id="rId2"/>
               </a:rPr>
               <a:t>Kubernetes</a:t>
             </a:r>
             <a:r>
-              <a:rPr lang="en-US" sz="2100" dirty="0"/>
+              <a:rPr lang="en-US" sz="1200" dirty="0">
+                <a:solidFill>
+                  <a:schemeClr val="bg1">
+                    <a:lumMod val="50000"/>
+                  </a:schemeClr>
+                </a:solidFill>
+                <a:latin typeface="Arial" panose="020B0604020202020204" pitchFamily="34" charset="0"/>
+                <a:cs typeface="Arial" panose="020B0604020202020204" pitchFamily="34" charset="0"/>
+              </a:rPr>
               <a:t> .</a:t>
             </a:r>
           </a:p>
@@ -6267,113 +12581,319 @@
               </a:lnSpc>
             </a:pPr>
             <a:r>
-              <a:rPr lang="en-US" sz="2100" dirty="0"/>
+              <a:rPr lang="en-US" sz="1400" b="1" dirty="0">
+                <a:solidFill>
+                  <a:schemeClr val="bg1">
+                    <a:lumMod val="50000"/>
+                  </a:schemeClr>
+                </a:solidFill>
+                <a:latin typeface="Arial" panose="020B0604020202020204" pitchFamily="34" charset="0"/>
+                <a:cs typeface="Arial" panose="020B0604020202020204" pitchFamily="34" charset="0"/>
+              </a:rPr>
               <a:t>Microservice based Architecture. </a:t>
             </a:r>
           </a:p>
           <a:p>
             <a:pPr lvl="2"/>
             <a:r>
-              <a:rPr lang="en-IN" sz="1900" b="1" dirty="0"/>
+              <a:rPr lang="en-IN" sz="1200" b="1" dirty="0">
+                <a:solidFill>
+                  <a:schemeClr val="bg1">
+                    <a:lumMod val="50000"/>
+                  </a:schemeClr>
+                </a:solidFill>
+                <a:latin typeface="Arial" panose="020B0604020202020204" pitchFamily="34" charset="0"/>
+                <a:cs typeface="Arial" panose="020B0604020202020204" pitchFamily="34" charset="0"/>
+              </a:rPr>
               <a:t>Object Oriented Programming</a:t>
             </a:r>
             <a:r>
-              <a:rPr lang="en-IN" sz="1900" dirty="0"/>
+              <a:rPr lang="en-IN" sz="1200" dirty="0">
+                <a:solidFill>
+                  <a:schemeClr val="bg1">
+                    <a:lumMod val="50000"/>
+                  </a:schemeClr>
+                </a:solidFill>
+                <a:latin typeface="Arial" panose="020B0604020202020204" pitchFamily="34" charset="0"/>
+                <a:cs typeface="Arial" panose="020B0604020202020204" pitchFamily="34" charset="0"/>
+              </a:rPr>
               <a:t> (OOP) : a modern programming paradigm (see also </a:t>
             </a:r>
             <a:r>
-              <a:rPr lang="en-IN" sz="1900" dirty="0">
+              <a:rPr lang="en-IN" sz="1200" dirty="0">
+                <a:solidFill>
+                  <a:schemeClr val="bg1">
+                    <a:lumMod val="50000"/>
+                  </a:schemeClr>
+                </a:solidFill>
+                <a:latin typeface="Arial" panose="020B0604020202020204" pitchFamily="34" charset="0"/>
+                <a:cs typeface="Arial" panose="020B0604020202020204" pitchFamily="34" charset="0"/>
                 <a:hlinkClick r:id="rId3"/>
               </a:rPr>
               <a:t>SOLID</a:t>
             </a:r>
             <a:r>
-              <a:rPr lang="en-IN" sz="1900" dirty="0"/>
+              <a:rPr lang="en-IN" sz="1200" dirty="0">
+                <a:solidFill>
+                  <a:schemeClr val="bg1">
+                    <a:lumMod val="50000"/>
+                  </a:schemeClr>
+                </a:solidFill>
+                <a:latin typeface="Arial" panose="020B0604020202020204" pitchFamily="34" charset="0"/>
+                <a:cs typeface="Arial" panose="020B0604020202020204" pitchFamily="34" charset="0"/>
+              </a:rPr>
               <a:t>)</a:t>
             </a:r>
           </a:p>
           <a:p>
             <a:pPr lvl="2"/>
             <a:r>
-              <a:rPr lang="en-IN" sz="1900" b="1" dirty="0"/>
+              <a:rPr lang="en-IN" sz="1200" b="1" dirty="0">
+                <a:solidFill>
+                  <a:schemeClr val="bg1">
+                    <a:lumMod val="50000"/>
+                  </a:schemeClr>
+                </a:solidFill>
+                <a:latin typeface="Arial" panose="020B0604020202020204" pitchFamily="34" charset="0"/>
+                <a:cs typeface="Arial" panose="020B0604020202020204" pitchFamily="34" charset="0"/>
+              </a:rPr>
               <a:t>Web service / API: </a:t>
             </a:r>
             <a:r>
-              <a:rPr lang="en-IN" sz="1900" dirty="0"/>
+              <a:rPr lang="en-IN" sz="1200" dirty="0">
+                <a:solidFill>
+                  <a:schemeClr val="bg1">
+                    <a:lumMod val="50000"/>
+                  </a:schemeClr>
+                </a:solidFill>
+                <a:latin typeface="Arial" panose="020B0604020202020204" pitchFamily="34" charset="0"/>
+                <a:cs typeface="Arial" panose="020B0604020202020204" pitchFamily="34" charset="0"/>
+              </a:rPr>
               <a:t>a way to expose the functionality of your application to others, without a user interface</a:t>
             </a:r>
           </a:p>
           <a:p>
             <a:pPr lvl="2"/>
             <a:r>
-              <a:rPr lang="en-IN" sz="1900" b="1" dirty="0"/>
+              <a:rPr lang="en-IN" sz="1200" b="1" dirty="0">
+                <a:solidFill>
+                  <a:schemeClr val="bg1">
+                    <a:lumMod val="50000"/>
+                  </a:schemeClr>
+                </a:solidFill>
+                <a:latin typeface="Arial" panose="020B0604020202020204" pitchFamily="34" charset="0"/>
+                <a:cs typeface="Arial" panose="020B0604020202020204" pitchFamily="34" charset="0"/>
+              </a:rPr>
               <a:t>Service Oriented Architecture (SOA):</a:t>
             </a:r>
             <a:r>
-              <a:rPr lang="en-IN" sz="1900" dirty="0"/>
+              <a:rPr lang="en-IN" sz="1200" dirty="0">
+                <a:solidFill>
+                  <a:schemeClr val="bg1">
+                    <a:lumMod val="50000"/>
+                  </a:schemeClr>
+                </a:solidFill>
+                <a:latin typeface="Arial" panose="020B0604020202020204" pitchFamily="34" charset="0"/>
+                <a:cs typeface="Arial" panose="020B0604020202020204" pitchFamily="34" charset="0"/>
+              </a:rPr>
               <a:t>a way of structuring many related applications to work together, rather than trying to solve all problems in one application</a:t>
             </a:r>
           </a:p>
           <a:p>
             <a:pPr lvl="2"/>
             <a:r>
-              <a:rPr lang="en-IN" sz="1900" b="1" dirty="0" err="1"/>
+              <a:rPr lang="en-IN" sz="1200" b="1" dirty="0" err="1">
+                <a:solidFill>
+                  <a:schemeClr val="bg1">
+                    <a:lumMod val="50000"/>
+                  </a:schemeClr>
+                </a:solidFill>
+                <a:latin typeface="Arial" panose="020B0604020202020204" pitchFamily="34" charset="0"/>
+                <a:cs typeface="Arial" panose="020B0604020202020204" pitchFamily="34" charset="0"/>
+              </a:rPr>
               <a:t>Systems</a:t>
             </a:r>
             <a:r>
-              <a:rPr lang="en-IN" sz="1900" dirty="0" err="1"/>
+              <a:rPr lang="en-IN" sz="1200" dirty="0" err="1">
+                <a:solidFill>
+                  <a:schemeClr val="bg1">
+                    <a:lumMod val="50000"/>
+                  </a:schemeClr>
+                </a:solidFill>
+                <a:latin typeface="Arial" panose="020B0604020202020204" pitchFamily="34" charset="0"/>
+                <a:cs typeface="Arial" panose="020B0604020202020204" pitchFamily="34" charset="0"/>
+              </a:rPr>
               <a:t>:in</a:t>
             </a:r>
             <a:r>
-              <a:rPr lang="en-IN" sz="1900" dirty="0"/>
+              <a:rPr lang="en-IN" sz="1200" dirty="0">
+                <a:solidFill>
+                  <a:schemeClr val="bg1">
+                    <a:lumMod val="50000"/>
+                  </a:schemeClr>
+                </a:solidFill>
+                <a:latin typeface="Arial" panose="020B0604020202020204" pitchFamily="34" charset="0"/>
+                <a:cs typeface="Arial" panose="020B0604020202020204" pitchFamily="34" charset="0"/>
+              </a:rPr>
               <a:t> the general sense, meaning any collection of parts that can work together for a wider purpose</a:t>
             </a:r>
           </a:p>
           <a:p>
             <a:pPr lvl="2"/>
             <a:r>
-              <a:rPr lang="en-IN" sz="1900" b="1" dirty="0"/>
+              <a:rPr lang="en-IN" sz="1200" b="1" dirty="0">
+                <a:solidFill>
+                  <a:schemeClr val="bg1">
+                    <a:lumMod val="50000"/>
+                  </a:schemeClr>
+                </a:solidFill>
+                <a:latin typeface="Arial" panose="020B0604020202020204" pitchFamily="34" charset="0"/>
+                <a:cs typeface="Arial" panose="020B0604020202020204" pitchFamily="34" charset="0"/>
+              </a:rPr>
               <a:t>Single Responsibility Principle (SRP)—</a:t>
             </a:r>
             <a:r>
-              <a:rPr lang="en-IN" sz="1900" dirty="0"/>
+              <a:rPr lang="en-IN" sz="1200" dirty="0">
+                <a:solidFill>
+                  <a:schemeClr val="bg1">
+                    <a:lumMod val="50000"/>
+                  </a:schemeClr>
+                </a:solidFill>
+                <a:latin typeface="Arial" panose="020B0604020202020204" pitchFamily="34" charset="0"/>
+                <a:cs typeface="Arial" panose="020B0604020202020204" pitchFamily="34" charset="0"/>
+              </a:rPr>
               <a:t>the idea of code with one focus</a:t>
             </a:r>
           </a:p>
           <a:p>
             <a:pPr lvl="2"/>
             <a:r>
-              <a:rPr lang="en-IN" sz="1900" b="1" dirty="0"/>
+              <a:rPr lang="en-IN" sz="1200" b="1" dirty="0">
+                <a:solidFill>
+                  <a:schemeClr val="bg1">
+                    <a:lumMod val="50000"/>
+                  </a:schemeClr>
+                </a:solidFill>
+                <a:latin typeface="Arial" panose="020B0604020202020204" pitchFamily="34" charset="0"/>
+                <a:cs typeface="Arial" panose="020B0604020202020204" pitchFamily="34" charset="0"/>
+              </a:rPr>
               <a:t>Interface Segregation Principle (ISP)—</a:t>
             </a:r>
             <a:r>
-              <a:rPr lang="en-IN" sz="1900" dirty="0"/>
+              <a:rPr lang="en-IN" sz="1200" dirty="0">
+                <a:solidFill>
+                  <a:schemeClr val="bg1">
+                    <a:lumMod val="50000"/>
+                  </a:schemeClr>
+                </a:solidFill>
+                <a:latin typeface="Arial" panose="020B0604020202020204" pitchFamily="34" charset="0"/>
+                <a:cs typeface="Arial" panose="020B0604020202020204" pitchFamily="34" charset="0"/>
+              </a:rPr>
               <a:t>the idea of code with defined boundaries.</a:t>
             </a:r>
             <a:r>
-              <a:rPr lang="en-US" sz="1900" dirty="0">
+              <a:rPr lang="en-US" sz="1200" dirty="0">
+                <a:solidFill>
+                  <a:schemeClr val="bg1">
+                    <a:lumMod val="50000"/>
+                  </a:schemeClr>
+                </a:solidFill>
+                <a:latin typeface="Arial" panose="020B0604020202020204" pitchFamily="34" charset="0"/>
+                <a:cs typeface="Arial" panose="020B0604020202020204" pitchFamily="34" charset="0"/>
                 <a:hlinkClick r:id="rId4"/>
               </a:rPr>
               <a:t>Details</a:t>
             </a:r>
             <a:r>
-              <a:rPr lang="en-US" sz="1900" dirty="0"/>
+              <a:rPr lang="en-US" sz="1200" dirty="0">
+                <a:solidFill>
+                  <a:schemeClr val="bg1">
+                    <a:lumMod val="50000"/>
+                  </a:schemeClr>
+                </a:solidFill>
+                <a:latin typeface="Arial" panose="020B0604020202020204" pitchFamily="34" charset="0"/>
+                <a:cs typeface="Arial" panose="020B0604020202020204" pitchFamily="34" charset="0"/>
+              </a:rPr>
               <a:t> </a:t>
             </a:r>
-            <a:endParaRPr lang="en-US" dirty="0"/>
           </a:p>
           <a:p>
             <a:pPr lvl="1"/>
-            <a:endParaRPr lang="en-IN" dirty="0"/>
+            <a:endParaRPr lang="en-IN" sz="1200" dirty="0">
+              <a:solidFill>
+                <a:schemeClr val="bg1">
+                  <a:lumMod val="50000"/>
+                </a:schemeClr>
+              </a:solidFill>
+              <a:latin typeface="Arial" panose="020B0604020202020204" pitchFamily="34" charset="0"/>
+              <a:cs typeface="Arial" panose="020B0604020202020204" pitchFamily="34" charset="0"/>
+            </a:endParaRPr>
           </a:p>
           <a:p>
             <a:pPr marL="457200" lvl="1" indent="0">
               <a:buNone/>
             </a:pPr>
-            <a:endParaRPr lang="en-US" dirty="0"/>
+            <a:endParaRPr lang="en-US" sz="1200" dirty="0">
+              <a:solidFill>
+                <a:schemeClr val="bg1">
+                  <a:lumMod val="50000"/>
+                </a:schemeClr>
+              </a:solidFill>
+              <a:latin typeface="Arial" panose="020B0604020202020204" pitchFamily="34" charset="0"/>
+              <a:cs typeface="Arial" panose="020B0604020202020204" pitchFamily="34" charset="0"/>
+            </a:endParaRPr>
           </a:p>
           <a:p>
-            <a:endParaRPr lang="en-IN" dirty="0"/>
+            <a:endParaRPr lang="en-IN" sz="1200" dirty="0">
+              <a:solidFill>
+                <a:schemeClr val="bg1">
+                  <a:lumMod val="50000"/>
+                </a:schemeClr>
+              </a:solidFill>
+              <a:latin typeface="Arial" panose="020B0604020202020204" pitchFamily="34" charset="0"/>
+              <a:cs typeface="Arial" panose="020B0604020202020204" pitchFamily="34" charset="0"/>
+            </a:endParaRPr>
+          </a:p>
+        </p:txBody>
+      </p:sp>
+      <p:sp>
+        <p:nvSpPr>
+          <p:cNvPr id="5" name="Slide Number Placeholder 4">
+            <a:extLst>
+              <a:ext uri="{FF2B5EF4-FFF2-40B4-BE49-F238E27FC236}">
+                <a16:creationId xmlns:a16="http://schemas.microsoft.com/office/drawing/2014/main" id="{B836A010-F375-47B3-93D4-4793A46DDE81}"/>
+              </a:ext>
+            </a:extLst>
+          </p:cNvPr>
+          <p:cNvSpPr>
+            <a:spLocks noGrp="1"/>
+          </p:cNvSpPr>
+          <p:nvPr>
+            <p:ph type="sldNum" sz="quarter" idx="12"/>
+          </p:nvPr>
+        </p:nvSpPr>
+        <p:spPr/>
+        <p:txBody>
+          <a:bodyPr/>
+          <a:lstStyle/>
+          <a:p>
+            <a:fld id="{F1BA8BE5-F97D-4D2A-8B41-D976DF280E9E}" type="slidenum">
+              <a:rPr lang="en-IN" smtClean="0">
+                <a:solidFill>
+                  <a:schemeClr val="bg1">
+                    <a:lumMod val="50000"/>
+                  </a:schemeClr>
+                </a:solidFill>
+              </a:rPr>
+              <a:t>13</a:t>
+            </a:fld>
+            <a:endParaRPr lang="en-IN">
+              <a:solidFill>
+                <a:schemeClr val="bg1">
+                  <a:lumMod val="50000"/>
+                </a:schemeClr>
+              </a:solidFill>
+            </a:endParaRPr>
           </a:p>
         </p:txBody>
       </p:sp>
@@ -6390,7 +12910,7 @@
 </p:sld>
 </file>
 
-<file path=ppt/slides/slide12.xml><?xml version="1.0" encoding="utf-8"?>
+<file path=ppt/slides/slide14.xml><?xml version="1.0" encoding="utf-8"?>
 <p:sld xmlns:a="http://schemas.openxmlformats.org/drawingml/2006/main" xmlns:r="http://schemas.openxmlformats.org/officeDocument/2006/relationships" xmlns:p="http://schemas.openxmlformats.org/presentationml/2006/main">
   <p:cSld>
     <p:spTree>
@@ -6429,18 +12949,50 @@
           <a:lstStyle/>
           <a:p>
             <a:r>
-              <a:rPr lang="en-US" dirty="0"/>
+              <a:rPr lang="en-US" dirty="0">
+                <a:solidFill>
+                  <a:schemeClr val="bg1">
+                    <a:lumMod val="50000"/>
+                  </a:schemeClr>
+                </a:solidFill>
+                <a:latin typeface="Arial" panose="020B0604020202020204" pitchFamily="34" charset="0"/>
+                <a:cs typeface="Arial" panose="020B0604020202020204" pitchFamily="34" charset="0"/>
+              </a:rPr>
               <a:t>Infrastructure &amp; Development (</a:t>
             </a:r>
             <a:r>
-              <a:rPr lang="en-US" sz="1800" dirty="0"/>
+              <a:rPr lang="en-US" sz="1800" dirty="0">
+                <a:solidFill>
+                  <a:schemeClr val="bg1">
+                    <a:lumMod val="50000"/>
+                  </a:schemeClr>
+                </a:solidFill>
+                <a:latin typeface="Arial" panose="020B0604020202020204" pitchFamily="34" charset="0"/>
+                <a:cs typeface="Arial" panose="020B0604020202020204" pitchFamily="34" charset="0"/>
+              </a:rPr>
               <a:t>cont.</a:t>
             </a:r>
             <a:r>
-              <a:rPr lang="en-US" dirty="0"/>
+              <a:rPr lang="en-US" dirty="0">
+                <a:solidFill>
+                  <a:schemeClr val="bg1">
+                    <a:lumMod val="50000"/>
+                  </a:schemeClr>
+                </a:solidFill>
+                <a:latin typeface="Arial" panose="020B0604020202020204" pitchFamily="34" charset="0"/>
+                <a:cs typeface="Arial" panose="020B0604020202020204" pitchFamily="34" charset="0"/>
+              </a:rPr>
               <a:t>) </a:t>
             </a:r>
-            <a:endParaRPr lang="en-IN" dirty="0"/>
+            <a:endParaRPr lang="en-IN" dirty="0">
+              <a:solidFill>
+                <a:schemeClr val="bg1">
+                  <a:lumMod val="50000"/>
+                </a:schemeClr>
+              </a:solidFill>
+              <a:latin typeface="Arial" panose="020B0604020202020204" pitchFamily="34" charset="0"/>
+              <a:cs typeface="Arial" panose="020B0604020202020204" pitchFamily="34" charset="0"/>
+            </a:endParaRPr>
           </a:p>
         </p:txBody>
       </p:sp>
@@ -6467,15 +13019,38 @@
           </a:bodyPr>
           <a:lstStyle/>
           <a:p>
+            <a:pPr marL="0" indent="0">
+              <a:buNone/>
+            </a:pPr>
             <a:r>
-              <a:rPr lang="en-US" dirty="0"/>
+              <a:rPr lang="en-US" sz="2400" dirty="0">
+                <a:solidFill>
+                  <a:schemeClr val="bg1">
+                    <a:lumMod val="50000"/>
+                  </a:schemeClr>
+                </a:solidFill>
+                <a:latin typeface="Arial" panose="020B0604020202020204" pitchFamily="34" charset="0"/>
+                <a:cs typeface="Arial" panose="020B0604020202020204" pitchFamily="34" charset="0"/>
+              </a:rPr>
               <a:t>Development Tools </a:t>
             </a:r>
           </a:p>
           <a:p>
-            <a:pPr lvl="1"/>
+            <a:pPr lvl="1">
+              <a:lnSpc>
+                <a:spcPct val="110000"/>
+              </a:lnSpc>
+            </a:pPr>
             <a:r>
-              <a:rPr lang="en-IN" sz="1600" dirty="0"/>
+              <a:rPr lang="en-IN" sz="1400" b="1" dirty="0">
+                <a:solidFill>
+                  <a:schemeClr val="bg1">
+                    <a:lumMod val="50000"/>
+                  </a:schemeClr>
+                </a:solidFill>
+                <a:latin typeface="Arial" panose="020B0604020202020204" pitchFamily="34" charset="0"/>
+                <a:cs typeface="Arial" panose="020B0604020202020204" pitchFamily="34" charset="0"/>
+              </a:rPr>
               <a:t>Microservices Frameworks for Java</a:t>
             </a:r>
           </a:p>
@@ -6486,27 +13061,65 @@
               </a:lnSpc>
             </a:pPr>
             <a:r>
-              <a:rPr lang="en-IN" sz="1600" b="1" dirty="0"/>
+              <a:rPr lang="en-IN" sz="1400" b="1" dirty="0">
+                <a:solidFill>
+                  <a:schemeClr val="bg1">
+                    <a:lumMod val="50000"/>
+                  </a:schemeClr>
+                </a:solidFill>
+                <a:latin typeface="Arial" panose="020B0604020202020204" pitchFamily="34" charset="0"/>
+                <a:cs typeface="Arial" panose="020B0604020202020204" pitchFamily="34" charset="0"/>
+              </a:rPr>
               <a:t>Spring Boot </a:t>
             </a:r>
             <a:r>
-              <a:rPr lang="en-IN" sz="1300" dirty="0"/>
-              <a:t>:This is probably the best Java microservices framework that works on top of languages for Inversion of Control, Aspect Oriented Programming, and others.</a:t>
+              <a:rPr lang="en-IN" sz="1200" dirty="0">
+                <a:solidFill>
+                  <a:schemeClr val="bg1">
+                    <a:lumMod val="50000"/>
+                  </a:schemeClr>
+                </a:solidFill>
+                <a:latin typeface="Arial" panose="020B0604020202020204" pitchFamily="34" charset="0"/>
+                <a:cs typeface="Arial" panose="020B0604020202020204" pitchFamily="34" charset="0"/>
+              </a:rPr>
+              <a:t>: This is probably the best Java microservices framework that works on top of languages for Inversion of Control, Aspect Oriented Programming, and others.</a:t>
             </a:r>
             <a:r>
-              <a:rPr lang="en-IN" sz="1300" dirty="0">
+              <a:rPr lang="en-IN" sz="1200" dirty="0">
+                <a:solidFill>
+                  <a:schemeClr val="bg1">
+                    <a:lumMod val="50000"/>
+                  </a:schemeClr>
+                </a:solidFill>
+                <a:latin typeface="Arial" panose="020B0604020202020204" pitchFamily="34" charset="0"/>
+                <a:cs typeface="Arial" panose="020B0604020202020204" pitchFamily="34" charset="0"/>
                 <a:hlinkClick r:id="rId2"/>
               </a:rPr>
               <a:t> </a:t>
             </a:r>
             <a:r>
-              <a:rPr lang="en-IN" sz="1300" dirty="0">
+              <a:rPr lang="en-IN" sz="1200" dirty="0">
+                <a:solidFill>
+                  <a:schemeClr val="bg1">
+                    <a:lumMod val="50000"/>
+                  </a:schemeClr>
+                </a:solidFill>
+                <a:latin typeface="Arial" panose="020B0604020202020204" pitchFamily="34" charset="0"/>
+                <a:cs typeface="Arial" panose="020B0604020202020204" pitchFamily="34" charset="0"/>
                 <a:hlinkClick r:id="rId3"/>
               </a:rPr>
               <a:t>Details</a:t>
             </a:r>
             <a:r>
-              <a:rPr lang="en-IN" sz="1300" dirty="0"/>
+              <a:rPr lang="en-IN" sz="1200" dirty="0">
+                <a:solidFill>
+                  <a:schemeClr val="bg1">
+                    <a:lumMod val="50000"/>
+                  </a:schemeClr>
+                </a:solidFill>
+                <a:latin typeface="Arial" panose="020B0604020202020204" pitchFamily="34" charset="0"/>
+                <a:cs typeface="Arial" panose="020B0604020202020204" pitchFamily="34" charset="0"/>
+              </a:rPr>
               <a:t> </a:t>
             </a:r>
           </a:p>
@@ -6517,26 +13130,76 @@
               </a:lnSpc>
             </a:pPr>
             <a:r>
-              <a:rPr lang="en-IN" sz="1600" b="1" dirty="0"/>
-              <a:t>Jersey :T</a:t>
+              <a:rPr lang="en-IN" sz="1400" b="1" dirty="0">
+                <a:solidFill>
+                  <a:schemeClr val="bg1">
+                    <a:lumMod val="50000"/>
+                  </a:schemeClr>
+                </a:solidFill>
+                <a:latin typeface="Arial" panose="020B0604020202020204" pitchFamily="34" charset="0"/>
+                <a:cs typeface="Arial" panose="020B0604020202020204" pitchFamily="34" charset="0"/>
+              </a:rPr>
+              <a:t>Jersey :</a:t>
             </a:r>
             <a:r>
-              <a:rPr lang="en-IN" sz="1300" dirty="0"/>
+              <a:rPr lang="en-IN" sz="1400" dirty="0">
+                <a:solidFill>
+                  <a:schemeClr val="bg1">
+                    <a:lumMod val="50000"/>
+                  </a:schemeClr>
+                </a:solidFill>
+                <a:latin typeface="Arial" panose="020B0604020202020204" pitchFamily="34" charset="0"/>
+                <a:cs typeface="Arial" panose="020B0604020202020204" pitchFamily="34" charset="0"/>
+              </a:rPr>
+              <a:t>T</a:t>
+            </a:r>
+            <a:r>
+              <a:rPr lang="en-IN" sz="1200" dirty="0">
+                <a:solidFill>
+                  <a:schemeClr val="bg1">
+                    <a:lumMod val="50000"/>
+                  </a:schemeClr>
+                </a:solidFill>
+                <a:latin typeface="Arial" panose="020B0604020202020204" pitchFamily="34" charset="0"/>
+                <a:cs typeface="Arial" panose="020B0604020202020204" pitchFamily="34" charset="0"/>
+              </a:rPr>
               <a:t>his open source framework supports JAX-RS APIs in Java is very easy to use.</a:t>
             </a:r>
             <a:r>
-              <a:rPr lang="en-IN" sz="1300" dirty="0">
+              <a:rPr lang="en-IN" sz="1200" dirty="0">
+                <a:solidFill>
+                  <a:schemeClr val="bg1">
+                    <a:lumMod val="50000"/>
+                  </a:schemeClr>
+                </a:solidFill>
+                <a:latin typeface="Arial" panose="020B0604020202020204" pitchFamily="34" charset="0"/>
+                <a:cs typeface="Arial" panose="020B0604020202020204" pitchFamily="34" charset="0"/>
                 <a:hlinkClick r:id="rId2"/>
               </a:rPr>
               <a:t> </a:t>
             </a:r>
             <a:r>
-              <a:rPr lang="en-IN" sz="1300" dirty="0">
+              <a:rPr lang="en-IN" sz="1200" dirty="0">
+                <a:solidFill>
+                  <a:schemeClr val="bg1">
+                    <a:lumMod val="50000"/>
+                  </a:schemeClr>
+                </a:solidFill>
+                <a:latin typeface="Arial" panose="020B0604020202020204" pitchFamily="34" charset="0"/>
+                <a:cs typeface="Arial" panose="020B0604020202020204" pitchFamily="34" charset="0"/>
                 <a:hlinkClick r:id="rId4"/>
               </a:rPr>
               <a:t>Details</a:t>
             </a:r>
-            <a:endParaRPr lang="en-IN" sz="1300" dirty="0"/>
+            <a:endParaRPr lang="en-IN" sz="1200" dirty="0">
+              <a:solidFill>
+                <a:schemeClr val="bg1">
+                  <a:lumMod val="50000"/>
+                </a:schemeClr>
+              </a:solidFill>
+              <a:latin typeface="Arial" panose="020B0604020202020204" pitchFamily="34" charset="0"/>
+              <a:cs typeface="Arial" panose="020B0604020202020204" pitchFamily="34" charset="0"/>
+            </a:endParaRPr>
           </a:p>
           <a:p>
             <a:pPr lvl="2">
@@ -6545,20 +13208,51 @@
               </a:lnSpc>
             </a:pPr>
             <a:r>
-              <a:rPr lang="en-IN" sz="1600" b="1" dirty="0"/>
+              <a:rPr lang="en-IN" sz="1400" b="1" dirty="0">
+                <a:solidFill>
+                  <a:schemeClr val="bg1">
+                    <a:lumMod val="50000"/>
+                  </a:schemeClr>
+                </a:solidFill>
+                <a:latin typeface="Arial" panose="020B0604020202020204" pitchFamily="34" charset="0"/>
+                <a:cs typeface="Arial" panose="020B0604020202020204" pitchFamily="34" charset="0"/>
+              </a:rPr>
               <a:t>Swagger :</a:t>
             </a:r>
             <a:r>
-              <a:rPr lang="en-IN" sz="1300" dirty="0"/>
+              <a:rPr lang="en-IN" sz="1200" dirty="0">
+                <a:solidFill>
+                  <a:schemeClr val="bg1">
+                    <a:lumMod val="50000"/>
+                  </a:schemeClr>
+                </a:solidFill>
+                <a:latin typeface="Arial" panose="020B0604020202020204" pitchFamily="34" charset="0"/>
+                <a:cs typeface="Arial" panose="020B0604020202020204" pitchFamily="34" charset="0"/>
+              </a:rPr>
               <a:t>Helps you in documenting API as well as gives you a development portal, which allows users to test your APIs. </a:t>
             </a:r>
             <a:r>
-              <a:rPr lang="en-IN" sz="1300" dirty="0">
+              <a:rPr lang="en-IN" sz="1200" dirty="0">
+                <a:solidFill>
+                  <a:schemeClr val="bg1">
+                    <a:lumMod val="50000"/>
+                  </a:schemeClr>
+                </a:solidFill>
+                <a:latin typeface="Arial" panose="020B0604020202020204" pitchFamily="34" charset="0"/>
+                <a:cs typeface="Arial" panose="020B0604020202020204" pitchFamily="34" charset="0"/>
                 <a:hlinkClick r:id="rId5"/>
               </a:rPr>
               <a:t>Details</a:t>
             </a:r>
-            <a:endParaRPr lang="en-IN" sz="1300" dirty="0"/>
+            <a:endParaRPr lang="en-IN" sz="1200" dirty="0">
+              <a:solidFill>
+                <a:schemeClr val="bg1">
+                  <a:lumMod val="50000"/>
+                </a:schemeClr>
+              </a:solidFill>
+              <a:latin typeface="Arial" panose="020B0604020202020204" pitchFamily="34" charset="0"/>
+              <a:cs typeface="Arial" panose="020B0604020202020204" pitchFamily="34" charset="0"/>
+            </a:endParaRPr>
           </a:p>
           <a:p>
             <a:pPr lvl="2">
@@ -6567,30 +13261,81 @@
               </a:lnSpc>
             </a:pPr>
             <a:r>
-              <a:rPr lang="en-US" sz="1600" b="1" dirty="0"/>
+              <a:rPr lang="en-US" sz="1400" b="1" dirty="0">
+                <a:solidFill>
+                  <a:schemeClr val="bg1">
+                    <a:lumMod val="50000"/>
+                  </a:schemeClr>
+                </a:solidFill>
+                <a:latin typeface="Arial" panose="020B0604020202020204" pitchFamily="34" charset="0"/>
+                <a:cs typeface="Arial" panose="020B0604020202020204" pitchFamily="34" charset="0"/>
+              </a:rPr>
               <a:t>G</a:t>
             </a:r>
             <a:r>
-              <a:rPr lang="en-IN" sz="1600" b="1" dirty="0"/>
+              <a:rPr lang="en-IN" sz="1400" b="1" dirty="0">
+                <a:solidFill>
+                  <a:schemeClr val="bg1">
+                    <a:lumMod val="50000"/>
+                  </a:schemeClr>
+                </a:solidFill>
+                <a:latin typeface="Arial" panose="020B0604020202020204" pitchFamily="34" charset="0"/>
+                <a:cs typeface="Arial" panose="020B0604020202020204" pitchFamily="34" charset="0"/>
+              </a:rPr>
               <a:t>RPC : </a:t>
             </a:r>
             <a:r>
-              <a:rPr lang="en-IN" sz="1300" dirty="0"/>
+              <a:rPr lang="en-IN" sz="1200" dirty="0">
+                <a:solidFill>
+                  <a:schemeClr val="bg1">
+                    <a:lumMod val="50000"/>
+                  </a:schemeClr>
+                </a:solidFill>
+                <a:latin typeface="Arial" panose="020B0604020202020204" pitchFamily="34" charset="0"/>
+                <a:cs typeface="Arial" panose="020B0604020202020204" pitchFamily="34" charset="0"/>
+              </a:rPr>
               <a:t>gRPC is a modern, open source remote procedure call (RPC) framework that can run anywhere. It enables client and server applications to communicate transparently, and makes it easier to build connected systems. </a:t>
             </a:r>
             <a:r>
-              <a:rPr lang="en-IN" sz="1300" dirty="0">
+              <a:rPr lang="en-IN" sz="1200" dirty="0">
+                <a:solidFill>
+                  <a:schemeClr val="bg1">
+                    <a:lumMod val="50000"/>
+                  </a:schemeClr>
+                </a:solidFill>
+                <a:latin typeface="Arial" panose="020B0604020202020204" pitchFamily="34" charset="0"/>
+                <a:cs typeface="Arial" panose="020B0604020202020204" pitchFamily="34" charset="0"/>
                 <a:hlinkClick r:id="rId2"/>
               </a:rPr>
               <a:t>Details</a:t>
             </a:r>
-            <a:endParaRPr lang="en-IN" sz="1300" dirty="0"/>
+            <a:endParaRPr lang="en-IN" sz="1200" dirty="0">
+              <a:solidFill>
+                <a:schemeClr val="bg1">
+                  <a:lumMod val="50000"/>
+                </a:schemeClr>
+              </a:solidFill>
+              <a:latin typeface="Arial" panose="020B0604020202020204" pitchFamily="34" charset="0"/>
+              <a:cs typeface="Arial" panose="020B0604020202020204" pitchFamily="34" charset="0"/>
+            </a:endParaRPr>
           </a:p>
           <a:p>
-            <a:pPr lvl="1"/>
+            <a:pPr lvl="1">
+              <a:lnSpc>
+                <a:spcPct val="110000"/>
+              </a:lnSpc>
+            </a:pPr>
             <a:r>
-              <a:rPr lang="en-US" sz="1600" dirty="0"/>
-              <a:t>Persistence : NoSQL</a:t>
+              <a:rPr lang="en-US" sz="1400" b="1" dirty="0">
+                <a:solidFill>
+                  <a:schemeClr val="bg1">
+                    <a:lumMod val="50000"/>
+                  </a:schemeClr>
+                </a:solidFill>
+                <a:latin typeface="Arial" panose="020B0604020202020204" pitchFamily="34" charset="0"/>
+                <a:cs typeface="Arial" panose="020B0604020202020204" pitchFamily="34" charset="0"/>
+              </a:rPr>
+              <a:t>Persistence (NoSQL) :</a:t>
             </a:r>
           </a:p>
           <a:p>
@@ -6600,20 +13345,51 @@
               </a:lnSpc>
             </a:pPr>
             <a:r>
-              <a:rPr lang="en-US" sz="1600" b="1" dirty="0"/>
+              <a:rPr lang="en-US" sz="1400" b="1" dirty="0">
+                <a:solidFill>
+                  <a:schemeClr val="bg1">
+                    <a:lumMod val="50000"/>
+                  </a:schemeClr>
+                </a:solidFill>
+                <a:latin typeface="Arial" panose="020B0604020202020204" pitchFamily="34" charset="0"/>
+                <a:cs typeface="Arial" panose="020B0604020202020204" pitchFamily="34" charset="0"/>
+              </a:rPr>
               <a:t>Mongo DB : </a:t>
             </a:r>
             <a:r>
-              <a:rPr lang="en-IN" sz="1300" dirty="0"/>
+              <a:rPr lang="en-IN" sz="1200" dirty="0">
+                <a:solidFill>
+                  <a:schemeClr val="bg1">
+                    <a:lumMod val="50000"/>
+                  </a:schemeClr>
+                </a:solidFill>
+                <a:latin typeface="Arial" panose="020B0604020202020204" pitchFamily="34" charset="0"/>
+                <a:cs typeface="Arial" panose="020B0604020202020204" pitchFamily="34" charset="0"/>
+              </a:rPr>
               <a:t>MongoDB is an open-source database developed by MongoDB, Inc. MongoDB stores data in JSON-like documents that can vary in structure. Related information is stored together for fast query access through the MongoDB query language. </a:t>
             </a:r>
             <a:r>
-              <a:rPr lang="en-IN" sz="1300" dirty="0">
+              <a:rPr lang="en-IN" sz="1200" dirty="0">
+                <a:solidFill>
+                  <a:schemeClr val="bg1">
+                    <a:lumMod val="50000"/>
+                  </a:schemeClr>
+                </a:solidFill>
+                <a:latin typeface="Arial" panose="020B0604020202020204" pitchFamily="34" charset="0"/>
+                <a:cs typeface="Arial" panose="020B0604020202020204" pitchFamily="34" charset="0"/>
                 <a:hlinkClick r:id="rId6"/>
               </a:rPr>
               <a:t>Details</a:t>
             </a:r>
-            <a:endParaRPr lang="en-IN" sz="1300" dirty="0"/>
+            <a:endParaRPr lang="en-IN" sz="1200" dirty="0">
+              <a:solidFill>
+                <a:schemeClr val="bg1">
+                  <a:lumMod val="50000"/>
+                </a:schemeClr>
+              </a:solidFill>
+              <a:latin typeface="Arial" panose="020B0604020202020204" pitchFamily="34" charset="0"/>
+              <a:cs typeface="Arial" panose="020B0604020202020204" pitchFamily="34" charset="0"/>
+            </a:endParaRPr>
           </a:p>
           <a:p>
             <a:pPr lvl="2">
@@ -6622,42 +13398,118 @@
               </a:lnSpc>
             </a:pPr>
             <a:r>
-              <a:rPr lang="en-IN" sz="1300" b="1" dirty="0"/>
+              <a:rPr lang="en-IN" sz="1200" b="1" dirty="0">
+                <a:solidFill>
+                  <a:schemeClr val="bg1">
+                    <a:lumMod val="50000"/>
+                  </a:schemeClr>
+                </a:solidFill>
+                <a:latin typeface="Arial" panose="020B0604020202020204" pitchFamily="34" charset="0"/>
+                <a:cs typeface="Arial" panose="020B0604020202020204" pitchFamily="34" charset="0"/>
+              </a:rPr>
               <a:t>Cassandra</a:t>
             </a:r>
             <a:r>
-              <a:rPr lang="en-IN" sz="1300" dirty="0"/>
+              <a:rPr lang="en-IN" sz="1200" dirty="0">
+                <a:solidFill>
+                  <a:schemeClr val="bg1">
+                    <a:lumMod val="50000"/>
+                  </a:schemeClr>
+                </a:solidFill>
+                <a:latin typeface="Arial" panose="020B0604020202020204" pitchFamily="34" charset="0"/>
+                <a:cs typeface="Arial" panose="020B0604020202020204" pitchFamily="34" charset="0"/>
+              </a:rPr>
               <a:t> </a:t>
             </a:r>
             <a:r>
-              <a:rPr lang="en-IN" sz="1300" b="1" dirty="0"/>
+              <a:rPr lang="en-IN" sz="1200" b="1" dirty="0">
+                <a:solidFill>
+                  <a:schemeClr val="bg1">
+                    <a:lumMod val="50000"/>
+                  </a:schemeClr>
+                </a:solidFill>
+                <a:latin typeface="Arial" panose="020B0604020202020204" pitchFamily="34" charset="0"/>
+                <a:cs typeface="Arial" panose="020B0604020202020204" pitchFamily="34" charset="0"/>
+              </a:rPr>
               <a:t>DB</a:t>
             </a:r>
             <a:r>
-              <a:rPr lang="en-US" sz="1300" b="1" dirty="0"/>
+              <a:rPr lang="en-US" sz="1200" b="1" dirty="0">
+                <a:solidFill>
+                  <a:schemeClr val="bg1">
+                    <a:lumMod val="50000"/>
+                  </a:schemeClr>
+                </a:solidFill>
+                <a:latin typeface="Arial" panose="020B0604020202020204" pitchFamily="34" charset="0"/>
+                <a:cs typeface="Arial" panose="020B0604020202020204" pitchFamily="34" charset="0"/>
+              </a:rPr>
               <a:t>:</a:t>
             </a:r>
             <a:r>
-              <a:rPr lang="en-US" sz="1300" dirty="0"/>
+              <a:rPr lang="en-US" sz="1200" dirty="0">
+                <a:solidFill>
+                  <a:schemeClr val="bg1">
+                    <a:lumMod val="50000"/>
+                  </a:schemeClr>
+                </a:solidFill>
+                <a:latin typeface="Arial" panose="020B0604020202020204" pitchFamily="34" charset="0"/>
+                <a:cs typeface="Arial" panose="020B0604020202020204" pitchFamily="34" charset="0"/>
+              </a:rPr>
               <a:t> </a:t>
             </a:r>
             <a:r>
-              <a:rPr lang="en-IN" sz="1300" dirty="0"/>
+              <a:rPr lang="en-IN" sz="1200" dirty="0">
+                <a:solidFill>
+                  <a:schemeClr val="bg1">
+                    <a:lumMod val="50000"/>
+                  </a:schemeClr>
+                </a:solidFill>
+                <a:latin typeface="Arial" panose="020B0604020202020204" pitchFamily="34" charset="0"/>
+                <a:cs typeface="Arial" panose="020B0604020202020204" pitchFamily="34" charset="0"/>
+              </a:rPr>
               <a:t>The Apache Cassandra database is the right choice when you need scalability and high availability without compromising performance. Linear scalability and proven fault-tolerance on commodity hardware or cloud infrastructure make it the perfect platform for mission-critical data. Cassandra's support for replicating across multiple datacentres is best-in-class, providing lower latency for your users and the peace of mind of knowing that you can survive regional outages.</a:t>
             </a:r>
           </a:p>
           <a:p>
-            <a:pPr lvl="1"/>
+            <a:pPr lvl="1">
+              <a:lnSpc>
+                <a:spcPct val="110000"/>
+              </a:lnSpc>
+            </a:pPr>
             <a:r>
-              <a:rPr lang="en-US" sz="1600" dirty="0"/>
+              <a:rPr lang="en-US" sz="1400" b="1" dirty="0">
+                <a:solidFill>
+                  <a:schemeClr val="bg1">
+                    <a:lumMod val="50000"/>
+                  </a:schemeClr>
+                </a:solidFill>
+                <a:latin typeface="Arial" panose="020B0604020202020204" pitchFamily="34" charset="0"/>
+                <a:cs typeface="Arial" panose="020B0604020202020204" pitchFamily="34" charset="0"/>
+              </a:rPr>
               <a:t>U</a:t>
             </a:r>
             <a:r>
-              <a:rPr lang="en-IN" sz="1600" dirty="0" err="1"/>
+              <a:rPr lang="en-IN" sz="1400" b="1" dirty="0" err="1">
+                <a:solidFill>
+                  <a:schemeClr val="bg1">
+                    <a:lumMod val="50000"/>
+                  </a:schemeClr>
+                </a:solidFill>
+                <a:latin typeface="Arial" panose="020B0604020202020204" pitchFamily="34" charset="0"/>
+                <a:cs typeface="Arial" panose="020B0604020202020204" pitchFamily="34" charset="0"/>
+              </a:rPr>
               <a:t>ser</a:t>
             </a:r>
             <a:r>
-              <a:rPr lang="en-IN" sz="1600" dirty="0"/>
+              <a:rPr lang="en-IN" sz="1400" b="1" dirty="0">
+                <a:solidFill>
+                  <a:schemeClr val="bg1">
+                    <a:lumMod val="50000"/>
+                  </a:schemeClr>
+                </a:solidFill>
+                <a:latin typeface="Arial" panose="020B0604020202020204" pitchFamily="34" charset="0"/>
+                <a:cs typeface="Arial" panose="020B0604020202020204" pitchFamily="34" charset="0"/>
+              </a:rPr>
               <a:t> Experience : </a:t>
             </a:r>
           </a:p>
@@ -6668,26 +13520,64 @@
               </a:lnSpc>
             </a:pPr>
             <a:r>
-              <a:rPr lang="en-IN" sz="1600" b="1" dirty="0"/>
+              <a:rPr lang="en-IN" sz="1400" b="1" dirty="0">
+                <a:solidFill>
+                  <a:schemeClr val="bg1">
+                    <a:lumMod val="50000"/>
+                  </a:schemeClr>
+                </a:solidFill>
+                <a:latin typeface="Arial" panose="020B0604020202020204" pitchFamily="34" charset="0"/>
+                <a:cs typeface="Arial" panose="020B0604020202020204" pitchFamily="34" charset="0"/>
+              </a:rPr>
               <a:t>AngularJS: </a:t>
             </a:r>
             <a:r>
-              <a:rPr lang="en-IN" sz="1300" dirty="0"/>
+              <a:rPr lang="en-IN" sz="1200" dirty="0">
+                <a:solidFill>
+                  <a:schemeClr val="bg1">
+                    <a:lumMod val="50000"/>
+                  </a:schemeClr>
+                </a:solidFill>
+                <a:latin typeface="Arial" panose="020B0604020202020204" pitchFamily="34" charset="0"/>
+                <a:cs typeface="Arial" panose="020B0604020202020204" pitchFamily="34" charset="0"/>
+              </a:rPr>
               <a:t>AngularJS  is a JavaScript-based open-source front-end web application framework mainly maintained by Google and by a community of individuals and corporations to address many of the challenges encountered in developing single-page applications.</a:t>
             </a:r>
             <a:r>
-              <a:rPr lang="en-IN" sz="1300" dirty="0">
+              <a:rPr lang="en-IN" sz="1200" dirty="0">
+                <a:solidFill>
+                  <a:schemeClr val="bg1">
+                    <a:lumMod val="50000"/>
+                  </a:schemeClr>
+                </a:solidFill>
+                <a:latin typeface="Arial" panose="020B0604020202020204" pitchFamily="34" charset="0"/>
+                <a:cs typeface="Arial" panose="020B0604020202020204" pitchFamily="34" charset="0"/>
                 <a:hlinkClick r:id="rId6"/>
               </a:rPr>
               <a:t> </a:t>
             </a:r>
             <a:r>
-              <a:rPr lang="en-IN" sz="1300" dirty="0">
+              <a:rPr lang="en-IN" sz="1200" dirty="0">
+                <a:solidFill>
+                  <a:schemeClr val="bg1">
+                    <a:lumMod val="50000"/>
+                  </a:schemeClr>
+                </a:solidFill>
+                <a:latin typeface="Arial" panose="020B0604020202020204" pitchFamily="34" charset="0"/>
+                <a:cs typeface="Arial" panose="020B0604020202020204" pitchFamily="34" charset="0"/>
                 <a:hlinkClick r:id="rId7"/>
               </a:rPr>
               <a:t>Details</a:t>
             </a:r>
-            <a:endParaRPr lang="en-IN" sz="1300" dirty="0"/>
+            <a:endParaRPr lang="en-IN" sz="1200" dirty="0">
+              <a:solidFill>
+                <a:schemeClr val="bg1">
+                  <a:lumMod val="50000"/>
+                </a:schemeClr>
+              </a:solidFill>
+              <a:latin typeface="Arial" panose="020B0604020202020204" pitchFamily="34" charset="0"/>
+              <a:cs typeface="Arial" panose="020B0604020202020204" pitchFamily="34" charset="0"/>
+            </a:endParaRPr>
           </a:p>
           <a:p>
             <a:pPr lvl="2">
@@ -6696,39 +13586,143 @@
               </a:lnSpc>
             </a:pPr>
             <a:r>
-              <a:rPr lang="en-US" sz="1600" b="1" dirty="0"/>
+              <a:rPr lang="en-US" sz="1400" b="1" dirty="0">
+                <a:solidFill>
+                  <a:schemeClr val="bg1">
+                    <a:lumMod val="50000"/>
+                  </a:schemeClr>
+                </a:solidFill>
+                <a:latin typeface="Arial" panose="020B0604020202020204" pitchFamily="34" charset="0"/>
+                <a:cs typeface="Arial" panose="020B0604020202020204" pitchFamily="34" charset="0"/>
+              </a:rPr>
               <a:t>N</a:t>
             </a:r>
             <a:r>
-              <a:rPr lang="en-IN" sz="1600" b="1" dirty="0" err="1"/>
+              <a:rPr lang="en-IN" sz="1400" b="1" dirty="0" err="1">
+                <a:solidFill>
+                  <a:schemeClr val="bg1">
+                    <a:lumMod val="50000"/>
+                  </a:schemeClr>
+                </a:solidFill>
+                <a:latin typeface="Arial" panose="020B0604020202020204" pitchFamily="34" charset="0"/>
+                <a:cs typeface="Arial" panose="020B0604020202020204" pitchFamily="34" charset="0"/>
+              </a:rPr>
               <a:t>odeJS</a:t>
             </a:r>
             <a:r>
-              <a:rPr lang="en-IN" sz="1600" b="1" dirty="0"/>
+              <a:rPr lang="en-IN" sz="1400" b="1" dirty="0">
+                <a:solidFill>
+                  <a:schemeClr val="bg1">
+                    <a:lumMod val="50000"/>
+                  </a:schemeClr>
+                </a:solidFill>
+                <a:latin typeface="Arial" panose="020B0604020202020204" pitchFamily="34" charset="0"/>
+                <a:cs typeface="Arial" panose="020B0604020202020204" pitchFamily="34" charset="0"/>
+              </a:rPr>
               <a:t>: </a:t>
             </a:r>
             <a:r>
-              <a:rPr lang="en-IN" sz="1300" dirty="0"/>
+              <a:rPr lang="en-IN" sz="1200" dirty="0">
+                <a:solidFill>
+                  <a:schemeClr val="bg1">
+                    <a:lumMod val="50000"/>
+                  </a:schemeClr>
+                </a:solidFill>
+                <a:latin typeface="Arial" panose="020B0604020202020204" pitchFamily="34" charset="0"/>
+                <a:cs typeface="Arial" panose="020B0604020202020204" pitchFamily="34" charset="0"/>
+              </a:rPr>
               <a:t>Node.js is an open-source, cross-platform JavaScript run-time environment for executing JavaScript code server-side. </a:t>
             </a:r>
             <a:r>
-              <a:rPr lang="en-IN" sz="1300" dirty="0">
+              <a:rPr lang="en-IN" sz="1200" dirty="0">
+                <a:solidFill>
+                  <a:schemeClr val="bg1">
+                    <a:lumMod val="50000"/>
+                  </a:schemeClr>
+                </a:solidFill>
+                <a:latin typeface="Arial" panose="020B0604020202020204" pitchFamily="34" charset="0"/>
+                <a:cs typeface="Arial" panose="020B0604020202020204" pitchFamily="34" charset="0"/>
                 <a:hlinkClick r:id="rId8"/>
               </a:rPr>
               <a:t>Details</a:t>
             </a:r>
             <a:r>
-              <a:rPr lang="en-IN" sz="1300" dirty="0"/>
+              <a:rPr lang="en-IN" sz="1200" dirty="0">
+                <a:solidFill>
+                  <a:schemeClr val="bg1">
+                    <a:lumMod val="50000"/>
+                  </a:schemeClr>
+                </a:solidFill>
+                <a:latin typeface="Arial" panose="020B0604020202020204" pitchFamily="34" charset="0"/>
+                <a:cs typeface="Arial" panose="020B0604020202020204" pitchFamily="34" charset="0"/>
+              </a:rPr>
               <a:t> </a:t>
             </a:r>
           </a:p>
           <a:p>
             <a:pPr lvl="2"/>
-            <a:endParaRPr lang="en-IN" sz="1200" dirty="0"/>
+            <a:endParaRPr lang="en-IN" sz="1100" dirty="0">
+              <a:solidFill>
+                <a:schemeClr val="bg1">
+                  <a:lumMod val="50000"/>
+                </a:schemeClr>
+              </a:solidFill>
+              <a:latin typeface="Arial" panose="020B0604020202020204" pitchFamily="34" charset="0"/>
+              <a:cs typeface="Arial" panose="020B0604020202020204" pitchFamily="34" charset="0"/>
+            </a:endParaRPr>
           </a:p>
           <a:p>
             <a:pPr lvl="1"/>
-            <a:endParaRPr lang="en-IN" sz="1600" dirty="0"/>
+            <a:endParaRPr lang="en-IN" sz="1600" dirty="0">
+              <a:solidFill>
+                <a:schemeClr val="bg1">
+                  <a:lumMod val="50000"/>
+                </a:schemeClr>
+              </a:solidFill>
+              <a:latin typeface="Arial" panose="020B0604020202020204" pitchFamily="34" charset="0"/>
+              <a:cs typeface="Arial" panose="020B0604020202020204" pitchFamily="34" charset="0"/>
+            </a:endParaRPr>
+          </a:p>
+        </p:txBody>
+      </p:sp>
+      <p:sp>
+        <p:nvSpPr>
+          <p:cNvPr id="5" name="Slide Number Placeholder 4">
+            <a:extLst>
+              <a:ext uri="{FF2B5EF4-FFF2-40B4-BE49-F238E27FC236}">
+                <a16:creationId xmlns:a16="http://schemas.microsoft.com/office/drawing/2014/main" id="{0C8DF7BE-6E35-4508-87EA-26C7E0AD3A93}"/>
+              </a:ext>
+            </a:extLst>
+          </p:cNvPr>
+          <p:cNvSpPr>
+            <a:spLocks noGrp="1"/>
+          </p:cNvSpPr>
+          <p:nvPr>
+            <p:ph type="sldNum" sz="quarter" idx="12"/>
+          </p:nvPr>
+        </p:nvSpPr>
+        <p:spPr/>
+        <p:txBody>
+          <a:bodyPr/>
+          <a:lstStyle/>
+          <a:p>
+            <a:fld id="{F1BA8BE5-F97D-4D2A-8B41-D976DF280E9E}" type="slidenum">
+              <a:rPr lang="en-IN" smtClean="0">
+                <a:solidFill>
+                  <a:schemeClr val="bg1">
+                    <a:lumMod val="50000"/>
+                  </a:schemeClr>
+                </a:solidFill>
+              </a:rPr>
+              <a:t>14</a:t>
+            </a:fld>
+            <a:endParaRPr lang="en-IN">
+              <a:solidFill>
+                <a:schemeClr val="bg1">
+                  <a:lumMod val="50000"/>
+                </a:schemeClr>
+              </a:solidFill>
+            </a:endParaRPr>
           </a:p>
         </p:txBody>
       </p:sp>
@@ -6736,86 +13730,6 @@
     <p:extLst>
       <p:ext uri="{BB962C8B-B14F-4D97-AF65-F5344CB8AC3E}">
         <p14:creationId xmlns:p14="http://schemas.microsoft.com/office/powerpoint/2010/main" val="2228942369"/>
-      </p:ext>
-    </p:extLst>
-  </p:cSld>
-  <p:clrMapOvr>
-    <a:masterClrMapping/>
-  </p:clrMapOvr>
-</p:sld>
-</file>
-
-<file path=ppt/slides/slide13.xml><?xml version="1.0" encoding="utf-8"?>
-<p:sld xmlns:a="http://schemas.openxmlformats.org/drawingml/2006/main" xmlns:r="http://schemas.openxmlformats.org/officeDocument/2006/relationships" xmlns:p="http://schemas.openxmlformats.org/presentationml/2006/main">
-  <p:cSld>
-    <p:spTree>
-      <p:nvGrpSpPr>
-        <p:cNvPr id="1" name=""/>
-        <p:cNvGrpSpPr/>
-        <p:nvPr/>
-      </p:nvGrpSpPr>
-      <p:grpSpPr>
-        <a:xfrm>
-          <a:off x="0" y="0"/>
-          <a:ext cx="0" cy="0"/>
-          <a:chOff x="0" y="0"/>
-          <a:chExt cx="0" cy="0"/>
-        </a:xfrm>
-      </p:grpSpPr>
-      <p:sp>
-        <p:nvSpPr>
-          <p:cNvPr id="2" name="Title 1">
-            <a:extLst>
-              <a:ext uri="{FF2B5EF4-FFF2-40B4-BE49-F238E27FC236}">
-                <a16:creationId xmlns:a16="http://schemas.microsoft.com/office/drawing/2014/main" id="{84429FD7-B937-4934-95E5-1D553B366F11}"/>
-              </a:ext>
-            </a:extLst>
-          </p:cNvPr>
-          <p:cNvSpPr>
-            <a:spLocks noGrp="1"/>
-          </p:cNvSpPr>
-          <p:nvPr>
-            <p:ph type="title"/>
-          </p:nvPr>
-        </p:nvSpPr>
-        <p:spPr/>
-        <p:txBody>
-          <a:bodyPr/>
-          <a:lstStyle/>
-          <a:p>
-            <a:endParaRPr lang="en-IN" dirty="0"/>
-          </a:p>
-        </p:txBody>
-      </p:sp>
-      <p:sp>
-        <p:nvSpPr>
-          <p:cNvPr id="3" name="Content Placeholder 2">
-            <a:extLst>
-              <a:ext uri="{FF2B5EF4-FFF2-40B4-BE49-F238E27FC236}">
-                <a16:creationId xmlns:a16="http://schemas.microsoft.com/office/drawing/2014/main" id="{928B21EA-A0BE-4C6A-9C7E-F91A21773B66}"/>
-              </a:ext>
-            </a:extLst>
-          </p:cNvPr>
-          <p:cNvSpPr>
-            <a:spLocks noGrp="1"/>
-          </p:cNvSpPr>
-          <p:nvPr>
-            <p:ph idx="1"/>
-          </p:nvPr>
-        </p:nvSpPr>
-        <p:spPr/>
-        <p:txBody>
-          <a:bodyPr/>
-          <a:lstStyle/>
-          <a:p>
-            <a:endParaRPr lang="en-IN" dirty="0"/>
-          </a:p>
-        </p:txBody>
-      </p:sp>
-    </p:spTree>
-    <p:extLst>
-      <p:ext uri="{BB962C8B-B14F-4D97-AF65-F5344CB8AC3E}">
-        <p14:creationId xmlns:p14="http://schemas.microsoft.com/office/powerpoint/2010/main" val="2695066694"/>
       </p:ext>
     </p:extLst>
   </p:cSld>
@@ -6870,8 +13784,10 @@
                     <a:lumMod val="50000"/>
                   </a:schemeClr>
                 </a:solidFill>
+                <a:latin typeface="Arial" panose="020B0604020202020204" pitchFamily="34" charset="0"/>
+                <a:cs typeface="Arial" panose="020B0604020202020204" pitchFamily="34" charset="0"/>
               </a:rPr>
-              <a:t>The Object Model </a:t>
+              <a:t>The Functional Model </a:t>
             </a:r>
             <a:endParaRPr lang="en-IN" dirty="0">
               <a:solidFill>
@@ -6879,6 +13795,8 @@
                   <a:lumMod val="50000"/>
                 </a:schemeClr>
               </a:solidFill>
+              <a:latin typeface="Arial" panose="020B0604020202020204" pitchFamily="34" charset="0"/>
+              <a:cs typeface="Arial" panose="020B0604020202020204" pitchFamily="34" charset="0"/>
             </a:endParaRPr>
           </a:p>
         </p:txBody>
@@ -6897,7 +13815,7 @@
         </p:nvGrpSpPr>
         <p:grpSpPr>
           <a:xfrm>
-            <a:off x="1944558" y="1371907"/>
+            <a:off x="1902613" y="1623576"/>
             <a:ext cx="7098773" cy="4986738"/>
             <a:chOff x="0" y="0"/>
             <a:chExt cx="4427168" cy="3992224"/>
@@ -7060,7 +13978,6 @@
                   </a:solidFill>
                   <a:effectLst/>
                   <a:latin typeface="Arial" panose="020B0604020202020204" pitchFamily="34" charset="0"/>
-                  <a:ea typeface="+mn-ea"/>
                   <a:cs typeface="Arial" panose="020B0604020202020204" pitchFamily="34" charset="0"/>
                 </a:rPr>
                 <a:t>Student</a:t>
@@ -7234,7 +14151,6 @@
                   </a:solidFill>
                   <a:effectLst/>
                   <a:latin typeface="Arial" panose="020B0604020202020204" pitchFamily="34" charset="0"/>
-                  <a:ea typeface="+mn-ea"/>
                   <a:cs typeface="Arial" panose="020B0604020202020204" pitchFamily="34" charset="0"/>
                 </a:rPr>
                 <a:t> </a:t>
@@ -7267,7 +14183,6 @@
                   </a:solidFill>
                   <a:effectLst/>
                   <a:latin typeface="Arial" panose="020B0604020202020204" pitchFamily="34" charset="0"/>
-                  <a:ea typeface="+mn-ea"/>
                   <a:cs typeface="Arial" panose="020B0604020202020204" pitchFamily="34" charset="0"/>
                 </a:rPr>
                 <a:t>Faculty</a:t>
@@ -7464,7 +14379,6 @@
                     </a:solidFill>
                     <a:effectLst/>
                     <a:latin typeface="Arial" panose="020B0604020202020204" pitchFamily="34" charset="0"/>
-                    <a:ea typeface="+mn-ea"/>
                     <a:cs typeface="Arial" panose="020B0604020202020204" pitchFamily="34" charset="0"/>
                   </a:rPr>
                   <a:t>Assignments </a:t>
@@ -7622,7 +14536,6 @@
                     </a:solidFill>
                     <a:effectLst/>
                     <a:latin typeface="Arial" panose="020B0604020202020204" pitchFamily="34" charset="0"/>
-                    <a:ea typeface="+mn-ea"/>
                     <a:cs typeface="Arial" panose="020B0604020202020204" pitchFamily="34" charset="0"/>
                   </a:rPr>
                   <a:t>Exam </a:t>
@@ -7796,7 +14709,6 @@
                     </a:solidFill>
                     <a:effectLst/>
                     <a:latin typeface="Arial" panose="020B0604020202020204" pitchFamily="34" charset="0"/>
-                    <a:ea typeface="+mn-ea"/>
                     <a:cs typeface="Arial" panose="020B0604020202020204" pitchFamily="34" charset="0"/>
                   </a:rPr>
                   <a:t>Course</a:t>
@@ -7954,7 +14866,6 @@
                     </a:solidFill>
                     <a:effectLst/>
                     <a:latin typeface="Arial" panose="020B0604020202020204" pitchFamily="34" charset="0"/>
-                    <a:ea typeface="+mn-ea"/>
                     <a:cs typeface="Arial" panose="020B0604020202020204" pitchFamily="34" charset="0"/>
                   </a:rPr>
                   <a:t>Time Table </a:t>
@@ -8112,7 +15023,6 @@
                     </a:solidFill>
                     <a:effectLst/>
                     <a:latin typeface="Arial" panose="020B0604020202020204" pitchFamily="34" charset="0"/>
-                    <a:ea typeface="+mn-ea"/>
                     <a:cs typeface="Arial" panose="020B0604020202020204" pitchFamily="34" charset="0"/>
                   </a:rPr>
                   <a:t>Discussion </a:t>
@@ -8270,7 +15180,6 @@
                     </a:solidFill>
                     <a:effectLst/>
                     <a:latin typeface="Arial" panose="020B0604020202020204" pitchFamily="34" charset="0"/>
-                    <a:ea typeface="+mn-ea"/>
                     <a:cs typeface="Arial" panose="020B0604020202020204" pitchFamily="34" charset="0"/>
                   </a:rPr>
                   <a:t>Survey </a:t>
@@ -8428,7 +15337,6 @@
                     </a:solidFill>
                     <a:effectLst/>
                     <a:latin typeface="Arial" panose="020B0604020202020204" pitchFamily="34" charset="0"/>
-                    <a:ea typeface="+mn-ea"/>
                     <a:cs typeface="Arial" panose="020B0604020202020204" pitchFamily="34" charset="0"/>
                   </a:rPr>
                   <a:t>Reporting </a:t>
@@ -8586,7 +15494,6 @@
                     </a:solidFill>
                     <a:effectLst/>
                     <a:latin typeface="Arial" panose="020B0604020202020204" pitchFamily="34" charset="0"/>
-                    <a:ea typeface="+mn-ea"/>
                     <a:cs typeface="Arial" panose="020B0604020202020204" pitchFamily="34" charset="0"/>
                   </a:rPr>
                   <a:t>Dashboard </a:t>
@@ -9293,6 +16200,35 @@
           </p:style>
         </p:cxnSp>
       </p:grpSp>
+      <p:sp>
+        <p:nvSpPr>
+          <p:cNvPr id="4" name="Slide Number Placeholder 3">
+            <a:extLst>
+              <a:ext uri="{FF2B5EF4-FFF2-40B4-BE49-F238E27FC236}">
+                <a16:creationId xmlns:a16="http://schemas.microsoft.com/office/drawing/2014/main" id="{1CD6BD93-DA46-45DD-B917-16AA53DF56A1}"/>
+              </a:ext>
+            </a:extLst>
+          </p:cNvPr>
+          <p:cNvSpPr>
+            <a:spLocks noGrp="1"/>
+          </p:cNvSpPr>
+          <p:nvPr>
+            <p:ph type="sldNum" sz="quarter" idx="12"/>
+          </p:nvPr>
+        </p:nvSpPr>
+        <p:spPr/>
+        <p:txBody>
+          <a:bodyPr/>
+          <a:lstStyle/>
+          <a:p>
+            <a:fld id="{F1BA8BE5-F97D-4D2A-8B41-D976DF280E9E}" type="slidenum">
+              <a:rPr lang="en-IN" smtClean="0"/>
+              <a:t>2</a:t>
+            </a:fld>
+            <a:endParaRPr lang="en-IN"/>
+          </a:p>
+        </p:txBody>
+      </p:sp>
     </p:spTree>
     <p:extLst>
       <p:ext uri="{BB962C8B-B14F-4D97-AF65-F5344CB8AC3E}">
@@ -9358,6 +16294,8 @@
                     <a:lumMod val="50000"/>
                   </a:schemeClr>
                 </a:solidFill>
+                <a:latin typeface="Arial" panose="020B0604020202020204" pitchFamily="34" charset="0"/>
+                <a:cs typeface="Arial" panose="020B0604020202020204" pitchFamily="34" charset="0"/>
               </a:rPr>
               <a:t>The Student Portal</a:t>
             </a:r>
@@ -9367,6 +16305,8 @@
                   <a:lumMod val="50000"/>
                 </a:schemeClr>
               </a:solidFill>
+              <a:latin typeface="Arial" panose="020B0604020202020204" pitchFamily="34" charset="0"/>
+              <a:cs typeface="Arial" panose="020B0604020202020204" pitchFamily="34" charset="0"/>
             </a:endParaRPr>
           </a:p>
         </p:txBody>
@@ -9729,7 +16669,6 @@
                   </a:solidFill>
                   <a:effectLst/>
                   <a:latin typeface="Arial" panose="020B0604020202020204" pitchFamily="34" charset="0"/>
-                  <a:ea typeface="+mn-ea"/>
                   <a:cs typeface="Arial" panose="020B0604020202020204" pitchFamily="34" charset="0"/>
                 </a:rPr>
                 <a:t> </a:t>
@@ -9762,7 +16701,6 @@
                   </a:solidFill>
                   <a:effectLst/>
                   <a:latin typeface="Arial" panose="020B0604020202020204" pitchFamily="34" charset="0"/>
-                  <a:ea typeface="+mn-ea"/>
                   <a:cs typeface="Arial" panose="020B0604020202020204" pitchFamily="34" charset="0"/>
                 </a:rPr>
                 <a:t>Faculty</a:t>
@@ -9959,7 +16897,6 @@
                     </a:solidFill>
                     <a:effectLst/>
                     <a:latin typeface="Arial" panose="020B0604020202020204" pitchFamily="34" charset="0"/>
-                    <a:ea typeface="+mn-ea"/>
                     <a:cs typeface="Arial" panose="020B0604020202020204" pitchFamily="34" charset="0"/>
                   </a:rPr>
                   <a:t>Assignments </a:t>
@@ -10117,7 +17054,6 @@
                     </a:solidFill>
                     <a:effectLst/>
                     <a:latin typeface="Arial" panose="020B0604020202020204" pitchFamily="34" charset="0"/>
-                    <a:ea typeface="+mn-ea"/>
                     <a:cs typeface="Arial" panose="020B0604020202020204" pitchFamily="34" charset="0"/>
                   </a:rPr>
                   <a:t>Exam </a:t>
@@ -10291,7 +17227,6 @@
                     </a:solidFill>
                     <a:effectLst/>
                     <a:latin typeface="Arial" panose="020B0604020202020204" pitchFamily="34" charset="0"/>
-                    <a:ea typeface="+mn-ea"/>
                     <a:cs typeface="Arial" panose="020B0604020202020204" pitchFamily="34" charset="0"/>
                   </a:rPr>
                   <a:t>Course</a:t>
@@ -10449,7 +17384,6 @@
                     </a:solidFill>
                     <a:effectLst/>
                     <a:latin typeface="Arial" panose="020B0604020202020204" pitchFamily="34" charset="0"/>
-                    <a:ea typeface="+mn-ea"/>
                     <a:cs typeface="Arial" panose="020B0604020202020204" pitchFamily="34" charset="0"/>
                   </a:rPr>
                   <a:t>Time Table </a:t>
@@ -10607,7 +17541,6 @@
                     </a:solidFill>
                     <a:effectLst/>
                     <a:latin typeface="Arial" panose="020B0604020202020204" pitchFamily="34" charset="0"/>
-                    <a:ea typeface="+mn-ea"/>
                     <a:cs typeface="Arial" panose="020B0604020202020204" pitchFamily="34" charset="0"/>
                   </a:rPr>
                   <a:t>Discussion </a:t>
@@ -10765,7 +17698,6 @@
                     </a:solidFill>
                     <a:effectLst/>
                     <a:latin typeface="Arial" panose="020B0604020202020204" pitchFamily="34" charset="0"/>
-                    <a:ea typeface="+mn-ea"/>
                     <a:cs typeface="Arial" panose="020B0604020202020204" pitchFamily="34" charset="0"/>
                   </a:rPr>
                   <a:t>Survey </a:t>
@@ -10923,7 +17855,6 @@
                     </a:solidFill>
                     <a:effectLst/>
                     <a:latin typeface="Arial" panose="020B0604020202020204" pitchFamily="34" charset="0"/>
-                    <a:ea typeface="+mn-ea"/>
                     <a:cs typeface="Arial" panose="020B0604020202020204" pitchFamily="34" charset="0"/>
                   </a:rPr>
                   <a:t>Reporting </a:t>
@@ -11081,7 +18012,6 @@
                     </a:solidFill>
                     <a:effectLst/>
                     <a:latin typeface="Arial" panose="020B0604020202020204" pitchFamily="34" charset="0"/>
-                    <a:ea typeface="+mn-ea"/>
                     <a:cs typeface="Arial" panose="020B0604020202020204" pitchFamily="34" charset="0"/>
                   </a:rPr>
                   <a:t>Dashboard </a:t>
@@ -12075,6 +19005,35 @@
           </a:graphicData>
         </a:graphic>
       </p:graphicFrame>
+      <p:sp>
+        <p:nvSpPr>
+          <p:cNvPr id="5" name="Slide Number Placeholder 4">
+            <a:extLst>
+              <a:ext uri="{FF2B5EF4-FFF2-40B4-BE49-F238E27FC236}">
+                <a16:creationId xmlns:a16="http://schemas.microsoft.com/office/drawing/2014/main" id="{EA4BC143-9EC8-4CB4-A013-3F89B5F5EE5A}"/>
+              </a:ext>
+            </a:extLst>
+          </p:cNvPr>
+          <p:cNvSpPr>
+            <a:spLocks noGrp="1"/>
+          </p:cNvSpPr>
+          <p:nvPr>
+            <p:ph type="sldNum" sz="quarter" idx="12"/>
+          </p:nvPr>
+        </p:nvSpPr>
+        <p:spPr/>
+        <p:txBody>
+          <a:bodyPr/>
+          <a:lstStyle/>
+          <a:p>
+            <a:fld id="{F1BA8BE5-F97D-4D2A-8B41-D976DF280E9E}" type="slidenum">
+              <a:rPr lang="en-IN" smtClean="0"/>
+              <a:t>3</a:t>
+            </a:fld>
+            <a:endParaRPr lang="en-IN"/>
+          </a:p>
+        </p:txBody>
+      </p:sp>
     </p:spTree>
     <p:extLst>
       <p:ext uri="{BB962C8B-B14F-4D97-AF65-F5344CB8AC3E}">
@@ -12140,6 +19099,8 @@
                     <a:lumMod val="50000"/>
                   </a:schemeClr>
                 </a:solidFill>
+                <a:latin typeface="Arial" panose="020B0604020202020204" pitchFamily="34" charset="0"/>
+                <a:cs typeface="Arial" panose="020B0604020202020204" pitchFamily="34" charset="0"/>
               </a:rPr>
               <a:t>The Faculty Portal</a:t>
             </a:r>
@@ -12149,6 +19110,8 @@
                   <a:lumMod val="50000"/>
                 </a:schemeClr>
               </a:solidFill>
+              <a:latin typeface="Arial" panose="020B0604020202020204" pitchFamily="34" charset="0"/>
+              <a:cs typeface="Arial" panose="020B0604020202020204" pitchFamily="34" charset="0"/>
             </a:endParaRPr>
           </a:p>
         </p:txBody>
@@ -12679,7 +19642,6 @@
                     </a:solidFill>
                     <a:effectLst/>
                     <a:latin typeface="Arial" panose="020B0604020202020204" pitchFamily="34" charset="0"/>
-                    <a:ea typeface="+mn-ea"/>
                     <a:cs typeface="Arial" panose="020B0604020202020204" pitchFamily="34" charset="0"/>
                   </a:rPr>
                   <a:t>Assignments </a:t>
@@ -12837,7 +19799,6 @@
                     </a:solidFill>
                     <a:effectLst/>
                     <a:latin typeface="Arial" panose="020B0604020202020204" pitchFamily="34" charset="0"/>
-                    <a:ea typeface="+mn-ea"/>
                     <a:cs typeface="Arial" panose="020B0604020202020204" pitchFamily="34" charset="0"/>
                   </a:rPr>
                   <a:t>Exam </a:t>
@@ -13011,7 +19972,6 @@
                     </a:solidFill>
                     <a:effectLst/>
                     <a:latin typeface="Arial" panose="020B0604020202020204" pitchFamily="34" charset="0"/>
-                    <a:ea typeface="+mn-ea"/>
                     <a:cs typeface="Arial" panose="020B0604020202020204" pitchFamily="34" charset="0"/>
                   </a:rPr>
                   <a:t>Course</a:t>
@@ -13169,7 +20129,6 @@
                     </a:solidFill>
                     <a:effectLst/>
                     <a:latin typeface="Arial" panose="020B0604020202020204" pitchFamily="34" charset="0"/>
-                    <a:ea typeface="+mn-ea"/>
                     <a:cs typeface="Arial" panose="020B0604020202020204" pitchFamily="34" charset="0"/>
                   </a:rPr>
                   <a:t>Time Table </a:t>
@@ -13327,7 +20286,6 @@
                     </a:solidFill>
                     <a:effectLst/>
                     <a:latin typeface="Arial" panose="020B0604020202020204" pitchFamily="34" charset="0"/>
-                    <a:ea typeface="+mn-ea"/>
                     <a:cs typeface="Arial" panose="020B0604020202020204" pitchFamily="34" charset="0"/>
                   </a:rPr>
                   <a:t>Discussion </a:t>
@@ -13485,7 +20443,6 @@
                     </a:solidFill>
                     <a:effectLst/>
                     <a:latin typeface="Arial" panose="020B0604020202020204" pitchFamily="34" charset="0"/>
-                    <a:ea typeface="+mn-ea"/>
                     <a:cs typeface="Arial" panose="020B0604020202020204" pitchFamily="34" charset="0"/>
                   </a:rPr>
                   <a:t>Survey </a:t>
@@ -13643,7 +20600,6 @@
                     </a:solidFill>
                     <a:effectLst/>
                     <a:latin typeface="Arial" panose="020B0604020202020204" pitchFamily="34" charset="0"/>
-                    <a:ea typeface="+mn-ea"/>
                     <a:cs typeface="Arial" panose="020B0604020202020204" pitchFamily="34" charset="0"/>
                   </a:rPr>
                   <a:t>Reporting </a:t>
@@ -13801,7 +20757,6 @@
                     </a:solidFill>
                     <a:effectLst/>
                     <a:latin typeface="Arial" panose="020B0604020202020204" pitchFamily="34" charset="0"/>
-                    <a:ea typeface="+mn-ea"/>
                     <a:cs typeface="Arial" panose="020B0604020202020204" pitchFamily="34" charset="0"/>
                   </a:rPr>
                   <a:t>Dashboard </a:t>
@@ -14911,6 +21866,35 @@
           </a:graphicData>
         </a:graphic>
       </p:graphicFrame>
+      <p:sp>
+        <p:nvSpPr>
+          <p:cNvPr id="5" name="Slide Number Placeholder 4">
+            <a:extLst>
+              <a:ext uri="{FF2B5EF4-FFF2-40B4-BE49-F238E27FC236}">
+                <a16:creationId xmlns:a16="http://schemas.microsoft.com/office/drawing/2014/main" id="{829CFC1A-74C7-48FC-9D4D-00FBCF039332}"/>
+              </a:ext>
+            </a:extLst>
+          </p:cNvPr>
+          <p:cNvSpPr>
+            <a:spLocks noGrp="1"/>
+          </p:cNvSpPr>
+          <p:nvPr>
+            <p:ph type="sldNum" sz="quarter" idx="12"/>
+          </p:nvPr>
+        </p:nvSpPr>
+        <p:spPr/>
+        <p:txBody>
+          <a:bodyPr/>
+          <a:lstStyle/>
+          <a:p>
+            <a:fld id="{F1BA8BE5-F97D-4D2A-8B41-D976DF280E9E}" type="slidenum">
+              <a:rPr lang="en-IN" smtClean="0"/>
+              <a:t>4</a:t>
+            </a:fld>
+            <a:endParaRPr lang="en-IN"/>
+          </a:p>
+        </p:txBody>
+      </p:sp>
     </p:spTree>
     <p:extLst>
       <p:ext uri="{BB962C8B-B14F-4D97-AF65-F5344CB8AC3E}">
@@ -14976,6 +21960,8 @@
                     <a:lumMod val="50000"/>
                   </a:schemeClr>
                 </a:solidFill>
+                <a:latin typeface="Arial" panose="020B0604020202020204" pitchFamily="34" charset="0"/>
+                <a:cs typeface="Arial" panose="020B0604020202020204" pitchFamily="34" charset="0"/>
               </a:rPr>
               <a:t>The Discussion Site</a:t>
             </a:r>
@@ -14985,6 +21971,8 @@
                   <a:lumMod val="50000"/>
                 </a:schemeClr>
               </a:solidFill>
+              <a:latin typeface="Arial" panose="020B0604020202020204" pitchFamily="34" charset="0"/>
+              <a:cs typeface="Arial" panose="020B0604020202020204" pitchFamily="34" charset="0"/>
             </a:endParaRPr>
           </a:p>
         </p:txBody>
@@ -15507,7 +22495,6 @@
                     </a:solidFill>
                     <a:effectLst/>
                     <a:latin typeface="Arial" panose="020B0604020202020204" pitchFamily="34" charset="0"/>
-                    <a:ea typeface="+mn-ea"/>
                     <a:cs typeface="Arial" panose="020B0604020202020204" pitchFamily="34" charset="0"/>
                   </a:rPr>
                   <a:t>Assignments </a:t>
@@ -15665,7 +22652,6 @@
                     </a:solidFill>
                     <a:effectLst/>
                     <a:latin typeface="Arial" panose="020B0604020202020204" pitchFamily="34" charset="0"/>
-                    <a:ea typeface="+mn-ea"/>
                     <a:cs typeface="Arial" panose="020B0604020202020204" pitchFamily="34" charset="0"/>
                   </a:rPr>
                   <a:t>Exam </a:t>
@@ -15839,7 +22825,6 @@
                     </a:solidFill>
                     <a:effectLst/>
                     <a:latin typeface="Arial" panose="020B0604020202020204" pitchFamily="34" charset="0"/>
-                    <a:ea typeface="+mn-ea"/>
                     <a:cs typeface="Arial" panose="020B0604020202020204" pitchFamily="34" charset="0"/>
                   </a:rPr>
                   <a:t>Course</a:t>
@@ -15997,7 +22982,6 @@
                     </a:solidFill>
                     <a:effectLst/>
                     <a:latin typeface="Arial" panose="020B0604020202020204" pitchFamily="34" charset="0"/>
-                    <a:ea typeface="+mn-ea"/>
                     <a:cs typeface="Arial" panose="020B0604020202020204" pitchFamily="34" charset="0"/>
                   </a:rPr>
                   <a:t>Time Table </a:t>
@@ -16310,7 +23294,6 @@
                     </a:solidFill>
                     <a:effectLst/>
                     <a:latin typeface="Arial" panose="020B0604020202020204" pitchFamily="34" charset="0"/>
-                    <a:ea typeface="+mn-ea"/>
                     <a:cs typeface="Arial" panose="020B0604020202020204" pitchFamily="34" charset="0"/>
                   </a:rPr>
                   <a:t>Survey </a:t>
@@ -16468,7 +23451,6 @@
                     </a:solidFill>
                     <a:effectLst/>
                     <a:latin typeface="Arial" panose="020B0604020202020204" pitchFamily="34" charset="0"/>
-                    <a:ea typeface="+mn-ea"/>
                     <a:cs typeface="Arial" panose="020B0604020202020204" pitchFamily="34" charset="0"/>
                   </a:rPr>
                   <a:t>Reporting </a:t>
@@ -16626,7 +23608,6 @@
                     </a:solidFill>
                     <a:effectLst/>
                     <a:latin typeface="Arial" panose="020B0604020202020204" pitchFamily="34" charset="0"/>
-                    <a:ea typeface="+mn-ea"/>
                     <a:cs typeface="Arial" panose="020B0604020202020204" pitchFamily="34" charset="0"/>
                   </a:rPr>
                   <a:t>Dashboard </a:t>
@@ -17573,6 +24554,35 @@
           </a:graphicData>
         </a:graphic>
       </p:graphicFrame>
+      <p:sp>
+        <p:nvSpPr>
+          <p:cNvPr id="5" name="Slide Number Placeholder 4">
+            <a:extLst>
+              <a:ext uri="{FF2B5EF4-FFF2-40B4-BE49-F238E27FC236}">
+                <a16:creationId xmlns:a16="http://schemas.microsoft.com/office/drawing/2014/main" id="{B5A29271-9F7D-4E46-A567-7C1B83EF9DC5}"/>
+              </a:ext>
+            </a:extLst>
+          </p:cNvPr>
+          <p:cNvSpPr>
+            <a:spLocks noGrp="1"/>
+          </p:cNvSpPr>
+          <p:nvPr>
+            <p:ph type="sldNum" sz="quarter" idx="12"/>
+          </p:nvPr>
+        </p:nvSpPr>
+        <p:spPr/>
+        <p:txBody>
+          <a:bodyPr/>
+          <a:lstStyle/>
+          <a:p>
+            <a:fld id="{F1BA8BE5-F97D-4D2A-8B41-D976DF280E9E}" type="slidenum">
+              <a:rPr lang="en-IN" smtClean="0"/>
+              <a:t>5</a:t>
+            </a:fld>
+            <a:endParaRPr lang="en-IN"/>
+          </a:p>
+        </p:txBody>
+      </p:sp>
     </p:spTree>
     <p:extLst>
       <p:ext uri="{BB962C8B-B14F-4D97-AF65-F5344CB8AC3E}">
@@ -17638,6 +24648,8 @@
                     <a:lumMod val="50000"/>
                   </a:schemeClr>
                 </a:solidFill>
+                <a:latin typeface="Arial" panose="020B0604020202020204" pitchFamily="34" charset="0"/>
+                <a:cs typeface="Arial" panose="020B0604020202020204" pitchFamily="34" charset="0"/>
               </a:rPr>
               <a:t>The Dashboards</a:t>
             </a:r>
@@ -17647,6 +24659,8 @@
                   <a:lumMod val="50000"/>
                 </a:schemeClr>
               </a:solidFill>
+              <a:latin typeface="Arial" panose="020B0604020202020204" pitchFamily="34" charset="0"/>
+              <a:cs typeface="Arial" panose="020B0604020202020204" pitchFamily="34" charset="0"/>
             </a:endParaRPr>
           </a:p>
         </p:txBody>
@@ -18169,7 +25183,6 @@
                     </a:solidFill>
                     <a:effectLst/>
                     <a:latin typeface="Arial" panose="020B0604020202020204" pitchFamily="34" charset="0"/>
-                    <a:ea typeface="+mn-ea"/>
                     <a:cs typeface="Arial" panose="020B0604020202020204" pitchFamily="34" charset="0"/>
                   </a:rPr>
                   <a:t>Assignments </a:t>
@@ -18327,7 +25340,6 @@
                     </a:solidFill>
                     <a:effectLst/>
                     <a:latin typeface="Arial" panose="020B0604020202020204" pitchFamily="34" charset="0"/>
-                    <a:ea typeface="+mn-ea"/>
                     <a:cs typeface="Arial" panose="020B0604020202020204" pitchFamily="34" charset="0"/>
                   </a:rPr>
                   <a:t>Exam </a:t>
@@ -18501,7 +25513,6 @@
                     </a:solidFill>
                     <a:effectLst/>
                     <a:latin typeface="Arial" panose="020B0604020202020204" pitchFamily="34" charset="0"/>
-                    <a:ea typeface="+mn-ea"/>
                     <a:cs typeface="Arial" panose="020B0604020202020204" pitchFamily="34" charset="0"/>
                   </a:rPr>
                   <a:t>Course</a:t>
@@ -18659,7 +25670,6 @@
                     </a:solidFill>
                     <a:effectLst/>
                     <a:latin typeface="Arial" panose="020B0604020202020204" pitchFamily="34" charset="0"/>
-                    <a:ea typeface="+mn-ea"/>
                     <a:cs typeface="Arial" panose="020B0604020202020204" pitchFamily="34" charset="0"/>
                   </a:rPr>
                   <a:t>Time Table </a:t>
@@ -18964,7 +25974,6 @@
                     </a:solidFill>
                     <a:effectLst/>
                     <a:latin typeface="Arial" panose="020B0604020202020204" pitchFamily="34" charset="0"/>
-                    <a:ea typeface="+mn-ea"/>
                     <a:cs typeface="Arial" panose="020B0604020202020204" pitchFamily="34" charset="0"/>
                   </a:rPr>
                   <a:t>Survey </a:t>
@@ -19122,7 +26131,6 @@
                     </a:solidFill>
                     <a:effectLst/>
                     <a:latin typeface="Arial" panose="020B0604020202020204" pitchFamily="34" charset="0"/>
-                    <a:ea typeface="+mn-ea"/>
                     <a:cs typeface="Arial" panose="020B0604020202020204" pitchFamily="34" charset="0"/>
                   </a:rPr>
                   <a:t>Reporting </a:t>
@@ -20308,6 +27316,35 @@
           </a:graphicData>
         </a:graphic>
       </p:graphicFrame>
+      <p:sp>
+        <p:nvSpPr>
+          <p:cNvPr id="5" name="Slide Number Placeholder 4">
+            <a:extLst>
+              <a:ext uri="{FF2B5EF4-FFF2-40B4-BE49-F238E27FC236}">
+                <a16:creationId xmlns:a16="http://schemas.microsoft.com/office/drawing/2014/main" id="{7BB5CAA3-F4DE-461C-8AC3-0C741E1D4E47}"/>
+              </a:ext>
+            </a:extLst>
+          </p:cNvPr>
+          <p:cNvSpPr>
+            <a:spLocks noGrp="1"/>
+          </p:cNvSpPr>
+          <p:nvPr>
+            <p:ph type="sldNum" sz="quarter" idx="12"/>
+          </p:nvPr>
+        </p:nvSpPr>
+        <p:spPr/>
+        <p:txBody>
+          <a:bodyPr/>
+          <a:lstStyle/>
+          <a:p>
+            <a:fld id="{F1BA8BE5-F97D-4D2A-8B41-D976DF280E9E}" type="slidenum">
+              <a:rPr lang="en-IN" smtClean="0"/>
+              <a:t>6</a:t>
+            </a:fld>
+            <a:endParaRPr lang="en-IN"/>
+          </a:p>
+        </p:txBody>
+      </p:sp>
     </p:spTree>
     <p:extLst>
       <p:ext uri="{BB962C8B-B14F-4D97-AF65-F5344CB8AC3E}">
@@ -20373,6 +27410,8 @@
                     <a:lumMod val="50000"/>
                   </a:schemeClr>
                 </a:solidFill>
+                <a:latin typeface="Arial" panose="020B0604020202020204" pitchFamily="34" charset="0"/>
+                <a:cs typeface="Arial" panose="020B0604020202020204" pitchFamily="34" charset="0"/>
               </a:rPr>
               <a:t>The Time Table</a:t>
             </a:r>
@@ -20382,6 +27421,8 @@
                   <a:lumMod val="50000"/>
                 </a:schemeClr>
               </a:solidFill>
+              <a:latin typeface="Arial" panose="020B0604020202020204" pitchFamily="34" charset="0"/>
+              <a:cs typeface="Arial" panose="020B0604020202020204" pitchFamily="34" charset="0"/>
             </a:endParaRPr>
           </a:p>
         </p:txBody>
@@ -20904,7 +27945,6 @@
                     </a:solidFill>
                     <a:effectLst/>
                     <a:latin typeface="Arial" panose="020B0604020202020204" pitchFamily="34" charset="0"/>
-                    <a:ea typeface="+mn-ea"/>
                     <a:cs typeface="Arial" panose="020B0604020202020204" pitchFamily="34" charset="0"/>
                   </a:rPr>
                   <a:t>Assignments </a:t>
@@ -21062,7 +28102,6 @@
                     </a:solidFill>
                     <a:effectLst/>
                     <a:latin typeface="Arial" panose="020B0604020202020204" pitchFamily="34" charset="0"/>
-                    <a:ea typeface="+mn-ea"/>
                     <a:cs typeface="Arial" panose="020B0604020202020204" pitchFamily="34" charset="0"/>
                   </a:rPr>
                   <a:t>Exam </a:t>
@@ -21236,7 +28275,6 @@
                     </a:solidFill>
                     <a:effectLst/>
                     <a:latin typeface="Arial" panose="020B0604020202020204" pitchFamily="34" charset="0"/>
-                    <a:ea typeface="+mn-ea"/>
                     <a:cs typeface="Arial" panose="020B0604020202020204" pitchFamily="34" charset="0"/>
                   </a:rPr>
                   <a:t>Course</a:t>
@@ -21696,7 +28734,6 @@
                     </a:solidFill>
                     <a:effectLst/>
                     <a:latin typeface="Arial" panose="020B0604020202020204" pitchFamily="34" charset="0"/>
-                    <a:ea typeface="+mn-ea"/>
                     <a:cs typeface="Arial" panose="020B0604020202020204" pitchFamily="34" charset="0"/>
                   </a:rPr>
                   <a:t>Survey </a:t>
@@ -21854,7 +28891,6 @@
                     </a:solidFill>
                     <a:effectLst/>
                     <a:latin typeface="Arial" panose="020B0604020202020204" pitchFamily="34" charset="0"/>
-                    <a:ea typeface="+mn-ea"/>
                     <a:cs typeface="Arial" panose="020B0604020202020204" pitchFamily="34" charset="0"/>
                   </a:rPr>
                   <a:t>Reporting </a:t>
@@ -22730,7 +29766,7 @@
         </p:nvGraphicFramePr>
         <p:xfrm>
           <a:off x="6857494" y="1287202"/>
-          <a:ext cx="4056583" cy="4293235"/>
+          <a:ext cx="4056583" cy="4404360"/>
         </p:xfrm>
         <a:graphic>
           <a:graphicData uri="http://schemas.openxmlformats.org/drawingml/2006/table">
@@ -23087,6 +30123,35 @@
           </a:graphicData>
         </a:graphic>
       </p:graphicFrame>
+      <p:sp>
+        <p:nvSpPr>
+          <p:cNvPr id="5" name="Slide Number Placeholder 4">
+            <a:extLst>
+              <a:ext uri="{FF2B5EF4-FFF2-40B4-BE49-F238E27FC236}">
+                <a16:creationId xmlns:a16="http://schemas.microsoft.com/office/drawing/2014/main" id="{70D0130A-165F-493F-9698-00F7FC03FE28}"/>
+              </a:ext>
+            </a:extLst>
+          </p:cNvPr>
+          <p:cNvSpPr>
+            <a:spLocks noGrp="1"/>
+          </p:cNvSpPr>
+          <p:nvPr>
+            <p:ph type="sldNum" sz="quarter" idx="12"/>
+          </p:nvPr>
+        </p:nvSpPr>
+        <p:spPr/>
+        <p:txBody>
+          <a:bodyPr/>
+          <a:lstStyle/>
+          <a:p>
+            <a:fld id="{F1BA8BE5-F97D-4D2A-8B41-D976DF280E9E}" type="slidenum">
+              <a:rPr lang="en-IN" smtClean="0"/>
+              <a:t>7</a:t>
+            </a:fld>
+            <a:endParaRPr lang="en-IN"/>
+          </a:p>
+        </p:txBody>
+      </p:sp>
     </p:spTree>
     <p:extLst>
       <p:ext uri="{BB962C8B-B14F-4D97-AF65-F5344CB8AC3E}">
@@ -23152,8 +30217,10 @@
                     <a:lumMod val="50000"/>
                   </a:schemeClr>
                 </a:solidFill>
+                <a:latin typeface="Arial" panose="020B0604020202020204" pitchFamily="34" charset="0"/>
+                <a:cs typeface="Arial" panose="020B0604020202020204" pitchFamily="34" charset="0"/>
               </a:rPr>
-              <a:t>The Survey</a:t>
+              <a:t>Exam</a:t>
             </a:r>
             <a:endParaRPr lang="en-IN" dirty="0">
               <a:solidFill>
@@ -23161,6 +30228,8 @@
                   <a:lumMod val="50000"/>
                 </a:schemeClr>
               </a:solidFill>
+              <a:latin typeface="Arial" panose="020B0604020202020204" pitchFamily="34" charset="0"/>
+              <a:cs typeface="Arial" panose="020B0604020202020204" pitchFamily="34" charset="0"/>
             </a:endParaRPr>
           </a:p>
         </p:txBody>
@@ -23657,19 +30726,45 @@
                 </a:lvl9pPr>
               </a:lstStyle>
               <a:p>
-                <a:pPr algn="ctr"/>
+                <a:pPr marL="0" marR="0" lvl="0" indent="0" algn="ctr" defTabSz="914400" eaLnBrk="1" fontAlgn="auto" latinLnBrk="0" hangingPunct="1">
+                  <a:lnSpc>
+                    <a:spcPct val="100000"/>
+                  </a:lnSpc>
+                  <a:spcBef>
+                    <a:spcPts val="0"/>
+                  </a:spcBef>
+                  <a:spcAft>
+                    <a:spcPts val="0"/>
+                  </a:spcAft>
+                  <a:buClrTx/>
+                  <a:buSzTx/>
+                  <a:buFontTx/>
+                  <a:buNone/>
+                  <a:tabLst/>
+                  <a:defRPr/>
+                </a:pPr>
                 <a:r>
-                  <a:rPr lang="en-IN" sz="1200" b="1" dirty="0">
+                  <a:rPr lang="en-IN" sz="1200" b="1">
                     <a:solidFill>
                       <a:schemeClr val="bg1">
                         <a:lumMod val="50000"/>
                       </a:schemeClr>
                     </a:solidFill>
+                    <a:effectLst/>
                     <a:latin typeface="Arial" panose="020B0604020202020204" pitchFamily="34" charset="0"/>
                     <a:cs typeface="Arial" panose="020B0604020202020204" pitchFamily="34" charset="0"/>
                   </a:rPr>
                   <a:t>Assignments </a:t>
                 </a:r>
+                <a:endParaRPr lang="en-IN" sz="1200" b="1">
+                  <a:solidFill>
+                    <a:schemeClr val="bg1">
+                      <a:lumMod val="50000"/>
+                    </a:schemeClr>
+                  </a:solidFill>
+                  <a:latin typeface="Arial" panose="020B0604020202020204" pitchFamily="34" charset="0"/>
+                  <a:cs typeface="Arial" panose="020B0604020202020204" pitchFamily="34" charset="0"/>
+                </a:endParaRPr>
               </a:p>
             </p:txBody>
           </p:sp>
@@ -23693,7 +30788,15 @@
               <a:prstGeom prst="rect">
                 <a:avLst/>
               </a:prstGeom>
+              <a:solidFill>
+                <a:schemeClr val="accent1">
+                  <a:lumMod val="75000"/>
+                </a:schemeClr>
+              </a:solidFill>
               <a:ln/>
+              <a:effectLst>
+                <a:reflection blurRad="6350" stA="50000" endA="300" endPos="55000" dir="5400000" sy="-100000" algn="bl" rotWithShape="0"/>
+              </a:effectLst>
             </p:spPr>
             <p:style>
               <a:lnRef idx="2">
@@ -23806,10 +30909,10 @@
               <a:p>
                 <a:pPr algn="ctr"/>
                 <a:r>
-                  <a:rPr lang="en-IN" sz="1200" b="1" dirty="0">
+                  <a:rPr lang="en-IN" sz="1200" b="1">
                     <a:solidFill>
                       <a:schemeClr val="bg1">
-                        <a:lumMod val="50000"/>
+                        <a:lumMod val="65000"/>
                       </a:schemeClr>
                     </a:solidFill>
                     <a:latin typeface="Arial" panose="020B0604020202020204" pitchFamily="34" charset="0"/>
@@ -23977,11 +31080,19 @@
                     </a:solidFill>
                     <a:effectLst/>
                     <a:latin typeface="Arial" panose="020B0604020202020204" pitchFamily="34" charset="0"/>
-                    <a:ea typeface="+mn-ea"/>
                     <a:cs typeface="Arial" panose="020B0604020202020204" pitchFamily="34" charset="0"/>
                   </a:rPr>
                   <a:t>Course</a:t>
                 </a:r>
+                <a:endParaRPr lang="en-IN" sz="1200" b="1" dirty="0">
+                  <a:solidFill>
+                    <a:schemeClr val="bg1">
+                      <a:lumMod val="50000"/>
+                    </a:schemeClr>
+                  </a:solidFill>
+                  <a:latin typeface="Arial" panose="020B0604020202020204" pitchFamily="34" charset="0"/>
+                  <a:cs typeface="Arial" panose="020B0604020202020204" pitchFamily="34" charset="0"/>
+                </a:endParaRPr>
               </a:p>
             </p:txBody>
           </p:sp>
@@ -24299,15 +31410,7 @@
               <a:prstGeom prst="rect">
                 <a:avLst/>
               </a:prstGeom>
-              <a:solidFill>
-                <a:schemeClr val="accent1">
-                  <a:lumMod val="75000"/>
-                </a:schemeClr>
-              </a:solidFill>
               <a:ln/>
-              <a:effectLst>
-                <a:reflection blurRad="6350" stA="50000" endA="300" endPos="55000" dir="5400000" sy="-100000" algn="bl" rotWithShape="0"/>
-              </a:effectLst>
             </p:spPr>
             <p:style>
               <a:lnRef idx="2">
@@ -24420,17 +31523,27 @@
               <a:p>
                 <a:pPr algn="ctr"/>
                 <a:r>
-                  <a:rPr lang="en-IN" sz="1200" b="1" dirty="0">
+                  <a:rPr lang="en-IN" sz="1200" b="1">
                     <a:solidFill>
                       <a:schemeClr val="bg1">
-                        <a:lumMod val="65000"/>
+                        <a:lumMod val="50000"/>
                       </a:schemeClr>
                     </a:solidFill>
+                    <a:effectLst/>
                     <a:latin typeface="Arial" panose="020B0604020202020204" pitchFamily="34" charset="0"/>
                     <a:cs typeface="Arial" panose="020B0604020202020204" pitchFamily="34" charset="0"/>
                   </a:rPr>
                   <a:t>Survey </a:t>
                 </a:r>
+                <a:endParaRPr lang="en-IN" sz="1200" b="1">
+                  <a:solidFill>
+                    <a:schemeClr val="bg1">
+                      <a:lumMod val="50000"/>
+                    </a:schemeClr>
+                  </a:solidFill>
+                  <a:latin typeface="Arial" panose="020B0604020202020204" pitchFamily="34" charset="0"/>
+                  <a:cs typeface="Arial" panose="020B0604020202020204" pitchFamily="34" charset="0"/>
+                </a:endParaRPr>
               </a:p>
             </p:txBody>
           </p:sp>
@@ -24575,7 +31688,6 @@
                     </a:solidFill>
                     <a:effectLst/>
                     <a:latin typeface="Arial" panose="020B0604020202020204" pitchFamily="34" charset="0"/>
-                    <a:ea typeface="+mn-ea"/>
                     <a:cs typeface="Arial" panose="020B0604020202020204" pitchFamily="34" charset="0"/>
                   </a:rPr>
                   <a:t>Reporting </a:t>
@@ -25444,14 +32556,14 @@
           <p:nvPr>
             <p:extLst>
               <p:ext uri="{D42A27DB-BD31-4B8C-83A1-F6EECF244321}">
-                <p14:modId xmlns:p14="http://schemas.microsoft.com/office/powerpoint/2010/main" val="343537343"/>
+                <p14:modId xmlns:p14="http://schemas.microsoft.com/office/powerpoint/2010/main" val="1662100610"/>
               </p:ext>
             </p:extLst>
           </p:nvPr>
         </p:nvGraphicFramePr>
         <p:xfrm>
           <a:off x="6857494" y="1287202"/>
-          <a:ext cx="4056583" cy="3821693"/>
+          <a:ext cx="4056583" cy="3874135"/>
         </p:xfrm>
         <a:graphic>
           <a:graphicData uri="http://schemas.openxmlformats.org/drawingml/2006/table">
@@ -25483,16 +32595,6 @@
                     <a:lstStyle/>
                     <a:p>
                       <a:r>
-                        <a:rPr lang="en-US" dirty="0">
-                          <a:solidFill>
-                            <a:schemeClr val="bg1">
-                              <a:lumMod val="50000"/>
-                            </a:schemeClr>
-                          </a:solidFill>
-                        </a:rPr>
-                        <a:t>Survey</a:t>
-                      </a:r>
-                      <a:r>
                         <a:rPr lang="en-IN" dirty="0">
                           <a:solidFill>
                             <a:schemeClr val="bg1">
@@ -25500,7 +32602,7 @@
                             </a:schemeClr>
                           </a:solidFill>
                         </a:rPr>
-                        <a:t> :</a:t>
+                        <a:t>Exam :</a:t>
                       </a:r>
                     </a:p>
                     <a:p>
@@ -25529,7 +32631,7 @@
                             </a:schemeClr>
                           </a:solidFill>
                         </a:rPr>
-                        <a:t>Share and Collect</a:t>
+                        <a:t>Multiple Evaluation Methods</a:t>
                       </a:r>
                     </a:p>
                     <a:p>
@@ -25558,7 +32660,7 @@
                             </a:schemeClr>
                           </a:solidFill>
                         </a:rPr>
-                        <a:t>Analyse</a:t>
+                        <a:t>Online Exams</a:t>
                       </a:r>
                     </a:p>
                     <a:p>
@@ -25587,7 +32689,36 @@
                             </a:schemeClr>
                           </a:solidFill>
                         </a:rPr>
-                        <a:t>Simple and Intuitive</a:t>
+                        <a:t>Automated Report Card</a:t>
+                      </a:r>
+                    </a:p>
+                    <a:p>
+                      <a:pPr marL="742950" marR="0" lvl="1" indent="-285750" algn="l" defTabSz="914400" rtl="0" eaLnBrk="1" fontAlgn="auto" latinLnBrk="0" hangingPunct="1">
+                        <a:lnSpc>
+                          <a:spcPct val="250000"/>
+                        </a:lnSpc>
+                        <a:spcBef>
+                          <a:spcPts val="0"/>
+                        </a:spcBef>
+                        <a:spcAft>
+                          <a:spcPts val="0"/>
+                        </a:spcAft>
+                        <a:buClrTx/>
+                        <a:buSzTx/>
+                        <a:buFont typeface="Arial" panose="020B0604020202020204" pitchFamily="34" charset="0"/>
+                        <a:buChar char="•"/>
+                        <a:tabLst/>
+                        <a:defRPr/>
+                      </a:pPr>
+                      <a:r>
+                        <a:rPr lang="en-IN" sz="1100" dirty="0">
+                          <a:solidFill>
+                            <a:schemeClr val="bg1">
+                              <a:lumMod val="50000"/>
+                            </a:schemeClr>
+                          </a:solidFill>
+                        </a:rPr>
+                        <a:t>Statistical Reports and Charts</a:t>
                       </a:r>
                     </a:p>
                     <a:p>
@@ -25747,10 +32878,39 @@
           </a:graphicData>
         </a:graphic>
       </p:graphicFrame>
+      <p:sp>
+        <p:nvSpPr>
+          <p:cNvPr id="5" name="Slide Number Placeholder 4">
+            <a:extLst>
+              <a:ext uri="{FF2B5EF4-FFF2-40B4-BE49-F238E27FC236}">
+                <a16:creationId xmlns:a16="http://schemas.microsoft.com/office/drawing/2014/main" id="{14DDD70A-25CE-49AC-9D1A-72F670FD2F76}"/>
+              </a:ext>
+            </a:extLst>
+          </p:cNvPr>
+          <p:cNvSpPr>
+            <a:spLocks noGrp="1"/>
+          </p:cNvSpPr>
+          <p:nvPr>
+            <p:ph type="sldNum" sz="quarter" idx="12"/>
+          </p:nvPr>
+        </p:nvSpPr>
+        <p:spPr/>
+        <p:txBody>
+          <a:bodyPr/>
+          <a:lstStyle/>
+          <a:p>
+            <a:fld id="{F1BA8BE5-F97D-4D2A-8B41-D976DF280E9E}" type="slidenum">
+              <a:rPr lang="en-IN" smtClean="0"/>
+              <a:t>8</a:t>
+            </a:fld>
+            <a:endParaRPr lang="en-IN"/>
+          </a:p>
+        </p:txBody>
+      </p:sp>
     </p:spTree>
     <p:extLst>
       <p:ext uri="{BB962C8B-B14F-4D97-AF65-F5344CB8AC3E}">
-        <p14:creationId xmlns:p14="http://schemas.microsoft.com/office/powerpoint/2010/main" val="1132445227"/>
+        <p14:creationId xmlns:p14="http://schemas.microsoft.com/office/powerpoint/2010/main" val="3457171762"/>
       </p:ext>
     </p:extLst>
   </p:cSld>
@@ -25812,8 +32972,10 @@
                     <a:lumMod val="50000"/>
                   </a:schemeClr>
                 </a:solidFill>
+                <a:latin typeface="Arial" panose="020B0604020202020204" pitchFamily="34" charset="0"/>
+                <a:cs typeface="Arial" panose="020B0604020202020204" pitchFamily="34" charset="0"/>
               </a:rPr>
-              <a:t>The Courses Portal</a:t>
+              <a:t>The Assignment</a:t>
             </a:r>
             <a:endParaRPr lang="en-IN" dirty="0">
               <a:solidFill>
@@ -25821,6 +32983,8 @@
                   <a:lumMod val="50000"/>
                 </a:schemeClr>
               </a:solidFill>
+              <a:latin typeface="Arial" panose="020B0604020202020204" pitchFamily="34" charset="0"/>
+              <a:cs typeface="Arial" panose="020B0604020202020204" pitchFamily="34" charset="0"/>
             </a:endParaRPr>
           </a:p>
         </p:txBody>
@@ -26206,7 +33370,15 @@
               <a:prstGeom prst="rect">
                 <a:avLst/>
               </a:prstGeom>
+              <a:solidFill>
+                <a:schemeClr val="accent1">
+                  <a:lumMod val="75000"/>
+                </a:schemeClr>
+              </a:solidFill>
               <a:ln/>
+              <a:effectLst>
+                <a:reflection blurRad="6350" stA="50000" endA="300" endPos="55000" dir="5400000" sy="-100000" algn="bl" rotWithShape="0"/>
+              </a:effectLst>
             </p:spPr>
             <p:style>
               <a:lnRef idx="2">
@@ -26322,13 +33494,13 @@
                   <a:rPr lang="en-IN" sz="1200" b="1" dirty="0">
                     <a:solidFill>
                       <a:schemeClr val="bg1">
-                        <a:lumMod val="50000"/>
+                        <a:lumMod val="65000"/>
                       </a:schemeClr>
                     </a:solidFill>
                     <a:latin typeface="Arial" panose="020B0604020202020204" pitchFamily="34" charset="0"/>
                     <a:cs typeface="Arial" panose="020B0604020202020204" pitchFamily="34" charset="0"/>
                   </a:rPr>
-                  <a:t>Assignments </a:t>
+                  <a:t>Assignment </a:t>
                 </a:r>
               </a:p>
             </p:txBody>
@@ -26466,17 +33638,27 @@
               <a:p>
                 <a:pPr algn="ctr"/>
                 <a:r>
-                  <a:rPr lang="en-IN" sz="1200" b="1" dirty="0">
+                  <a:rPr lang="en-IN" sz="1200" b="1">
                     <a:solidFill>
                       <a:schemeClr val="bg1">
                         <a:lumMod val="50000"/>
                       </a:schemeClr>
                     </a:solidFill>
+                    <a:effectLst/>
                     <a:latin typeface="Arial" panose="020B0604020202020204" pitchFamily="34" charset="0"/>
                     <a:cs typeface="Arial" panose="020B0604020202020204" pitchFamily="34" charset="0"/>
                   </a:rPr>
                   <a:t>Exam </a:t>
                 </a:r>
+                <a:endParaRPr lang="en-IN" sz="1200" b="1">
+                  <a:solidFill>
+                    <a:schemeClr val="bg1">
+                      <a:lumMod val="50000"/>
+                    </a:schemeClr>
+                  </a:solidFill>
+                  <a:latin typeface="Arial" panose="020B0604020202020204" pitchFamily="34" charset="0"/>
+                  <a:cs typeface="Arial" panose="020B0604020202020204" pitchFamily="34" charset="0"/>
+                </a:endParaRPr>
               </a:p>
             </p:txBody>
           </p:sp>
@@ -26500,15 +33682,7 @@
               <a:prstGeom prst="rect">
                 <a:avLst/>
               </a:prstGeom>
-              <a:solidFill>
-                <a:schemeClr val="accent1">
-                  <a:lumMod val="75000"/>
-                </a:schemeClr>
-              </a:solidFill>
               <a:ln/>
-              <a:effectLst>
-                <a:reflection blurRad="6350" stA="50000" endA="300" endPos="55000" dir="5400000" sy="-100000" algn="bl" rotWithShape="0"/>
-              </a:effectLst>
             </p:spPr>
             <p:style>
               <a:lnRef idx="2">
@@ -26619,19 +33793,45 @@
                 </a:lvl9pPr>
               </a:lstStyle>
               <a:p>
-                <a:pPr algn="ctr"/>
+                <a:pPr marL="0" marR="0" lvl="0" indent="0" algn="ctr" defTabSz="914400" eaLnBrk="1" fontAlgn="auto" latinLnBrk="0" hangingPunct="1">
+                  <a:lnSpc>
+                    <a:spcPct val="100000"/>
+                  </a:lnSpc>
+                  <a:spcBef>
+                    <a:spcPts val="0"/>
+                  </a:spcBef>
+                  <a:spcAft>
+                    <a:spcPts val="0"/>
+                  </a:spcAft>
+                  <a:buClrTx/>
+                  <a:buSzTx/>
+                  <a:buFontTx/>
+                  <a:buNone/>
+                  <a:tabLst/>
+                  <a:defRPr/>
+                </a:pPr>
                 <a:r>
-                  <a:rPr lang="en-IN" sz="1200" b="1" dirty="0">
+                  <a:rPr lang="en-IN" sz="1200" b="1" i="0" dirty="0">
                     <a:solidFill>
                       <a:schemeClr val="bg1">
-                        <a:lumMod val="65000"/>
+                        <a:lumMod val="50000"/>
                       </a:schemeClr>
                     </a:solidFill>
+                    <a:effectLst/>
                     <a:latin typeface="Arial" panose="020B0604020202020204" pitchFamily="34" charset="0"/>
                     <a:cs typeface="Arial" panose="020B0604020202020204" pitchFamily="34" charset="0"/>
                   </a:rPr>
                   <a:t>Course</a:t>
                 </a:r>
+                <a:endParaRPr lang="en-IN" sz="1200" b="1" dirty="0">
+                  <a:solidFill>
+                    <a:schemeClr val="bg1">
+                      <a:lumMod val="50000"/>
+                    </a:schemeClr>
+                  </a:solidFill>
+                  <a:latin typeface="Arial" panose="020B0604020202020204" pitchFamily="34" charset="0"/>
+                  <a:cs typeface="Arial" panose="020B0604020202020204" pitchFamily="34" charset="0"/>
+                </a:endParaRPr>
               </a:p>
             </p:txBody>
           </p:sp>
@@ -27062,17 +34262,27 @@
               <a:p>
                 <a:pPr algn="ctr"/>
                 <a:r>
-                  <a:rPr lang="en-IN" sz="1200" b="1" dirty="0">
+                  <a:rPr lang="en-IN" sz="1200" b="1">
                     <a:solidFill>
                       <a:schemeClr val="bg1">
                         <a:lumMod val="50000"/>
                       </a:schemeClr>
                     </a:solidFill>
+                    <a:effectLst/>
                     <a:latin typeface="Arial" panose="020B0604020202020204" pitchFamily="34" charset="0"/>
                     <a:cs typeface="Arial" panose="020B0604020202020204" pitchFamily="34" charset="0"/>
                   </a:rPr>
                   <a:t>Survey </a:t>
                 </a:r>
+                <a:endParaRPr lang="en-IN" sz="1200" b="1">
+                  <a:solidFill>
+                    <a:schemeClr val="bg1">
+                      <a:lumMod val="50000"/>
+                    </a:schemeClr>
+                  </a:solidFill>
+                  <a:latin typeface="Arial" panose="020B0604020202020204" pitchFamily="34" charset="0"/>
+                  <a:cs typeface="Arial" panose="020B0604020202020204" pitchFamily="34" charset="0"/>
+                </a:endParaRPr>
               </a:p>
             </p:txBody>
           </p:sp>
@@ -27217,7 +34427,6 @@
                     </a:solidFill>
                     <a:effectLst/>
                     <a:latin typeface="Arial" panose="020B0604020202020204" pitchFamily="34" charset="0"/>
-                    <a:ea typeface="+mn-ea"/>
                     <a:cs typeface="Arial" panose="020B0604020202020204" pitchFamily="34" charset="0"/>
                   </a:rPr>
                   <a:t>Reporting </a:t>
@@ -28086,14 +35295,14 @@
           <p:nvPr>
             <p:extLst>
               <p:ext uri="{D42A27DB-BD31-4B8C-83A1-F6EECF244321}">
-                <p14:modId xmlns:p14="http://schemas.microsoft.com/office/powerpoint/2010/main" val="2566077829"/>
+                <p14:modId xmlns:p14="http://schemas.microsoft.com/office/powerpoint/2010/main" val="2745816559"/>
               </p:ext>
             </p:extLst>
           </p:nvPr>
         </p:nvGraphicFramePr>
         <p:xfrm>
-          <a:off x="6186376" y="689103"/>
-          <a:ext cx="3049903" cy="5550535"/>
+          <a:off x="6857494" y="1287202"/>
+          <a:ext cx="4056583" cy="3874135"/>
         </p:xfrm>
         <a:graphic>
           <a:graphicData uri="http://schemas.openxmlformats.org/drawingml/2006/table">
@@ -28110,7 +35319,7 @@
                 <a:tableStyleId>{5C22544A-7EE6-4342-B048-85BDC9FD1C3A}</a:tableStyleId>
               </a:tblPr>
               <a:tblGrid>
-                <a:gridCol w="3049903">
+                <a:gridCol w="4056583">
                   <a:extLst>
                     <a:ext uri="{9D8B030D-6E8A-4147-A177-3AD203B41FA5}">
                       <a16:colId xmlns:a16="http://schemas.microsoft.com/office/drawing/2014/main" val="4231490580"/>
@@ -28118,22 +35327,12 @@
                   </a:extLst>
                 </a:gridCol>
               </a:tblGrid>
-              <a:tr h="5020607">
+              <a:tr h="3821693">
                 <a:tc>
                   <a:txBody>
                     <a:bodyPr/>
                     <a:lstStyle/>
                     <a:p>
-                      <a:r>
-                        <a:rPr lang="en-US" dirty="0">
-                          <a:solidFill>
-                            <a:schemeClr val="bg1">
-                              <a:lumMod val="50000"/>
-                            </a:schemeClr>
-                          </a:solidFill>
-                        </a:rPr>
-                        <a:t>Courses</a:t>
-                      </a:r>
                       <a:r>
                         <a:rPr lang="en-IN" dirty="0">
                           <a:solidFill>
@@ -28142,72 +35341,7 @@
                             </a:schemeClr>
                           </a:solidFill>
                         </a:rPr>
-                        <a:t> :</a:t>
-                      </a:r>
-                    </a:p>
-                    <a:p>
-                      <a:pPr marL="742950" marR="0" lvl="1" indent="-285750" algn="l" defTabSz="914400" rtl="0" eaLnBrk="1" fontAlgn="auto" latinLnBrk="0" hangingPunct="1">
-                        <a:lnSpc>
-                          <a:spcPct val="250000"/>
-                        </a:lnSpc>
-                        <a:spcBef>
-                          <a:spcPts val="0"/>
-                        </a:spcBef>
-                        <a:spcAft>
-                          <a:spcPts val="0"/>
-                        </a:spcAft>
-                        <a:buClrTx/>
-                        <a:buSzTx/>
-                        <a:buFont typeface="Arial" panose="020B0604020202020204" pitchFamily="34" charset="0"/>
-                        <a:buChar char="•"/>
-                        <a:tabLst/>
-                        <a:defRPr/>
-                      </a:pPr>
-                      <a:r>
-                        <a:rPr lang="en-IN" sz="1100" dirty="0" err="1">
-                          <a:solidFill>
-                            <a:schemeClr val="bg1">
-                              <a:lumMod val="50000"/>
-                            </a:schemeClr>
-                          </a:solidFill>
-                        </a:rPr>
-                        <a:t>Curriculam</a:t>
-                      </a:r>
-                      <a:endParaRPr lang="en-IN" sz="1100" dirty="0">
-                        <a:solidFill>
-                          <a:schemeClr val="bg1">
-                            <a:lumMod val="50000"/>
-                          </a:schemeClr>
-                        </a:solidFill>
-                      </a:endParaRPr>
-                    </a:p>
-                    <a:p>
-                      <a:pPr marL="742950" marR="0" lvl="1" indent="-285750" algn="l" defTabSz="914400" rtl="0" eaLnBrk="1" fontAlgn="auto" latinLnBrk="0" hangingPunct="1">
-                        <a:lnSpc>
-                          <a:spcPct val="250000"/>
-                        </a:lnSpc>
-                        <a:spcBef>
-                          <a:spcPts val="0"/>
-                        </a:spcBef>
-                        <a:spcAft>
-                          <a:spcPts val="0"/>
-                        </a:spcAft>
-                        <a:buClrTx/>
-                        <a:buSzTx/>
-                        <a:buFont typeface="Arial" panose="020B0604020202020204" pitchFamily="34" charset="0"/>
-                        <a:buChar char="•"/>
-                        <a:tabLst/>
-                        <a:defRPr/>
-                      </a:pPr>
-                      <a:r>
-                        <a:rPr lang="en-IN" sz="1100" dirty="0">
-                          <a:solidFill>
-                            <a:schemeClr val="bg1">
-                              <a:lumMod val="50000"/>
-                            </a:schemeClr>
-                          </a:solidFill>
-                        </a:rPr>
-                        <a:t>Lesson Plan</a:t>
+                        <a:t>Assignments :</a:t>
                       </a:r>
                     </a:p>
                     <a:p>
@@ -28236,72 +35370,7 @@
                             </a:schemeClr>
                           </a:solidFill>
                         </a:rPr>
-                        <a:t>Course Hierarchy</a:t>
-                      </a:r>
-                    </a:p>
-                    <a:p>
-                      <a:pPr marL="742950" marR="0" lvl="1" indent="-285750" algn="l" defTabSz="914400" rtl="0" eaLnBrk="1" fontAlgn="auto" latinLnBrk="0" hangingPunct="1">
-                        <a:lnSpc>
-                          <a:spcPct val="250000"/>
-                        </a:lnSpc>
-                        <a:spcBef>
-                          <a:spcPts val="0"/>
-                        </a:spcBef>
-                        <a:spcAft>
-                          <a:spcPts val="0"/>
-                        </a:spcAft>
-                        <a:buClrTx/>
-                        <a:buSzTx/>
-                        <a:buFont typeface="Arial" panose="020B0604020202020204" pitchFamily="34" charset="0"/>
-                        <a:buChar char="•"/>
-                        <a:tabLst/>
-                        <a:defRPr/>
-                      </a:pPr>
-                      <a:r>
-                        <a:rPr lang="en-IN" sz="1100" dirty="0" err="1">
-                          <a:solidFill>
-                            <a:schemeClr val="bg1">
-                              <a:lumMod val="50000"/>
-                            </a:schemeClr>
-                          </a:solidFill>
-                        </a:rPr>
-                        <a:t>TimeTable</a:t>
-                      </a:r>
-                      <a:endParaRPr lang="en-IN" sz="1100" dirty="0">
-                        <a:solidFill>
-                          <a:schemeClr val="bg1">
-                            <a:lumMod val="50000"/>
-                          </a:schemeClr>
-                        </a:solidFill>
-                      </a:endParaRPr>
-                    </a:p>
-                    <a:p>
-                      <a:pPr marL="742950" marR="0" lvl="1" indent="-285750" algn="l" defTabSz="914400" rtl="0" eaLnBrk="1" fontAlgn="auto" latinLnBrk="0" hangingPunct="1">
-                        <a:lnSpc>
-                          <a:spcPct val="250000"/>
-                        </a:lnSpc>
-                        <a:spcBef>
-                          <a:spcPts val="0"/>
-                        </a:spcBef>
-                        <a:spcAft>
-                          <a:spcPts val="0"/>
-                        </a:spcAft>
-                        <a:buClrTx/>
-                        <a:buSzTx/>
-                        <a:buFont typeface="Arial" panose="020B0604020202020204" pitchFamily="34" charset="0"/>
-                        <a:buChar char="•"/>
-                        <a:tabLst/>
-                        <a:defRPr/>
-                      </a:pPr>
-                      <a:r>
-                        <a:rPr lang="en-IN" sz="1100" dirty="0">
-                          <a:solidFill>
-                            <a:schemeClr val="bg1">
-                              <a:lumMod val="50000"/>
-                            </a:schemeClr>
-                          </a:solidFill>
-                        </a:rPr>
-                        <a:t>Transcript</a:t>
+                        <a:t>Instant Notifications</a:t>
                       </a:r>
                     </a:p>
                     <a:p>
@@ -28330,7 +35399,7 @@
                             </a:schemeClr>
                           </a:solidFill>
                         </a:rPr>
-                        <a:t>Report Card</a:t>
+                        <a:t>Submission Reminders</a:t>
                       </a:r>
                     </a:p>
                     <a:p>
@@ -28359,7 +35428,7 @@
                             </a:schemeClr>
                           </a:solidFill>
                         </a:rPr>
-                        <a:t>Online Enrolment</a:t>
+                        <a:t>Individual or Group Based Assignment Allocation</a:t>
                       </a:r>
                     </a:p>
                     <a:p>
@@ -28388,7 +35457,7 @@
                             </a:schemeClr>
                           </a:solidFill>
                         </a:rPr>
-                        <a:t>Planned Admissions</a:t>
+                        <a:t>Easy Assignment Attachment with Submission</a:t>
                       </a:r>
                     </a:p>
                     <a:p>
@@ -28417,7 +35486,7 @@
                             </a:schemeClr>
                           </a:solidFill>
                         </a:rPr>
-                        <a:t>Seats Management</a:t>
+                        <a:t>Comment and Feedback For Submission</a:t>
                       </a:r>
                     </a:p>
                     <a:p>
@@ -28438,16 +35507,13 @@
                         <a:tabLst/>
                         <a:defRPr/>
                       </a:pPr>
-                      <a:r>
-                        <a:rPr lang="en-IN" sz="1100" dirty="0">
-                          <a:solidFill>
-                            <a:schemeClr val="bg1">
-                              <a:lumMod val="50000"/>
-                            </a:schemeClr>
-                          </a:solidFill>
-                        </a:rPr>
-                        <a:t>Integrated Communication</a:t>
-                      </a:r>
+                      <a:endParaRPr lang="en-IN" sz="1100" dirty="0">
+                        <a:solidFill>
+                          <a:schemeClr val="bg1">
+                            <a:lumMod val="50000"/>
+                          </a:schemeClr>
+                        </a:solidFill>
+                      </a:endParaRPr>
                     </a:p>
                     <a:p>
                       <a:pPr marL="742950" marR="0" lvl="1" indent="-285750" algn="l" defTabSz="914400" rtl="0" eaLnBrk="1" fontAlgn="auto" latinLnBrk="0" hangingPunct="1">
@@ -28467,16 +35533,13 @@
                         <a:tabLst/>
                         <a:defRPr/>
                       </a:pPr>
-                      <a:r>
-                        <a:rPr lang="en-IN" sz="1100" dirty="0">
-                          <a:solidFill>
-                            <a:schemeClr val="bg1">
-                              <a:lumMod val="50000"/>
-                            </a:schemeClr>
-                          </a:solidFill>
-                        </a:rPr>
-                        <a:t>Document Management</a:t>
-                      </a:r>
+                      <a:endParaRPr lang="en-IN" sz="1100" dirty="0">
+                        <a:solidFill>
+                          <a:schemeClr val="bg1">
+                            <a:lumMod val="50000"/>
+                          </a:schemeClr>
+                        </a:solidFill>
+                      </a:endParaRPr>
                     </a:p>
                     <a:p>
                       <a:pPr marL="742950" marR="0" lvl="1" indent="-285750" algn="l" defTabSz="914400" rtl="0" eaLnBrk="1" fontAlgn="auto" latinLnBrk="0" hangingPunct="1">
@@ -28557,10 +35620,39 @@
           </a:graphicData>
         </a:graphic>
       </p:graphicFrame>
+      <p:sp>
+        <p:nvSpPr>
+          <p:cNvPr id="5" name="Slide Number Placeholder 4">
+            <a:extLst>
+              <a:ext uri="{FF2B5EF4-FFF2-40B4-BE49-F238E27FC236}">
+                <a16:creationId xmlns:a16="http://schemas.microsoft.com/office/drawing/2014/main" id="{91394D8A-A428-47B3-861E-352D5EC1697F}"/>
+              </a:ext>
+            </a:extLst>
+          </p:cNvPr>
+          <p:cNvSpPr>
+            <a:spLocks noGrp="1"/>
+          </p:cNvSpPr>
+          <p:nvPr>
+            <p:ph type="sldNum" sz="quarter" idx="12"/>
+          </p:nvPr>
+        </p:nvSpPr>
+        <p:spPr/>
+        <p:txBody>
+          <a:bodyPr/>
+          <a:lstStyle/>
+          <a:p>
+            <a:fld id="{F1BA8BE5-F97D-4D2A-8B41-D976DF280E9E}" type="slidenum">
+              <a:rPr lang="en-IN" smtClean="0"/>
+              <a:t>9</a:t>
+            </a:fld>
+            <a:endParaRPr lang="en-IN"/>
+          </a:p>
+        </p:txBody>
+      </p:sp>
     </p:spTree>
     <p:extLst>
       <p:ext uri="{BB962C8B-B14F-4D97-AF65-F5344CB8AC3E}">
-        <p14:creationId xmlns:p14="http://schemas.microsoft.com/office/powerpoint/2010/main" val="4217637077"/>
+        <p14:creationId xmlns:p14="http://schemas.microsoft.com/office/powerpoint/2010/main" val="1458680892"/>
       </p:ext>
     </p:extLst>
   </p:cSld>
@@ -28863,4 +35955,299 @@
     </a:ext>
   </a:extLst>
 </a:theme>
+</file>
+
+<file path=ppt/theme/theme2.xml><?xml version="1.0" encoding="utf-8"?>
+<a:theme xmlns:a="http://schemas.openxmlformats.org/drawingml/2006/main" name="Office Theme">
+  <a:themeElements>
+    <a:clrScheme name="Office">
+      <a:dk1>
+        <a:sysClr val="windowText" lastClr="000000"/>
+      </a:dk1>
+      <a:lt1>
+        <a:sysClr val="window" lastClr="FFFFFF"/>
+      </a:lt1>
+      <a:dk2>
+        <a:srgbClr val="44546A"/>
+      </a:dk2>
+      <a:lt2>
+        <a:srgbClr val="E7E6E6"/>
+      </a:lt2>
+      <a:accent1>
+        <a:srgbClr val="4472C4"/>
+      </a:accent1>
+      <a:accent2>
+        <a:srgbClr val="ED7D31"/>
+      </a:accent2>
+      <a:accent3>
+        <a:srgbClr val="A5A5A5"/>
+      </a:accent3>
+      <a:accent4>
+        <a:srgbClr val="FFC000"/>
+      </a:accent4>
+      <a:accent5>
+        <a:srgbClr val="5B9BD5"/>
+      </a:accent5>
+      <a:accent6>
+        <a:srgbClr val="70AD47"/>
+      </a:accent6>
+      <a:hlink>
+        <a:srgbClr val="0563C1"/>
+      </a:hlink>
+      <a:folHlink>
+        <a:srgbClr val="954F72"/>
+      </a:folHlink>
+    </a:clrScheme>
+    <a:fontScheme name="Office">
+      <a:majorFont>
+        <a:latin typeface="Calibri Light" panose="020F0302020204030204"/>
+        <a:ea typeface=""/>
+        <a:cs typeface=""/>
+        <a:font script="Jpan" typeface="游ゴシック Light"/>
+        <a:font script="Hang" typeface="맑은 고딕"/>
+        <a:font script="Hans" typeface="等线 Light"/>
+        <a:font script="Hant" typeface="新細明體"/>
+        <a:font script="Arab" typeface="Times New Roman"/>
+        <a:font script="Hebr" typeface="Times New Roman"/>
+        <a:font script="Thai" typeface="Angsana New"/>
+        <a:font script="Ethi" typeface="Nyala"/>
+        <a:font script="Beng" typeface="Vrinda"/>
+        <a:font script="Gujr" typeface="Shruti"/>
+        <a:font script="Khmr" typeface="MoolBoran"/>
+        <a:font script="Knda" typeface="Tunga"/>
+        <a:font script="Guru" typeface="Raavi"/>
+        <a:font script="Cans" typeface="Euphemia"/>
+        <a:font script="Cher" typeface="Plantagenet Cherokee"/>
+        <a:font script="Yiii" typeface="Microsoft Yi Baiti"/>
+        <a:font script="Tibt" typeface="Microsoft Himalaya"/>
+        <a:font script="Thaa" typeface="MV Boli"/>
+        <a:font script="Deva" typeface="Mangal"/>
+        <a:font script="Telu" typeface="Gautami"/>
+        <a:font script="Taml" typeface="Latha"/>
+        <a:font script="Syrc" typeface="Estrangelo Edessa"/>
+        <a:font script="Orya" typeface="Kalinga"/>
+        <a:font script="Mlym" typeface="Kartika"/>
+        <a:font script="Laoo" typeface="DokChampa"/>
+        <a:font script="Sinh" typeface="Iskoola Pota"/>
+        <a:font script="Mong" typeface="Mongolian Baiti"/>
+        <a:font script="Viet" typeface="Times New Roman"/>
+        <a:font script="Uigh" typeface="Microsoft Uighur"/>
+        <a:font script="Geor" typeface="Sylfaen"/>
+        <a:font script="Armn" typeface="Arial"/>
+        <a:font script="Bugi" typeface="Leelawadee UI"/>
+        <a:font script="Bopo" typeface="Microsoft JhengHei"/>
+        <a:font script="Java" typeface="Javanese Text"/>
+        <a:font script="Lisu" typeface="Segoe UI"/>
+        <a:font script="Mymr" typeface="Myanmar Text"/>
+        <a:font script="Nkoo" typeface="Ebrima"/>
+        <a:font script="Olck" typeface="Nirmala UI"/>
+        <a:font script="Osma" typeface="Ebrima"/>
+        <a:font script="Phag" typeface="Phagspa"/>
+        <a:font script="Syrn" typeface="Estrangelo Edessa"/>
+        <a:font script="Syrj" typeface="Estrangelo Edessa"/>
+        <a:font script="Syre" typeface="Estrangelo Edessa"/>
+        <a:font script="Sora" typeface="Nirmala UI"/>
+        <a:font script="Tale" typeface="Microsoft Tai Le"/>
+        <a:font script="Talu" typeface="Microsoft New Tai Lue"/>
+        <a:font script="Tfng" typeface="Ebrima"/>
+      </a:majorFont>
+      <a:minorFont>
+        <a:latin typeface="Calibri" panose="020F0502020204030204"/>
+        <a:ea typeface=""/>
+        <a:cs typeface=""/>
+        <a:font script="Jpan" typeface="游ゴシック"/>
+        <a:font script="Hang" typeface="맑은 고딕"/>
+        <a:font script="Hans" typeface="等线"/>
+        <a:font script="Hant" typeface="新細明體"/>
+        <a:font script="Arab" typeface="Arial"/>
+        <a:font script="Hebr" typeface="Arial"/>
+        <a:font script="Thai" typeface="Cordia New"/>
+        <a:font script="Ethi" typeface="Nyala"/>
+        <a:font script="Beng" typeface="Vrinda"/>
+        <a:font script="Gujr" typeface="Shruti"/>
+        <a:font script="Khmr" typeface="DaunPenh"/>
+        <a:font script="Knda" typeface="Tunga"/>
+        <a:font script="Guru" typeface="Raavi"/>
+        <a:font script="Cans" typeface="Euphemia"/>
+        <a:font script="Cher" typeface="Plantagenet Cherokee"/>
+        <a:font script="Yiii" typeface="Microsoft Yi Baiti"/>
+        <a:font script="Tibt" typeface="Microsoft Himalaya"/>
+        <a:font script="Thaa" typeface="MV Boli"/>
+        <a:font script="Deva" typeface="Mangal"/>
+        <a:font script="Telu" typeface="Gautami"/>
+        <a:font script="Taml" typeface="Latha"/>
+        <a:font script="Syrc" typeface="Estrangelo Edessa"/>
+        <a:font script="Orya" typeface="Kalinga"/>
+        <a:font script="Mlym" typeface="Kartika"/>
+        <a:font script="Laoo" typeface="DokChampa"/>
+        <a:font script="Sinh" typeface="Iskoola Pota"/>
+        <a:font script="Mong" typeface="Mongolian Baiti"/>
+        <a:font script="Viet" typeface="Arial"/>
+        <a:font script="Uigh" typeface="Microsoft Uighur"/>
+        <a:font script="Geor" typeface="Sylfaen"/>
+        <a:font script="Armn" typeface="Arial"/>
+        <a:font script="Bugi" typeface="Leelawadee UI"/>
+        <a:font script="Bopo" typeface="Microsoft JhengHei"/>
+        <a:font script="Java" typeface="Javanese Text"/>
+        <a:font script="Lisu" typeface="Segoe UI"/>
+        <a:font script="Mymr" typeface="Myanmar Text"/>
+        <a:font script="Nkoo" typeface="Ebrima"/>
+        <a:font script="Olck" typeface="Nirmala UI"/>
+        <a:font script="Osma" typeface="Ebrima"/>
+        <a:font script="Phag" typeface="Phagspa"/>
+        <a:font script="Syrn" typeface="Estrangelo Edessa"/>
+        <a:font script="Syrj" typeface="Estrangelo Edessa"/>
+        <a:font script="Syre" typeface="Estrangelo Edessa"/>
+        <a:font script="Sora" typeface="Nirmala UI"/>
+        <a:font script="Tale" typeface="Microsoft Tai Le"/>
+        <a:font script="Talu" typeface="Microsoft New Tai Lue"/>
+        <a:font script="Tfng" typeface="Ebrima"/>
+      </a:minorFont>
+    </a:fontScheme>
+    <a:fmtScheme name="Office">
+      <a:fillStyleLst>
+        <a:solidFill>
+          <a:schemeClr val="phClr"/>
+        </a:solidFill>
+        <a:gradFill rotWithShape="1">
+          <a:gsLst>
+            <a:gs pos="0">
+              <a:schemeClr val="phClr">
+                <a:lumMod val="110000"/>
+                <a:satMod val="105000"/>
+                <a:tint val="67000"/>
+              </a:schemeClr>
+            </a:gs>
+            <a:gs pos="50000">
+              <a:schemeClr val="phClr">
+                <a:lumMod val="105000"/>
+                <a:satMod val="103000"/>
+                <a:tint val="73000"/>
+              </a:schemeClr>
+            </a:gs>
+            <a:gs pos="100000">
+              <a:schemeClr val="phClr">
+                <a:lumMod val="105000"/>
+                <a:satMod val="109000"/>
+                <a:tint val="81000"/>
+              </a:schemeClr>
+            </a:gs>
+          </a:gsLst>
+          <a:lin ang="5400000" scaled="0"/>
+        </a:gradFill>
+        <a:gradFill rotWithShape="1">
+          <a:gsLst>
+            <a:gs pos="0">
+              <a:schemeClr val="phClr">
+                <a:satMod val="103000"/>
+                <a:lumMod val="102000"/>
+                <a:tint val="94000"/>
+              </a:schemeClr>
+            </a:gs>
+            <a:gs pos="50000">
+              <a:schemeClr val="phClr">
+                <a:satMod val="110000"/>
+                <a:lumMod val="100000"/>
+                <a:shade val="100000"/>
+              </a:schemeClr>
+            </a:gs>
+            <a:gs pos="100000">
+              <a:schemeClr val="phClr">
+                <a:lumMod val="99000"/>
+                <a:satMod val="120000"/>
+                <a:shade val="78000"/>
+              </a:schemeClr>
+            </a:gs>
+          </a:gsLst>
+          <a:lin ang="5400000" scaled="0"/>
+        </a:gradFill>
+      </a:fillStyleLst>
+      <a:lnStyleLst>
+        <a:ln w="6350" cap="flat" cmpd="sng" algn="ctr">
+          <a:solidFill>
+            <a:schemeClr val="phClr"/>
+          </a:solidFill>
+          <a:prstDash val="solid"/>
+          <a:miter lim="800000"/>
+        </a:ln>
+        <a:ln w="12700" cap="flat" cmpd="sng" algn="ctr">
+          <a:solidFill>
+            <a:schemeClr val="phClr"/>
+          </a:solidFill>
+          <a:prstDash val="solid"/>
+          <a:miter lim="800000"/>
+        </a:ln>
+        <a:ln w="19050" cap="flat" cmpd="sng" algn="ctr">
+          <a:solidFill>
+            <a:schemeClr val="phClr"/>
+          </a:solidFill>
+          <a:prstDash val="solid"/>
+          <a:miter lim="800000"/>
+        </a:ln>
+      </a:lnStyleLst>
+      <a:effectStyleLst>
+        <a:effectStyle>
+          <a:effectLst/>
+        </a:effectStyle>
+        <a:effectStyle>
+          <a:effectLst/>
+        </a:effectStyle>
+        <a:effectStyle>
+          <a:effectLst>
+            <a:outerShdw blurRad="57150" dist="19050" dir="5400000" algn="ctr" rotWithShape="0">
+              <a:srgbClr val="000000">
+                <a:alpha val="63000"/>
+              </a:srgbClr>
+            </a:outerShdw>
+          </a:effectLst>
+        </a:effectStyle>
+      </a:effectStyleLst>
+      <a:bgFillStyleLst>
+        <a:solidFill>
+          <a:schemeClr val="phClr"/>
+        </a:solidFill>
+        <a:solidFill>
+          <a:schemeClr val="phClr">
+            <a:tint val="95000"/>
+            <a:satMod val="170000"/>
+          </a:schemeClr>
+        </a:solidFill>
+        <a:gradFill rotWithShape="1">
+          <a:gsLst>
+            <a:gs pos="0">
+              <a:schemeClr val="phClr">
+                <a:tint val="93000"/>
+                <a:satMod val="150000"/>
+                <a:shade val="98000"/>
+                <a:lumMod val="102000"/>
+              </a:schemeClr>
+            </a:gs>
+            <a:gs pos="50000">
+              <a:schemeClr val="phClr">
+                <a:tint val="98000"/>
+                <a:satMod val="130000"/>
+                <a:shade val="90000"/>
+                <a:lumMod val="103000"/>
+              </a:schemeClr>
+            </a:gs>
+            <a:gs pos="100000">
+              <a:schemeClr val="phClr">
+                <a:shade val="63000"/>
+                <a:satMod val="120000"/>
+              </a:schemeClr>
+            </a:gs>
+          </a:gsLst>
+          <a:lin ang="5400000" scaled="0"/>
+        </a:gradFill>
+      </a:bgFillStyleLst>
+    </a:fmtScheme>
+  </a:themeElements>
+  <a:objectDefaults/>
+  <a:extraClrSchemeLst/>
+  <a:extLst>
+    <a:ext uri="{05A4C25C-085E-4340-85A3-A5531E510DB2}">
+      <thm15:themeFamily xmlns:thm15="http://schemas.microsoft.com/office/thememl/2012/main" name="Office Theme" id="{62F939B6-93AF-4DB8-9C6B-D6C7DFDC589F}" vid="{4A3C46E8-61CC-4603-A589-7422A47A8E4A}"/>
+    </a:ext>
+  </a:extLst>
+</a:theme>
 </file>